--- a/2024_LLM論文要約.pptx
+++ b/2024_LLM論文要約.pptx
@@ -17,16 +17,29 @@
     <p:sldId id="262" r:id="rId12"/>
     <p:sldId id="263" r:id="rId13"/>
     <p:sldId id="264" r:id="rId14"/>
+    <p:sldId id="265" r:id="rId15"/>
+    <p:sldId id="266" r:id="rId16"/>
+    <p:sldId id="267" r:id="rId17"/>
+    <p:sldId id="268" r:id="rId18"/>
+    <p:sldId id="269" r:id="rId19"/>
+    <p:sldId id="270" r:id="rId20"/>
+    <p:sldId id="271" r:id="rId21"/>
+    <p:sldId id="272" r:id="rId22"/>
+    <p:sldId id="273" r:id="rId23"/>
+    <p:sldId id="274" r:id="rId24"/>
+    <p:sldId id="275" r:id="rId25"/>
+    <p:sldId id="276" r:id="rId26"/>
+    <p:sldId id="277" r:id="rId27"/>
   </p:sldIdLst>
   <p:sldSz cy="5143500" cx="9144000"/>
   <p:notesSz cx="6858000" cy="9144000"/>
   <p:embeddedFontLst>
     <p:embeddedFont>
       <p:font typeface="Proxima Nova"/>
-      <p:regular r:id="rId15"/>
-      <p:bold r:id="rId16"/>
-      <p:italic r:id="rId17"/>
-      <p:boldItalic r:id="rId18"/>
+      <p:regular r:id="rId28"/>
+      <p:bold r:id="rId29"/>
+      <p:italic r:id="rId30"/>
+      <p:boldItalic r:id="rId31"/>
     </p:embeddedFont>
   </p:embeddedFontLst>
   <p:defaultTextStyle>
@@ -802,6 +815,1006 @@
 </p:notes>
 </file>
 
+<file path=ppt/notesSlides/notesSlide10.xml><?xml version="1.0" encoding="utf-8"?>
+<p:notes xmlns:a="http://schemas.openxmlformats.org/drawingml/2006/main" xmlns:r="http://schemas.openxmlformats.org/officeDocument/2006/relationships" xmlns:mc="http://schemas.openxmlformats.org/markup-compatibility/2006" xmlns:mv="urn:schemas-microsoft-com:mac:vml" xmlns:p="http://schemas.openxmlformats.org/presentationml/2006/main" xmlns:c="http://schemas.openxmlformats.org/drawingml/2006/chart" xmlns:dgm="http://schemas.openxmlformats.org/drawingml/2006/diagram" xmlns:o="urn:schemas-microsoft-com:office:office" xmlns:v="urn:schemas-microsoft-com:vml" xmlns:pvml="urn:schemas-microsoft-com:office:powerpoint" xmlns:com="http://schemas.openxmlformats.org/drawingml/2006/compatibility" xmlns:p14="http://schemas.microsoft.com/office/powerpoint/2010/main" xmlns:p15="http://schemas.microsoft.com/office/powerpoint/2012/main" xmlns:ahyp="http://schemas.microsoft.com/office/drawing/2018/hyperlinkcolor" showMasterPhAnim="0" showMasterSp="0">
+  <p:cSld>
+    <p:spTree>
+      <p:nvGrpSpPr>
+        <p:cNvPr id="106" name="Shape 106"/>
+        <p:cNvGrpSpPr/>
+        <p:nvPr/>
+      </p:nvGrpSpPr>
+      <p:grpSpPr>
+        <a:xfrm>
+          <a:off x="0" y="0"/>
+          <a:ext cx="0" cy="0"/>
+          <a:chOff x="0" y="0"/>
+          <a:chExt cx="0" cy="0"/>
+        </a:xfrm>
+      </p:grpSpPr>
+      <p:sp>
+        <p:nvSpPr>
+          <p:cNvPr id="107" name="Google Shape;107;g2ad5becc4e8_0_0:notes"/>
+          <p:cNvSpPr/>
+          <p:nvPr>
+            <p:ph idx="2" type="sldImg"/>
+          </p:nvPr>
+        </p:nvSpPr>
+        <p:spPr>
+          <a:xfrm>
+            <a:off x="381300" y="685800"/>
+            <a:ext cx="6096000" cy="3429000"/>
+          </a:xfrm>
+          <a:custGeom>
+            <a:rect b="b" l="l" r="r" t="t"/>
+            <a:pathLst>
+              <a:path extrusionOk="0" h="120000" w="120000">
+                <a:moveTo>
+                  <a:pt x="0" y="0"/>
+                </a:moveTo>
+                <a:lnTo>
+                  <a:pt x="120000" y="0"/>
+                </a:lnTo>
+                <a:lnTo>
+                  <a:pt x="120000" y="120000"/>
+                </a:lnTo>
+                <a:lnTo>
+                  <a:pt x="0" y="120000"/>
+                </a:lnTo>
+                <a:close/>
+              </a:path>
+            </a:pathLst>
+          </a:custGeom>
+        </p:spPr>
+      </p:sp>
+      <p:sp>
+        <p:nvSpPr>
+          <p:cNvPr id="108" name="Google Shape;108;g2ad5becc4e8_0_0:notes"/>
+          <p:cNvSpPr txBox="1"/>
+          <p:nvPr>
+            <p:ph idx="1" type="body"/>
+          </p:nvPr>
+        </p:nvSpPr>
+        <p:spPr>
+          <a:xfrm>
+            <a:off x="685800" y="4343400"/>
+            <a:ext cx="5486400" cy="4114800"/>
+          </a:xfrm>
+          <a:prstGeom prst="rect">
+            <a:avLst/>
+          </a:prstGeom>
+        </p:spPr>
+        <p:txBody>
+          <a:bodyPr anchorCtr="0" anchor="t" bIns="91425" lIns="91425" spcFirstLastPara="1" rIns="91425" wrap="square" tIns="91425">
+            <a:noAutofit/>
+          </a:bodyPr>
+          <a:lstStyle/>
+          <a:p>
+            <a:pPr indent="0" lvl="0" marL="0" rtl="0" algn="l">
+              <a:spcBef>
+                <a:spcPts val="0"/>
+              </a:spcBef>
+              <a:spcAft>
+                <a:spcPts val="0"/>
+              </a:spcAft>
+              <a:buNone/>
+            </a:pPr>
+            <a:r>
+              <a:rPr lang="ja"/>
+              <a:t>[What is In-context Learning, and how does it work: The Beginner’s Guide](https://www.lakera.ai/insights/what-is-in-context-learning)</a:t>
+            </a:r>
+            <a:endParaRPr/>
+          </a:p>
+        </p:txBody>
+      </p:sp>
+    </p:spTree>
+  </p:cSld>
+  <p:clrMapOvr>
+    <a:masterClrMapping/>
+  </p:clrMapOvr>
+</p:notes>
+</file>
+
+<file path=ppt/notesSlides/notesSlide11.xml><?xml version="1.0" encoding="utf-8"?>
+<p:notes xmlns:a="http://schemas.openxmlformats.org/drawingml/2006/main" xmlns:r="http://schemas.openxmlformats.org/officeDocument/2006/relationships" xmlns:mc="http://schemas.openxmlformats.org/markup-compatibility/2006" xmlns:mv="urn:schemas-microsoft-com:mac:vml" xmlns:p="http://schemas.openxmlformats.org/presentationml/2006/main" xmlns:c="http://schemas.openxmlformats.org/drawingml/2006/chart" xmlns:dgm="http://schemas.openxmlformats.org/drawingml/2006/diagram" xmlns:o="urn:schemas-microsoft-com:office:office" xmlns:v="urn:schemas-microsoft-com:vml" xmlns:pvml="urn:schemas-microsoft-com:office:powerpoint" xmlns:com="http://schemas.openxmlformats.org/drawingml/2006/compatibility" xmlns:p14="http://schemas.microsoft.com/office/powerpoint/2010/main" xmlns:p15="http://schemas.microsoft.com/office/powerpoint/2012/main" xmlns:ahyp="http://schemas.microsoft.com/office/drawing/2018/hyperlinkcolor" showMasterPhAnim="0" showMasterSp="0">
+  <p:cSld>
+    <p:spTree>
+      <p:nvGrpSpPr>
+        <p:cNvPr id="111" name="Shape 111"/>
+        <p:cNvGrpSpPr/>
+        <p:nvPr/>
+      </p:nvGrpSpPr>
+      <p:grpSpPr>
+        <a:xfrm>
+          <a:off x="0" y="0"/>
+          <a:ext cx="0" cy="0"/>
+          <a:chOff x="0" y="0"/>
+          <a:chExt cx="0" cy="0"/>
+        </a:xfrm>
+      </p:grpSpPr>
+      <p:sp>
+        <p:nvSpPr>
+          <p:cNvPr id="112" name="Google Shape;112;g2ad5becc4e8_0_18:notes"/>
+          <p:cNvSpPr/>
+          <p:nvPr>
+            <p:ph idx="2" type="sldImg"/>
+          </p:nvPr>
+        </p:nvSpPr>
+        <p:spPr>
+          <a:xfrm>
+            <a:off x="381300" y="685800"/>
+            <a:ext cx="6096000" cy="3429000"/>
+          </a:xfrm>
+          <a:custGeom>
+            <a:rect b="b" l="l" r="r" t="t"/>
+            <a:pathLst>
+              <a:path extrusionOk="0" h="120000" w="120000">
+                <a:moveTo>
+                  <a:pt x="0" y="0"/>
+                </a:moveTo>
+                <a:lnTo>
+                  <a:pt x="120000" y="0"/>
+                </a:lnTo>
+                <a:lnTo>
+                  <a:pt x="120000" y="120000"/>
+                </a:lnTo>
+                <a:lnTo>
+                  <a:pt x="0" y="120000"/>
+                </a:lnTo>
+                <a:close/>
+              </a:path>
+            </a:pathLst>
+          </a:custGeom>
+        </p:spPr>
+      </p:sp>
+      <p:sp>
+        <p:nvSpPr>
+          <p:cNvPr id="113" name="Google Shape;113;g2ad5becc4e8_0_18:notes"/>
+          <p:cNvSpPr txBox="1"/>
+          <p:nvPr>
+            <p:ph idx="1" type="body"/>
+          </p:nvPr>
+        </p:nvSpPr>
+        <p:spPr>
+          <a:xfrm>
+            <a:off x="685800" y="4343400"/>
+            <a:ext cx="5486400" cy="4114800"/>
+          </a:xfrm>
+          <a:prstGeom prst="rect">
+            <a:avLst/>
+          </a:prstGeom>
+        </p:spPr>
+        <p:txBody>
+          <a:bodyPr anchorCtr="0" anchor="t" bIns="91425" lIns="91425" spcFirstLastPara="1" rIns="91425" wrap="square" tIns="91425">
+            <a:noAutofit/>
+          </a:bodyPr>
+          <a:lstStyle/>
+          <a:p>
+            <a:pPr indent="0" lvl="0" marL="0" rtl="0" algn="l">
+              <a:spcBef>
+                <a:spcPts val="0"/>
+              </a:spcBef>
+              <a:spcAft>
+                <a:spcPts val="0"/>
+              </a:spcAft>
+              <a:buNone/>
+            </a:pPr>
+            <a:r>
+              <a:rPr lang="ja"/>
+              <a:t>[What is In-context Learning, and how does it work: The Beginner’s Guide](https://www.lakera.ai/insights/what-is-in-context-learning)</a:t>
+            </a:r>
+            <a:endParaRPr/>
+          </a:p>
+        </p:txBody>
+      </p:sp>
+    </p:spTree>
+  </p:cSld>
+  <p:clrMapOvr>
+    <a:masterClrMapping/>
+  </p:clrMapOvr>
+</p:notes>
+</file>
+
+<file path=ppt/notesSlides/notesSlide12.xml><?xml version="1.0" encoding="utf-8"?>
+<p:notes xmlns:a="http://schemas.openxmlformats.org/drawingml/2006/main" xmlns:r="http://schemas.openxmlformats.org/officeDocument/2006/relationships" xmlns:mc="http://schemas.openxmlformats.org/markup-compatibility/2006" xmlns:mv="urn:schemas-microsoft-com:mac:vml" xmlns:p="http://schemas.openxmlformats.org/presentationml/2006/main" xmlns:c="http://schemas.openxmlformats.org/drawingml/2006/chart" xmlns:dgm="http://schemas.openxmlformats.org/drawingml/2006/diagram" xmlns:o="urn:schemas-microsoft-com:office:office" xmlns:v="urn:schemas-microsoft-com:vml" xmlns:pvml="urn:schemas-microsoft-com:office:powerpoint" xmlns:com="http://schemas.openxmlformats.org/drawingml/2006/compatibility" xmlns:p14="http://schemas.microsoft.com/office/powerpoint/2010/main" xmlns:p15="http://schemas.microsoft.com/office/powerpoint/2012/main" xmlns:ahyp="http://schemas.microsoft.com/office/drawing/2018/hyperlinkcolor" showMasterPhAnim="0" showMasterSp="0">
+  <p:cSld>
+    <p:spTree>
+      <p:nvGrpSpPr>
+        <p:cNvPr id="116" name="Shape 116"/>
+        <p:cNvGrpSpPr/>
+        <p:nvPr/>
+      </p:nvGrpSpPr>
+      <p:grpSpPr>
+        <a:xfrm>
+          <a:off x="0" y="0"/>
+          <a:ext cx="0" cy="0"/>
+          <a:chOff x="0" y="0"/>
+          <a:chExt cx="0" cy="0"/>
+        </a:xfrm>
+      </p:grpSpPr>
+      <p:sp>
+        <p:nvSpPr>
+          <p:cNvPr id="117" name="Google Shape;117;g2ad5becc4e8_0_31:notes"/>
+          <p:cNvSpPr/>
+          <p:nvPr>
+            <p:ph idx="2" type="sldImg"/>
+          </p:nvPr>
+        </p:nvSpPr>
+        <p:spPr>
+          <a:xfrm>
+            <a:off x="381300" y="685800"/>
+            <a:ext cx="6096000" cy="3429000"/>
+          </a:xfrm>
+          <a:custGeom>
+            <a:rect b="b" l="l" r="r" t="t"/>
+            <a:pathLst>
+              <a:path extrusionOk="0" h="120000" w="120000">
+                <a:moveTo>
+                  <a:pt x="0" y="0"/>
+                </a:moveTo>
+                <a:lnTo>
+                  <a:pt x="120000" y="0"/>
+                </a:lnTo>
+                <a:lnTo>
+                  <a:pt x="120000" y="120000"/>
+                </a:lnTo>
+                <a:lnTo>
+                  <a:pt x="0" y="120000"/>
+                </a:lnTo>
+                <a:close/>
+              </a:path>
+            </a:pathLst>
+          </a:custGeom>
+        </p:spPr>
+      </p:sp>
+      <p:sp>
+        <p:nvSpPr>
+          <p:cNvPr id="118" name="Google Shape;118;g2ad5becc4e8_0_31:notes"/>
+          <p:cNvSpPr txBox="1"/>
+          <p:nvPr>
+            <p:ph idx="1" type="body"/>
+          </p:nvPr>
+        </p:nvSpPr>
+        <p:spPr>
+          <a:xfrm>
+            <a:off x="685800" y="4343400"/>
+            <a:ext cx="5486400" cy="4114800"/>
+          </a:xfrm>
+          <a:prstGeom prst="rect">
+            <a:avLst/>
+          </a:prstGeom>
+        </p:spPr>
+        <p:txBody>
+          <a:bodyPr anchorCtr="0" anchor="t" bIns="91425" lIns="91425" spcFirstLastPara="1" rIns="91425" wrap="square" tIns="91425">
+            <a:noAutofit/>
+          </a:bodyPr>
+          <a:lstStyle/>
+          <a:p>
+            <a:pPr indent="0" lvl="0" marL="0" rtl="0" algn="l">
+              <a:spcBef>
+                <a:spcPts val="0"/>
+              </a:spcBef>
+              <a:spcAft>
+                <a:spcPts val="0"/>
+              </a:spcAft>
+              <a:buNone/>
+            </a:pPr>
+            <a:r>
+              <a:rPr lang="ja"/>
+              <a:t>[What is In-context Learning, and how does it work: The Beginner’s Guide](https://www.lakera.ai/insights/what-is-in-context-learning)</a:t>
+            </a:r>
+            <a:endParaRPr/>
+          </a:p>
+        </p:txBody>
+      </p:sp>
+    </p:spTree>
+  </p:cSld>
+  <p:clrMapOvr>
+    <a:masterClrMapping/>
+  </p:clrMapOvr>
+</p:notes>
+</file>
+
+<file path=ppt/notesSlides/notesSlide13.xml><?xml version="1.0" encoding="utf-8"?>
+<p:notes xmlns:a="http://schemas.openxmlformats.org/drawingml/2006/main" xmlns:r="http://schemas.openxmlformats.org/officeDocument/2006/relationships" xmlns:mc="http://schemas.openxmlformats.org/markup-compatibility/2006" xmlns:mv="urn:schemas-microsoft-com:mac:vml" xmlns:p="http://schemas.openxmlformats.org/presentationml/2006/main" xmlns:c="http://schemas.openxmlformats.org/drawingml/2006/chart" xmlns:dgm="http://schemas.openxmlformats.org/drawingml/2006/diagram" xmlns:o="urn:schemas-microsoft-com:office:office" xmlns:v="urn:schemas-microsoft-com:vml" xmlns:pvml="urn:schemas-microsoft-com:office:powerpoint" xmlns:com="http://schemas.openxmlformats.org/drawingml/2006/compatibility" xmlns:p14="http://schemas.microsoft.com/office/powerpoint/2010/main" xmlns:p15="http://schemas.microsoft.com/office/powerpoint/2012/main" xmlns:ahyp="http://schemas.microsoft.com/office/drawing/2018/hyperlinkcolor" showMasterPhAnim="0" showMasterSp="0">
+  <p:cSld>
+    <p:spTree>
+      <p:nvGrpSpPr>
+        <p:cNvPr id="121" name="Shape 121"/>
+        <p:cNvGrpSpPr/>
+        <p:nvPr/>
+      </p:nvGrpSpPr>
+      <p:grpSpPr>
+        <a:xfrm>
+          <a:off x="0" y="0"/>
+          <a:ext cx="0" cy="0"/>
+          <a:chOff x="0" y="0"/>
+          <a:chExt cx="0" cy="0"/>
+        </a:xfrm>
+      </p:grpSpPr>
+      <p:sp>
+        <p:nvSpPr>
+          <p:cNvPr id="122" name="Google Shape;122;g2adca058d15_0_0:notes"/>
+          <p:cNvSpPr/>
+          <p:nvPr>
+            <p:ph idx="2" type="sldImg"/>
+          </p:nvPr>
+        </p:nvSpPr>
+        <p:spPr>
+          <a:xfrm>
+            <a:off x="381300" y="685800"/>
+            <a:ext cx="6096000" cy="3429000"/>
+          </a:xfrm>
+          <a:custGeom>
+            <a:rect b="b" l="l" r="r" t="t"/>
+            <a:pathLst>
+              <a:path extrusionOk="0" h="120000" w="120000">
+                <a:moveTo>
+                  <a:pt x="0" y="0"/>
+                </a:moveTo>
+                <a:lnTo>
+                  <a:pt x="120000" y="0"/>
+                </a:lnTo>
+                <a:lnTo>
+                  <a:pt x="120000" y="120000"/>
+                </a:lnTo>
+                <a:lnTo>
+                  <a:pt x="0" y="120000"/>
+                </a:lnTo>
+                <a:close/>
+              </a:path>
+            </a:pathLst>
+          </a:custGeom>
+        </p:spPr>
+      </p:sp>
+      <p:sp>
+        <p:nvSpPr>
+          <p:cNvPr id="123" name="Google Shape;123;g2adca058d15_0_0:notes"/>
+          <p:cNvSpPr txBox="1"/>
+          <p:nvPr>
+            <p:ph idx="1" type="body"/>
+          </p:nvPr>
+        </p:nvSpPr>
+        <p:spPr>
+          <a:xfrm>
+            <a:off x="685800" y="4343400"/>
+            <a:ext cx="5486400" cy="4114800"/>
+          </a:xfrm>
+          <a:prstGeom prst="rect">
+            <a:avLst/>
+          </a:prstGeom>
+        </p:spPr>
+        <p:txBody>
+          <a:bodyPr anchorCtr="0" anchor="t" bIns="91425" lIns="91425" spcFirstLastPara="1" rIns="91425" wrap="square" tIns="91425">
+            <a:noAutofit/>
+          </a:bodyPr>
+          <a:lstStyle/>
+          <a:p>
+            <a:pPr indent="0" lvl="0" marL="0" rtl="0" algn="l">
+              <a:spcBef>
+                <a:spcPts val="0"/>
+              </a:spcBef>
+              <a:spcAft>
+                <a:spcPts val="0"/>
+              </a:spcAft>
+              <a:buNone/>
+            </a:pPr>
+            <a:r>
+              <a:rPr lang="ja"/>
+              <a:t>[What is In-context Learning, and how does it work: The Beginner’s Guide](https://www.lakera.ai/insights/what-is-in-context-learning)</a:t>
+            </a:r>
+            <a:endParaRPr/>
+          </a:p>
+        </p:txBody>
+      </p:sp>
+    </p:spTree>
+  </p:cSld>
+  <p:clrMapOvr>
+    <a:masterClrMapping/>
+  </p:clrMapOvr>
+</p:notes>
+</file>
+
+<file path=ppt/notesSlides/notesSlide14.xml><?xml version="1.0" encoding="utf-8"?>
+<p:notes xmlns:a="http://schemas.openxmlformats.org/drawingml/2006/main" xmlns:r="http://schemas.openxmlformats.org/officeDocument/2006/relationships" xmlns:mc="http://schemas.openxmlformats.org/markup-compatibility/2006" xmlns:mv="urn:schemas-microsoft-com:mac:vml" xmlns:p="http://schemas.openxmlformats.org/presentationml/2006/main" xmlns:c="http://schemas.openxmlformats.org/drawingml/2006/chart" xmlns:dgm="http://schemas.openxmlformats.org/drawingml/2006/diagram" xmlns:o="urn:schemas-microsoft-com:office:office" xmlns:v="urn:schemas-microsoft-com:vml" xmlns:pvml="urn:schemas-microsoft-com:office:powerpoint" xmlns:com="http://schemas.openxmlformats.org/drawingml/2006/compatibility" xmlns:p14="http://schemas.microsoft.com/office/powerpoint/2010/main" xmlns:p15="http://schemas.microsoft.com/office/powerpoint/2012/main" xmlns:ahyp="http://schemas.microsoft.com/office/drawing/2018/hyperlinkcolor" showMasterPhAnim="0" showMasterSp="0">
+  <p:cSld>
+    <p:spTree>
+      <p:nvGrpSpPr>
+        <p:cNvPr id="128" name="Shape 128"/>
+        <p:cNvGrpSpPr/>
+        <p:nvPr/>
+      </p:nvGrpSpPr>
+      <p:grpSpPr>
+        <a:xfrm>
+          <a:off x="0" y="0"/>
+          <a:ext cx="0" cy="0"/>
+          <a:chOff x="0" y="0"/>
+          <a:chExt cx="0" cy="0"/>
+        </a:xfrm>
+      </p:grpSpPr>
+      <p:sp>
+        <p:nvSpPr>
+          <p:cNvPr id="129" name="Google Shape;129;g2add99418dd_0_12:notes"/>
+          <p:cNvSpPr/>
+          <p:nvPr>
+            <p:ph idx="2" type="sldImg"/>
+          </p:nvPr>
+        </p:nvSpPr>
+        <p:spPr>
+          <a:xfrm>
+            <a:off x="381300" y="685800"/>
+            <a:ext cx="6096000" cy="3429000"/>
+          </a:xfrm>
+          <a:custGeom>
+            <a:rect b="b" l="l" r="r" t="t"/>
+            <a:pathLst>
+              <a:path extrusionOk="0" h="120000" w="120000">
+                <a:moveTo>
+                  <a:pt x="0" y="0"/>
+                </a:moveTo>
+                <a:lnTo>
+                  <a:pt x="120000" y="0"/>
+                </a:lnTo>
+                <a:lnTo>
+                  <a:pt x="120000" y="120000"/>
+                </a:lnTo>
+                <a:lnTo>
+                  <a:pt x="0" y="120000"/>
+                </a:lnTo>
+                <a:close/>
+              </a:path>
+            </a:pathLst>
+          </a:custGeom>
+        </p:spPr>
+      </p:sp>
+      <p:sp>
+        <p:nvSpPr>
+          <p:cNvPr id="130" name="Google Shape;130;g2add99418dd_0_12:notes"/>
+          <p:cNvSpPr txBox="1"/>
+          <p:nvPr>
+            <p:ph idx="1" type="body"/>
+          </p:nvPr>
+        </p:nvSpPr>
+        <p:spPr>
+          <a:xfrm>
+            <a:off x="685800" y="4343400"/>
+            <a:ext cx="5486400" cy="4114800"/>
+          </a:xfrm>
+          <a:prstGeom prst="rect">
+            <a:avLst/>
+          </a:prstGeom>
+        </p:spPr>
+        <p:txBody>
+          <a:bodyPr anchorCtr="0" anchor="t" bIns="91425" lIns="91425" spcFirstLastPara="1" rIns="91425" wrap="square" tIns="91425">
+            <a:noAutofit/>
+          </a:bodyPr>
+          <a:lstStyle/>
+          <a:p>
+            <a:pPr indent="0" lvl="0" marL="0" rtl="0" algn="l">
+              <a:spcBef>
+                <a:spcPts val="0"/>
+              </a:spcBef>
+              <a:spcAft>
+                <a:spcPts val="0"/>
+              </a:spcAft>
+              <a:buNone/>
+            </a:pPr>
+            <a:r>
+              <a:rPr lang="ja"/>
+              <a:t>[What is In-context Learning, and how does it work: The Beginner’s Guide](https://www.lakera.ai/insights/what-is-in-context-learning)</a:t>
+            </a:r>
+            <a:endParaRPr/>
+          </a:p>
+        </p:txBody>
+      </p:sp>
+    </p:spTree>
+  </p:cSld>
+  <p:clrMapOvr>
+    <a:masterClrMapping/>
+  </p:clrMapOvr>
+</p:notes>
+</file>
+
+<file path=ppt/notesSlides/notesSlide15.xml><?xml version="1.0" encoding="utf-8"?>
+<p:notes xmlns:a="http://schemas.openxmlformats.org/drawingml/2006/main" xmlns:r="http://schemas.openxmlformats.org/officeDocument/2006/relationships" xmlns:mc="http://schemas.openxmlformats.org/markup-compatibility/2006" xmlns:mv="urn:schemas-microsoft-com:mac:vml" xmlns:p="http://schemas.openxmlformats.org/presentationml/2006/main" xmlns:c="http://schemas.openxmlformats.org/drawingml/2006/chart" xmlns:dgm="http://schemas.openxmlformats.org/drawingml/2006/diagram" xmlns:o="urn:schemas-microsoft-com:office:office" xmlns:v="urn:schemas-microsoft-com:vml" xmlns:pvml="urn:schemas-microsoft-com:office:powerpoint" xmlns:com="http://schemas.openxmlformats.org/drawingml/2006/compatibility" xmlns:p14="http://schemas.microsoft.com/office/powerpoint/2010/main" xmlns:p15="http://schemas.microsoft.com/office/powerpoint/2012/main" xmlns:ahyp="http://schemas.microsoft.com/office/drawing/2018/hyperlinkcolor" showMasterPhAnim="0" showMasterSp="0">
+  <p:cSld>
+    <p:spTree>
+      <p:nvGrpSpPr>
+        <p:cNvPr id="133" name="Shape 133"/>
+        <p:cNvGrpSpPr/>
+        <p:nvPr/>
+      </p:nvGrpSpPr>
+      <p:grpSpPr>
+        <a:xfrm>
+          <a:off x="0" y="0"/>
+          <a:ext cx="0" cy="0"/>
+          <a:chOff x="0" y="0"/>
+          <a:chExt cx="0" cy="0"/>
+        </a:xfrm>
+      </p:grpSpPr>
+      <p:sp>
+        <p:nvSpPr>
+          <p:cNvPr id="134" name="Google Shape;134;g2ae334d00fd_0_3:notes"/>
+          <p:cNvSpPr/>
+          <p:nvPr>
+            <p:ph idx="2" type="sldImg"/>
+          </p:nvPr>
+        </p:nvSpPr>
+        <p:spPr>
+          <a:xfrm>
+            <a:off x="381300" y="685800"/>
+            <a:ext cx="6096000" cy="3429000"/>
+          </a:xfrm>
+          <a:custGeom>
+            <a:rect b="b" l="l" r="r" t="t"/>
+            <a:pathLst>
+              <a:path extrusionOk="0" h="120000" w="120000">
+                <a:moveTo>
+                  <a:pt x="0" y="0"/>
+                </a:moveTo>
+                <a:lnTo>
+                  <a:pt x="120000" y="0"/>
+                </a:lnTo>
+                <a:lnTo>
+                  <a:pt x="120000" y="120000"/>
+                </a:lnTo>
+                <a:lnTo>
+                  <a:pt x="0" y="120000"/>
+                </a:lnTo>
+                <a:close/>
+              </a:path>
+            </a:pathLst>
+          </a:custGeom>
+        </p:spPr>
+      </p:sp>
+      <p:sp>
+        <p:nvSpPr>
+          <p:cNvPr id="135" name="Google Shape;135;g2ae334d00fd_0_3:notes"/>
+          <p:cNvSpPr txBox="1"/>
+          <p:nvPr>
+            <p:ph idx="1" type="body"/>
+          </p:nvPr>
+        </p:nvSpPr>
+        <p:spPr>
+          <a:xfrm>
+            <a:off x="685800" y="4343400"/>
+            <a:ext cx="5486400" cy="4114800"/>
+          </a:xfrm>
+          <a:prstGeom prst="rect">
+            <a:avLst/>
+          </a:prstGeom>
+        </p:spPr>
+        <p:txBody>
+          <a:bodyPr anchorCtr="0" anchor="t" bIns="91425" lIns="91425" spcFirstLastPara="1" rIns="91425" wrap="square" tIns="91425">
+            <a:noAutofit/>
+          </a:bodyPr>
+          <a:lstStyle/>
+          <a:p>
+            <a:pPr indent="0" lvl="0" marL="0" rtl="0" algn="l">
+              <a:spcBef>
+                <a:spcPts val="0"/>
+              </a:spcBef>
+              <a:spcAft>
+                <a:spcPts val="0"/>
+              </a:spcAft>
+              <a:buNone/>
+            </a:pPr>
+            <a:r>
+              <a:rPr lang="ja"/>
+              <a:t>[What is In-context Learning, and how does it work: The Beginner’s Guide](https://www.lakera.ai/insights/what-is-in-context-learning)</a:t>
+            </a:r>
+            <a:endParaRPr/>
+          </a:p>
+        </p:txBody>
+      </p:sp>
+    </p:spTree>
+  </p:cSld>
+  <p:clrMapOvr>
+    <a:masterClrMapping/>
+  </p:clrMapOvr>
+</p:notes>
+</file>
+
+<file path=ppt/notesSlides/notesSlide16.xml><?xml version="1.0" encoding="utf-8"?>
+<p:notes xmlns:a="http://schemas.openxmlformats.org/drawingml/2006/main" xmlns:r="http://schemas.openxmlformats.org/officeDocument/2006/relationships" xmlns:mc="http://schemas.openxmlformats.org/markup-compatibility/2006" xmlns:mv="urn:schemas-microsoft-com:mac:vml" xmlns:p="http://schemas.openxmlformats.org/presentationml/2006/main" xmlns:c="http://schemas.openxmlformats.org/drawingml/2006/chart" xmlns:dgm="http://schemas.openxmlformats.org/drawingml/2006/diagram" xmlns:o="urn:schemas-microsoft-com:office:office" xmlns:v="urn:schemas-microsoft-com:vml" xmlns:pvml="urn:schemas-microsoft-com:office:powerpoint" xmlns:com="http://schemas.openxmlformats.org/drawingml/2006/compatibility" xmlns:p14="http://schemas.microsoft.com/office/powerpoint/2010/main" xmlns:p15="http://schemas.microsoft.com/office/powerpoint/2012/main" xmlns:ahyp="http://schemas.microsoft.com/office/drawing/2018/hyperlinkcolor" showMasterPhAnim="0" showMasterSp="0">
+  <p:cSld>
+    <p:spTree>
+      <p:nvGrpSpPr>
+        <p:cNvPr id="139" name="Shape 139"/>
+        <p:cNvGrpSpPr/>
+        <p:nvPr/>
+      </p:nvGrpSpPr>
+      <p:grpSpPr>
+        <a:xfrm>
+          <a:off x="0" y="0"/>
+          <a:ext cx="0" cy="0"/>
+          <a:chOff x="0" y="0"/>
+          <a:chExt cx="0" cy="0"/>
+        </a:xfrm>
+      </p:grpSpPr>
+      <p:sp>
+        <p:nvSpPr>
+          <p:cNvPr id="140" name="Google Shape;140;g2ae334d00fd_0_16:notes"/>
+          <p:cNvSpPr/>
+          <p:nvPr>
+            <p:ph idx="2" type="sldImg"/>
+          </p:nvPr>
+        </p:nvSpPr>
+        <p:spPr>
+          <a:xfrm>
+            <a:off x="381300" y="685800"/>
+            <a:ext cx="6096000" cy="3429000"/>
+          </a:xfrm>
+          <a:custGeom>
+            <a:rect b="b" l="l" r="r" t="t"/>
+            <a:pathLst>
+              <a:path extrusionOk="0" h="120000" w="120000">
+                <a:moveTo>
+                  <a:pt x="0" y="0"/>
+                </a:moveTo>
+                <a:lnTo>
+                  <a:pt x="120000" y="0"/>
+                </a:lnTo>
+                <a:lnTo>
+                  <a:pt x="120000" y="120000"/>
+                </a:lnTo>
+                <a:lnTo>
+                  <a:pt x="0" y="120000"/>
+                </a:lnTo>
+                <a:close/>
+              </a:path>
+            </a:pathLst>
+          </a:custGeom>
+        </p:spPr>
+      </p:sp>
+      <p:sp>
+        <p:nvSpPr>
+          <p:cNvPr id="141" name="Google Shape;141;g2ae334d00fd_0_16:notes"/>
+          <p:cNvSpPr txBox="1"/>
+          <p:nvPr>
+            <p:ph idx="1" type="body"/>
+          </p:nvPr>
+        </p:nvSpPr>
+        <p:spPr>
+          <a:xfrm>
+            <a:off x="685800" y="4343400"/>
+            <a:ext cx="5486400" cy="4114800"/>
+          </a:xfrm>
+          <a:prstGeom prst="rect">
+            <a:avLst/>
+          </a:prstGeom>
+        </p:spPr>
+        <p:txBody>
+          <a:bodyPr anchorCtr="0" anchor="t" bIns="91425" lIns="91425" spcFirstLastPara="1" rIns="91425" wrap="square" tIns="91425">
+            <a:noAutofit/>
+          </a:bodyPr>
+          <a:lstStyle/>
+          <a:p>
+            <a:pPr indent="0" lvl="0" marL="0" rtl="0" algn="l">
+              <a:spcBef>
+                <a:spcPts val="0"/>
+              </a:spcBef>
+              <a:spcAft>
+                <a:spcPts val="0"/>
+              </a:spcAft>
+              <a:buNone/>
+            </a:pPr>
+            <a:r>
+              <a:rPr lang="ja"/>
+              <a:t>[What is In-context Learning, and how does it work: The Beginner’s Guide](https://www.lakera.ai/insights/what-is-in-context-learning)</a:t>
+            </a:r>
+            <a:endParaRPr/>
+          </a:p>
+        </p:txBody>
+      </p:sp>
+    </p:spTree>
+  </p:cSld>
+  <p:clrMapOvr>
+    <a:masterClrMapping/>
+  </p:clrMapOvr>
+</p:notes>
+</file>
+
+<file path=ppt/notesSlides/notesSlide17.xml><?xml version="1.0" encoding="utf-8"?>
+<p:notes xmlns:a="http://schemas.openxmlformats.org/drawingml/2006/main" xmlns:r="http://schemas.openxmlformats.org/officeDocument/2006/relationships" xmlns:mc="http://schemas.openxmlformats.org/markup-compatibility/2006" xmlns:mv="urn:schemas-microsoft-com:mac:vml" xmlns:p="http://schemas.openxmlformats.org/presentationml/2006/main" xmlns:c="http://schemas.openxmlformats.org/drawingml/2006/chart" xmlns:dgm="http://schemas.openxmlformats.org/drawingml/2006/diagram" xmlns:o="urn:schemas-microsoft-com:office:office" xmlns:v="urn:schemas-microsoft-com:vml" xmlns:pvml="urn:schemas-microsoft-com:office:powerpoint" xmlns:com="http://schemas.openxmlformats.org/drawingml/2006/compatibility" xmlns:p14="http://schemas.microsoft.com/office/powerpoint/2010/main" xmlns:p15="http://schemas.microsoft.com/office/powerpoint/2012/main" xmlns:ahyp="http://schemas.microsoft.com/office/drawing/2018/hyperlinkcolor" showMasterPhAnim="0" showMasterSp="0">
+  <p:cSld>
+    <p:spTree>
+      <p:nvGrpSpPr>
+        <p:cNvPr id="144" name="Shape 144"/>
+        <p:cNvGrpSpPr/>
+        <p:nvPr/>
+      </p:nvGrpSpPr>
+      <p:grpSpPr>
+        <a:xfrm>
+          <a:off x="0" y="0"/>
+          <a:ext cx="0" cy="0"/>
+          <a:chOff x="0" y="0"/>
+          <a:chExt cx="0" cy="0"/>
+        </a:xfrm>
+      </p:grpSpPr>
+      <p:sp>
+        <p:nvSpPr>
+          <p:cNvPr id="145" name="Google Shape;145;g2ae92207c45_0_0:notes"/>
+          <p:cNvSpPr/>
+          <p:nvPr>
+            <p:ph idx="2" type="sldImg"/>
+          </p:nvPr>
+        </p:nvSpPr>
+        <p:spPr>
+          <a:xfrm>
+            <a:off x="381300" y="685800"/>
+            <a:ext cx="6096000" cy="3429000"/>
+          </a:xfrm>
+          <a:custGeom>
+            <a:rect b="b" l="l" r="r" t="t"/>
+            <a:pathLst>
+              <a:path extrusionOk="0" h="120000" w="120000">
+                <a:moveTo>
+                  <a:pt x="0" y="0"/>
+                </a:moveTo>
+                <a:lnTo>
+                  <a:pt x="120000" y="0"/>
+                </a:lnTo>
+                <a:lnTo>
+                  <a:pt x="120000" y="120000"/>
+                </a:lnTo>
+                <a:lnTo>
+                  <a:pt x="0" y="120000"/>
+                </a:lnTo>
+                <a:close/>
+              </a:path>
+            </a:pathLst>
+          </a:custGeom>
+        </p:spPr>
+      </p:sp>
+      <p:sp>
+        <p:nvSpPr>
+          <p:cNvPr id="146" name="Google Shape;146;g2ae92207c45_0_0:notes"/>
+          <p:cNvSpPr txBox="1"/>
+          <p:nvPr>
+            <p:ph idx="1" type="body"/>
+          </p:nvPr>
+        </p:nvSpPr>
+        <p:spPr>
+          <a:xfrm>
+            <a:off x="685800" y="4343400"/>
+            <a:ext cx="5486400" cy="4114800"/>
+          </a:xfrm>
+          <a:prstGeom prst="rect">
+            <a:avLst/>
+          </a:prstGeom>
+        </p:spPr>
+        <p:txBody>
+          <a:bodyPr anchorCtr="0" anchor="t" bIns="91425" lIns="91425" spcFirstLastPara="1" rIns="91425" wrap="square" tIns="91425">
+            <a:noAutofit/>
+          </a:bodyPr>
+          <a:lstStyle/>
+          <a:p>
+            <a:pPr indent="0" lvl="0" marL="0" rtl="0" algn="l">
+              <a:spcBef>
+                <a:spcPts val="0"/>
+              </a:spcBef>
+              <a:spcAft>
+                <a:spcPts val="0"/>
+              </a:spcAft>
+              <a:buNone/>
+            </a:pPr>
+            <a:r>
+              <a:rPr lang="ja"/>
+              <a:t>[What is In-context Learning, and how does it work: The Beginner’s Guide](https://www.lakera.ai/insights/what-is-in-context-learning)</a:t>
+            </a:r>
+            <a:endParaRPr/>
+          </a:p>
+        </p:txBody>
+      </p:sp>
+    </p:spTree>
+  </p:cSld>
+  <p:clrMapOvr>
+    <a:masterClrMapping/>
+  </p:clrMapOvr>
+</p:notes>
+</file>
+
+<file path=ppt/notesSlides/notesSlide18.xml><?xml version="1.0" encoding="utf-8"?>
+<p:notes xmlns:a="http://schemas.openxmlformats.org/drawingml/2006/main" xmlns:r="http://schemas.openxmlformats.org/officeDocument/2006/relationships" xmlns:mc="http://schemas.openxmlformats.org/markup-compatibility/2006" xmlns:mv="urn:schemas-microsoft-com:mac:vml" xmlns:p="http://schemas.openxmlformats.org/presentationml/2006/main" xmlns:c="http://schemas.openxmlformats.org/drawingml/2006/chart" xmlns:dgm="http://schemas.openxmlformats.org/drawingml/2006/diagram" xmlns:o="urn:schemas-microsoft-com:office:office" xmlns:v="urn:schemas-microsoft-com:vml" xmlns:pvml="urn:schemas-microsoft-com:office:powerpoint" xmlns:com="http://schemas.openxmlformats.org/drawingml/2006/compatibility" xmlns:p14="http://schemas.microsoft.com/office/powerpoint/2010/main" xmlns:p15="http://schemas.microsoft.com/office/powerpoint/2012/main" xmlns:ahyp="http://schemas.microsoft.com/office/drawing/2018/hyperlinkcolor" showMasterPhAnim="0" showMasterSp="0">
+  <p:cSld>
+    <p:spTree>
+      <p:nvGrpSpPr>
+        <p:cNvPr id="149" name="Shape 149"/>
+        <p:cNvGrpSpPr/>
+        <p:nvPr/>
+      </p:nvGrpSpPr>
+      <p:grpSpPr>
+        <a:xfrm>
+          <a:off x="0" y="0"/>
+          <a:ext cx="0" cy="0"/>
+          <a:chOff x="0" y="0"/>
+          <a:chExt cx="0" cy="0"/>
+        </a:xfrm>
+      </p:grpSpPr>
+      <p:sp>
+        <p:nvSpPr>
+          <p:cNvPr id="150" name="Google Shape;150;g2ae92207c45_0_15:notes"/>
+          <p:cNvSpPr/>
+          <p:nvPr>
+            <p:ph idx="2" type="sldImg"/>
+          </p:nvPr>
+        </p:nvSpPr>
+        <p:spPr>
+          <a:xfrm>
+            <a:off x="381300" y="685800"/>
+            <a:ext cx="6096000" cy="3429000"/>
+          </a:xfrm>
+          <a:custGeom>
+            <a:rect b="b" l="l" r="r" t="t"/>
+            <a:pathLst>
+              <a:path extrusionOk="0" h="120000" w="120000">
+                <a:moveTo>
+                  <a:pt x="0" y="0"/>
+                </a:moveTo>
+                <a:lnTo>
+                  <a:pt x="120000" y="0"/>
+                </a:lnTo>
+                <a:lnTo>
+                  <a:pt x="120000" y="120000"/>
+                </a:lnTo>
+                <a:lnTo>
+                  <a:pt x="0" y="120000"/>
+                </a:lnTo>
+                <a:close/>
+              </a:path>
+            </a:pathLst>
+          </a:custGeom>
+        </p:spPr>
+      </p:sp>
+      <p:sp>
+        <p:nvSpPr>
+          <p:cNvPr id="151" name="Google Shape;151;g2ae92207c45_0_15:notes"/>
+          <p:cNvSpPr txBox="1"/>
+          <p:nvPr>
+            <p:ph idx="1" type="body"/>
+          </p:nvPr>
+        </p:nvSpPr>
+        <p:spPr>
+          <a:xfrm>
+            <a:off x="685800" y="4343400"/>
+            <a:ext cx="5486400" cy="4114800"/>
+          </a:xfrm>
+          <a:prstGeom prst="rect">
+            <a:avLst/>
+          </a:prstGeom>
+        </p:spPr>
+        <p:txBody>
+          <a:bodyPr anchorCtr="0" anchor="t" bIns="91425" lIns="91425" spcFirstLastPara="1" rIns="91425" wrap="square" tIns="91425">
+            <a:noAutofit/>
+          </a:bodyPr>
+          <a:lstStyle/>
+          <a:p>
+            <a:pPr indent="0" lvl="0" marL="0" rtl="0" algn="l">
+              <a:spcBef>
+                <a:spcPts val="0"/>
+              </a:spcBef>
+              <a:spcAft>
+                <a:spcPts val="0"/>
+              </a:spcAft>
+              <a:buNone/>
+            </a:pPr>
+            <a:r>
+              <a:rPr lang="ja"/>
+              <a:t>[What is In-context Learning, and how does it work: The Beginner’s Guide](https://www.lakera.ai/insights/what-is-in-context-learning)</a:t>
+            </a:r>
+            <a:endParaRPr/>
+          </a:p>
+        </p:txBody>
+      </p:sp>
+    </p:spTree>
+  </p:cSld>
+  <p:clrMapOvr>
+    <a:masterClrMapping/>
+  </p:clrMapOvr>
+</p:notes>
+</file>
+
+<file path=ppt/notesSlides/notesSlide19.xml><?xml version="1.0" encoding="utf-8"?>
+<p:notes xmlns:a="http://schemas.openxmlformats.org/drawingml/2006/main" xmlns:r="http://schemas.openxmlformats.org/officeDocument/2006/relationships" xmlns:mc="http://schemas.openxmlformats.org/markup-compatibility/2006" xmlns:mv="urn:schemas-microsoft-com:mac:vml" xmlns:p="http://schemas.openxmlformats.org/presentationml/2006/main" xmlns:c="http://schemas.openxmlformats.org/drawingml/2006/chart" xmlns:dgm="http://schemas.openxmlformats.org/drawingml/2006/diagram" xmlns:o="urn:schemas-microsoft-com:office:office" xmlns:v="urn:schemas-microsoft-com:vml" xmlns:pvml="urn:schemas-microsoft-com:office:powerpoint" xmlns:com="http://schemas.openxmlformats.org/drawingml/2006/compatibility" xmlns:p14="http://schemas.microsoft.com/office/powerpoint/2010/main" xmlns:p15="http://schemas.microsoft.com/office/powerpoint/2012/main" xmlns:ahyp="http://schemas.microsoft.com/office/drawing/2018/hyperlinkcolor" showMasterPhAnim="0" showMasterSp="0">
+  <p:cSld>
+    <p:spTree>
+      <p:nvGrpSpPr>
+        <p:cNvPr id="155" name="Shape 155"/>
+        <p:cNvGrpSpPr/>
+        <p:nvPr/>
+      </p:nvGrpSpPr>
+      <p:grpSpPr>
+        <a:xfrm>
+          <a:off x="0" y="0"/>
+          <a:ext cx="0" cy="0"/>
+          <a:chOff x="0" y="0"/>
+          <a:chExt cx="0" cy="0"/>
+        </a:xfrm>
+      </p:grpSpPr>
+      <p:sp>
+        <p:nvSpPr>
+          <p:cNvPr id="156" name="Google Shape;156;g2ae92207c45_0_29:notes"/>
+          <p:cNvSpPr/>
+          <p:nvPr>
+            <p:ph idx="2" type="sldImg"/>
+          </p:nvPr>
+        </p:nvSpPr>
+        <p:spPr>
+          <a:xfrm>
+            <a:off x="381300" y="685800"/>
+            <a:ext cx="6096000" cy="3429000"/>
+          </a:xfrm>
+          <a:custGeom>
+            <a:rect b="b" l="l" r="r" t="t"/>
+            <a:pathLst>
+              <a:path extrusionOk="0" h="120000" w="120000">
+                <a:moveTo>
+                  <a:pt x="0" y="0"/>
+                </a:moveTo>
+                <a:lnTo>
+                  <a:pt x="120000" y="0"/>
+                </a:lnTo>
+                <a:lnTo>
+                  <a:pt x="120000" y="120000"/>
+                </a:lnTo>
+                <a:lnTo>
+                  <a:pt x="0" y="120000"/>
+                </a:lnTo>
+                <a:close/>
+              </a:path>
+            </a:pathLst>
+          </a:custGeom>
+        </p:spPr>
+      </p:sp>
+      <p:sp>
+        <p:nvSpPr>
+          <p:cNvPr id="157" name="Google Shape;157;g2ae92207c45_0_29:notes"/>
+          <p:cNvSpPr txBox="1"/>
+          <p:nvPr>
+            <p:ph idx="1" type="body"/>
+          </p:nvPr>
+        </p:nvSpPr>
+        <p:spPr>
+          <a:xfrm>
+            <a:off x="685800" y="4343400"/>
+            <a:ext cx="5486400" cy="4114800"/>
+          </a:xfrm>
+          <a:prstGeom prst="rect">
+            <a:avLst/>
+          </a:prstGeom>
+        </p:spPr>
+        <p:txBody>
+          <a:bodyPr anchorCtr="0" anchor="t" bIns="91425" lIns="91425" spcFirstLastPara="1" rIns="91425" wrap="square" tIns="91425">
+            <a:noAutofit/>
+          </a:bodyPr>
+          <a:lstStyle/>
+          <a:p>
+            <a:pPr indent="0" lvl="0" marL="0" rtl="0" algn="l">
+              <a:spcBef>
+                <a:spcPts val="0"/>
+              </a:spcBef>
+              <a:spcAft>
+                <a:spcPts val="0"/>
+              </a:spcAft>
+              <a:buNone/>
+            </a:pPr>
+            <a:r>
+              <a:rPr lang="ja"/>
+              <a:t>[What is In-context Learning, and how does it work: The Beginner’s Guide](https://www.lakera.ai/insights/what-is-in-context-learning)</a:t>
+            </a:r>
+            <a:endParaRPr/>
+          </a:p>
+        </p:txBody>
+      </p:sp>
+    </p:spTree>
+  </p:cSld>
+  <p:clrMapOvr>
+    <a:masterClrMapping/>
+  </p:clrMapOvr>
+</p:notes>
+</file>
+
 <file path=ppt/notesSlides/notesSlide2.xml><?xml version="1.0" encoding="utf-8"?>
 <p:notes xmlns:a="http://schemas.openxmlformats.org/drawingml/2006/main" xmlns:r="http://schemas.openxmlformats.org/officeDocument/2006/relationships" xmlns:mc="http://schemas.openxmlformats.org/markup-compatibility/2006" xmlns:mv="urn:schemas-microsoft-com:mac:vml" xmlns:p="http://schemas.openxmlformats.org/presentationml/2006/main" xmlns:c="http://schemas.openxmlformats.org/drawingml/2006/chart" xmlns:dgm="http://schemas.openxmlformats.org/drawingml/2006/diagram" xmlns:o="urn:schemas-microsoft-com:office:office" xmlns:v="urn:schemas-microsoft-com:vml" xmlns:pvml="urn:schemas-microsoft-com:office:powerpoint" xmlns:com="http://schemas.openxmlformats.org/drawingml/2006/compatibility" xmlns:p14="http://schemas.microsoft.com/office/powerpoint/2010/main" xmlns:p15="http://schemas.microsoft.com/office/powerpoint/2012/main" xmlns:ahyp="http://schemas.microsoft.com/office/drawing/2018/hyperlinkcolor" showMasterPhAnim="0" showMasterSp="0">
   <p:cSld>
@@ -857,6 +1870,306 @@
       <p:sp>
         <p:nvSpPr>
           <p:cNvPr id="63" name="Google Shape;63;g2ab5dca9170_0_0:notes"/>
+          <p:cNvSpPr txBox="1"/>
+          <p:nvPr>
+            <p:ph idx="1" type="body"/>
+          </p:nvPr>
+        </p:nvSpPr>
+        <p:spPr>
+          <a:xfrm>
+            <a:off x="685800" y="4343400"/>
+            <a:ext cx="5486400" cy="4114800"/>
+          </a:xfrm>
+          <a:prstGeom prst="rect">
+            <a:avLst/>
+          </a:prstGeom>
+        </p:spPr>
+        <p:txBody>
+          <a:bodyPr anchorCtr="0" anchor="t" bIns="91425" lIns="91425" spcFirstLastPara="1" rIns="91425" wrap="square" tIns="91425">
+            <a:noAutofit/>
+          </a:bodyPr>
+          <a:lstStyle/>
+          <a:p>
+            <a:pPr indent="0" lvl="0" marL="0" rtl="0" algn="l">
+              <a:spcBef>
+                <a:spcPts val="0"/>
+              </a:spcBef>
+              <a:spcAft>
+                <a:spcPts val="0"/>
+              </a:spcAft>
+              <a:buNone/>
+            </a:pPr>
+            <a:r>
+              <a:rPr lang="ja"/>
+              <a:t>[What is In-context Learning, and how does it work: The Beginner’s Guide](https://www.lakera.ai/insights/what-is-in-context-learning)</a:t>
+            </a:r>
+            <a:endParaRPr/>
+          </a:p>
+        </p:txBody>
+      </p:sp>
+    </p:spTree>
+  </p:cSld>
+  <p:clrMapOvr>
+    <a:masterClrMapping/>
+  </p:clrMapOvr>
+</p:notes>
+</file>
+
+<file path=ppt/notesSlides/notesSlide20.xml><?xml version="1.0" encoding="utf-8"?>
+<p:notes xmlns:a="http://schemas.openxmlformats.org/drawingml/2006/main" xmlns:r="http://schemas.openxmlformats.org/officeDocument/2006/relationships" xmlns:mc="http://schemas.openxmlformats.org/markup-compatibility/2006" xmlns:mv="urn:schemas-microsoft-com:mac:vml" xmlns:p="http://schemas.openxmlformats.org/presentationml/2006/main" xmlns:c="http://schemas.openxmlformats.org/drawingml/2006/chart" xmlns:dgm="http://schemas.openxmlformats.org/drawingml/2006/diagram" xmlns:o="urn:schemas-microsoft-com:office:office" xmlns:v="urn:schemas-microsoft-com:vml" xmlns:pvml="urn:schemas-microsoft-com:office:powerpoint" xmlns:com="http://schemas.openxmlformats.org/drawingml/2006/compatibility" xmlns:p14="http://schemas.microsoft.com/office/powerpoint/2010/main" xmlns:p15="http://schemas.microsoft.com/office/powerpoint/2012/main" xmlns:ahyp="http://schemas.microsoft.com/office/drawing/2018/hyperlinkcolor" showMasterPhAnim="0" showMasterSp="0">
+  <p:cSld>
+    <p:spTree>
+      <p:nvGrpSpPr>
+        <p:cNvPr id="160" name="Shape 160"/>
+        <p:cNvGrpSpPr/>
+        <p:nvPr/>
+      </p:nvGrpSpPr>
+      <p:grpSpPr>
+        <a:xfrm>
+          <a:off x="0" y="0"/>
+          <a:ext cx="0" cy="0"/>
+          <a:chOff x="0" y="0"/>
+          <a:chExt cx="0" cy="0"/>
+        </a:xfrm>
+      </p:grpSpPr>
+      <p:sp>
+        <p:nvSpPr>
+          <p:cNvPr id="161" name="Google Shape;161;g2ae92207c45_0_51:notes"/>
+          <p:cNvSpPr/>
+          <p:nvPr>
+            <p:ph idx="2" type="sldImg"/>
+          </p:nvPr>
+        </p:nvSpPr>
+        <p:spPr>
+          <a:xfrm>
+            <a:off x="381300" y="685800"/>
+            <a:ext cx="6096000" cy="3429000"/>
+          </a:xfrm>
+          <a:custGeom>
+            <a:rect b="b" l="l" r="r" t="t"/>
+            <a:pathLst>
+              <a:path extrusionOk="0" h="120000" w="120000">
+                <a:moveTo>
+                  <a:pt x="0" y="0"/>
+                </a:moveTo>
+                <a:lnTo>
+                  <a:pt x="120000" y="0"/>
+                </a:lnTo>
+                <a:lnTo>
+                  <a:pt x="120000" y="120000"/>
+                </a:lnTo>
+                <a:lnTo>
+                  <a:pt x="0" y="120000"/>
+                </a:lnTo>
+                <a:close/>
+              </a:path>
+            </a:pathLst>
+          </a:custGeom>
+        </p:spPr>
+      </p:sp>
+      <p:sp>
+        <p:nvSpPr>
+          <p:cNvPr id="162" name="Google Shape;162;g2ae92207c45_0_51:notes"/>
+          <p:cNvSpPr txBox="1"/>
+          <p:nvPr>
+            <p:ph idx="1" type="body"/>
+          </p:nvPr>
+        </p:nvSpPr>
+        <p:spPr>
+          <a:xfrm>
+            <a:off x="685800" y="4343400"/>
+            <a:ext cx="5486400" cy="4114800"/>
+          </a:xfrm>
+          <a:prstGeom prst="rect">
+            <a:avLst/>
+          </a:prstGeom>
+        </p:spPr>
+        <p:txBody>
+          <a:bodyPr anchorCtr="0" anchor="t" bIns="91425" lIns="91425" spcFirstLastPara="1" rIns="91425" wrap="square" tIns="91425">
+            <a:noAutofit/>
+          </a:bodyPr>
+          <a:lstStyle/>
+          <a:p>
+            <a:pPr indent="0" lvl="0" marL="0" rtl="0" algn="l">
+              <a:spcBef>
+                <a:spcPts val="0"/>
+              </a:spcBef>
+              <a:spcAft>
+                <a:spcPts val="0"/>
+              </a:spcAft>
+              <a:buNone/>
+            </a:pPr>
+            <a:r>
+              <a:rPr lang="ja"/>
+              <a:t>[What is In-context Learning, and how does it work: The Beginner’s Guide](https://www.lakera.ai/insights/what-is-in-context-learning)</a:t>
+            </a:r>
+            <a:endParaRPr/>
+          </a:p>
+        </p:txBody>
+      </p:sp>
+    </p:spTree>
+  </p:cSld>
+  <p:clrMapOvr>
+    <a:masterClrMapping/>
+  </p:clrMapOvr>
+</p:notes>
+</file>
+
+<file path=ppt/notesSlides/notesSlide21.xml><?xml version="1.0" encoding="utf-8"?>
+<p:notes xmlns:a="http://schemas.openxmlformats.org/drawingml/2006/main" xmlns:r="http://schemas.openxmlformats.org/officeDocument/2006/relationships" xmlns:mc="http://schemas.openxmlformats.org/markup-compatibility/2006" xmlns:mv="urn:schemas-microsoft-com:mac:vml" xmlns:p="http://schemas.openxmlformats.org/presentationml/2006/main" xmlns:c="http://schemas.openxmlformats.org/drawingml/2006/chart" xmlns:dgm="http://schemas.openxmlformats.org/drawingml/2006/diagram" xmlns:o="urn:schemas-microsoft-com:office:office" xmlns:v="urn:schemas-microsoft-com:vml" xmlns:pvml="urn:schemas-microsoft-com:office:powerpoint" xmlns:com="http://schemas.openxmlformats.org/drawingml/2006/compatibility" xmlns:p14="http://schemas.microsoft.com/office/powerpoint/2010/main" xmlns:p15="http://schemas.microsoft.com/office/powerpoint/2012/main" xmlns:ahyp="http://schemas.microsoft.com/office/drawing/2018/hyperlinkcolor" showMasterPhAnim="0" showMasterSp="0">
+  <p:cSld>
+    <p:spTree>
+      <p:nvGrpSpPr>
+        <p:cNvPr id="168" name="Shape 168"/>
+        <p:cNvGrpSpPr/>
+        <p:nvPr/>
+      </p:nvGrpSpPr>
+      <p:grpSpPr>
+        <a:xfrm>
+          <a:off x="0" y="0"/>
+          <a:ext cx="0" cy="0"/>
+          <a:chOff x="0" y="0"/>
+          <a:chExt cx="0" cy="0"/>
+        </a:xfrm>
+      </p:grpSpPr>
+      <p:sp>
+        <p:nvSpPr>
+          <p:cNvPr id="169" name="Google Shape;169;g2aef2122050_0_0:notes"/>
+          <p:cNvSpPr/>
+          <p:nvPr>
+            <p:ph idx="2" type="sldImg"/>
+          </p:nvPr>
+        </p:nvSpPr>
+        <p:spPr>
+          <a:xfrm>
+            <a:off x="381300" y="685800"/>
+            <a:ext cx="6096000" cy="3429000"/>
+          </a:xfrm>
+          <a:custGeom>
+            <a:rect b="b" l="l" r="r" t="t"/>
+            <a:pathLst>
+              <a:path extrusionOk="0" h="120000" w="120000">
+                <a:moveTo>
+                  <a:pt x="0" y="0"/>
+                </a:moveTo>
+                <a:lnTo>
+                  <a:pt x="120000" y="0"/>
+                </a:lnTo>
+                <a:lnTo>
+                  <a:pt x="120000" y="120000"/>
+                </a:lnTo>
+                <a:lnTo>
+                  <a:pt x="0" y="120000"/>
+                </a:lnTo>
+                <a:close/>
+              </a:path>
+            </a:pathLst>
+          </a:custGeom>
+        </p:spPr>
+      </p:sp>
+      <p:sp>
+        <p:nvSpPr>
+          <p:cNvPr id="170" name="Google Shape;170;g2aef2122050_0_0:notes"/>
+          <p:cNvSpPr txBox="1"/>
+          <p:nvPr>
+            <p:ph idx="1" type="body"/>
+          </p:nvPr>
+        </p:nvSpPr>
+        <p:spPr>
+          <a:xfrm>
+            <a:off x="685800" y="4343400"/>
+            <a:ext cx="5486400" cy="4114800"/>
+          </a:xfrm>
+          <a:prstGeom prst="rect">
+            <a:avLst/>
+          </a:prstGeom>
+        </p:spPr>
+        <p:txBody>
+          <a:bodyPr anchorCtr="0" anchor="t" bIns="91425" lIns="91425" spcFirstLastPara="1" rIns="91425" wrap="square" tIns="91425">
+            <a:noAutofit/>
+          </a:bodyPr>
+          <a:lstStyle/>
+          <a:p>
+            <a:pPr indent="0" lvl="0" marL="0" rtl="0" algn="l">
+              <a:spcBef>
+                <a:spcPts val="0"/>
+              </a:spcBef>
+              <a:spcAft>
+                <a:spcPts val="0"/>
+              </a:spcAft>
+              <a:buNone/>
+            </a:pPr>
+            <a:r>
+              <a:rPr lang="ja"/>
+              <a:t>[What is In-context Learning, and how does it work: The Beginner’s Guide](https://www.lakera.ai/insights/what-is-in-context-learning)</a:t>
+            </a:r>
+            <a:endParaRPr/>
+          </a:p>
+        </p:txBody>
+      </p:sp>
+    </p:spTree>
+  </p:cSld>
+  <p:clrMapOvr>
+    <a:masterClrMapping/>
+  </p:clrMapOvr>
+</p:notes>
+</file>
+
+<file path=ppt/notesSlides/notesSlide22.xml><?xml version="1.0" encoding="utf-8"?>
+<p:notes xmlns:a="http://schemas.openxmlformats.org/drawingml/2006/main" xmlns:r="http://schemas.openxmlformats.org/officeDocument/2006/relationships" xmlns:mc="http://schemas.openxmlformats.org/markup-compatibility/2006" xmlns:mv="urn:schemas-microsoft-com:mac:vml" xmlns:p="http://schemas.openxmlformats.org/presentationml/2006/main" xmlns:c="http://schemas.openxmlformats.org/drawingml/2006/chart" xmlns:dgm="http://schemas.openxmlformats.org/drawingml/2006/diagram" xmlns:o="urn:schemas-microsoft-com:office:office" xmlns:v="urn:schemas-microsoft-com:vml" xmlns:pvml="urn:schemas-microsoft-com:office:powerpoint" xmlns:com="http://schemas.openxmlformats.org/drawingml/2006/compatibility" xmlns:p14="http://schemas.microsoft.com/office/powerpoint/2010/main" xmlns:p15="http://schemas.microsoft.com/office/powerpoint/2012/main" xmlns:ahyp="http://schemas.microsoft.com/office/drawing/2018/hyperlinkcolor" showMasterPhAnim="0" showMasterSp="0">
+  <p:cSld>
+    <p:spTree>
+      <p:nvGrpSpPr>
+        <p:cNvPr id="175" name="Shape 175"/>
+        <p:cNvGrpSpPr/>
+        <p:nvPr/>
+      </p:nvGrpSpPr>
+      <p:grpSpPr>
+        <a:xfrm>
+          <a:off x="0" y="0"/>
+          <a:ext cx="0" cy="0"/>
+          <a:chOff x="0" y="0"/>
+          <a:chExt cx="0" cy="0"/>
+        </a:xfrm>
+      </p:grpSpPr>
+      <p:sp>
+        <p:nvSpPr>
+          <p:cNvPr id="176" name="Google Shape;176;g2aef2122050_0_29:notes"/>
+          <p:cNvSpPr/>
+          <p:nvPr>
+            <p:ph idx="2" type="sldImg"/>
+          </p:nvPr>
+        </p:nvSpPr>
+        <p:spPr>
+          <a:xfrm>
+            <a:off x="381300" y="685800"/>
+            <a:ext cx="6096000" cy="3429000"/>
+          </a:xfrm>
+          <a:custGeom>
+            <a:rect b="b" l="l" r="r" t="t"/>
+            <a:pathLst>
+              <a:path extrusionOk="0" h="120000" w="120000">
+                <a:moveTo>
+                  <a:pt x="0" y="0"/>
+                </a:moveTo>
+                <a:lnTo>
+                  <a:pt x="120000" y="0"/>
+                </a:lnTo>
+                <a:lnTo>
+                  <a:pt x="120000" y="120000"/>
+                </a:lnTo>
+                <a:lnTo>
+                  <a:pt x="0" y="120000"/>
+                </a:lnTo>
+                <a:close/>
+              </a:path>
+            </a:pathLst>
+          </a:custGeom>
+        </p:spPr>
+      </p:sp>
+      <p:sp>
+        <p:nvSpPr>
+          <p:cNvPr id="177" name="Google Shape;177;g2aef2122050_0_29:notes"/>
           <p:cNvSpPr txBox="1"/>
           <p:nvPr>
             <p:ph idx="1" type="body"/>
@@ -7097,6 +8410,2945 @@
 </p:sld>
 </file>
 
+<file path=ppt/slides/slide10.xml><?xml version="1.0" encoding="utf-8"?>
+<p:sld xmlns:a="http://schemas.openxmlformats.org/drawingml/2006/main" xmlns:r="http://schemas.openxmlformats.org/officeDocument/2006/relationships" xmlns:mc="http://schemas.openxmlformats.org/markup-compatibility/2006" xmlns:mv="urn:schemas-microsoft-com:mac:vml" xmlns:p="http://schemas.openxmlformats.org/presentationml/2006/main" xmlns:c="http://schemas.openxmlformats.org/drawingml/2006/chart" xmlns:dgm="http://schemas.openxmlformats.org/drawingml/2006/diagram" xmlns:o="urn:schemas-microsoft-com:office:office" xmlns:v="urn:schemas-microsoft-com:vml" xmlns:pvml="urn:schemas-microsoft-com:office:powerpoint" xmlns:com="http://schemas.openxmlformats.org/drawingml/2006/compatibility" xmlns:p14="http://schemas.microsoft.com/office/powerpoint/2010/main" xmlns:p15="http://schemas.microsoft.com/office/powerpoint/2012/main" xmlns:ahyp="http://schemas.microsoft.com/office/drawing/2018/hyperlinkcolor">
+  <p:cSld>
+    <p:spTree>
+      <p:nvGrpSpPr>
+        <p:cNvPr id="109" name="Shape 109"/>
+        <p:cNvGrpSpPr/>
+        <p:nvPr/>
+      </p:nvGrpSpPr>
+      <p:grpSpPr>
+        <a:xfrm>
+          <a:off x="0" y="0"/>
+          <a:ext cx="0" cy="0"/>
+          <a:chOff x="0" y="0"/>
+          <a:chExt cx="0" cy="0"/>
+        </a:xfrm>
+      </p:grpSpPr>
+      <p:sp>
+        <p:nvSpPr>
+          <p:cNvPr id="110" name="Google Shape;110;p22"/>
+          <p:cNvSpPr txBox="1"/>
+          <p:nvPr>
+            <p:ph idx="1" type="body"/>
+          </p:nvPr>
+        </p:nvSpPr>
+        <p:spPr>
+          <a:xfrm>
+            <a:off x="0" y="0"/>
+            <a:ext cx="9144000" cy="5044200"/>
+          </a:xfrm>
+          <a:prstGeom prst="rect">
+            <a:avLst/>
+          </a:prstGeom>
+        </p:spPr>
+        <p:txBody>
+          <a:bodyPr anchorCtr="0" anchor="t" bIns="91425" lIns="91425" spcFirstLastPara="1" rIns="91425" wrap="square" tIns="91425">
+            <a:normAutofit lnSpcReduction="20000"/>
+          </a:bodyPr>
+          <a:lstStyle/>
+          <a:p>
+            <a:pPr indent="0" lvl="0" marL="0" rtl="0" algn="l">
+              <a:spcBef>
+                <a:spcPts val="0"/>
+              </a:spcBef>
+              <a:spcAft>
+                <a:spcPts val="0"/>
+              </a:spcAft>
+              <a:buNone/>
+            </a:pPr>
+            <a:r>
+              <a:rPr lang="ja" sz="1200" u="sng"/>
+              <a:t>SPADE: Synthesizing Assertions for Large Language Model Pipelines</a:t>
+            </a:r>
+            <a:r>
+              <a:rPr lang="ja" sz="1200" u="sng"/>
+              <a:t> 2024</a:t>
+            </a:r>
+            <a:r>
+              <a:rPr lang="ja" sz="1269" u="sng"/>
+              <a:t>  </a:t>
+            </a:r>
+            <a:br>
+              <a:rPr lang="ja" sz="1100"/>
+            </a:br>
+            <a:r>
+              <a:rPr lang="ja" sz="1100" u="sng"/>
+              <a:t>概要</a:t>
+            </a:r>
+            <a:br>
+              <a:rPr lang="ja" sz="722"/>
+            </a:br>
+            <a:r>
+              <a:rPr lang="ja" sz="722"/>
+              <a:t>この論文では、大規模言語モデル（LLM）をLLMが繰り返し使用される際の不正確な出力を特定するSPADE（Prompt Analysis and Delta-Based Evaluation System）を紹介します。</a:t>
+            </a:r>
+            <a:br>
+              <a:rPr lang="ja" sz="722"/>
+            </a:br>
+            <a:r>
+              <a:rPr lang="ja" sz="722"/>
+              <a:t>SPADEは、プロンプトのバージョン履歴を分析し、カバレッジと精度の基準を満たす最小限のアサーション関数セットを選択します。</a:t>
+            </a:r>
+            <a:endParaRPr sz="1100"/>
+          </a:p>
+          <a:p>
+            <a:pPr indent="0" lvl="0" marL="0" rtl="0" algn="l">
+              <a:spcBef>
+                <a:spcPts val="1200"/>
+              </a:spcBef>
+              <a:spcAft>
+                <a:spcPts val="0"/>
+              </a:spcAft>
+              <a:buNone/>
+            </a:pPr>
+            <a:r>
+              <a:rPr lang="ja" sz="1100" u="sng"/>
+              <a:t>新規性</a:t>
+            </a:r>
+            <a:br>
+              <a:rPr lang="ja" sz="1100"/>
+            </a:br>
+            <a:r>
+              <a:rPr lang="ja" sz="800"/>
+              <a:t>プロンプトのバージョン履歴からアサーション候補を自動生成する。従来の手法と比較して、アサーションの数を14%削減し、偽の失敗率を21%減少させることが可能。</a:t>
+            </a:r>
+            <a:endParaRPr sz="800"/>
+          </a:p>
+          <a:p>
+            <a:pPr indent="0" lvl="0" marL="0" rtl="0" algn="l">
+              <a:spcBef>
+                <a:spcPts val="1200"/>
+              </a:spcBef>
+              <a:spcAft>
+                <a:spcPts val="0"/>
+              </a:spcAft>
+              <a:buNone/>
+            </a:pPr>
+            <a:r>
+              <a:rPr lang="ja" sz="1100" u="sng"/>
+              <a:t>手法</a:t>
+            </a:r>
+            <a:br>
+              <a:rPr lang="ja" sz="800"/>
+            </a:br>
+            <a:r>
+              <a:rPr lang="ja" sz="800"/>
+              <a:t>プロンプトのデルタ（異なるバージョン間の差分）を分析し、これを基にアサーション関数候補を生成します。次に、これらのアサーション関数候補の中から、カバレッジと精度の要件を満たす最適なセットを選択します。この選択プロセスは、整数線形プログラミングを用いて行われます。</a:t>
+            </a:r>
+            <a:br>
+              <a:rPr lang="ja" sz="800"/>
+            </a:br>
+            <a:r>
+              <a:rPr lang="ja" sz="800"/>
+              <a:t>SPADEは、主に2つのコンポーネントで構成されています。</a:t>
+            </a:r>
+            <a:br>
+              <a:rPr lang="ja" sz="800"/>
+            </a:br>
+            <a:r>
+              <a:rPr lang="ja" sz="800"/>
+              <a:t>1. 候補アサーションの生成:</a:t>
+            </a:r>
+            <a:br>
+              <a:rPr lang="ja" sz="800"/>
+            </a:br>
+            <a:r>
+              <a:rPr lang="ja" sz="800"/>
+              <a:t>   - SPADEはプロンプトバージョン履歴を分析し、プロンプトバージョンの変更に基づいてアサーションの基準を推論します。</a:t>
+            </a:r>
+            <a:br>
+              <a:rPr lang="ja" sz="800"/>
+            </a:br>
+            <a:r>
+              <a:rPr lang="ja" sz="800"/>
+              <a:t>   - 各プロンプトデルタは、プロンプトデルタのタクソノミー内に分類され、候補アサーションの合成を導くものです。</a:t>
+            </a:r>
+            <a:br>
+              <a:rPr lang="ja" sz="800"/>
+            </a:br>
+            <a:r>
+              <a:rPr lang="ja" sz="800"/>
+              <a:t>   - 候補アサーションはPython関数として生成され、複雑な基準に対してLLM呼び出しを含むことがあります。</a:t>
+            </a:r>
+            <a:br>
+              <a:rPr lang="ja" sz="800"/>
+            </a:br>
+            <a:r>
+              <a:rPr lang="ja" sz="800"/>
+              <a:t>   - Pythonで評価が難しいアサーションに対しては、SPADEは`ask_llm`関数を使用してLLMに対して2値の真偽を問い合わせます。</a:t>
+            </a:r>
+            <a:br>
+              <a:rPr lang="ja" sz="800"/>
+            </a:br>
+            <a:r>
+              <a:rPr lang="ja" sz="800"/>
+              <a:t>2. 最小限のアサーションセットのフィルタリング:</a:t>
+            </a:r>
+            <a:br>
+              <a:rPr lang="ja" sz="800"/>
+            </a:br>
+            <a:r>
+              <a:rPr lang="ja" sz="800"/>
+              <a:t>   - SPADEは、最小限のアサーションセットを選択する問題を整数線形計画（ILP）問題としてフレーム化します。</a:t>
+            </a:r>
+            <a:br>
+              <a:rPr lang="ja" sz="800"/>
+            </a:br>
+            <a:r>
+              <a:rPr lang="ja" sz="800"/>
+              <a:t>   - ラベル付きデータが限られた環境でカバレッジの新規なプロキシとして包含を導入します。</a:t>
+            </a:r>
+            <a:br>
+              <a:rPr lang="ja" sz="800"/>
+            </a:br>
+            <a:r>
+              <a:rPr lang="ja" sz="800"/>
+              <a:t>   - フィルタリングプロセスは、冗長性と不正確さを減らしながら、カバレッジ、精度、包含の制約を尊重することを目指しています。</a:t>
+            </a:r>
+            <a:endParaRPr sz="800"/>
+          </a:p>
+          <a:p>
+            <a:pPr indent="0" lvl="0" marL="0" rtl="0" algn="l">
+              <a:spcBef>
+                <a:spcPts val="1200"/>
+              </a:spcBef>
+              <a:spcAft>
+                <a:spcPts val="0"/>
+              </a:spcAft>
+              <a:buNone/>
+            </a:pPr>
+            <a:r>
+              <a:rPr lang="ja" sz="1122" u="sng"/>
+              <a:t>結果</a:t>
+            </a:r>
+            <a:br>
+              <a:rPr lang="ja" sz="1122"/>
+            </a:br>
+            <a:r>
+              <a:rPr lang="ja" sz="822"/>
+              <a:t>SPADEは、9つの異なる実世界のLLMパイプラインでテストされ、より単純なベースラインと比較して、アサーションの数を14%削減し、誤った失敗を21%減少させる能力を示しました。SPADEは、ワークアウトの要約、パーソナライズされた映画の推薦、カスタムの質問応答チャットボットなど、さまざまなタスクを処理するのに効果的でした。早期のプロトタイプリリースによって、金融、医療、ITなどの複数の分野で興味と応用が見られ、システムの有用性がさらに裏付けられました。</a:t>
+            </a:r>
+            <a:br>
+              <a:rPr lang="ja" sz="822"/>
+            </a:br>
+            <a:br>
+              <a:rPr lang="ja" sz="822"/>
+            </a:br>
+            <a:r>
+              <a:rPr lang="ja" sz="822"/>
+              <a:t>プロンプト履歴の分析: SPADEは、言語モデルのプロンプト履歴を分析し、プロンプト間の変更（デルタ）を特定します。これにより、どのような種類の変更が言語モデルの出力に影響を与えるかを理解します。</a:t>
+            </a:r>
+            <a:br>
+              <a:rPr lang="ja" sz="822"/>
+            </a:br>
+            <a:r>
+              <a:rPr lang="ja" sz="822"/>
+              <a:t>アサーション関数の生成: このデルタ分析に基づいて、SPADEはPython関数として実装されるアサーション関数を生成します。これらの関数は、特定の条件下での言語モデルの出力が期待通りかどうかを評価します。</a:t>
+            </a:r>
+            <a:br>
+              <a:rPr lang="ja" sz="822"/>
+            </a:br>
+            <a:r>
+              <a:rPr lang="ja" sz="822"/>
+              <a:t>真偽の問い合わせ: Pythonでの評価が困難なアサーションについては、ask_llm関数を通じて言語モデルに直接真偽を問い合わせることがあります。これにより、より複雑な基準に対しても精度の高い評価が可能になります。</a:t>
+            </a:r>
+            <a:br>
+              <a:rPr lang="ja" sz="822"/>
+            </a:br>
+            <a:r>
+              <a:rPr lang="ja" sz="822"/>
+              <a:t>最適なアサーションセットの選択: SPADEは整数線形プログラミングを使用して、カバレッジ、精度、包含のバランスを考慮しつつ、最適なアサーションセットを選択します。これにより、不必要なアサーションを排除し、より効率的で正確な評価を行うことができます。</a:t>
+            </a:r>
+            <a:endParaRPr sz="822"/>
+          </a:p>
+          <a:p>
+            <a:pPr indent="0" lvl="0" marL="0" rtl="0" algn="l">
+              <a:spcBef>
+                <a:spcPts val="1200"/>
+              </a:spcBef>
+              <a:spcAft>
+                <a:spcPts val="1200"/>
+              </a:spcAft>
+              <a:buNone/>
+            </a:pPr>
+            <a:r>
+              <a:t/>
+            </a:r>
+            <a:endParaRPr sz="822"/>
+          </a:p>
+        </p:txBody>
+      </p:sp>
+    </p:spTree>
+  </p:cSld>
+  <p:clrMapOvr>
+    <a:masterClrMapping/>
+  </p:clrMapOvr>
+</p:sld>
+</file>
+
+<file path=ppt/slides/slide11.xml><?xml version="1.0" encoding="utf-8"?>
+<p:sld xmlns:a="http://schemas.openxmlformats.org/drawingml/2006/main" xmlns:r="http://schemas.openxmlformats.org/officeDocument/2006/relationships" xmlns:mc="http://schemas.openxmlformats.org/markup-compatibility/2006" xmlns:mv="urn:schemas-microsoft-com:mac:vml" xmlns:p="http://schemas.openxmlformats.org/presentationml/2006/main" xmlns:c="http://schemas.openxmlformats.org/drawingml/2006/chart" xmlns:dgm="http://schemas.openxmlformats.org/drawingml/2006/diagram" xmlns:o="urn:schemas-microsoft-com:office:office" xmlns:v="urn:schemas-microsoft-com:vml" xmlns:pvml="urn:schemas-microsoft-com:office:powerpoint" xmlns:com="http://schemas.openxmlformats.org/drawingml/2006/compatibility" xmlns:p14="http://schemas.microsoft.com/office/powerpoint/2010/main" xmlns:p15="http://schemas.microsoft.com/office/powerpoint/2012/main" xmlns:ahyp="http://schemas.microsoft.com/office/drawing/2018/hyperlinkcolor">
+  <p:cSld>
+    <p:spTree>
+      <p:nvGrpSpPr>
+        <p:cNvPr id="114" name="Shape 114"/>
+        <p:cNvGrpSpPr/>
+        <p:nvPr/>
+      </p:nvGrpSpPr>
+      <p:grpSpPr>
+        <a:xfrm>
+          <a:off x="0" y="0"/>
+          <a:ext cx="0" cy="0"/>
+          <a:chOff x="0" y="0"/>
+          <a:chExt cx="0" cy="0"/>
+        </a:xfrm>
+      </p:grpSpPr>
+      <p:sp>
+        <p:nvSpPr>
+          <p:cNvPr id="115" name="Google Shape;115;p23"/>
+          <p:cNvSpPr txBox="1"/>
+          <p:nvPr>
+            <p:ph idx="1" type="body"/>
+          </p:nvPr>
+        </p:nvSpPr>
+        <p:spPr>
+          <a:xfrm>
+            <a:off x="0" y="0"/>
+            <a:ext cx="9144000" cy="5044200"/>
+          </a:xfrm>
+          <a:prstGeom prst="rect">
+            <a:avLst/>
+          </a:prstGeom>
+        </p:spPr>
+        <p:txBody>
+          <a:bodyPr anchorCtr="0" anchor="t" bIns="91425" lIns="91425" spcFirstLastPara="1" rIns="91425" wrap="square" tIns="91425">
+            <a:normAutofit/>
+          </a:bodyPr>
+          <a:lstStyle/>
+          <a:p>
+            <a:pPr indent="0" lvl="0" marL="0" rtl="0" algn="l">
+              <a:spcBef>
+                <a:spcPts val="0"/>
+              </a:spcBef>
+              <a:spcAft>
+                <a:spcPts val="0"/>
+              </a:spcAft>
+              <a:buNone/>
+            </a:pPr>
+            <a:r>
+              <a:rPr lang="ja" sz="1200" u="sng"/>
+              <a:t>Integrating Personalized Parsons Problems with Multi-Level Textual Explanations to Scaffold Code Writing</a:t>
+            </a:r>
+            <a:r>
+              <a:rPr lang="ja" sz="1200" u="sng"/>
+              <a:t> 2024</a:t>
+            </a:r>
+            <a:r>
+              <a:rPr lang="ja" sz="1269" u="sng"/>
+              <a:t>  </a:t>
+            </a:r>
+            <a:br>
+              <a:rPr lang="ja" sz="1100"/>
+            </a:br>
+            <a:r>
+              <a:rPr lang="ja" sz="1100" u="sng"/>
+              <a:t>概要</a:t>
+            </a:r>
+            <a:br>
+              <a:rPr lang="ja" sz="722"/>
+            </a:br>
+            <a:r>
+              <a:rPr lang="ja" sz="722"/>
+              <a:t>Pythonでコードを書く方法を学ぶ初心者プログラマーを支援するため、Parsons問題は、学習者がシャッフルされたコードの行を正しい順序に並べ替える演習を利用してこれらの問題に多レベルのテキスト説明を統合することで学習体験を向上させることを提案し、コード理解を支援します。</a:t>
+            </a:r>
+            <a:endParaRPr sz="1100"/>
+          </a:p>
+          <a:p>
+            <a:pPr indent="0" lvl="0" marL="0" rtl="0" algn="l">
+              <a:spcBef>
+                <a:spcPts val="1200"/>
+              </a:spcBef>
+              <a:spcAft>
+                <a:spcPts val="0"/>
+              </a:spcAft>
+              <a:buNone/>
+            </a:pPr>
+            <a:r>
+              <a:rPr lang="ja" sz="1100" u="sng"/>
+              <a:t>新規性</a:t>
+            </a:r>
+            <a:br>
+              <a:rPr lang="ja" sz="1100"/>
+            </a:br>
+            <a:r>
+              <a:rPr lang="ja" sz="800"/>
+              <a:t>Parsons問題に多レベルのテキスト説明を統合することであり、これは以前にこのような文脈で広く研究されたことはありません。これらの説明は、問題内のコードコンポーネントの目的や振る舞いを明確にすることを目指しており、学習者が教えられているプログラミングの概念をより良く理解するのを助けます。このアプローチは、単に解決策を提供したりメッセージを表示する伝統的なヒントシステムとは対照的であり、代わりに学生に提供されたサポートを用いて問題を解くことで、能動的な学習に焦点を当てています。</a:t>
+            </a:r>
+            <a:endParaRPr sz="800"/>
+          </a:p>
+          <a:p>
+            <a:pPr indent="0" lvl="0" marL="0" rtl="0" algn="l">
+              <a:spcBef>
+                <a:spcPts val="1200"/>
+              </a:spcBef>
+              <a:spcAft>
+                <a:spcPts val="0"/>
+              </a:spcAft>
+              <a:buNone/>
+            </a:pPr>
+            <a:r>
+              <a:rPr lang="ja" sz="1100" u="sng"/>
+              <a:t>手法</a:t>
+            </a:r>
+            <a:br>
+              <a:rPr lang="ja" sz="800"/>
+            </a:br>
+            <a:r>
+              <a:rPr lang="ja" sz="800"/>
+              <a:t>このシステムは、Parsons問題のために個別の説明を生成するために大規模言語モデル（LLM）を使用しています。4つの種類の説明が導入されています：</a:t>
+            </a:r>
+            <a:br>
+              <a:rPr lang="ja" sz="800"/>
+            </a:br>
+            <a:r>
+              <a:rPr lang="ja" sz="800"/>
+              <a:t>1. パーソナライズされた問題の生成: 学生の現在のコード状態を分析し、それに基づいてパーソンズ問題を生成します。この問題は、学生が既に正しく書いたコード行と、必要ないブロック（ディストラクター）を含んでいます。</a:t>
+            </a:r>
+            <a:br>
+              <a:rPr lang="ja" sz="800"/>
+            </a:br>
+            <a:r>
+              <a:rPr lang="ja" sz="800"/>
+              <a:t>2. テキスト説明の生成: 学生がパーソンズ問題を解いた後、各ブロックやコード行に対して、その動作や目的を説明するテキストを提供します。</a:t>
+            </a:r>
+            <a:br>
+              <a:rPr lang="ja" sz="800"/>
+            </a:br>
+            <a:r>
+              <a:rPr lang="ja" sz="800"/>
+              <a:t>これには、ブロックレベルとアトムレベル（個々のプログラミング要素）の説明が含まれます。</a:t>
+            </a:r>
+            <a:br>
+              <a:rPr lang="ja" sz="800"/>
+            </a:br>
+            <a:r>
+              <a:rPr lang="ja" sz="800"/>
+              <a:t>3. 自己説明の質問: 学生がパーソンズ問題を解決した後、解決策に対する自己説明のプロンプトが提示されます。これは学生の理解を深め、学習を促進するためのものです。</a:t>
+            </a:r>
+            <a:endParaRPr sz="800"/>
+          </a:p>
+          <a:p>
+            <a:pPr indent="0" lvl="0" marL="0" rtl="0" algn="l">
+              <a:spcBef>
+                <a:spcPts val="1200"/>
+              </a:spcBef>
+              <a:spcAft>
+                <a:spcPts val="0"/>
+              </a:spcAft>
+              <a:buNone/>
+            </a:pPr>
+            <a:br>
+              <a:rPr lang="ja" sz="1122"/>
+            </a:br>
+            <a:r>
+              <a:rPr lang="ja" sz="822"/>
+              <a:t>コード能力向上問題作成とその解説文章を自動生成する系の内容、</a:t>
+            </a:r>
+            <a:endParaRPr sz="822"/>
+          </a:p>
+          <a:p>
+            <a:pPr indent="0" lvl="0" marL="0" rtl="0" algn="l">
+              <a:spcBef>
+                <a:spcPts val="1200"/>
+              </a:spcBef>
+              <a:spcAft>
+                <a:spcPts val="1200"/>
+              </a:spcAft>
+              <a:buNone/>
+            </a:pPr>
+            <a:r>
+              <a:t/>
+            </a:r>
+            <a:endParaRPr sz="822"/>
+          </a:p>
+        </p:txBody>
+      </p:sp>
+    </p:spTree>
+  </p:cSld>
+  <p:clrMapOvr>
+    <a:masterClrMapping/>
+  </p:clrMapOvr>
+</p:sld>
+</file>
+
+<file path=ppt/slides/slide12.xml><?xml version="1.0" encoding="utf-8"?>
+<p:sld xmlns:a="http://schemas.openxmlformats.org/drawingml/2006/main" xmlns:r="http://schemas.openxmlformats.org/officeDocument/2006/relationships" xmlns:mc="http://schemas.openxmlformats.org/markup-compatibility/2006" xmlns:mv="urn:schemas-microsoft-com:mac:vml" xmlns:p="http://schemas.openxmlformats.org/presentationml/2006/main" xmlns:c="http://schemas.openxmlformats.org/drawingml/2006/chart" xmlns:dgm="http://schemas.openxmlformats.org/drawingml/2006/diagram" xmlns:o="urn:schemas-microsoft-com:office:office" xmlns:v="urn:schemas-microsoft-com:vml" xmlns:pvml="urn:schemas-microsoft-com:office:powerpoint" xmlns:com="http://schemas.openxmlformats.org/drawingml/2006/compatibility" xmlns:p14="http://schemas.microsoft.com/office/powerpoint/2010/main" xmlns:p15="http://schemas.microsoft.com/office/powerpoint/2012/main" xmlns:ahyp="http://schemas.microsoft.com/office/drawing/2018/hyperlinkcolor">
+  <p:cSld>
+    <p:spTree>
+      <p:nvGrpSpPr>
+        <p:cNvPr id="119" name="Shape 119"/>
+        <p:cNvGrpSpPr/>
+        <p:nvPr/>
+      </p:nvGrpSpPr>
+      <p:grpSpPr>
+        <a:xfrm>
+          <a:off x="0" y="0"/>
+          <a:ext cx="0" cy="0"/>
+          <a:chOff x="0" y="0"/>
+          <a:chExt cx="0" cy="0"/>
+        </a:xfrm>
+      </p:grpSpPr>
+      <p:sp>
+        <p:nvSpPr>
+          <p:cNvPr id="120" name="Google Shape;120;p24"/>
+          <p:cNvSpPr txBox="1"/>
+          <p:nvPr>
+            <p:ph idx="1" type="body"/>
+          </p:nvPr>
+        </p:nvSpPr>
+        <p:spPr>
+          <a:xfrm>
+            <a:off x="0" y="0"/>
+            <a:ext cx="9144000" cy="5044200"/>
+          </a:xfrm>
+          <a:prstGeom prst="rect">
+            <a:avLst/>
+          </a:prstGeom>
+        </p:spPr>
+        <p:txBody>
+          <a:bodyPr anchorCtr="0" anchor="t" bIns="91425" lIns="91425" spcFirstLastPara="1" rIns="91425" wrap="square" tIns="91425">
+            <a:normAutofit fontScale="92500" lnSpcReduction="20000"/>
+          </a:bodyPr>
+          <a:lstStyle/>
+          <a:p>
+            <a:pPr indent="0" lvl="0" marL="0" rtl="0" algn="l">
+              <a:spcBef>
+                <a:spcPts val="0"/>
+              </a:spcBef>
+              <a:spcAft>
+                <a:spcPts val="0"/>
+              </a:spcAft>
+              <a:buNone/>
+            </a:pPr>
+            <a:r>
+              <a:rPr lang="ja" sz="1200" u="sng"/>
+              <a:t>Reflections on Inductive Thematic Saturation as a potential metric for measuring the validity of an inductive Thematic Analysis with LLMs</a:t>
+            </a:r>
+            <a:r>
+              <a:rPr lang="ja" sz="1200" u="sng"/>
+              <a:t> 2024</a:t>
+            </a:r>
+            <a:r>
+              <a:rPr lang="ja" sz="1269" u="sng"/>
+              <a:t>  </a:t>
+            </a:r>
+            <a:br>
+              <a:rPr lang="ja" sz="1100"/>
+            </a:br>
+            <a:r>
+              <a:rPr lang="ja" sz="1100" u="sng"/>
+              <a:t>概要</a:t>
+            </a:r>
+            <a:br>
+              <a:rPr lang="ja" sz="722"/>
+            </a:br>
+            <a:r>
+              <a:rPr lang="ja" sz="722"/>
+              <a:t>GPT-3.5-Turbo-16kのThematic Analysis（TA）テーマ分析における使用を検証する方法についての考察</a:t>
+            </a:r>
+            <a:br>
+              <a:rPr lang="ja" sz="722"/>
+            </a:br>
+            <a:r>
+              <a:rPr lang="ja" sz="722"/>
+              <a:t>初期的なテーマの飽和度（ITS）を使用して、LLMでのTAの取引的妥当性の一部を評価する指標として提案しています。特に、初期のコーディングに焦点を当てています。異なるサイズの2つのデータセットの初期コーディングを紹介し、コーディング中にLLMがどのように分析的な飽和度に到達するかについて考察</a:t>
+            </a:r>
+            <a:br>
+              <a:rPr lang="ja" sz="722"/>
+            </a:br>
+            <a:r>
+              <a:rPr lang="ja" sz="722"/>
+              <a:t>この作業で提案された手順は、総累積初期コードを含むコードブックと、総ユニークコードのコードブックの2つを作成します。著者は、累積コードとユニークコードの傾きの比率を使用した簡単な数学計算を用いて、ITSを合成的に測定する指標を提案しています。</a:t>
+            </a:r>
+            <a:endParaRPr sz="1100"/>
+          </a:p>
+          <a:p>
+            <a:pPr indent="0" lvl="0" marL="0" rtl="0" algn="l">
+              <a:spcBef>
+                <a:spcPts val="1200"/>
+              </a:spcBef>
+              <a:spcAft>
+                <a:spcPts val="0"/>
+              </a:spcAft>
+              <a:buNone/>
+            </a:pPr>
+            <a:r>
+              <a:rPr lang="ja" sz="1100" u="sng"/>
+              <a:t>手法</a:t>
+            </a:r>
+            <a:br>
+              <a:rPr lang="ja" sz="800"/>
+            </a:br>
+            <a:r>
+              <a:rPr lang="ja" sz="800"/>
+              <a:t>インタビューデータから初期コードを生成し、それらを一意の累積コードブックに整理するための実験手順を説明しています。この実験は2つのプロンプトを使用しています。</a:t>
+            </a:r>
+            <a:br>
+              <a:rPr lang="ja" sz="800"/>
+            </a:br>
+            <a:r>
+              <a:rPr lang="ja" sz="800"/>
+              <a:t>プロンプト1: </a:t>
+            </a:r>
+            <a:br>
+              <a:rPr lang="ja" sz="800"/>
+            </a:br>
+            <a:r>
+              <a:rPr lang="ja" sz="800"/>
+              <a:t>{  "プロンプト": "テキスト内の最も関連性の高い15のテーマを特定し、それぞれのテーマに6語以内で意味のある名前を付け、12語でシンプルなテーマの説明をし、参加者の発言から最大30語の引用を行ってください。 名前、説明、引用をjsonファイル内の'Themes'にまとめてフォーマットしてください。 ```{text}```"}</a:t>
+            </a:r>
+            <a:br>
+              <a:rPr lang="ja" sz="800"/>
+            </a:br>
+            <a:r>
+              <a:rPr lang="ja" sz="800"/>
+              <a:t>プロンプト2:</a:t>
+            </a:r>
+            <a:br>
+              <a:rPr lang="ja" sz="800"/>
+            </a:br>
+            <a:r>
+              <a:rPr lang="ja" sz="800"/>
+              <a:t>{  "プロンプト": "プロンプト1からの1つのインタビューに対するコードリストを反復処理します。リスト内の各コードtに対して、value=codes[t]として値を取得します。次に、値：```{value}```が、累積リストcumulative_uの要素のいずれかと同じアイデアまたは意味を持っているかどうかを判断してください。 {', '.join(cumulative_u)}。 あなたの回答は、'true'（同じアイデアまたは意味）または'false'（類似性なし）のいずれかの文字列であるべきです。 レスポンスをJSONファイルとしてフォーマットし、キーはvalue_in_cumulative_uを使用してください。"}</a:t>
+            </a:r>
+            <a:endParaRPr sz="800"/>
+          </a:p>
+          <a:p>
+            <a:pPr indent="0" lvl="0" marL="0" rtl="0" algn="l">
+              <a:spcBef>
+                <a:spcPts val="1200"/>
+              </a:spcBef>
+              <a:spcAft>
+                <a:spcPts val="0"/>
+              </a:spcAft>
+              <a:buNone/>
+            </a:pPr>
+            <a:r>
+              <a:rPr lang="ja" sz="800"/>
+              <a:t>1. 初期コードの生成（プロンプト1を使用）：各インタビューから15の最も関連するテーマ（初期コード）を識別し、それらに名前、簡潔な説明、引用を付けて整理します。</a:t>
+            </a:r>
+            <a:br>
+              <a:rPr lang="ja" sz="800"/>
+            </a:br>
+            <a:r>
+              <a:rPr lang="ja" sz="800"/>
+              <a:t>2. 一意コードブックの作成（プロンプト2を使用）：生成された各初期コードを既存の一意コードブック（cumulative_u）と比較し、同じアイディアや意味を持っているかどうかを評価します。同じであればtrue、異なればfalseとして応答します。</a:t>
+            </a:r>
+            <a:br>
+              <a:rPr lang="ja" sz="800"/>
+            </a:br>
+            <a:r>
+              <a:rPr lang="ja" sz="800"/>
+              <a:t>3. 一意コードの追加と累積：falseと評価されたコードは一意であるため、一意コードブックに追加されます。このプロセスを繰り返すことで、一意コードブックが各インタビュー後に更新されます。</a:t>
+            </a:r>
+            <a:endParaRPr sz="800"/>
+          </a:p>
+          <a:p>
+            <a:pPr indent="0" lvl="0" marL="0" rtl="0" algn="l">
+              <a:spcBef>
+                <a:spcPts val="1200"/>
+              </a:spcBef>
+              <a:spcAft>
+                <a:spcPts val="0"/>
+              </a:spcAft>
+              <a:buNone/>
+            </a:pPr>
+            <a:r>
+              <a:rPr lang="ja" sz="1122" u="sng"/>
+              <a:t>結果</a:t>
+            </a:r>
+            <a:br>
+              <a:rPr lang="ja" sz="1122"/>
+            </a:br>
+            <a:r>
+              <a:rPr lang="ja" sz="822"/>
+              <a:t>一意のコードの成長と累積コードの成長の間に線形な関係があることを示しました。減少成長による飽和を想定していたので想定外だったらしく</a:t>
+            </a:r>
+            <a:br>
+              <a:rPr lang="ja" sz="822"/>
+            </a:br>
+            <a:r>
+              <a:rPr lang="ja" sz="822"/>
+              <a:t>一意のコードブックと累積コードブックの傾きの比率がLLMsのITSの指標であり、0から1の値で、0に近い値ほど高い飽和を示すと提案しました。また、cos類似度により、一意なコードブック内のコードの一意性が確認され、ITS指標が重複コードに影響を受けないことが確認されました。</a:t>
+            </a:r>
+            <a:br>
+              <a:rPr lang="ja" sz="822"/>
+            </a:br>
+            <a:br>
+              <a:rPr lang="ja" sz="822"/>
+            </a:br>
+            <a:r>
+              <a:rPr lang="ja" sz="822"/>
+              <a:t>ITS（Initial Thematic Saturation）指標は、テーマ分析（Thematic Analysis）において、データの初期的なテーマが飽和状態に達したかどうかを測定するための指標</a:t>
+            </a:r>
+            <a:br>
+              <a:rPr lang="ja" sz="822"/>
+            </a:br>
+            <a:r>
+              <a:rPr lang="ja" sz="822"/>
+              <a:t>テーマ分析では、研究者がデータから意味のあるパターンやテーマを特定し、それらをコード化して分析します。ITS指標は、新しいデータから得られるテーマやコードが既存のコードブックに既に存在する割合を測定し、それによって分析的な飽和度が達成されたかどうかを判断します。</a:t>
+            </a:r>
+            <a:br>
+              <a:rPr lang="ja" sz="822"/>
+            </a:br>
+            <a:r>
+              <a:rPr lang="ja" sz="822"/>
+              <a:t>1. 初期コードの生成と評価：インタビューや調査データから初期コード（テーマ）を生成し、それらを評価します。</a:t>
+            </a:r>
+            <a:br>
+              <a:rPr lang="ja" sz="822"/>
+            </a:br>
+            <a:r>
+              <a:rPr lang="ja" sz="822"/>
+              <a:t>2. 飽和度の測定：新たに生成されたコードが既存のコードブックにどれだけ含まれているかを測定します。新しいコードが少なくなるほど、データは飽和に近づいているとみなされます。</a:t>
+            </a:r>
+            <a:br>
+              <a:rPr lang="ja" sz="822"/>
+            </a:br>
+            <a:r>
+              <a:rPr lang="ja" sz="822"/>
+              <a:t>3. 分析的飽和度の判断：新しいデータから得られる新しいテーマやコードが少なくなる（または全くなくなる）段階で、分析的な飽和度に達したと判断されます。これは、追加のデータ収集がさらなる新しい情報をもたらさないことを意味します。</a:t>
+            </a:r>
+            <a:endParaRPr sz="822"/>
+          </a:p>
+          <a:p>
+            <a:pPr indent="0" lvl="0" marL="0" rtl="0" algn="l">
+              <a:spcBef>
+                <a:spcPts val="1200"/>
+              </a:spcBef>
+              <a:spcAft>
+                <a:spcPts val="1200"/>
+              </a:spcAft>
+              <a:buNone/>
+            </a:pPr>
+            <a:r>
+              <a:rPr lang="ja" sz="822"/>
+              <a:t>ITS指標は、データ収集の過程において、いつデータが十分に収集されたと判断する指標です</a:t>
+            </a:r>
+            <a:br>
+              <a:rPr lang="ja" sz="822"/>
+            </a:br>
+            <a:r>
+              <a:rPr lang="ja" sz="822"/>
+              <a:t>似たような思想の要約文章生成があったけどそれの判断指標使用バージョン</a:t>
+            </a:r>
+            <a:endParaRPr sz="822"/>
+          </a:p>
+        </p:txBody>
+      </p:sp>
+    </p:spTree>
+  </p:cSld>
+  <p:clrMapOvr>
+    <a:masterClrMapping/>
+  </p:clrMapOvr>
+</p:sld>
+</file>
+
+<file path=ppt/slides/slide13.xml><?xml version="1.0" encoding="utf-8"?>
+<p:sld xmlns:a="http://schemas.openxmlformats.org/drawingml/2006/main" xmlns:r="http://schemas.openxmlformats.org/officeDocument/2006/relationships" xmlns:mc="http://schemas.openxmlformats.org/markup-compatibility/2006" xmlns:mv="urn:schemas-microsoft-com:mac:vml" xmlns:p="http://schemas.openxmlformats.org/presentationml/2006/main" xmlns:c="http://schemas.openxmlformats.org/drawingml/2006/chart" xmlns:dgm="http://schemas.openxmlformats.org/drawingml/2006/diagram" xmlns:o="urn:schemas-microsoft-com:office:office" xmlns:v="urn:schemas-microsoft-com:vml" xmlns:pvml="urn:schemas-microsoft-com:office:powerpoint" xmlns:com="http://schemas.openxmlformats.org/drawingml/2006/compatibility" xmlns:p14="http://schemas.microsoft.com/office/powerpoint/2010/main" xmlns:p15="http://schemas.microsoft.com/office/powerpoint/2012/main" xmlns:ahyp="http://schemas.microsoft.com/office/drawing/2018/hyperlinkcolor">
+  <p:cSld>
+    <p:spTree>
+      <p:nvGrpSpPr>
+        <p:cNvPr id="124" name="Shape 124"/>
+        <p:cNvGrpSpPr/>
+        <p:nvPr/>
+      </p:nvGrpSpPr>
+      <p:grpSpPr>
+        <a:xfrm>
+          <a:off x="0" y="0"/>
+          <a:ext cx="0" cy="0"/>
+          <a:chOff x="0" y="0"/>
+          <a:chExt cx="0" cy="0"/>
+        </a:xfrm>
+      </p:grpSpPr>
+      <p:sp>
+        <p:nvSpPr>
+          <p:cNvPr id="125" name="Google Shape;125;p25"/>
+          <p:cNvSpPr txBox="1"/>
+          <p:nvPr>
+            <p:ph idx="1" type="body"/>
+          </p:nvPr>
+        </p:nvSpPr>
+        <p:spPr>
+          <a:xfrm>
+            <a:off x="0" y="0"/>
+            <a:ext cx="9144000" cy="5044200"/>
+          </a:xfrm>
+          <a:prstGeom prst="rect">
+            <a:avLst/>
+          </a:prstGeom>
+        </p:spPr>
+        <p:txBody>
+          <a:bodyPr anchorCtr="0" anchor="t" bIns="91425" lIns="91425" spcFirstLastPara="1" rIns="91425" wrap="square" tIns="91425">
+            <a:normAutofit fontScale="85000" lnSpcReduction="20000"/>
+          </a:bodyPr>
+          <a:lstStyle/>
+          <a:p>
+            <a:pPr indent="0" lvl="0" marL="0" rtl="0" algn="l">
+              <a:spcBef>
+                <a:spcPts val="0"/>
+              </a:spcBef>
+              <a:spcAft>
+                <a:spcPts val="0"/>
+              </a:spcAft>
+              <a:buNone/>
+            </a:pPr>
+            <a:r>
+              <a:rPr lang="ja" sz="1200" u="sng"/>
+              <a:t>Enhanced Automated Code Vulnerability Repair using Large Language Models</a:t>
+            </a:r>
+            <a:r>
+              <a:rPr lang="ja" sz="1200" u="sng"/>
+              <a:t> 2024</a:t>
+            </a:r>
+            <a:r>
+              <a:rPr lang="ja" sz="1269" u="sng"/>
+              <a:t>  </a:t>
+            </a:r>
+            <a:br>
+              <a:rPr lang="ja" sz="1100"/>
+            </a:br>
+            <a:r>
+              <a:rPr lang="ja" sz="1100" u="sng"/>
+              <a:t>概要</a:t>
+            </a:r>
+            <a:br>
+              <a:rPr lang="ja" sz="722"/>
+            </a:br>
+            <a:r>
+              <a:rPr lang="ja" sz="722"/>
+              <a:t>コードの脆弱性を自動的に修復するための新しい手法が紹介されています。この方法は、C言語のコード脆弱性に特化したデータセットを用いて、大規模言語モデル（LLM）を微調整することで、自動コード修復の精度と適応性を向上させます。</a:t>
+            </a:r>
+            <a:endParaRPr sz="1100"/>
+          </a:p>
+          <a:p>
+            <a:pPr indent="0" lvl="0" marL="0" rtl="0" algn="l">
+              <a:spcBef>
+                <a:spcPts val="1200"/>
+              </a:spcBef>
+              <a:spcAft>
+                <a:spcPts val="0"/>
+              </a:spcAft>
+              <a:buNone/>
+            </a:pPr>
+            <a:r>
+              <a:rPr lang="ja" sz="1100" u="sng"/>
+              <a:t>新規性</a:t>
+            </a:r>
+            <a:br>
+              <a:rPr lang="ja" sz="1100"/>
+            </a:br>
+            <a:r>
+              <a:rPr lang="ja" sz="800"/>
+              <a:t>コード変更の表現方法を改善し、特定のC言語の脆弱性に対する微調整済みモデルの使用にあります。また、訓練データとテストデータ間の重複を避けることで、データセットの整合性を高めています。</a:t>
+            </a:r>
+            <a:endParaRPr sz="800"/>
+          </a:p>
+          <a:p>
+            <a:pPr indent="0" lvl="0" marL="0" rtl="0" algn="l">
+              <a:spcBef>
+                <a:spcPts val="1200"/>
+              </a:spcBef>
+              <a:spcAft>
+                <a:spcPts val="0"/>
+              </a:spcAft>
+              <a:buNone/>
+            </a:pPr>
+            <a:r>
+              <a:rPr lang="ja" sz="1100" u="sng"/>
+              <a:t>手法</a:t>
+            </a:r>
+            <a:br>
+              <a:rPr lang="ja" sz="800"/>
+            </a:br>
+            <a:r>
+              <a:rPr lang="ja" sz="800"/>
+              <a:t>Code LlamaとMistralという二つの大規模言語モデルを使用し、C言語のコード脆弱性を含むデータセットでこれらを微調整します。この微調整は、コードの修正表現を最適化し、脆弱性の特定と修正の精度を高めることを目的としています。</a:t>
+            </a:r>
+            <a:br>
+              <a:rPr lang="ja" sz="800"/>
+            </a:br>
+            <a:r>
+              <a:rPr lang="ja" sz="800"/>
+              <a:t>入力プロンプトの始まりと終わりを示す特別なマーキングトークンとして「[INST]」と「[/INST]」が使用されています。入力プロンプト内では、「line_1」、「line_2」、「line_3」といったトークンが脆弱なコードとして特定されたソースコードの行番号を表しています。これに続いて、「cwe_id」と「cwe_description」が脆弱性の種類についてのコンテキストを提供しています。最後に「source_code」セクションが、脆弱な行が存在するコンテキスト全体を提供しています。</a:t>
+            </a:r>
+            <a:br>
+              <a:rPr lang="ja" sz="800"/>
+            </a:br>
+            <a:r>
+              <a:rPr lang="ja" sz="800"/>
+              <a:t>出力フォーマットでは、「line_bef」と「line_af」がそれぞれ新しいコードが挿入されるソースコードの前後の行を示し、「&lt;MID&gt;」シーケンスがモデルによって提案された新しいコード行を表しています。変更の性質はコンテキストに依存し、「&lt;MID&gt;」トークンの後に新しい行が追加されることを示します。このフォーマットは、挿入、置換、削除などあらゆるタイプのコード変更を提案するための汎用性を提供し、モデルの出力の明確さと実装の容易さを高めています。</a:t>
+            </a:r>
+            <a:endParaRPr sz="800"/>
+          </a:p>
+          <a:p>
+            <a:pPr indent="0" lvl="0" marL="0" rtl="0" algn="l">
+              <a:spcBef>
+                <a:spcPts val="1200"/>
+              </a:spcBef>
+              <a:spcAft>
+                <a:spcPts val="0"/>
+              </a:spcAft>
+              <a:buNone/>
+            </a:pPr>
+            <a:r>
+              <a:t/>
+            </a:r>
+            <a:endParaRPr sz="800"/>
+          </a:p>
+          <a:p>
+            <a:pPr indent="0" lvl="0" marL="0" rtl="0" algn="l">
+              <a:spcBef>
+                <a:spcPts val="1200"/>
+              </a:spcBef>
+              <a:spcAft>
+                <a:spcPts val="0"/>
+              </a:spcAft>
+              <a:buNone/>
+            </a:pPr>
+            <a:r>
+              <a:t/>
+            </a:r>
+            <a:endParaRPr sz="800"/>
+          </a:p>
+          <a:p>
+            <a:pPr indent="0" lvl="0" marL="0" rtl="0" algn="l">
+              <a:spcBef>
+                <a:spcPts val="1200"/>
+              </a:spcBef>
+              <a:spcAft>
+                <a:spcPts val="0"/>
+              </a:spcAft>
+              <a:buNone/>
+            </a:pPr>
+            <a:r>
+              <a:t/>
+            </a:r>
+            <a:endParaRPr sz="800"/>
+          </a:p>
+          <a:p>
+            <a:pPr indent="0" lvl="0" marL="0" rtl="0" algn="l">
+              <a:spcBef>
+                <a:spcPts val="1200"/>
+              </a:spcBef>
+              <a:spcAft>
+                <a:spcPts val="0"/>
+              </a:spcAft>
+              <a:buNone/>
+            </a:pPr>
+            <a:r>
+              <a:t/>
+            </a:r>
+            <a:endParaRPr sz="800"/>
+          </a:p>
+          <a:p>
+            <a:pPr indent="0" lvl="0" marL="0" rtl="0" algn="l">
+              <a:spcBef>
+                <a:spcPts val="1200"/>
+              </a:spcBef>
+              <a:spcAft>
+                <a:spcPts val="0"/>
+              </a:spcAft>
+              <a:buNone/>
+            </a:pPr>
+            <a:r>
+              <a:t/>
+            </a:r>
+            <a:endParaRPr sz="800"/>
+          </a:p>
+          <a:p>
+            <a:pPr indent="0" lvl="0" marL="0" rtl="0" algn="l">
+              <a:spcBef>
+                <a:spcPts val="1200"/>
+              </a:spcBef>
+              <a:spcAft>
+                <a:spcPts val="0"/>
+              </a:spcAft>
+              <a:buNone/>
+            </a:pPr>
+            <a:r>
+              <a:t/>
+            </a:r>
+            <a:endParaRPr sz="800"/>
+          </a:p>
+          <a:p>
+            <a:pPr indent="0" lvl="0" marL="0" rtl="0" algn="l">
+              <a:spcBef>
+                <a:spcPts val="1200"/>
+              </a:spcBef>
+              <a:spcAft>
+                <a:spcPts val="0"/>
+              </a:spcAft>
+              <a:buNone/>
+            </a:pPr>
+            <a:r>
+              <a:t/>
+            </a:r>
+            <a:endParaRPr sz="800"/>
+          </a:p>
+          <a:p>
+            <a:pPr indent="0" lvl="0" marL="0" rtl="0" algn="l">
+              <a:spcBef>
+                <a:spcPts val="1200"/>
+              </a:spcBef>
+              <a:spcAft>
+                <a:spcPts val="0"/>
+              </a:spcAft>
+              <a:buNone/>
+            </a:pPr>
+            <a:r>
+              <a:t/>
+            </a:r>
+            <a:endParaRPr sz="800"/>
+          </a:p>
+          <a:p>
+            <a:pPr indent="0" lvl="0" marL="0" rtl="0" algn="l">
+              <a:spcBef>
+                <a:spcPts val="1200"/>
+              </a:spcBef>
+              <a:spcAft>
+                <a:spcPts val="0"/>
+              </a:spcAft>
+              <a:buNone/>
+            </a:pPr>
+            <a:r>
+              <a:t/>
+            </a:r>
+            <a:endParaRPr sz="800"/>
+          </a:p>
+          <a:p>
+            <a:pPr indent="0" lvl="0" marL="0" rtl="0" algn="l">
+              <a:spcBef>
+                <a:spcPts val="1200"/>
+              </a:spcBef>
+              <a:spcAft>
+                <a:spcPts val="1200"/>
+              </a:spcAft>
+              <a:buNone/>
+            </a:pPr>
+            <a:r>
+              <a:rPr lang="ja" sz="1122" u="sng"/>
+              <a:t>結</a:t>
+            </a:r>
+            <a:r>
+              <a:rPr lang="ja" sz="1122" u="sng"/>
+              <a:t>果</a:t>
+            </a:r>
+            <a:br>
+              <a:rPr lang="ja" sz="1122"/>
+            </a:br>
+            <a:r>
+              <a:rPr lang="ja" sz="822"/>
+              <a:t>モデルのパフォーマンスは、オリジナルのデータセットと修正されたデータセットの両方で評価されました。結果として、修正されたデータセットではパフォーマンスが低下することが示されましたが、これはモデルが新しいデータに対してどのように適応するかをより正確に反映しています。また、VulRepairやVRepairといった既存の手法と比較して、提案された手法が優れた性能を示しました。</a:t>
+            </a:r>
+            <a:endParaRPr sz="822"/>
+          </a:p>
+        </p:txBody>
+      </p:sp>
+      <p:pic>
+        <p:nvPicPr>
+          <p:cNvPr id="126" name="Google Shape;126;p25"/>
+          <p:cNvPicPr preferRelativeResize="0"/>
+          <p:nvPr/>
+        </p:nvPicPr>
+        <p:blipFill>
+          <a:blip r:embed="rId3">
+            <a:alphaModFix/>
+          </a:blip>
+          <a:stretch>
+            <a:fillRect/>
+          </a:stretch>
+        </p:blipFill>
+        <p:spPr>
+          <a:xfrm>
+            <a:off x="33575" y="2000975"/>
+            <a:ext cx="4601326" cy="2155450"/>
+          </a:xfrm>
+          <a:prstGeom prst="rect">
+            <a:avLst/>
+          </a:prstGeom>
+          <a:noFill/>
+          <a:ln>
+            <a:noFill/>
+          </a:ln>
+        </p:spPr>
+      </p:pic>
+      <p:pic>
+        <p:nvPicPr>
+          <p:cNvPr id="127" name="Google Shape;127;p25"/>
+          <p:cNvPicPr preferRelativeResize="0"/>
+          <p:nvPr/>
+        </p:nvPicPr>
+        <p:blipFill>
+          <a:blip r:embed="rId4">
+            <a:alphaModFix/>
+          </a:blip>
+          <a:stretch>
+            <a:fillRect/>
+          </a:stretch>
+        </p:blipFill>
+        <p:spPr>
+          <a:xfrm>
+            <a:off x="4599600" y="1950300"/>
+            <a:ext cx="4544401" cy="974475"/>
+          </a:xfrm>
+          <a:prstGeom prst="rect">
+            <a:avLst/>
+          </a:prstGeom>
+          <a:noFill/>
+          <a:ln>
+            <a:noFill/>
+          </a:ln>
+        </p:spPr>
+      </p:pic>
+    </p:spTree>
+  </p:cSld>
+  <p:clrMapOvr>
+    <a:masterClrMapping/>
+  </p:clrMapOvr>
+</p:sld>
+</file>
+
+<file path=ppt/slides/slide14.xml><?xml version="1.0" encoding="utf-8"?>
+<p:sld xmlns:a="http://schemas.openxmlformats.org/drawingml/2006/main" xmlns:r="http://schemas.openxmlformats.org/officeDocument/2006/relationships" xmlns:mc="http://schemas.openxmlformats.org/markup-compatibility/2006" xmlns:mv="urn:schemas-microsoft-com:mac:vml" xmlns:p="http://schemas.openxmlformats.org/presentationml/2006/main" xmlns:c="http://schemas.openxmlformats.org/drawingml/2006/chart" xmlns:dgm="http://schemas.openxmlformats.org/drawingml/2006/diagram" xmlns:o="urn:schemas-microsoft-com:office:office" xmlns:v="urn:schemas-microsoft-com:vml" xmlns:pvml="urn:schemas-microsoft-com:office:powerpoint" xmlns:com="http://schemas.openxmlformats.org/drawingml/2006/compatibility" xmlns:p14="http://schemas.microsoft.com/office/powerpoint/2010/main" xmlns:p15="http://schemas.microsoft.com/office/powerpoint/2012/main" xmlns:ahyp="http://schemas.microsoft.com/office/drawing/2018/hyperlinkcolor">
+  <p:cSld>
+    <p:spTree>
+      <p:nvGrpSpPr>
+        <p:cNvPr id="131" name="Shape 131"/>
+        <p:cNvGrpSpPr/>
+        <p:nvPr/>
+      </p:nvGrpSpPr>
+      <p:grpSpPr>
+        <a:xfrm>
+          <a:off x="0" y="0"/>
+          <a:ext cx="0" cy="0"/>
+          <a:chOff x="0" y="0"/>
+          <a:chExt cx="0" cy="0"/>
+        </a:xfrm>
+      </p:grpSpPr>
+      <p:sp>
+        <p:nvSpPr>
+          <p:cNvPr id="132" name="Google Shape;132;p26"/>
+          <p:cNvSpPr txBox="1"/>
+          <p:nvPr>
+            <p:ph idx="1" type="body"/>
+          </p:nvPr>
+        </p:nvSpPr>
+        <p:spPr>
+          <a:xfrm>
+            <a:off x="0" y="0"/>
+            <a:ext cx="9144000" cy="5044200"/>
+          </a:xfrm>
+          <a:prstGeom prst="rect">
+            <a:avLst/>
+          </a:prstGeom>
+        </p:spPr>
+        <p:txBody>
+          <a:bodyPr anchorCtr="0" anchor="t" bIns="91425" lIns="91425" spcFirstLastPara="1" rIns="91425" wrap="square" tIns="91425">
+            <a:normAutofit lnSpcReduction="10000"/>
+          </a:bodyPr>
+          <a:lstStyle/>
+          <a:p>
+            <a:pPr indent="0" lvl="0" marL="0" rtl="0" algn="l">
+              <a:spcBef>
+                <a:spcPts val="0"/>
+              </a:spcBef>
+              <a:spcAft>
+                <a:spcPts val="0"/>
+              </a:spcAft>
+              <a:buNone/>
+            </a:pPr>
+            <a:r>
+              <a:rPr lang="ja" sz="1200" u="sng"/>
+              <a:t>Boldly Going Where No Benchmark Has Gone Before: Exposing Bias and Shortcomings in Code Generation Evaluation</a:t>
+            </a:r>
+            <a:r>
+              <a:rPr lang="ja" sz="1200" u="sng"/>
+              <a:t> 2024</a:t>
+            </a:r>
+            <a:r>
+              <a:rPr lang="ja" sz="1269" u="sng"/>
+              <a:t>  </a:t>
+            </a:r>
+            <a:br>
+              <a:rPr lang="ja" sz="1100"/>
+            </a:br>
+            <a:r>
+              <a:rPr lang="ja" sz="1100" u="sng"/>
+              <a:t>概要</a:t>
+            </a:r>
+            <a:br>
+              <a:rPr lang="ja" sz="722"/>
+            </a:br>
+            <a:r>
+              <a:rPr lang="ja" sz="722"/>
+              <a:t>大規模言語モデル（LLMs）を使用したコード生成の評価におけるバイアスと不足を明らかにします。Pythonコード生成に広く使用されているHumanEvalとMBPPという2つのベンチマークを対象に、その多様性と難易度を評価しています。結果は、プログラミングコンセプトの限られた数に対する顕著なバイアスと、大部分のコンセプトがほとんどまたは全く表現されていないことを明らかにしました。さらに、簡単なプログラミング質問の比率が高すぎることが判明し、これはモデルの性能の過大評価につながる可能性があります。</a:t>
+            </a:r>
+            <a:endParaRPr sz="1100"/>
+          </a:p>
+          <a:p>
+            <a:pPr indent="0" lvl="0" marL="0" rtl="0" algn="l">
+              <a:spcBef>
+                <a:spcPts val="1200"/>
+              </a:spcBef>
+              <a:spcAft>
+                <a:spcPts val="0"/>
+              </a:spcAft>
+              <a:buNone/>
+            </a:pPr>
+            <a:r>
+              <a:rPr lang="ja" sz="1100" u="sng"/>
+              <a:t>新規性</a:t>
+            </a:r>
+            <a:br>
+              <a:rPr lang="ja" sz="1100"/>
+            </a:br>
+            <a:r>
+              <a:rPr lang="ja" sz="800"/>
+              <a:t>Python コード生成の広く使用されているベンチマークに対する徹底的な人間評価にあります。これまでこのような厳密な審査を受けていなかったため、著者らはプログラミング概念を基本、中級、上級の階層分類に細分化しました。</a:t>
+            </a:r>
+            <a:endParaRPr sz="800"/>
+          </a:p>
+          <a:p>
+            <a:pPr indent="0" lvl="0" marL="0" rtl="0" algn="l">
+              <a:spcBef>
+                <a:spcPts val="1200"/>
+              </a:spcBef>
+              <a:spcAft>
+                <a:spcPts val="0"/>
+              </a:spcAft>
+              <a:buNone/>
+            </a:pPr>
+            <a:r>
+              <a:rPr lang="ja" sz="1100" u="sng"/>
+              <a:t>手法</a:t>
+            </a:r>
+            <a:br>
+              <a:rPr lang="ja" sz="800"/>
+            </a:br>
+            <a:r>
+              <a:rPr lang="ja" sz="800"/>
+              <a:t>ベンチマークの多様性と難易度を評価するために、論文では Python プログラミングの経験を持つ大学院生のアノテーターを対象にした、2段階の実験的アプローチを提示しています。これらのアノテーターには、提案されたプログラミング概念の階層分類と認識される難易度（簡単、中程度、難しい）に基づいて、HumanEval と MBPP のデータセットから問題を分類するよう指示されました。</a:t>
+            </a:r>
+            <a:endParaRPr sz="800"/>
+          </a:p>
+          <a:p>
+            <a:pPr indent="0" lvl="0" marL="0" rtl="0" algn="l">
+              <a:spcBef>
+                <a:spcPts val="1200"/>
+              </a:spcBef>
+              <a:spcAft>
+                <a:spcPts val="0"/>
+              </a:spcAft>
+              <a:buNone/>
+            </a:pPr>
+            <a:r>
+              <a:rPr lang="ja" sz="1122" u="sng"/>
+              <a:t>結果</a:t>
+            </a:r>
+            <a:br>
+              <a:rPr lang="ja" sz="1122"/>
+            </a:br>
+            <a:r>
+              <a:rPr lang="ja" sz="822"/>
+              <a:t>HumanEvalとMBPPの分析により、これらのベンチマークが主に簡単な問題に偏っていることが明らかになりました。84.8%の問題が簡単であると分類され、中程度や難しい問題は非常に少ないことが判明しました。</a:t>
+            </a:r>
+            <a:endParaRPr sz="822"/>
+          </a:p>
+          <a:p>
+            <a:pPr indent="0" lvl="0" marL="0" rtl="0" algn="l">
+              <a:spcBef>
+                <a:spcPts val="1200"/>
+              </a:spcBef>
+              <a:spcAft>
+                <a:spcPts val="0"/>
+              </a:spcAft>
+              <a:buNone/>
+            </a:pPr>
+            <a:r>
+              <a:rPr lang="ja" sz="822"/>
+              <a:t>HumanEval</a:t>
+            </a:r>
+            <a:br>
+              <a:rPr lang="ja" sz="822"/>
+            </a:br>
+            <a:r>
+              <a:rPr lang="ja" sz="822"/>
+              <a:t>目的: HumanEvalは、自然言語による問題記述からコードを生成するモデルの能力を評価するために設計されました。</a:t>
+            </a:r>
+            <a:br>
+              <a:rPr lang="ja" sz="822"/>
+            </a:br>
+            <a:r>
+              <a:rPr lang="ja" sz="822"/>
+              <a:t>方法: HumanEvalでは、特定のプログラミング課題に対する短い説明が与えられ、モデルはその説明に基づいて機能するコードを生成する必要があります。これらの課題は、多様な難易度とプログラミング概念をカバーしています。</a:t>
+            </a:r>
+            <a:br>
+              <a:rPr lang="ja" sz="822"/>
+            </a:br>
+            <a:r>
+              <a:rPr lang="ja" sz="822"/>
+              <a:t>評価: 生成されたコードの正確性は、テストケースによって評価されます。モデルが生成したコードがテストケースをクリアすると、その問題に対するモデルの解答が正確であるとみなされます。</a:t>
+            </a:r>
+            <a:endParaRPr sz="822"/>
+          </a:p>
+          <a:p>
+            <a:pPr indent="0" lvl="0" marL="0" rtl="0" algn="l">
+              <a:spcBef>
+                <a:spcPts val="1200"/>
+              </a:spcBef>
+              <a:spcAft>
+                <a:spcPts val="0"/>
+              </a:spcAft>
+              <a:buNone/>
+            </a:pPr>
+            <a:r>
+              <a:rPr lang="ja" sz="822"/>
+              <a:t>MBPP (Massively Multilingual Programming Problems)</a:t>
+            </a:r>
+            <a:br>
+              <a:rPr lang="ja" sz="822"/>
+            </a:br>
+            <a:r>
+              <a:rPr lang="ja" sz="822"/>
+              <a:t>目的: MBPPは、多言語にわたるプログラミングの問題を提供することで、コード生成モデルの多言語能力を評価します。</a:t>
+            </a:r>
+            <a:br>
+              <a:rPr lang="ja" sz="822"/>
+            </a:br>
+            <a:r>
+              <a:rPr lang="ja" sz="822"/>
+              <a:t>方法: MBPPでは、複数の言語で記述されたプログラミングの問題が提供されます。モデルはこれらの問題を理解し、適切なプログラミング言語で解決策を生成する必要があります。</a:t>
+            </a:r>
+            <a:br>
+              <a:rPr lang="ja" sz="822"/>
+            </a:br>
+            <a:r>
+              <a:rPr lang="ja" sz="822"/>
+              <a:t>評価: 同様に、生成されたコードはテストケースを用いて評価されます。問題の解答がテストケースに合致する場合、モデルの性能は良いとされます。</a:t>
+            </a:r>
+            <a:endParaRPr sz="822"/>
+          </a:p>
+          <a:p>
+            <a:pPr indent="0" lvl="0" marL="0" rtl="0" algn="l">
+              <a:spcBef>
+                <a:spcPts val="1200"/>
+              </a:spcBef>
+              <a:spcAft>
+                <a:spcPts val="1200"/>
+              </a:spcAft>
+              <a:buNone/>
+            </a:pPr>
+            <a:r>
+              <a:t/>
+            </a:r>
+            <a:endParaRPr sz="822"/>
+          </a:p>
+        </p:txBody>
+      </p:sp>
+    </p:spTree>
+  </p:cSld>
+  <p:clrMapOvr>
+    <a:masterClrMapping/>
+  </p:clrMapOvr>
+</p:sld>
+</file>
+
+<file path=ppt/slides/slide15.xml><?xml version="1.0" encoding="utf-8"?>
+<p:sld xmlns:a="http://schemas.openxmlformats.org/drawingml/2006/main" xmlns:r="http://schemas.openxmlformats.org/officeDocument/2006/relationships" xmlns:mc="http://schemas.openxmlformats.org/markup-compatibility/2006" xmlns:mv="urn:schemas-microsoft-com:mac:vml" xmlns:p="http://schemas.openxmlformats.org/presentationml/2006/main" xmlns:c="http://schemas.openxmlformats.org/drawingml/2006/chart" xmlns:dgm="http://schemas.openxmlformats.org/drawingml/2006/diagram" xmlns:o="urn:schemas-microsoft-com:office:office" xmlns:v="urn:schemas-microsoft-com:vml" xmlns:pvml="urn:schemas-microsoft-com:office:powerpoint" xmlns:com="http://schemas.openxmlformats.org/drawingml/2006/compatibility" xmlns:p14="http://schemas.microsoft.com/office/powerpoint/2010/main" xmlns:p15="http://schemas.microsoft.com/office/powerpoint/2012/main" xmlns:ahyp="http://schemas.microsoft.com/office/drawing/2018/hyperlinkcolor">
+  <p:cSld>
+    <p:spTree>
+      <p:nvGrpSpPr>
+        <p:cNvPr id="136" name="Shape 136"/>
+        <p:cNvGrpSpPr/>
+        <p:nvPr/>
+      </p:nvGrpSpPr>
+      <p:grpSpPr>
+        <a:xfrm>
+          <a:off x="0" y="0"/>
+          <a:ext cx="0" cy="0"/>
+          <a:chOff x="0" y="0"/>
+          <a:chExt cx="0" cy="0"/>
+        </a:xfrm>
+      </p:grpSpPr>
+      <p:sp>
+        <p:nvSpPr>
+          <p:cNvPr id="137" name="Google Shape;137;p27"/>
+          <p:cNvSpPr txBox="1"/>
+          <p:nvPr>
+            <p:ph idx="1" type="body"/>
+          </p:nvPr>
+        </p:nvSpPr>
+        <p:spPr>
+          <a:xfrm>
+            <a:off x="0" y="0"/>
+            <a:ext cx="9144000" cy="5044200"/>
+          </a:xfrm>
+          <a:prstGeom prst="rect">
+            <a:avLst/>
+          </a:prstGeom>
+        </p:spPr>
+        <p:txBody>
+          <a:bodyPr anchorCtr="0" anchor="t" bIns="91425" lIns="91425" spcFirstLastPara="1" rIns="91425" wrap="square" tIns="91425">
+            <a:normAutofit/>
+          </a:bodyPr>
+          <a:lstStyle/>
+          <a:p>
+            <a:pPr indent="0" lvl="0" marL="0" rtl="0" algn="l">
+              <a:spcBef>
+                <a:spcPts val="0"/>
+              </a:spcBef>
+              <a:spcAft>
+                <a:spcPts val="0"/>
+              </a:spcAft>
+              <a:buNone/>
+            </a:pPr>
+            <a:r>
+              <a:rPr lang="ja" sz="1200" u="sng"/>
+              <a:t>ChartAssisstant: A Universal Chart Multimodal Language Model via Chart-to-Table Pre-training and Multitask Instruction Tuning</a:t>
+            </a:r>
+            <a:r>
+              <a:rPr lang="ja" sz="1200" u="sng"/>
+              <a:t> 2024</a:t>
+            </a:r>
+            <a:r>
+              <a:rPr lang="ja" sz="1269" u="sng"/>
+              <a:t>  </a:t>
+            </a:r>
+            <a:br>
+              <a:rPr lang="ja" sz="1100"/>
+            </a:br>
+            <a:r>
+              <a:rPr lang="ja" sz="1100" u="sng"/>
+              <a:t>概要</a:t>
+            </a:r>
+            <a:br>
+              <a:rPr lang="ja" sz="722"/>
+            </a:br>
+            <a:r>
+              <a:rPr lang="ja" sz="722"/>
+              <a:t>ChartSFTと呼ばれる多様なチャート関連タスクをカバーするデータセットを利用し、チャートからテーブルへの変換による</a:t>
+            </a:r>
+            <a:br>
+              <a:rPr lang="ja" sz="722"/>
+            </a:br>
+            <a:r>
+              <a:rPr lang="ja" sz="722"/>
+              <a:t>事前学習と多タスク指示に基づく微調整を経て事前学習されています。このアプローチにより、</a:t>
+            </a:r>
+            <a:br>
+              <a:rPr lang="ja" sz="722"/>
+            </a:br>
+            <a:r>
+              <a:rPr lang="ja" sz="722"/>
+              <a:t>ChartAssistantは特定のタスクごとの微調整を必要とせず、様々なチャート関連タスクにおいて高精度を達成します</a:t>
+            </a:r>
+            <a:br>
+              <a:rPr lang="ja" sz="722"/>
+            </a:br>
+            <a:r>
+              <a:rPr lang="ja" sz="722"/>
+              <a:t>https://github.com/OpenGVLab/ChartAst</a:t>
+            </a:r>
+            <a:endParaRPr sz="722"/>
+          </a:p>
+          <a:p>
+            <a:pPr indent="0" lvl="0" marL="0" rtl="0" algn="l">
+              <a:spcBef>
+                <a:spcPts val="1200"/>
+              </a:spcBef>
+              <a:spcAft>
+                <a:spcPts val="0"/>
+              </a:spcAft>
+              <a:buNone/>
+            </a:pPr>
+            <a:r>
+              <a:rPr lang="ja" sz="1100" u="sng"/>
+              <a:t>新規性</a:t>
+            </a:r>
+            <a:br>
+              <a:rPr lang="ja" sz="1100"/>
+            </a:br>
+            <a:r>
+              <a:rPr lang="ja" sz="800"/>
+              <a:t>2段階の学習プロセスと、基本的および専門的なチャートタイプをカバーする包括的で多様な</a:t>
+            </a:r>
+            <a:br>
+              <a:rPr lang="ja" sz="800"/>
+            </a:br>
+            <a:r>
+              <a:rPr lang="ja" sz="800"/>
+              <a:t>ChartSFTデータセットの作成です。</a:t>
+            </a:r>
+            <a:br>
+              <a:rPr lang="ja" sz="800"/>
+            </a:br>
+            <a:r>
+              <a:rPr lang="ja" sz="800"/>
+              <a:t>最初の段階では、チャートをテキストデータに整列させるためのチャートからテーブルへの変換が行われます。</a:t>
+            </a:r>
+            <a:br>
+              <a:rPr lang="ja" sz="800"/>
+            </a:br>
+            <a:r>
+              <a:rPr lang="ja" sz="800"/>
+              <a:t>2段階目では、さまざまなチャート関連タスクにわたるマルチタスク指示調整が行われます。</a:t>
+            </a:r>
+            <a:br>
+              <a:rPr lang="ja" sz="800"/>
+            </a:br>
+            <a:r>
+              <a:rPr lang="ja" sz="800"/>
+              <a:t>このアプローチにより、モデルは、タスク固有の微調整を必要とせずに、</a:t>
+            </a:r>
+            <a:br>
+              <a:rPr lang="ja" sz="800"/>
+            </a:br>
+            <a:r>
+              <a:rPr lang="ja" sz="800"/>
+              <a:t>さまざまなチャートタスクで優れたパフォーマンスを発揮することが可能となります。</a:t>
+            </a:r>
+            <a:endParaRPr sz="800"/>
+          </a:p>
+          <a:p>
+            <a:pPr indent="0" lvl="0" marL="0" rtl="0" algn="l">
+              <a:spcBef>
+                <a:spcPts val="1200"/>
+              </a:spcBef>
+              <a:spcAft>
+                <a:spcPts val="0"/>
+              </a:spcAft>
+              <a:buNone/>
+            </a:pPr>
+            <a:r>
+              <a:rPr lang="ja" sz="1100" u="sng"/>
+              <a:t>手法</a:t>
+            </a:r>
+            <a:br>
+              <a:rPr lang="ja" sz="800"/>
+            </a:br>
+            <a:r>
+              <a:rPr lang="ja" sz="800"/>
+              <a:t>1. ChartSFTデータセットの作成：著者らは、様々なチャート関連タスクおよびタイプをカバーする</a:t>
+            </a:r>
+            <a:br>
+              <a:rPr lang="ja" sz="800"/>
+            </a:br>
+            <a:r>
+              <a:rPr lang="ja" sz="800"/>
+              <a:t>チャートデータの大規模なコーパスを編纂しました。</a:t>
+            </a:r>
+            <a:br>
+              <a:rPr lang="ja" sz="800"/>
+            </a:br>
+            <a:r>
+              <a:rPr lang="ja" sz="800"/>
+              <a:t>このデータセットは、視覚要素と数学的推論のモデル理解を向上させるために拡張された</a:t>
+            </a:r>
+            <a:br>
+              <a:rPr lang="ja" sz="800"/>
+            </a:br>
+            <a:r>
+              <a:rPr lang="ja" sz="800"/>
+              <a:t>データアノテーションを含んでいます。</a:t>
+            </a:r>
+            <a:br>
+              <a:rPr lang="ja" sz="800"/>
+            </a:br>
+            <a:r>
+              <a:rPr lang="ja" sz="800"/>
+              <a:t>2. チャートからテーブルへの事前トレーニング：モデルは、チャートをその基礎となるデータテーブルに</a:t>
+            </a:r>
+            <a:br>
+              <a:rPr lang="ja" sz="800"/>
+            </a:br>
+            <a:r>
+              <a:rPr lang="ja" sz="800"/>
+              <a:t>解析するようにトレーニングされ、チャートとテキスト表現を整列させます。</a:t>
+            </a:r>
+            <a:br>
+              <a:rPr lang="ja" sz="800"/>
+            </a:br>
+            <a:r>
+              <a:rPr lang="ja" sz="800"/>
+              <a:t>3. マルチタスク指示調整：事前トレーニング後、モデルは複数のチャート関連タスクにわたって</a:t>
+            </a:r>
+            <a:br>
+              <a:rPr lang="ja" sz="800"/>
+            </a:br>
+            <a:r>
+              <a:rPr lang="ja" sz="800"/>
+              <a:t>同時に微調整され、さまざまなタスクにおいて汎用化されるようになります。</a:t>
+            </a:r>
+            <a:endParaRPr sz="800"/>
+          </a:p>
+          <a:p>
+            <a:pPr indent="0" lvl="0" marL="0" rtl="0" algn="l">
+              <a:spcBef>
+                <a:spcPts val="1200"/>
+              </a:spcBef>
+              <a:spcAft>
+                <a:spcPts val="0"/>
+              </a:spcAft>
+              <a:buNone/>
+            </a:pPr>
+            <a:r>
+              <a:rPr lang="ja" sz="1122" u="sng"/>
+              <a:t>結果</a:t>
+            </a:r>
+            <a:br>
+              <a:rPr lang="ja" sz="1122"/>
+            </a:br>
+            <a:r>
+              <a:rPr lang="ja" sz="822"/>
+              <a:t>実験結果は、ChartAssistantが既存のモデルやOpenAIのGPT-4Vを含む一般的な多モーダルモデルよりも、</a:t>
+            </a:r>
+            <a:br>
+              <a:rPr lang="ja" sz="822"/>
+            </a:br>
+            <a:r>
+              <a:rPr lang="ja" sz="822"/>
+              <a:t>様々なチャート関連タスクにおいて優れた性能を示しています。</a:t>
+            </a:r>
+            <a:endParaRPr sz="822"/>
+          </a:p>
+          <a:p>
+            <a:pPr indent="0" lvl="0" marL="0" rtl="0" algn="l">
+              <a:spcBef>
+                <a:spcPts val="1200"/>
+              </a:spcBef>
+              <a:spcAft>
+                <a:spcPts val="1200"/>
+              </a:spcAft>
+              <a:buNone/>
+            </a:pPr>
+            <a:r>
+              <a:t/>
+            </a:r>
+            <a:endParaRPr sz="822"/>
+          </a:p>
+        </p:txBody>
+      </p:sp>
+      <p:pic>
+        <p:nvPicPr>
+          <p:cNvPr id="138" name="Google Shape;138;p27"/>
+          <p:cNvPicPr preferRelativeResize="0"/>
+          <p:nvPr/>
+        </p:nvPicPr>
+        <p:blipFill>
+          <a:blip r:embed="rId3">
+            <a:alphaModFix/>
+          </a:blip>
+          <a:stretch>
+            <a:fillRect/>
+          </a:stretch>
+        </p:blipFill>
+        <p:spPr>
+          <a:xfrm>
+            <a:off x="5256851" y="348100"/>
+            <a:ext cx="3830474" cy="4696100"/>
+          </a:xfrm>
+          <a:prstGeom prst="rect">
+            <a:avLst/>
+          </a:prstGeom>
+          <a:noFill/>
+          <a:ln>
+            <a:noFill/>
+          </a:ln>
+        </p:spPr>
+      </p:pic>
+    </p:spTree>
+  </p:cSld>
+  <p:clrMapOvr>
+    <a:masterClrMapping/>
+  </p:clrMapOvr>
+</p:sld>
+</file>
+
+<file path=ppt/slides/slide16.xml><?xml version="1.0" encoding="utf-8"?>
+<p:sld xmlns:a="http://schemas.openxmlformats.org/drawingml/2006/main" xmlns:r="http://schemas.openxmlformats.org/officeDocument/2006/relationships" xmlns:mc="http://schemas.openxmlformats.org/markup-compatibility/2006" xmlns:mv="urn:schemas-microsoft-com:mac:vml" xmlns:p="http://schemas.openxmlformats.org/presentationml/2006/main" xmlns:c="http://schemas.openxmlformats.org/drawingml/2006/chart" xmlns:dgm="http://schemas.openxmlformats.org/drawingml/2006/diagram" xmlns:o="urn:schemas-microsoft-com:office:office" xmlns:v="urn:schemas-microsoft-com:vml" xmlns:pvml="urn:schemas-microsoft-com:office:powerpoint" xmlns:com="http://schemas.openxmlformats.org/drawingml/2006/compatibility" xmlns:p14="http://schemas.microsoft.com/office/powerpoint/2010/main" xmlns:p15="http://schemas.microsoft.com/office/powerpoint/2012/main" xmlns:ahyp="http://schemas.microsoft.com/office/drawing/2018/hyperlinkcolor">
+  <p:cSld>
+    <p:spTree>
+      <p:nvGrpSpPr>
+        <p:cNvPr id="142" name="Shape 142"/>
+        <p:cNvGrpSpPr/>
+        <p:nvPr/>
+      </p:nvGrpSpPr>
+      <p:grpSpPr>
+        <a:xfrm>
+          <a:off x="0" y="0"/>
+          <a:ext cx="0" cy="0"/>
+          <a:chOff x="0" y="0"/>
+          <a:chExt cx="0" cy="0"/>
+        </a:xfrm>
+      </p:grpSpPr>
+      <p:sp>
+        <p:nvSpPr>
+          <p:cNvPr id="143" name="Google Shape;143;p28"/>
+          <p:cNvSpPr txBox="1"/>
+          <p:nvPr>
+            <p:ph idx="1" type="body"/>
+          </p:nvPr>
+        </p:nvSpPr>
+        <p:spPr>
+          <a:xfrm>
+            <a:off x="0" y="0"/>
+            <a:ext cx="9144000" cy="5044200"/>
+          </a:xfrm>
+          <a:prstGeom prst="rect">
+            <a:avLst/>
+          </a:prstGeom>
+        </p:spPr>
+        <p:txBody>
+          <a:bodyPr anchorCtr="0" anchor="t" bIns="91425" lIns="91425" spcFirstLastPara="1" rIns="91425" wrap="square" tIns="91425">
+            <a:normAutofit lnSpcReduction="10000"/>
+          </a:bodyPr>
+          <a:lstStyle/>
+          <a:p>
+            <a:pPr indent="0" lvl="0" marL="0" rtl="0" algn="l">
+              <a:spcBef>
+                <a:spcPts val="0"/>
+              </a:spcBef>
+              <a:spcAft>
+                <a:spcPts val="0"/>
+              </a:spcAft>
+              <a:buNone/>
+            </a:pPr>
+            <a:r>
+              <a:rPr lang="ja" sz="1200" u="sng"/>
+              <a:t>RAGAS: Automated Evaluation of Retrieval Augmented Generation</a:t>
+            </a:r>
+            <a:r>
+              <a:rPr lang="ja" sz="1200" u="sng"/>
+              <a:t> 2023</a:t>
+            </a:r>
+            <a:r>
+              <a:rPr lang="ja" sz="1269" u="sng"/>
+              <a:t>  </a:t>
+            </a:r>
+            <a:br>
+              <a:rPr lang="ja" sz="1100"/>
+            </a:br>
+            <a:r>
+              <a:rPr lang="ja" sz="1100" u="sng"/>
+              <a:t>概要</a:t>
+            </a:r>
+            <a:br>
+              <a:rPr lang="ja" sz="722"/>
+            </a:br>
+            <a:r>
+              <a:rPr lang="ja" sz="722"/>
+              <a:t>参照不要のRetrieval Augmented Generation (RAG)パイプラインの評価フレームワークであるRAGASを提案</a:t>
+            </a:r>
+            <a:br>
+              <a:rPr lang="ja" sz="722"/>
+            </a:br>
+            <a:r>
+              <a:rPr lang="ja" sz="722"/>
+              <a:t>RAGアーキテクチャの評価は、考慮すべき複数の次元があるため難しいです。RAGASでは、人間のアノテーションに依存せずにこれらの異なる次元を評価するための指標です</a:t>
+            </a:r>
+            <a:br>
+              <a:rPr lang="ja" sz="722"/>
+            </a:br>
+            <a:r>
+              <a:rPr lang="ja" sz="722"/>
+              <a:t>https://github.com/explodinggradients/ragas</a:t>
+            </a:r>
+            <a:endParaRPr sz="1100"/>
+          </a:p>
+          <a:p>
+            <a:pPr indent="0" lvl="0" marL="0" rtl="0" algn="l">
+              <a:spcBef>
+                <a:spcPts val="1200"/>
+              </a:spcBef>
+              <a:spcAft>
+                <a:spcPts val="0"/>
+              </a:spcAft>
+              <a:buNone/>
+            </a:pPr>
+            <a:r>
+              <a:rPr lang="ja" sz="1100" u="sng"/>
+              <a:t>手法</a:t>
+            </a:r>
+            <a:br>
+              <a:rPr lang="ja" sz="800"/>
+            </a:br>
+            <a:r>
+              <a:rPr lang="ja" sz="800"/>
+              <a:t>RAGASでは、以下の3つの評価指標で判断します</a:t>
+            </a:r>
+            <a:br>
+              <a:rPr lang="ja" sz="800"/>
+            </a:br>
+            <a:r>
+              <a:rPr lang="ja" sz="800"/>
+              <a:t>- Faithfulness（忠実度）</a:t>
+            </a:r>
+            <a:br>
+              <a:rPr lang="ja" sz="800"/>
+            </a:br>
+            <a:r>
+              <a:rPr lang="ja" sz="800"/>
+              <a:t>生成された回答が、取得されたコンテキストに基づいているかどうかを、回答がコンテキストの主張に従っている場合、結果は高くなります。</a:t>
+            </a:r>
+            <a:br>
+              <a:rPr lang="ja" sz="800"/>
+            </a:br>
+            <a:r>
+              <a:rPr lang="ja" sz="800"/>
+              <a:t>Faithfulnessを自動的に評価するために、まずLLMを使用して、回答から一連の文（ステートメント）を抽出。</a:t>
+            </a:r>
+            <a:br>
+              <a:rPr lang="ja" sz="800"/>
+            </a:br>
+            <a:r>
+              <a:rPr lang="ja" sz="800"/>
+              <a:t>各ステートメントがコンテキストから導かれるかどうかをLLMによって判断。最後に、Faithfulnessスコアは、LLMによってサポートされたステートメントの数を、ステートメントの総数で割った値として計算されます。</a:t>
+            </a:r>
+            <a:br>
+              <a:rPr lang="ja" sz="800"/>
+            </a:br>
+            <a:r>
+              <a:rPr lang="ja" sz="800"/>
+              <a:t>- Answer Relevance（回答の関連性）</a:t>
+            </a:r>
+            <a:br>
+              <a:rPr lang="ja" sz="800"/>
+            </a:br>
+            <a:r>
+              <a:rPr lang="ja" sz="800"/>
+              <a:t>生成された回答が、質問に対して適切に対処し、関連性があるかどうかを評価。回答が不完全である場合や冗長な情報が含まれている場合にペナルティを与えます。</a:t>
+            </a:r>
+            <a:br>
+              <a:rPr lang="ja" sz="800"/>
+            </a:br>
+            <a:r>
+              <a:rPr lang="ja" sz="800"/>
+              <a:t>Answer Relevanceを推定するために、与えられた回答a_s(q)に基づいて、LLMにn個の潜在的な質問q_iを生成させます。</a:t>
+            </a:r>
+            <a:br>
+              <a:rPr lang="ja" sz="800"/>
+            </a:br>
+            <a:r>
+              <a:rPr lang="ja" sz="800"/>
+              <a:t>次に、利用可能な埋め込みベクトルモデルを使用して、すべての質問の埋め込みを取得します。各q_iについて、元の質問qとの間の埋め込みのcos類似度を計算します。</a:t>
+            </a:r>
+            <a:br>
+              <a:rPr lang="ja" sz="800"/>
+            </a:br>
+            <a:r>
+              <a:rPr lang="ja" sz="800"/>
+              <a:t>質問&amp;q&amp;に対する回答の関連性スコアAR(Answer Relevance)は、次のように計算されます。AR=1/n \sum^n_{b=1}sim(q,q_i)</a:t>
+            </a:r>
+            <a:br>
+              <a:rPr lang="ja" sz="800"/>
+            </a:br>
+            <a:r>
+              <a:rPr lang="ja" sz="800"/>
+              <a:t>この指標は、生成された回答が最初の質問または指示とどれだけ密接に一致しているかを評価します。</a:t>
+            </a:r>
+            <a:br>
+              <a:rPr lang="ja" sz="800"/>
+            </a:br>
+            <a:r>
+              <a:rPr lang="ja" sz="800"/>
+              <a:t>- Context Relevance（コンテキストの関連性）</a:t>
+            </a:r>
+            <a:br>
+              <a:rPr lang="ja" sz="800"/>
+            </a:br>
+            <a:r>
+              <a:rPr lang="ja" sz="800"/>
+              <a:t>取得されたコンテキストが、質問に対して十分に焦点を当てているかどうかを評価。コンテキストが質問に関連する情報を提供し、適切な範囲である場合、コンテキストの関連性は高くなります。</a:t>
+            </a:r>
+            <a:br>
+              <a:rPr lang="ja" sz="800"/>
+            </a:br>
+            <a:r>
+              <a:rPr lang="ja" sz="800"/>
+              <a:t>Context Relevanceを計算するために、まずLLMを使用して、質問qとそのコンテキストc(p)から、質問に答えるのに重要な文のサブセットを以下のプロンプトを使用して抽出します。</a:t>
+            </a:r>
+            <a:br>
+              <a:rPr lang="ja" sz="800"/>
+            </a:br>
+            <a:r>
+              <a:rPr lang="ja" sz="800"/>
+              <a:t>提供された文脈から、以下の質問の回答に役立つ可能性のある</a:t>
+            </a:r>
+            <a:endParaRPr sz="800"/>
+          </a:p>
+          <a:p>
+            <a:pPr indent="0" lvl="0" marL="0" rtl="0" algn="l">
+              <a:spcBef>
+                <a:spcPts val="1200"/>
+              </a:spcBef>
+              <a:spcAft>
+                <a:spcPts val="0"/>
+              </a:spcAft>
+              <a:buNone/>
+            </a:pPr>
+            <a:r>
+              <a:rPr lang="ja" sz="800"/>
+              <a:t>関連する文章を抽出してください。</a:t>
+            </a:r>
+            <a:br>
+              <a:rPr lang="ja" sz="800"/>
+            </a:br>
+            <a:r>
+              <a:rPr lang="ja" sz="800"/>
+              <a:t>関連する文章が見つからない場合、または与えられた文脈から</a:t>
+            </a:r>
+            <a:br>
+              <a:rPr lang="ja" sz="800"/>
+            </a:br>
+            <a:r>
+              <a:rPr lang="ja" sz="800"/>
+              <a:t>質問に答えられないと考えられる場合は、</a:t>
+            </a:r>
+            <a:br>
+              <a:rPr lang="ja" sz="800"/>
+            </a:br>
+            <a:r>
+              <a:rPr lang="ja" sz="800"/>
+              <a:t>「Insufficient Information」というフレーズを返してください。</a:t>
+            </a:r>
+            <a:br>
+              <a:rPr lang="ja" sz="800"/>
+            </a:br>
+            <a:r>
+              <a:rPr lang="ja" sz="800"/>
+              <a:t>候補文を抽出する際、与えられた文脈から文を変更することは許されません。</a:t>
+            </a:r>
+            <a:br>
+              <a:rPr lang="ja" sz="800"/>
+            </a:br>
+            <a:r>
+              <a:rPr lang="ja" sz="800"/>
+              <a:t>Context Relevanceスコアは次の式で計算します。CR = number of extracted sentences / total number of sentences in c(q)</a:t>
+            </a:r>
+            <a:endParaRPr sz="800"/>
+          </a:p>
+          <a:p>
+            <a:pPr indent="0" lvl="0" marL="0" rtl="0" algn="l">
+              <a:spcBef>
+                <a:spcPts val="1200"/>
+              </a:spcBef>
+              <a:spcAft>
+                <a:spcPts val="1200"/>
+              </a:spcAft>
+              <a:buNone/>
+            </a:pPr>
+            <a:br>
+              <a:rPr lang="ja" sz="1122"/>
+            </a:br>
+            <a:r>
+              <a:rPr lang="ja" sz="822"/>
+              <a:t>参考：https://qiita.com/RisaM/items/1c6f884abae2eb43000c</a:t>
+            </a:r>
+            <a:endParaRPr sz="822"/>
+          </a:p>
+        </p:txBody>
+      </p:sp>
+    </p:spTree>
+  </p:cSld>
+  <p:clrMapOvr>
+    <a:masterClrMapping/>
+  </p:clrMapOvr>
+</p:sld>
+</file>
+
+<file path=ppt/slides/slide17.xml><?xml version="1.0" encoding="utf-8"?>
+<p:sld xmlns:a="http://schemas.openxmlformats.org/drawingml/2006/main" xmlns:r="http://schemas.openxmlformats.org/officeDocument/2006/relationships" xmlns:mc="http://schemas.openxmlformats.org/markup-compatibility/2006" xmlns:mv="urn:schemas-microsoft-com:mac:vml" xmlns:p="http://schemas.openxmlformats.org/presentationml/2006/main" xmlns:c="http://schemas.openxmlformats.org/drawingml/2006/chart" xmlns:dgm="http://schemas.openxmlformats.org/drawingml/2006/diagram" xmlns:o="urn:schemas-microsoft-com:office:office" xmlns:v="urn:schemas-microsoft-com:vml" xmlns:pvml="urn:schemas-microsoft-com:office:powerpoint" xmlns:com="http://schemas.openxmlformats.org/drawingml/2006/compatibility" xmlns:p14="http://schemas.microsoft.com/office/powerpoint/2010/main" xmlns:p15="http://schemas.microsoft.com/office/powerpoint/2012/main" xmlns:ahyp="http://schemas.microsoft.com/office/drawing/2018/hyperlinkcolor">
+  <p:cSld>
+    <p:spTree>
+      <p:nvGrpSpPr>
+        <p:cNvPr id="147" name="Shape 147"/>
+        <p:cNvGrpSpPr/>
+        <p:nvPr/>
+      </p:nvGrpSpPr>
+      <p:grpSpPr>
+        <a:xfrm>
+          <a:off x="0" y="0"/>
+          <a:ext cx="0" cy="0"/>
+          <a:chOff x="0" y="0"/>
+          <a:chExt cx="0" cy="0"/>
+        </a:xfrm>
+      </p:grpSpPr>
+      <p:sp>
+        <p:nvSpPr>
+          <p:cNvPr id="148" name="Google Shape;148;p29"/>
+          <p:cNvSpPr txBox="1"/>
+          <p:nvPr>
+            <p:ph idx="1" type="body"/>
+          </p:nvPr>
+        </p:nvSpPr>
+        <p:spPr>
+          <a:xfrm>
+            <a:off x="0" y="0"/>
+            <a:ext cx="9144000" cy="5044200"/>
+          </a:xfrm>
+          <a:prstGeom prst="rect">
+            <a:avLst/>
+          </a:prstGeom>
+        </p:spPr>
+        <p:txBody>
+          <a:bodyPr anchorCtr="0" anchor="t" bIns="91425" lIns="91425" spcFirstLastPara="1" rIns="91425" wrap="square" tIns="91425">
+            <a:normAutofit fontScale="85000" lnSpcReduction="20000"/>
+          </a:bodyPr>
+          <a:lstStyle/>
+          <a:p>
+            <a:pPr indent="0" lvl="0" marL="0" rtl="0" algn="l">
+              <a:spcBef>
+                <a:spcPts val="0"/>
+              </a:spcBef>
+              <a:spcAft>
+                <a:spcPts val="0"/>
+              </a:spcAft>
+              <a:buNone/>
+            </a:pPr>
+            <a:r>
+              <a:rPr lang="ja" sz="1200" u="sng"/>
+              <a:t>Aligning Translation-Specific Understanding to General Understanding in Large Language Models</a:t>
+            </a:r>
+            <a:r>
+              <a:rPr lang="ja" sz="1200" u="sng"/>
+              <a:t> 2024</a:t>
+            </a:r>
+            <a:r>
+              <a:rPr lang="ja" sz="1269" u="sng"/>
+              <a:t>  </a:t>
+            </a:r>
+            <a:br>
+              <a:rPr lang="ja" sz="1100"/>
+            </a:br>
+            <a:r>
+              <a:rPr lang="ja" sz="1100" u="sng"/>
+              <a:t>概要</a:t>
+            </a:r>
+            <a:br>
+              <a:rPr lang="ja" sz="722"/>
+            </a:br>
+            <a:r>
+              <a:rPr lang="ja" sz="722"/>
+              <a:t>大規模言語モデル（LLMs）が機械翻訳の分野で革命的な進歩を遂げていない原因の一つとして、翻訳固有の理解と一般的な理解の間のミスアラインメントを指摘している。この問題に対処するため、翻訳過程で困難な単語のクロスリンガル解釈（XIOD）を明示的に組み込む新しい翻訳プロセスを提案している。XIODは、翻訳が困難な単語を検出し、それらに対して生成された解釈を使用して翻訳を強化する。また、難解単語の検出と有用な解釈の生成のために、QE（Quality Estimation）ツールを再定義している。実験は自己構築したベンチマーク「Challenge-MT」で行われ、XIODはCOMETスコアで最大+3.85の改善を示している。</a:t>
+            </a:r>
+            <a:endParaRPr sz="722"/>
+          </a:p>
+          <a:p>
+            <a:pPr indent="0" lvl="0" marL="0" rtl="0" algn="l">
+              <a:spcBef>
+                <a:spcPts val="1200"/>
+              </a:spcBef>
+              <a:spcAft>
+                <a:spcPts val="0"/>
+              </a:spcAft>
+              <a:buNone/>
+            </a:pPr>
+            <a:r>
+              <a:rPr lang="ja" sz="1100" u="sng"/>
+              <a:t>新規性</a:t>
+            </a:r>
+            <a:br>
+              <a:rPr lang="ja" sz="1100"/>
+            </a:br>
+            <a:r>
+              <a:rPr lang="ja" sz="800"/>
+              <a:t>LLMでも機械翻訳は難しくその原因の一つは翻訳固有の理解と一般的な理解のミスアライメントです。そこで翻訳困難な単語の検出クロスリンガル解釈の生成、解釈品質の管理の3ステップを含むXIODフレームワークを提案。これにより、LLMsの一般的な理解を翻訳プロセスに取り入れることが可能になるらしい</a:t>
+            </a:r>
+            <a:endParaRPr sz="800"/>
+          </a:p>
+          <a:p>
+            <a:pPr indent="0" lvl="0" marL="0" rtl="0" algn="l">
+              <a:spcBef>
+                <a:spcPts val="1200"/>
+              </a:spcBef>
+              <a:spcAft>
+                <a:spcPts val="0"/>
+              </a:spcAft>
+              <a:buNone/>
+            </a:pPr>
+            <a:r>
+              <a:rPr lang="ja" sz="1100" u="sng"/>
+              <a:t>手法</a:t>
+            </a:r>
+            <a:br>
+              <a:rPr lang="ja" sz="800"/>
+            </a:br>
+            <a:r>
+              <a:rPr lang="ja" sz="800"/>
+              <a:t>XIODの3つの主要なコンポーネントを提案しています：</a:t>
+            </a:r>
+            <a:br>
+              <a:rPr lang="ja" sz="800"/>
+            </a:br>
+            <a:r>
+              <a:rPr lang="ja" sz="800"/>
+              <a:t>1. 難しい単語の検出：予備翻訳（ドラフト）とソース文とを比較することで、翻訳が難しい単語を特定します。</a:t>
+            </a:r>
+            <a:br>
+              <a:rPr lang="ja" sz="800"/>
+            </a:br>
+            <a:r>
+              <a:rPr lang="ja" sz="800"/>
+              <a:t>2. クロスリンガル解釈：LLMの一般理解を活用して、対象言語で難しい単語の解釈を生成します。</a:t>
+            </a:r>
+            <a:br>
+              <a:rPr lang="ja" sz="800"/>
+            </a:br>
+            <a:r>
+              <a:rPr lang="ja" sz="800"/>
+              <a:t>3. 解釈品質のコントロール：不正確なものや助けにならない解釈を取り除き、翻訳に悪影響を与えないようにします。</a:t>
+            </a:r>
+            <a:endParaRPr sz="800"/>
+          </a:p>
+          <a:p>
+            <a:pPr indent="0" lvl="0" marL="0" rtl="0" algn="l">
+              <a:spcBef>
+                <a:spcPts val="1200"/>
+              </a:spcBef>
+              <a:spcAft>
+                <a:spcPts val="0"/>
+              </a:spcAft>
+              <a:buNone/>
+            </a:pPr>
+            <a:r>
+              <a:rPr lang="ja" sz="800"/>
+              <a:t>この論文では、トークンレベルの品質推定（QE）を使用して難しい単語の検出を強化し、文章レベルのQEを解釈品質のコントロールに使用する外部ツールの改変も紹介されています。実験は、複数の最先端（SOTA）翻訳システムが性能を発揮しない場合を含む特別に構築されたベンチマークであるChallenge-MTで実施されています。</a:t>
+            </a:r>
+            <a:br>
+              <a:rPr lang="ja" sz="800"/>
+            </a:br>
+            <a:r>
+              <a:rPr lang="ja" sz="800"/>
+              <a:t>XIODは一般的な理解を活用して翻訳性能を向上させるが、外部知識の統合や新語の翻訳など、LLMsが直面する他の課題には対応していない。</a:t>
+            </a:r>
+            <a:br>
+              <a:rPr lang="ja" sz="800"/>
+            </a:br>
+            <a:r>
+              <a:rPr lang="ja" sz="800"/>
+              <a:t>XIODは、一般的な理解を活用して翻訳品質を向上させることで、機械翻訳システムの改善に寄与する可能性がある。特に、翻訳が困難な単語やフレーズの理解を深めることにより、より正確で自然な翻訳が実現できる。</a:t>
+            </a:r>
+            <a:endParaRPr sz="800"/>
+          </a:p>
+          <a:p>
+            <a:pPr indent="0" lvl="0" marL="0" rtl="0" algn="l">
+              <a:spcBef>
+                <a:spcPts val="1200"/>
+              </a:spcBef>
+              <a:spcAft>
+                <a:spcPts val="1200"/>
+              </a:spcAft>
+              <a:buNone/>
+            </a:pPr>
+            <a:r>
+              <a:rPr lang="ja" sz="800"/>
+              <a:t>アルゴリズム1: IQC</a:t>
+            </a:r>
+            <a:br>
+              <a:rPr lang="ja" sz="800"/>
+            </a:br>
+            <a:r>
+              <a:rPr lang="ja" sz="800"/>
+              <a:t>入力:</a:t>
+            </a:r>
+            <a:br>
+              <a:rPr lang="ja" sz="800"/>
+            </a:br>
+            <a:r>
+              <a:rPr lang="ja" sz="800"/>
+              <a:t>ソース文 x</a:t>
+            </a:r>
+            <a:br>
+              <a:rPr lang="ja" sz="800"/>
+            </a:br>
+            <a:r>
+              <a:rPr lang="ja" sz="800"/>
+              <a:t>下書き翻訳 ye</a:t>
+            </a:r>
+            <a:br>
+              <a:rPr lang="ja" sz="800"/>
+            </a:br>
+            <a:r>
+              <a:rPr lang="ja" sz="800"/>
+              <a:t>困難な単語の解釈 A</a:t>
+            </a:r>
+            <a:br>
+              <a:rPr lang="ja" sz="800"/>
+            </a:br>
+            <a:r>
+              <a:rPr lang="ja" sz="800"/>
+              <a:t>QEスコアラー ψ(·)</a:t>
+            </a:r>
+            <a:br>
+              <a:rPr lang="ja" sz="800"/>
+            </a:br>
+            <a:r>
+              <a:rPr lang="ja" sz="800"/>
+              <a:t>出力:</a:t>
+            </a:r>
+            <a:br>
+              <a:rPr lang="ja" sz="800"/>
+            </a:br>
+            <a:r>
+              <a:rPr lang="ja" sz="800"/>
+              <a:t>役立つ解釈 Aˆ</a:t>
+            </a:r>
+            <a:br>
+              <a:rPr lang="ja" sz="800"/>
+            </a:br>
+            <a:r>
+              <a:rPr lang="ja" sz="800"/>
+              <a:t>最終翻訳 yˆ</a:t>
+            </a:r>
+            <a:br>
+              <a:rPr lang="ja" sz="800"/>
+            </a:br>
+            <a:r>
+              <a:rPr lang="ja" sz="800"/>
+              <a:t>手順:</a:t>
+            </a:r>
+            <a:br>
+              <a:rPr lang="ja" sz="800"/>
+            </a:br>
+            <a:r>
+              <a:rPr lang="ja" sz="800"/>
+              <a:t>1. AをAˆに設定する。</a:t>
+            </a:r>
+            <a:br>
+              <a:rPr lang="ja" sz="800"/>
+            </a:br>
+            <a:r>
+              <a:rPr lang="ja" sz="800"/>
+              <a:t>2. yˆを、θのパラメータを持つPモデルのargmaxで計算する（Eigt, x, y, ˆ Aを条件とする）。</a:t>
+            </a:r>
+            <a:br>
+              <a:rPr lang="ja" sz="800"/>
+            </a:br>
+            <a:r>
+              <a:rPr lang="ja" sz="800"/>
+              <a:t>3. sˆを、QEスコアラーψを用いて、xに対するyˆのスコアとして計算する。</a:t>
+            </a:r>
+            <a:br>
+              <a:rPr lang="ja" sz="800"/>
+            </a:br>
+            <a:r>
+              <a:rPr lang="ja" sz="800"/>
+              <a:t>4. for    Aの要素数|A|まで、iを1から順に増加させながら以下のステップを実行する。</a:t>
+            </a:r>
+            <a:br>
+              <a:rPr lang="ja" sz="800"/>
+            </a:br>
+            <a:r>
+              <a:rPr lang="ja" sz="800"/>
+              <a:t>5.     yを、θのパラメータを持つPモデルのargmaxで計算する（この時、Eigt, x, y, ˆ AからAiを除外した状態で計算する）。</a:t>
+            </a:r>
+            <a:br>
+              <a:rPr lang="ja" sz="800"/>
+            </a:br>
+            <a:r>
+              <a:rPr lang="ja" sz="800"/>
+              <a:t>6.     sを、QEスコアラーψを用いて、xに対するyのスコアとして計算する。</a:t>
+            </a:r>
+            <a:br>
+              <a:rPr lang="ja" sz="800"/>
+            </a:br>
+            <a:r>
+              <a:rPr lang="ja" sz="800"/>
+              <a:t>7.      if   もしsがsˆより大きい場合、以下を実行する。</a:t>
+            </a:r>
+            <a:br>
+              <a:rPr lang="ja" sz="800"/>
+            </a:br>
+            <a:r>
+              <a:rPr lang="ja" sz="800"/>
+              <a:t>8.         AからAiを除外し、yˆをyに更新し、sˆをsに更新する。</a:t>
+            </a:r>
+            <a:br>
+              <a:rPr lang="ja" sz="800"/>
+            </a:br>
+            <a:r>
+              <a:rPr lang="ja" sz="800"/>
+              <a:t>9.     end 8のステップの終了。</a:t>
+            </a:r>
+            <a:br>
+              <a:rPr lang="ja" sz="800"/>
+            </a:br>
+            <a:r>
+              <a:rPr lang="ja" sz="800"/>
+              <a:t>10. end 4-9のステップの終了。</a:t>
+            </a:r>
+            <a:br>
+              <a:rPr lang="ja" sz="800"/>
+            </a:br>
+            <a:r>
+              <a:rPr lang="ja" sz="800"/>
+              <a:t>このアルゴリズムは、困難な単語の解釈を利用して翻訳の質を評価し、改善する過程を示しています。QEスコアラーは、翻訳の品質を数値で評価するために使用されます。このプロセスを通じて、より良い翻訳結果を得ることができます。</a:t>
+            </a:r>
+            <a:br>
+              <a:rPr lang="ja" sz="800"/>
+            </a:br>
+            <a:r>
+              <a:rPr lang="ja" sz="1122" u="sng"/>
+              <a:t>結果</a:t>
+            </a:r>
+            <a:br>
+              <a:rPr lang="ja" sz="1122"/>
+            </a:br>
+            <a:r>
+              <a:rPr lang="ja" sz="822"/>
+              <a:t>XIODは、困難な単語の解釈を通じて翻訳をガイドすることにより、機械翻訳の性能を向上させることができる。Challenge-MTデータセットでの実験結果は、XIODがCOMETスコアで最大+3.85の改善を示している。</a:t>
+            </a:r>
+            <a:endParaRPr sz="822"/>
+          </a:p>
+        </p:txBody>
+      </p:sp>
+    </p:spTree>
+  </p:cSld>
+  <p:clrMapOvr>
+    <a:masterClrMapping/>
+  </p:clrMapOvr>
+</p:sld>
+</file>
+
+<file path=ppt/slides/slide18.xml><?xml version="1.0" encoding="utf-8"?>
+<p:sld xmlns:a="http://schemas.openxmlformats.org/drawingml/2006/main" xmlns:r="http://schemas.openxmlformats.org/officeDocument/2006/relationships" xmlns:mc="http://schemas.openxmlformats.org/markup-compatibility/2006" xmlns:mv="urn:schemas-microsoft-com:mac:vml" xmlns:p="http://schemas.openxmlformats.org/presentationml/2006/main" xmlns:c="http://schemas.openxmlformats.org/drawingml/2006/chart" xmlns:dgm="http://schemas.openxmlformats.org/drawingml/2006/diagram" xmlns:o="urn:schemas-microsoft-com:office:office" xmlns:v="urn:schemas-microsoft-com:vml" xmlns:pvml="urn:schemas-microsoft-com:office:powerpoint" xmlns:com="http://schemas.openxmlformats.org/drawingml/2006/compatibility" xmlns:p14="http://schemas.microsoft.com/office/powerpoint/2010/main" xmlns:p15="http://schemas.microsoft.com/office/powerpoint/2012/main" xmlns:ahyp="http://schemas.microsoft.com/office/drawing/2018/hyperlinkcolor">
+  <p:cSld>
+    <p:spTree>
+      <p:nvGrpSpPr>
+        <p:cNvPr id="152" name="Shape 152"/>
+        <p:cNvGrpSpPr/>
+        <p:nvPr/>
+      </p:nvGrpSpPr>
+      <p:grpSpPr>
+        <a:xfrm>
+          <a:off x="0" y="0"/>
+          <a:ext cx="0" cy="0"/>
+          <a:chOff x="0" y="0"/>
+          <a:chExt cx="0" cy="0"/>
+        </a:xfrm>
+      </p:grpSpPr>
+      <p:sp>
+        <p:nvSpPr>
+          <p:cNvPr id="153" name="Google Shape;153;p30"/>
+          <p:cNvSpPr txBox="1"/>
+          <p:nvPr>
+            <p:ph idx="1" type="body"/>
+          </p:nvPr>
+        </p:nvSpPr>
+        <p:spPr>
+          <a:xfrm>
+            <a:off x="0" y="0"/>
+            <a:ext cx="9144000" cy="5044200"/>
+          </a:xfrm>
+          <a:prstGeom prst="rect">
+            <a:avLst/>
+          </a:prstGeom>
+        </p:spPr>
+        <p:txBody>
+          <a:bodyPr anchorCtr="0" anchor="t" bIns="91425" lIns="91425" spcFirstLastPara="1" rIns="91425" wrap="square" tIns="91425">
+            <a:normAutofit lnSpcReduction="20000"/>
+          </a:bodyPr>
+          <a:lstStyle/>
+          <a:p>
+            <a:pPr indent="0" lvl="0" marL="0" rtl="0" algn="l">
+              <a:spcBef>
+                <a:spcPts val="0"/>
+              </a:spcBef>
+              <a:spcAft>
+                <a:spcPts val="0"/>
+              </a:spcAft>
+              <a:buNone/>
+            </a:pPr>
+            <a:r>
+              <a:rPr lang="ja" sz="1200" u="sng"/>
+              <a:t>Personal LLM Agents: Insights and Survey about the Capability, Efficiency and Security</a:t>
+            </a:r>
+            <a:r>
+              <a:rPr lang="ja" sz="1200" u="sng"/>
+              <a:t> 2024</a:t>
+            </a:r>
+            <a:r>
+              <a:rPr lang="ja" sz="1269" u="sng"/>
+              <a:t>  </a:t>
+            </a:r>
+            <a:br>
+              <a:rPr lang="ja" sz="1100"/>
+            </a:br>
+            <a:r>
+              <a:rPr lang="ja" sz="1100" u="sng"/>
+              <a:t>概要</a:t>
+            </a:r>
+            <a:br>
+              <a:rPr lang="ja" sz="722"/>
+            </a:br>
+            <a:r>
+              <a:rPr lang="ja" sz="722"/>
+              <a:t>個人アシスタント(IPAs)についてのサーベイ。スマートフォンやIoTデバイスの発展により、これらのアシスタントの機能が大幅に拡張されました。しかし、ユーザーの意図理解、タスク計画、ツールの使用、個人データ管理などの機能が欠けているため、現存するIPAsは実用性や拡張性に限界があります。この論文では、個人データや個人デバイスと深く統合されたLLMベースのエージェントであるPersonal LLM Agentsに焦点を当てています。</a:t>
+            </a:r>
+            <a:endParaRPr sz="722"/>
+          </a:p>
+          <a:p>
+            <a:pPr indent="0" lvl="0" marL="0" rtl="0" algn="l">
+              <a:spcBef>
+                <a:spcPts val="1200"/>
+              </a:spcBef>
+              <a:spcAft>
+                <a:spcPts val="0"/>
+              </a:spcAft>
+              <a:buNone/>
+            </a:pPr>
+            <a:r>
+              <a:rPr lang="ja" sz="1122" u="sng"/>
+              <a:t>結果</a:t>
+            </a:r>
+            <a:br>
+              <a:rPr lang="ja" sz="1122"/>
+            </a:br>
+            <a:r>
+              <a:rPr lang="ja" sz="822"/>
+              <a:t>大規模言語モデル、特にChatGPTの登場は、インテリジェントな個人アシスタントの開発において重要なマイルストーンとされています。LLMsは、ブラウザの制御、ロボットのプログラミングインターフェースの呼び出し、複雑なデータ処理のためのコードインタープリターの使用など、様々なツールを自律的に使用して複雑なタスクを達成するために利用されています。また、MicrosoftのCopilotシステム、Googleの検索エンジンへのLLMの統合、Huawei、Xiaomi、Oppo、Vivoなどのスマートフォン企業によるオンデバイスIPA製品への大規模モデルの統合など、LLMをIPAに統合した商業製品もいくつかあります。しかしながら、この研究方向はまだ初期段階にあり、多くの効率性、セキュリティ、プライバシーに関連する問題が未解決のままです</a:t>
+            </a:r>
+            <a:br>
+              <a:rPr lang="ja" sz="822"/>
+            </a:br>
+            <a:r>
+              <a:rPr lang="ja" sz="822"/>
+              <a:t>Personal LLM Agentsは、個人データや個人デバイスと深く統合され、人々を支援するために明示的に設計された、新しいタイプのインテリジェントな個人アシスタントです。これには、ユーザーの日常生活における繰り返し行われる退屈で価値の低い労働を削減し、ユーザーがより興味深く価値のあることに集中できるようにすることが含まれます。また、既存のソフトウェアスタック（例えば、モバイルアプリ、ウェブサイトなど）に基づいて構築され、ユーザビリティ体験に普遍的なインテリジェントなオートメーション機能をもたらします</a:t>
+            </a:r>
+            <a:endParaRPr sz="822"/>
+          </a:p>
+          <a:p>
+            <a:pPr indent="0" lvl="0" marL="0" rtl="0" algn="l">
+              <a:spcBef>
+                <a:spcPts val="1200"/>
+              </a:spcBef>
+              <a:spcAft>
+                <a:spcPts val="1200"/>
+              </a:spcAft>
+              <a:buNone/>
+            </a:pPr>
+            <a:r>
+              <a:rPr lang="ja" sz="822"/>
+              <a:t>Personal LLM Agentsの基本能力</a:t>
+            </a:r>
+            <a:br>
+              <a:rPr lang="ja" sz="822"/>
+            </a:br>
+            <a:r>
+              <a:rPr lang="ja" sz="822"/>
+              <a:t>この図はPersonal LLM Agentsの三つの基本能力を示しています。</a:t>
+            </a:r>
+            <a:br>
+              <a:rPr lang="ja" sz="822"/>
+            </a:br>
+            <a:r>
+              <a:rPr lang="ja" sz="822"/>
+              <a:t>それぞれの能力はさらに細分化され、具体的な要素を含んでいます。</a:t>
+            </a:r>
+            <a:br>
+              <a:rPr lang="ja" sz="822"/>
+            </a:br>
+            <a:r>
+              <a:rPr lang="ja" sz="822"/>
+              <a:t>1. コンテキストセンシング:</a:t>
+            </a:r>
+            <a:br>
+              <a:rPr lang="ja" sz="822"/>
+            </a:br>
+            <a:r>
+              <a:rPr lang="ja" sz="822"/>
+              <a:t>- センシングソース: ハードウェア＆ソフトウェアセンサー、複数のセンサーの組み合わせ</a:t>
+            </a:r>
+            <a:br>
+              <a:rPr lang="ja" sz="822"/>
+            </a:br>
+            <a:r>
+              <a:rPr lang="ja" sz="822"/>
+              <a:t>- センシングターゲット: 環境のセンシング、ユーザーのセンシング</a:t>
+            </a:r>
+            <a:br>
+              <a:rPr lang="ja" sz="822"/>
+            </a:br>
+            <a:r>
+              <a:rPr lang="ja" sz="822"/>
+              <a:t>- ユーザープロファイリング</a:t>
+            </a:r>
+            <a:br>
+              <a:rPr lang="ja" sz="822"/>
+            </a:br>
+            <a:r>
+              <a:rPr lang="ja" sz="822"/>
+              <a:t>2. タスク実行:</a:t>
+            </a:r>
+            <a:br>
+              <a:rPr lang="ja" sz="822"/>
+            </a:br>
+            <a:r>
+              <a:rPr lang="ja" sz="822"/>
+              <a:t>- タスク自動化方法: コードベースのタスク実行、UIベースのタスク実行</a:t>
+            </a:r>
+            <a:br>
+              <a:rPr lang="ja" sz="822"/>
+            </a:br>
+            <a:r>
+              <a:rPr lang="ja" sz="822"/>
+              <a:t>- 自動エージェントフレームワーク</a:t>
+            </a:r>
+            <a:br>
+              <a:rPr lang="ja" sz="822"/>
+            </a:br>
+            <a:r>
+              <a:rPr lang="ja" sz="822"/>
+              <a:t>- 評価: メトリクス、ベンチマーク</a:t>
+            </a:r>
+            <a:br>
+              <a:rPr lang="ja" sz="822"/>
+            </a:br>
+            <a:r>
+              <a:rPr lang="ja" sz="822"/>
+              <a:t>3. 記憶:</a:t>
+            </a:r>
+            <a:br>
+              <a:rPr lang="ja" sz="822"/>
+            </a:br>
+            <a:r>
+              <a:rPr lang="ja" sz="822"/>
+              <a:t>- 記憶の獲得: ロギング</a:t>
+            </a:r>
+            <a:br>
+              <a:rPr lang="ja" sz="822"/>
+            </a:br>
+            <a:r>
+              <a:rPr lang="ja" sz="822"/>
+              <a:t>- 管理と活用: 生データの管理と処理、メモリ拡張LLM推論</a:t>
+            </a:r>
+            <a:br>
+              <a:rPr lang="ja" sz="822"/>
+            </a:br>
+            <a:r>
+              <a:rPr lang="ja" sz="822"/>
+              <a:t>- エージェント自己進化</a:t>
+            </a:r>
+            <a:br>
+              <a:rPr lang="ja" sz="822"/>
+            </a:br>
+            <a:r>
+              <a:rPr lang="ja" sz="822"/>
+              <a:t>図の左側に示されている「User &amp; Env Info」という矢印は、</a:t>
+            </a:r>
+            <a:br>
+              <a:rPr lang="ja" sz="822"/>
+            </a:br>
+            <a:r>
+              <a:rPr lang="ja" sz="822"/>
+              <a:t>ユーザーと環境からの情報がコンテキストセンシングによって収集され、</a:t>
+            </a:r>
+            <a:br>
+              <a:rPr lang="ja" sz="822"/>
+            </a:br>
+            <a:r>
+              <a:rPr lang="ja" sz="822"/>
+              <a:t>プロファイリングされることを表しています。</a:t>
+            </a:r>
+            <a:br>
+              <a:rPr lang="ja" sz="822"/>
+            </a:br>
+            <a:r>
+              <a:rPr lang="ja" sz="822"/>
+              <a:t>また、「Retrieved Info」という矢印は、記憶された情報がタスク実行に役立つ情報として</a:t>
+            </a:r>
+            <a:br>
+              <a:rPr lang="ja" sz="822"/>
+            </a:br>
+            <a:r>
+              <a:rPr lang="ja" sz="822"/>
+              <a:t>取り出されるプロセスを示しています。そして最後に、タスクの結果が「Task results」</a:t>
+            </a:r>
+            <a:br>
+              <a:rPr lang="ja" sz="822"/>
+            </a:br>
+            <a:r>
+              <a:rPr lang="ja" sz="822"/>
+              <a:t>としてユーザーと環境にフィードバックされる流れが図示されています。</a:t>
+            </a:r>
+            <a:br>
+              <a:rPr lang="ja" sz="822"/>
+            </a:br>
+            <a:r>
+              <a:rPr lang="ja" sz="822"/>
+              <a:t>この図は、Personal LLM Agentsがどのように環境を感知し、</a:t>
+            </a:r>
+            <a:br>
+              <a:rPr lang="ja" sz="822"/>
+            </a:br>
+            <a:r>
+              <a:rPr lang="ja" sz="822"/>
+              <a:t>タスクを実行し、学習して自己進化するかの基本的なプロセスを視覚的に表現しています。</a:t>
+            </a:r>
+            <a:endParaRPr sz="822"/>
+          </a:p>
+        </p:txBody>
+      </p:sp>
+      <p:pic>
+        <p:nvPicPr>
+          <p:cNvPr id="154" name="Google Shape;154;p30"/>
+          <p:cNvPicPr preferRelativeResize="0"/>
+          <p:nvPr/>
+        </p:nvPicPr>
+        <p:blipFill>
+          <a:blip r:embed="rId3">
+            <a:alphaModFix/>
+          </a:blip>
+          <a:stretch>
+            <a:fillRect/>
+          </a:stretch>
+        </p:blipFill>
+        <p:spPr>
+          <a:xfrm>
+            <a:off x="4404874" y="2100525"/>
+            <a:ext cx="4646700" cy="2501350"/>
+          </a:xfrm>
+          <a:prstGeom prst="rect">
+            <a:avLst/>
+          </a:prstGeom>
+          <a:noFill/>
+          <a:ln>
+            <a:noFill/>
+          </a:ln>
+        </p:spPr>
+      </p:pic>
+    </p:spTree>
+  </p:cSld>
+  <p:clrMapOvr>
+    <a:masterClrMapping/>
+  </p:clrMapOvr>
+</p:sld>
+</file>
+
+<file path=ppt/slides/slide19.xml><?xml version="1.0" encoding="utf-8"?>
+<p:sld xmlns:a="http://schemas.openxmlformats.org/drawingml/2006/main" xmlns:r="http://schemas.openxmlformats.org/officeDocument/2006/relationships" xmlns:mc="http://schemas.openxmlformats.org/markup-compatibility/2006" xmlns:mv="urn:schemas-microsoft-com:mac:vml" xmlns:p="http://schemas.openxmlformats.org/presentationml/2006/main" xmlns:c="http://schemas.openxmlformats.org/drawingml/2006/chart" xmlns:dgm="http://schemas.openxmlformats.org/drawingml/2006/diagram" xmlns:o="urn:schemas-microsoft-com:office:office" xmlns:v="urn:schemas-microsoft-com:vml" xmlns:pvml="urn:schemas-microsoft-com:office:powerpoint" xmlns:com="http://schemas.openxmlformats.org/drawingml/2006/compatibility" xmlns:p14="http://schemas.microsoft.com/office/powerpoint/2010/main" xmlns:p15="http://schemas.microsoft.com/office/powerpoint/2012/main" xmlns:ahyp="http://schemas.microsoft.com/office/drawing/2018/hyperlinkcolor">
+  <p:cSld>
+    <p:spTree>
+      <p:nvGrpSpPr>
+        <p:cNvPr id="158" name="Shape 158"/>
+        <p:cNvGrpSpPr/>
+        <p:nvPr/>
+      </p:nvGrpSpPr>
+      <p:grpSpPr>
+        <a:xfrm>
+          <a:off x="0" y="0"/>
+          <a:ext cx="0" cy="0"/>
+          <a:chOff x="0" y="0"/>
+          <a:chExt cx="0" cy="0"/>
+        </a:xfrm>
+      </p:grpSpPr>
+      <p:sp>
+        <p:nvSpPr>
+          <p:cNvPr id="159" name="Google Shape;159;p31"/>
+          <p:cNvSpPr txBox="1"/>
+          <p:nvPr>
+            <p:ph idx="1" type="body"/>
+          </p:nvPr>
+        </p:nvSpPr>
+        <p:spPr>
+          <a:xfrm>
+            <a:off x="0" y="0"/>
+            <a:ext cx="9144000" cy="5044200"/>
+          </a:xfrm>
+          <a:prstGeom prst="rect">
+            <a:avLst/>
+          </a:prstGeom>
+        </p:spPr>
+        <p:txBody>
+          <a:bodyPr anchorCtr="0" anchor="t" bIns="91425" lIns="91425" spcFirstLastPara="1" rIns="91425" wrap="square" tIns="91425">
+            <a:normAutofit fontScale="92500" lnSpcReduction="20000"/>
+          </a:bodyPr>
+          <a:lstStyle/>
+          <a:p>
+            <a:pPr indent="0" lvl="0" marL="0" rtl="0" algn="l">
+              <a:spcBef>
+                <a:spcPts val="0"/>
+              </a:spcBef>
+              <a:spcAft>
+                <a:spcPts val="0"/>
+              </a:spcAft>
+              <a:buNone/>
+            </a:pPr>
+            <a:r>
+              <a:rPr lang="ja" sz="1200" u="sng"/>
+              <a:t>The Impact of Reasoning Step Length on Large Language Models</a:t>
+            </a:r>
+            <a:r>
+              <a:rPr lang="ja" sz="1200" u="sng"/>
+              <a:t> 2024</a:t>
+            </a:r>
+            <a:r>
+              <a:rPr lang="ja" sz="1269" u="sng"/>
+              <a:t>  </a:t>
+            </a:r>
+            <a:br>
+              <a:rPr lang="ja" sz="1100"/>
+            </a:br>
+            <a:r>
+              <a:rPr lang="ja" sz="1100" u="sng"/>
+              <a:t>概要</a:t>
+            </a:r>
+            <a:br>
+              <a:rPr lang="ja" sz="722"/>
+            </a:br>
+            <a:r>
+              <a:rPr lang="ja" sz="722"/>
+              <a:t>CoTのプロンプトの推論ステップの長さを増やすと、新しい情報を追加しなくても、LLMの推論能力が大幅に向上する。</a:t>
+            </a:r>
+            <a:br>
+              <a:rPr lang="ja" sz="722"/>
+            </a:br>
+            <a:r>
+              <a:rPr lang="ja" sz="722"/>
+              <a:t>推論ステップを短くすると、主要な情報を保持しながらもモデルの推論能力が著しく低下する。</a:t>
+            </a:r>
+            <a:br>
+              <a:rPr lang="ja" sz="722"/>
+            </a:br>
+            <a:r>
+              <a:rPr lang="ja" sz="722"/>
+              <a:t>CoTの性能とデモンストレーションで使用される合理的な理由との関係を調査した結果、長さが適切であれば、誤った理由でも好ましい結果が得られることが示された。</a:t>
+            </a:r>
+            <a:br>
+              <a:rPr lang="ja" sz="722"/>
+            </a:br>
+            <a:r>
+              <a:rPr lang="ja" sz="722"/>
+              <a:t>これらの発見は、複雑な問題解決シナリオにおけるLLMの潜在能力をより効果的に利用するための実践的な指針を提供します。</a:t>
+            </a:r>
+            <a:endParaRPr sz="722"/>
+          </a:p>
+          <a:p>
+            <a:pPr indent="0" lvl="0" marL="0" rtl="0" algn="l">
+              <a:spcBef>
+                <a:spcPts val="1200"/>
+              </a:spcBef>
+              <a:spcAft>
+                <a:spcPts val="0"/>
+              </a:spcAft>
+              <a:buNone/>
+            </a:pPr>
+            <a:r>
+              <a:rPr lang="ja" sz="1100" u="sng"/>
+              <a:t>手法</a:t>
+            </a:r>
+            <a:br>
+              <a:rPr lang="ja" sz="800"/>
+            </a:br>
+            <a:r>
+              <a:rPr lang="ja" sz="800"/>
+              <a:t>実験は、CoTデモンストレーション内の推論ステップを拡張・圧縮し、その他の要素を一定に保つことで、推論構造の変更がLLMの意思決定にどのように影響するかを検証しました。</a:t>
+            </a:r>
+            <a:br>
+              <a:rPr lang="ja" sz="800"/>
+            </a:br>
+            <a:r>
+              <a:rPr lang="ja" sz="800"/>
+              <a:t>Zero-shotとFew-shotの両方のシナリオで、GPT-3.5とGPT-4モデルを用いて正解率（Accuracy）で評価しました。</a:t>
+            </a:r>
+            <a:br>
+              <a:rPr lang="ja" sz="800"/>
+            </a:br>
+            <a:r>
+              <a:rPr lang="ja" sz="1122" u="sng"/>
+              <a:t>結果</a:t>
+            </a:r>
+            <a:br>
+              <a:rPr lang="ja" sz="1122"/>
+            </a:br>
+            <a:r>
+              <a:rPr lang="ja" sz="822"/>
+              <a:t>長い推論ステップを持つプロンプトは、LLMの推論能力を著しく向上させることが確認されました。また、タスクの難易度に応じて推論ステップの必要数が異なることが示されました。簡単なタスクでは少ないステップで十分であり、より複雑なタスクでは長い推論シーケンスが有効であることが示されました。</a:t>
+            </a:r>
+            <a:br>
+              <a:rPr lang="ja" sz="822"/>
+            </a:br>
+            <a:r>
+              <a:rPr lang="ja" sz="822"/>
+              <a:t>推論ステップの長さがLLMのパフォーマンスに与える影響について深く議論し、長い推論ステップがLLMの推論能力を向上させる可能性がある一方で、短いステップはパフォーマンスの低下につながる可能性があることを示唆しています。</a:t>
+            </a:r>
+            <a:br>
+              <a:rPr lang="ja" sz="822"/>
+            </a:br>
+            <a:r>
+              <a:rPr lang="ja" sz="822"/>
+              <a:t>制限: 推論ステップの長さがLLMのパフォーマンスに与える影響についての限界として、実験では特定のモデルとデータセットに限定されている点が挙げられます。また、推論ステップの長さと正確さのバランスについての追加的な研究が必要です。</a:t>
+            </a:r>
+            <a:br>
+              <a:rPr lang="ja" sz="822"/>
+            </a:br>
+            <a:r>
+              <a:rPr lang="ja" sz="822"/>
+              <a:t>可能な応用: この研究は、LLMを用いた複雑なNLPタスクにおける推論プロセスの最適化に役立つ可能性があります。特に、推論ステップの長さを調整することで、モデルの推論能力を向上させるための新しい手法を提供します。</a:t>
+            </a:r>
+            <a:endParaRPr sz="822"/>
+          </a:p>
+          <a:p>
+            <a:pPr indent="0" lvl="0" marL="0" rtl="0" algn="l">
+              <a:spcBef>
+                <a:spcPts val="1200"/>
+              </a:spcBef>
+              <a:spcAft>
+                <a:spcPts val="0"/>
+              </a:spcAft>
+              <a:buNone/>
+            </a:pPr>
+            <a:r>
+              <a:rPr lang="ja" sz="822"/>
+              <a:t>表1: Case of Think About The Word 推論能力を向上させるためのプロンプト戦略の一例</a:t>
+            </a:r>
+            <a:br>
+              <a:rPr lang="ja" sz="822"/>
+            </a:br>
+            <a:r>
+              <a:rPr lang="ja" sz="822"/>
+              <a:t>この表では、特定の単語を選択し、モデルにテキスト内でのそれらの意味を考えさせるケースを示しています。たとえば、「東京でメトロポリタン美術館へタクシーで行けますか？」という質問に対して、「ステップバイステップで考えましょう。文の主要部分は東京、タクシー、メトロポリタン美術館です。東京について考える...タクシーについて考える...」という推論プロセスを示しています。このアプローチは、従来のFew-shot Chain of Thought（CoT）コンテキストとは異なり、追加の推論ステップを例示に導入することなく、初期のプロンプトを変更することでLLMをより広範な思考に導くものです。これにより、増分的なトレーニングや追加の例駆動型の調整を必要とせずに、モデルの正確性を向上させることが可能になります​​。</a:t>
+            </a:r>
+            <a:endParaRPr sz="822"/>
+          </a:p>
+          <a:p>
+            <a:pPr indent="0" lvl="0" marL="0" rtl="0" algn="l">
+              <a:spcBef>
+                <a:spcPts val="1200"/>
+              </a:spcBef>
+              <a:spcAft>
+                <a:spcPts val="1200"/>
+              </a:spcAft>
+              <a:buNone/>
+            </a:pPr>
+            <a:r>
+              <a:rPr lang="ja" sz="822"/>
+              <a:t>Think About The Word</a:t>
+            </a:r>
+            <a:br>
+              <a:rPr lang="ja" sz="822"/>
+            </a:br>
+            <a:r>
+              <a:rPr lang="ja" sz="822"/>
+              <a:t>Prompt:</a:t>
+            </a:r>
+            <a:br>
+              <a:rPr lang="ja" sz="822"/>
+            </a:br>
+            <a:r>
+              <a:rPr lang="ja" sz="822"/>
+              <a:t>Q: Could someone in Tokyo take a taxi to the Metropolitan Museum of Art?</a:t>
+            </a:r>
+            <a:br>
+              <a:rPr lang="ja" sz="822"/>
+            </a:br>
+            <a:r>
+              <a:rPr lang="ja" sz="822"/>
+              <a:t>A: Let’s think step by step. The stem of the sentence is Tokyo, take a taxi, Metropolitan Museum</a:t>
+            </a:r>
+            <a:br>
+              <a:rPr lang="ja" sz="822"/>
+            </a:br>
+            <a:r>
+              <a:rPr lang="ja" sz="822"/>
+              <a:t>of Art. Think about Tokyo... Think about taking a taxi... Think about Metropolitan Museum of</a:t>
+            </a:r>
+            <a:br>
+              <a:rPr lang="ja" sz="822"/>
+            </a:br>
+            <a:r>
+              <a:rPr lang="ja" sz="822"/>
+              <a:t>Art... Inference: Tokyo is in Japan and the Metropolitan Museum of Art is in New York. The two</a:t>
+            </a:r>
+            <a:br>
+              <a:rPr lang="ja" sz="822"/>
+            </a:br>
+            <a:r>
+              <a:rPr lang="ja" sz="822"/>
+              <a:t>places are separated by the sea, so you can’t take a taxi there. The answer is no.</a:t>
+            </a:r>
+            <a:br>
+              <a:rPr lang="ja" sz="822"/>
+            </a:br>
+            <a:r>
+              <a:rPr lang="ja" sz="822"/>
+              <a:t>Q: Could a chipmunk fit 100 chocolate chips in his mouth?</a:t>
+            </a:r>
+            <a:br>
+              <a:rPr lang="ja" sz="822"/>
+            </a:br>
+            <a:r>
+              <a:rPr lang="ja" sz="822"/>
+              <a:t>Answer:</a:t>
+            </a:r>
+            <a:br>
+              <a:rPr lang="ja" sz="822"/>
+            </a:br>
+            <a:r>
+              <a:rPr lang="ja" sz="822"/>
+              <a:t>A: Based on this question, the stem of the sentence is chipmunk, fit, 100 chocolate chips, mouth.</a:t>
+            </a:r>
+            <a:br>
+              <a:rPr lang="ja" sz="822"/>
+            </a:br>
+            <a:r>
+              <a:rPr lang="ja" sz="822"/>
+              <a:t>Think about chipmunk... Think about fit... Think about chocolate chips... Inference: Chipmunks</a:t>
+            </a:r>
+            <a:br>
+              <a:rPr lang="ja" sz="822"/>
+            </a:br>
+            <a:r>
+              <a:rPr lang="ja" sz="822"/>
+              <a:t>are small animals with relatively small mouths, so it’s unlikely that a chipmunk would be able to</a:t>
+            </a:r>
+            <a:br>
+              <a:rPr lang="ja" sz="822"/>
+            </a:br>
+            <a:r>
+              <a:rPr lang="ja" sz="822"/>
+              <a:t>fit 100 chocolate chips in its mouth at once. The answer is no.</a:t>
+            </a:r>
+            <a:br>
+              <a:rPr lang="ja" sz="822"/>
+            </a:br>
+            <a:r>
+              <a:rPr lang="ja" sz="822"/>
+              <a:t>Prediction: no</a:t>
+            </a:r>
+            <a:br>
+              <a:rPr lang="ja" sz="822"/>
+            </a:br>
+            <a:r>
+              <a:rPr lang="ja" sz="822"/>
+              <a:t>Ground Truth: no</a:t>
+            </a:r>
+            <a:endParaRPr sz="822"/>
+          </a:p>
+        </p:txBody>
+      </p:sp>
+    </p:spTree>
+  </p:cSld>
+  <p:clrMapOvr>
+    <a:masterClrMapping/>
+  </p:clrMapOvr>
+</p:sld>
+</file>
+
 <file path=ppt/slides/slide2.xml><?xml version="1.0" encoding="utf-8"?>
 <p:sld xmlns:a="http://schemas.openxmlformats.org/drawingml/2006/main" xmlns:r="http://schemas.openxmlformats.org/officeDocument/2006/relationships" xmlns:mc="http://schemas.openxmlformats.org/markup-compatibility/2006" xmlns:mv="urn:schemas-microsoft-com:mac:vml" xmlns:p="http://schemas.openxmlformats.org/presentationml/2006/main" xmlns:c="http://schemas.openxmlformats.org/drawingml/2006/chart" xmlns:dgm="http://schemas.openxmlformats.org/drawingml/2006/diagram" xmlns:o="urn:schemas-microsoft-com:office:office" xmlns:v="urn:schemas-microsoft-com:vml" xmlns:pvml="urn:schemas-microsoft-com:office:powerpoint" xmlns:com="http://schemas.openxmlformats.org/drawingml/2006/compatibility" xmlns:p14="http://schemas.microsoft.com/office/powerpoint/2010/main" xmlns:p15="http://schemas.microsoft.com/office/powerpoint/2012/main" xmlns:ahyp="http://schemas.microsoft.com/office/drawing/2018/hyperlinkcolor">
   <p:cSld>
@@ -7622,6 +11874,1121 @@
               <a:t>text のトピックベースのチャンクのリストを返す</a:t>
             </a:r>
             <a:endParaRPr sz="760" u="sng"/>
+          </a:p>
+        </p:txBody>
+      </p:sp>
+    </p:spTree>
+  </p:cSld>
+  <p:clrMapOvr>
+    <a:masterClrMapping/>
+  </p:clrMapOvr>
+</p:sld>
+</file>
+
+<file path=ppt/slides/slide20.xml><?xml version="1.0" encoding="utf-8"?>
+<p:sld xmlns:a="http://schemas.openxmlformats.org/drawingml/2006/main" xmlns:r="http://schemas.openxmlformats.org/officeDocument/2006/relationships" xmlns:mc="http://schemas.openxmlformats.org/markup-compatibility/2006" xmlns:mv="urn:schemas-microsoft-com:mac:vml" xmlns:p="http://schemas.openxmlformats.org/presentationml/2006/main" xmlns:c="http://schemas.openxmlformats.org/drawingml/2006/chart" xmlns:dgm="http://schemas.openxmlformats.org/drawingml/2006/diagram" xmlns:o="urn:schemas-microsoft-com:office:office" xmlns:v="urn:schemas-microsoft-com:vml" xmlns:pvml="urn:schemas-microsoft-com:office:powerpoint" xmlns:com="http://schemas.openxmlformats.org/drawingml/2006/compatibility" xmlns:p14="http://schemas.microsoft.com/office/powerpoint/2010/main" xmlns:p15="http://schemas.microsoft.com/office/powerpoint/2012/main" xmlns:ahyp="http://schemas.microsoft.com/office/drawing/2018/hyperlinkcolor">
+  <p:cSld>
+    <p:spTree>
+      <p:nvGrpSpPr>
+        <p:cNvPr id="163" name="Shape 163"/>
+        <p:cNvGrpSpPr/>
+        <p:nvPr/>
+      </p:nvGrpSpPr>
+      <p:grpSpPr>
+        <a:xfrm>
+          <a:off x="0" y="0"/>
+          <a:ext cx="0" cy="0"/>
+          <a:chOff x="0" y="0"/>
+          <a:chExt cx="0" cy="0"/>
+        </a:xfrm>
+      </p:grpSpPr>
+      <p:sp>
+        <p:nvSpPr>
+          <p:cNvPr id="164" name="Google Shape;164;p32"/>
+          <p:cNvSpPr txBox="1"/>
+          <p:nvPr>
+            <p:ph idx="1" type="body"/>
+          </p:nvPr>
+        </p:nvSpPr>
+        <p:spPr>
+          <a:xfrm>
+            <a:off x="0" y="0"/>
+            <a:ext cx="9144000" cy="5044200"/>
+          </a:xfrm>
+          <a:prstGeom prst="rect">
+            <a:avLst/>
+          </a:prstGeom>
+        </p:spPr>
+        <p:txBody>
+          <a:bodyPr anchorCtr="0" anchor="t" bIns="91425" lIns="91425" spcFirstLastPara="1" rIns="91425" wrap="square" tIns="91425">
+            <a:normAutofit fontScale="77500" lnSpcReduction="20000"/>
+          </a:bodyPr>
+          <a:lstStyle/>
+          <a:p>
+            <a:pPr indent="0" lvl="0" marL="0" rtl="0" algn="l">
+              <a:spcBef>
+                <a:spcPts val="0"/>
+              </a:spcBef>
+              <a:spcAft>
+                <a:spcPts val="0"/>
+              </a:spcAft>
+              <a:buNone/>
+            </a:pPr>
+            <a:r>
+              <a:rPr lang="ja" sz="1200" u="sng"/>
+              <a:t>Chain-of-Table: Evolving Tables in the Reasoning Chain for Table Understanding</a:t>
+            </a:r>
+            <a:r>
+              <a:rPr lang="ja" sz="1200" u="sng"/>
+              <a:t> 2024</a:t>
+            </a:r>
+            <a:r>
+              <a:rPr lang="ja" sz="1269" u="sng"/>
+              <a:t>  </a:t>
+            </a:r>
+            <a:br>
+              <a:rPr lang="ja" sz="1100"/>
+            </a:br>
+            <a:r>
+              <a:rPr lang="ja" sz="1100" u="sng"/>
+              <a:t>概要</a:t>
+            </a:r>
+            <a:br>
+              <a:rPr lang="ja" sz="722"/>
+            </a:br>
+            <a:r>
+              <a:rPr lang="ja" sz="722"/>
+              <a:t>大規模言語モデルを使用した表ベースの推論は、表ベースの質問応答や事実検証などの表理解タスクにおいて有望</a:t>
+            </a:r>
+            <a:br>
+              <a:rPr lang="ja" sz="722"/>
+            </a:br>
+            <a:r>
+              <a:rPr lang="ja" sz="722"/>
+              <a:t>Chain-of-Tableフレームワークでは、表形式の推論チェーンを形成するために、表データを明示的に推論チェーンに活用する。</a:t>
+            </a:r>
+            <a:br>
+              <a:rPr lang="ja" sz="722"/>
+            </a:br>
+            <a:r>
+              <a:rPr lang="ja" sz="722"/>
+              <a:t>Chain-of-Tableは、WikiTQ、FeTaQA、TabFactのベンチマークにおいて、複数の大規模言語モデルの選択肢にわたって新たな最先端の性能を達成する</a:t>
+            </a:r>
+            <a:br>
+              <a:rPr lang="ja" sz="722"/>
+            </a:br>
+            <a:r>
+              <a:rPr lang="ja" sz="722"/>
+              <a:t>具体的には、LLMをインコンテキスト学習で導き、反復的に操作を生成し、表を更新して表形式の推論チェーンを表現します。このようにして、LLMは前の操作の結果に基づいて次の操作を動的に計画することができます。この連続的な表の進化は、与えられた表形式の問題に対する推論過程を示すチェーンを形成し、中間結果の構造化された情報を提供し、より正確で信頼性の高い予測を可能にします。</a:t>
+            </a:r>
+            <a:endParaRPr sz="722"/>
+          </a:p>
+          <a:p>
+            <a:pPr indent="0" lvl="0" marL="0" rtl="0" algn="l">
+              <a:spcBef>
+                <a:spcPts val="1200"/>
+              </a:spcBef>
+              <a:spcAft>
+                <a:spcPts val="0"/>
+              </a:spcAft>
+              <a:buNone/>
+            </a:pPr>
+            <a:r>
+              <a:rPr lang="ja" sz="1100" u="sng"/>
+              <a:t>新規性</a:t>
+            </a:r>
+            <a:br>
+              <a:rPr lang="ja" sz="1100"/>
+            </a:br>
+            <a:r>
+              <a:rPr lang="ja" sz="800"/>
+              <a:t>LLMでも機械翻訳は難しくその原因の一つは翻訳固有の理解と一般的な理解のミスアライメントです。そこで翻訳困難な単語の検出クロスリンガル解釈の生成、解釈品質の管理の3ステップを含むXIODフレームワークを提案。これにより、LLMsの一般的な理解を翻訳プロセスに取り入れることが可能になるらしい</a:t>
+            </a:r>
+            <a:endParaRPr sz="800"/>
+          </a:p>
+          <a:p>
+            <a:pPr indent="0" lvl="0" marL="0" rtl="0" algn="l">
+              <a:spcBef>
+                <a:spcPts val="1200"/>
+              </a:spcBef>
+              <a:spcAft>
+                <a:spcPts val="0"/>
+              </a:spcAft>
+              <a:buNone/>
+            </a:pPr>
+            <a:r>
+              <a:rPr lang="ja" sz="1100" u="sng"/>
+              <a:t>手法</a:t>
+            </a:r>
+            <a:br>
+              <a:rPr lang="ja" sz="800"/>
+            </a:br>
+            <a:r>
+              <a:rPr lang="ja" sz="800"/>
+              <a:t>LLMに表データを深く理解させるアプローチは2通りあり、一つはSQLのクエリと回答を事前学習させるような方法とCoTのようにプロンプトエンジニアリングを工夫し、基盤モデルの能力を引き出して表データをうまく扱わせる方法です。</a:t>
+            </a:r>
+            <a:br>
+              <a:rPr lang="ja" sz="800"/>
+            </a:br>
+            <a:r>
+              <a:rPr lang="ja" sz="800"/>
+              <a:t>CHAIN-OF-TABLEは、CoTのように(T Q A)の形式で表される表形式推論の問題を定式化します。ここでTは表、Qは質問または表に関連する文、Aは期待される回答です。このアルゴリズムでは、LLMが動的に次の操作を計画し、引数を生成し、表を変換して最終的な回答を導き出します</a:t>
+            </a:r>
+            <a:endParaRPr sz="800"/>
+          </a:p>
+          <a:p>
+            <a:pPr indent="0" lvl="0" marL="0" rtl="0" algn="l">
+              <a:spcBef>
+                <a:spcPts val="1200"/>
+              </a:spcBef>
+              <a:spcAft>
+                <a:spcPts val="0"/>
+              </a:spcAft>
+              <a:buNone/>
+            </a:pPr>
+            <a:r>
+              <a:rPr lang="ja" sz="800"/>
+              <a:t>1. Chain-of-Table (T, Q): この関数は、表(T)と質問(Q)のペアを引数として受け取ります。この関数は、表に基づく推論タスクを解決するための操作チェーンを生成します。</a:t>
+            </a:r>
+            <a:br>
+              <a:rPr lang="ja" sz="800"/>
+            </a:br>
+            <a:r>
+              <a:rPr lang="ja" sz="800"/>
+              <a:t>2. 初期化: 操作チェーン（chain）を、始まりを表すタグ[B]と、引数が不要であることを意味するϕで初期化します。</a:t>
+            </a:r>
+            <a:br>
+              <a:rPr lang="ja" sz="800"/>
+            </a:br>
+            <a:r>
+              <a:rPr lang="ja" sz="800"/>
+              <a:t>3. 繰り返し処理の開始: 以下のステップを、特定の終了条件が満たされるまで繰り返します。</a:t>
+            </a:r>
+            <a:br>
+              <a:rPr lang="ja" sz="800"/>
+            </a:br>
+            <a:r>
+              <a:rPr lang="ja" sz="800"/>
+              <a:t>4. f ← DynamicPlan(T, Q, chain): 現在の表(T)、質問(Q)、およびこれまでの操作チェーン（chain）に基づいて、</a:t>
+            </a:r>
+            <a:br>
+              <a:rPr lang="ja" sz="800"/>
+            </a:br>
+            <a:r>
+              <a:rPr lang="ja" sz="800"/>
+              <a:t>次に実行すべき操作(f)を動的に計画します。</a:t>
+            </a:r>
+            <a:br>
+              <a:rPr lang="ja" sz="800"/>
+            </a:br>
+            <a:r>
+              <a:rPr lang="ja" sz="800"/>
+              <a:t>5. args ← GenerateArgs(T, Q, f): 選択された操作(f)に必要な引数(args)を生成します。</a:t>
+            </a:r>
+            <a:br>
+              <a:rPr lang="ja" sz="800"/>
+            </a:br>
+            <a:r>
+              <a:rPr lang="ja" sz="800"/>
+              <a:t>6. T ← f(T, args): 選択された操作(f)を表(T)に適用し、引数(args)を用いて表を更新します。</a:t>
+            </a:r>
+            <a:br>
+              <a:rPr lang="ja" sz="800"/>
+            </a:br>
+            <a:r>
+              <a:rPr lang="ja" sz="800"/>
+              <a:t>7. chain ← chain.append((f, args)): 実行された操作とその引数を操作チェーン（chain）に追加し、これまでの操作を記録します。</a:t>
+            </a:r>
+            <a:br>
+              <a:rPr lang="ja" sz="800"/>
+            </a:br>
+            <a:r>
+              <a:rPr lang="ja" sz="800"/>
+              <a:t>8. 終了タグ[E]が生成されるまで繰り返し: 操作チェーンに終了タグ[E]が現れるまで、表の更新を繰り返します。</a:t>
+            </a:r>
+            <a:br>
+              <a:rPr lang="ja" sz="800"/>
+            </a:br>
+            <a:r>
+              <a:rPr lang="ja" sz="800"/>
+              <a:t>9. Aˆ ← Query(T, Q): 最終的な表(T)と質問(Q)を言語モデルに問い合わせ、最終的な回答(Aˆ)を得ます。</a:t>
+            </a:r>
+            <a:br>
+              <a:rPr lang="ja" sz="800"/>
+            </a:br>
+            <a:r>
+              <a:rPr lang="ja" sz="800"/>
+              <a:t>10. return A: 最終的な回答を返します。</a:t>
+            </a:r>
+            <a:br>
+              <a:rPr lang="ja" sz="800"/>
+            </a:br>
+            <a:r>
+              <a:rPr lang="ja" sz="800"/>
+              <a:t>このアルゴリズムは、表形式のデータを扱い、質問に対する回答を導き出す過程で、表を動的に更新し、操作の履歴を追跡することで、</a:t>
+            </a:r>
+            <a:br>
+              <a:rPr lang="ja" sz="800"/>
+            </a:br>
+            <a:r>
+              <a:rPr lang="ja" sz="800"/>
+              <a:t>より効果的な推論を可能にします​​。</a:t>
+            </a:r>
+            <a:br>
+              <a:rPr lang="ja" sz="800"/>
+            </a:br>
+            <a:r>
+              <a:rPr lang="ja" sz="800"/>
+              <a:t>Chain of Tableフレームワークのプロセスの一環として、表に対する連鎖的な操作を動的に計画するコンポーネントが</a:t>
+            </a:r>
+            <a:br>
+              <a:rPr lang="ja" sz="800"/>
+            </a:br>
+            <a:r>
+              <a:rPr lang="ja" sz="800"/>
+              <a:t>Dynamic Planと引数生成（GenerateArgs）です。</a:t>
+            </a:r>
+            <a:br>
+              <a:rPr lang="ja" sz="800"/>
+            </a:br>
+            <a:r>
+              <a:rPr lang="ja" sz="800"/>
+              <a:t>Dynamic Planと引数生成は、それぞれ大きく3つの要素から成り立っています。</a:t>
+            </a:r>
+            <a:endParaRPr sz="800"/>
+          </a:p>
+          <a:p>
+            <a:pPr indent="0" lvl="0" marL="0" rtl="0" algn="l">
+              <a:spcBef>
+                <a:spcPts val="1200"/>
+              </a:spcBef>
+              <a:spcAft>
+                <a:spcPts val="1200"/>
+              </a:spcAft>
+              <a:buNone/>
+            </a:pPr>
+            <a:r>
+              <a:rPr lang="ja" sz="800"/>
+              <a:t>DynamicPlan(T, Q, chain)のプロンプトテンプレート</a:t>
+            </a:r>
+            <a:br>
+              <a:rPr lang="ja" sz="800"/>
+            </a:br>
+            <a:r>
+              <a:rPr lang="ja" sz="800"/>
+              <a:t>全体的なプロンプトテンプレートと期待される生成:</a:t>
+            </a:r>
+            <a:br>
+              <a:rPr lang="ja" sz="800"/>
+            </a:br>
+            <a:r>
+              <a:rPr lang="ja" sz="800"/>
+              <a:t>(a) 原子操作のデモ</a:t>
+            </a:r>
+            <a:br>
+              <a:rPr lang="ja" sz="800"/>
+            </a:br>
+            <a:r>
+              <a:rPr lang="ja" sz="800"/>
+              <a:t>(b) 特定の質問に答えるための完全な操作チェーンを生成するデモ</a:t>
+            </a:r>
+            <a:br>
+              <a:rPr lang="ja" sz="800"/>
+            </a:br>
+            <a:r>
+              <a:rPr lang="ja" sz="800"/>
+              <a:t>(c) 実際の入力表とその質問に対するプロンプトと、LLMから期待される生成</a:t>
+            </a:r>
+            <a:br>
+              <a:rPr lang="ja" sz="800"/>
+            </a:br>
+            <a:r>
+              <a:rPr lang="ja" sz="800"/>
+              <a:t>操作の例とその説明:</a:t>
+            </a:r>
+            <a:br>
+              <a:rPr lang="ja" sz="800"/>
+            </a:br>
+            <a:r>
+              <a:rPr lang="ja" sz="800"/>
+              <a:t>各パートのプロンプトと生成の例と簡潔な説明。</a:t>
+            </a:r>
+            <a:br>
+              <a:rPr lang="ja" sz="800"/>
+            </a:br>
+            <a:r>
+              <a:rPr lang="ja" sz="800"/>
+              <a:t>- GenerateArgs(T, Q, f)のプロンプトテンプレート</a:t>
+            </a:r>
+            <a:br>
+              <a:rPr lang="ja" sz="800"/>
+            </a:br>
+            <a:r>
+              <a:rPr lang="ja" sz="800"/>
+              <a:t>    - 特定の操作fがLLMによって次の操作として選択された後:</a:t>
+            </a:r>
+            <a:br>
+              <a:rPr lang="ja" sz="800"/>
+            </a:br>
+            <a:r>
+              <a:rPr lang="ja" sz="800"/>
+              <a:t>        - LLMにGenerateArgsを呼び出し、必要な引数を生成させる。</a:t>
+            </a:r>
+            <a:br>
+              <a:rPr lang="ja" sz="800"/>
+            </a:br>
+            <a:r>
+              <a:rPr lang="ja" sz="800"/>
+              <a:t>        - LLMの生成結果を事前に定義されたテンプレートに基づいて解析し、引数を抽出する。</a:t>
+            </a:r>
+            <a:br>
+              <a:rPr lang="ja" sz="800"/>
+            </a:br>
+            <a:r>
+              <a:rPr lang="ja" sz="800"/>
+              <a:t>- Query(T, Q)のプロンプトテンプレート</a:t>
+            </a:r>
+            <a:br>
+              <a:rPr lang="ja" sz="800"/>
+            </a:br>
+            <a:r>
+              <a:rPr lang="ja" sz="800"/>
+              <a:t>    - 操作チェーンからの結果としての表:</a:t>
+            </a:r>
+            <a:br>
+              <a:rPr lang="ja" sz="800"/>
+            </a:br>
+            <a:r>
+              <a:rPr lang="ja" sz="800"/>
+              <a:t>        - 表を推論の中間思考の代理として利用し、推論チェーンをテキスト形式で提供せずに直接回答を生成する。</a:t>
+            </a:r>
+            <a:endParaRPr sz="1200" u="sng"/>
+          </a:p>
+        </p:txBody>
+      </p:sp>
+      <p:pic>
+        <p:nvPicPr>
+          <p:cNvPr id="165" name="Google Shape;165;p32"/>
+          <p:cNvPicPr preferRelativeResize="0"/>
+          <p:nvPr/>
+        </p:nvPicPr>
+        <p:blipFill>
+          <a:blip r:embed="rId3">
+            <a:alphaModFix/>
+          </a:blip>
+          <a:stretch>
+            <a:fillRect/>
+          </a:stretch>
+        </p:blipFill>
+        <p:spPr>
+          <a:xfrm>
+            <a:off x="4460327" y="3345500"/>
+            <a:ext cx="4683676" cy="1666675"/>
+          </a:xfrm>
+          <a:prstGeom prst="rect">
+            <a:avLst/>
+          </a:prstGeom>
+          <a:noFill/>
+          <a:ln>
+            <a:noFill/>
+          </a:ln>
+        </p:spPr>
+      </p:pic>
+      <p:pic>
+        <p:nvPicPr>
+          <p:cNvPr id="166" name="Google Shape;166;p32"/>
+          <p:cNvPicPr preferRelativeResize="0"/>
+          <p:nvPr/>
+        </p:nvPicPr>
+        <p:blipFill>
+          <a:blip r:embed="rId4">
+            <a:alphaModFix/>
+          </a:blip>
+          <a:stretch>
+            <a:fillRect/>
+          </a:stretch>
+        </p:blipFill>
+        <p:spPr>
+          <a:xfrm>
+            <a:off x="4949346" y="2044588"/>
+            <a:ext cx="4042250" cy="1022175"/>
+          </a:xfrm>
+          <a:prstGeom prst="rect">
+            <a:avLst/>
+          </a:prstGeom>
+          <a:noFill/>
+          <a:ln>
+            <a:noFill/>
+          </a:ln>
+        </p:spPr>
+      </p:pic>
+      <p:sp>
+        <p:nvSpPr>
+          <p:cNvPr id="167" name="Google Shape;167;p32"/>
+          <p:cNvSpPr txBox="1"/>
+          <p:nvPr/>
+        </p:nvSpPr>
+        <p:spPr>
+          <a:xfrm>
+            <a:off x="4977375" y="3030375"/>
+            <a:ext cx="4121100" cy="369300"/>
+          </a:xfrm>
+          <a:prstGeom prst="rect">
+            <a:avLst/>
+          </a:prstGeom>
+          <a:noFill/>
+          <a:ln>
+            <a:noFill/>
+          </a:ln>
+        </p:spPr>
+        <p:txBody>
+          <a:bodyPr anchorCtr="0" anchor="t" bIns="91425" lIns="91425" spcFirstLastPara="1" rIns="91425" wrap="square" tIns="91425">
+            <a:spAutoFit/>
+          </a:bodyPr>
+          <a:lstStyle/>
+          <a:p>
+            <a:pPr indent="0" lvl="0" marL="0" rtl="0" algn="l">
+              <a:spcBef>
+                <a:spcPts val="0"/>
+              </a:spcBef>
+              <a:spcAft>
+                <a:spcPts val="0"/>
+              </a:spcAft>
+              <a:buNone/>
+            </a:pPr>
+            <a:r>
+              <a:rPr lang="ja" sz="600">
+                <a:solidFill>
+                  <a:srgbClr val="333333"/>
+                </a:solidFill>
+                <a:highlight>
+                  <a:srgbClr val="FFFFFF"/>
+                </a:highlight>
+                <a:latin typeface="Proxima Nova"/>
+                <a:ea typeface="Proxima Nova"/>
+                <a:cs typeface="Proxima Nova"/>
+                <a:sym typeface="Proxima Nova"/>
+              </a:rPr>
+              <a:t>Chain of Tableを用いた表推論のプロセスを視覚的に示しています。複数の操作（列の選択、グループ化、ソート）を経て、答えを導き出しています。</a:t>
+            </a:r>
+            <a:endParaRPr sz="600">
+              <a:latin typeface="Proxima Nova"/>
+              <a:ea typeface="Proxima Nova"/>
+              <a:cs typeface="Proxima Nova"/>
+              <a:sym typeface="Proxima Nova"/>
+            </a:endParaRPr>
+          </a:p>
+        </p:txBody>
+      </p:sp>
+    </p:spTree>
+  </p:cSld>
+  <p:clrMapOvr>
+    <a:masterClrMapping/>
+  </p:clrMapOvr>
+</p:sld>
+</file>
+
+<file path=ppt/slides/slide21.xml><?xml version="1.0" encoding="utf-8"?>
+<p:sld xmlns:a="http://schemas.openxmlformats.org/drawingml/2006/main" xmlns:r="http://schemas.openxmlformats.org/officeDocument/2006/relationships" xmlns:mc="http://schemas.openxmlformats.org/markup-compatibility/2006" xmlns:mv="urn:schemas-microsoft-com:mac:vml" xmlns:p="http://schemas.openxmlformats.org/presentationml/2006/main" xmlns:c="http://schemas.openxmlformats.org/drawingml/2006/chart" xmlns:dgm="http://schemas.openxmlformats.org/drawingml/2006/diagram" xmlns:o="urn:schemas-microsoft-com:office:office" xmlns:v="urn:schemas-microsoft-com:vml" xmlns:pvml="urn:schemas-microsoft-com:office:powerpoint" xmlns:com="http://schemas.openxmlformats.org/drawingml/2006/compatibility" xmlns:p14="http://schemas.microsoft.com/office/powerpoint/2010/main" xmlns:p15="http://schemas.microsoft.com/office/powerpoint/2012/main" xmlns:ahyp="http://schemas.microsoft.com/office/drawing/2018/hyperlinkcolor">
+  <p:cSld>
+    <p:spTree>
+      <p:nvGrpSpPr>
+        <p:cNvPr id="171" name="Shape 171"/>
+        <p:cNvGrpSpPr/>
+        <p:nvPr/>
+      </p:nvGrpSpPr>
+      <p:grpSpPr>
+        <a:xfrm>
+          <a:off x="0" y="0"/>
+          <a:ext cx="0" cy="0"/>
+          <a:chOff x="0" y="0"/>
+          <a:chExt cx="0" cy="0"/>
+        </a:xfrm>
+      </p:grpSpPr>
+      <p:sp>
+        <p:nvSpPr>
+          <p:cNvPr id="172" name="Google Shape;172;p33"/>
+          <p:cNvSpPr txBox="1"/>
+          <p:nvPr>
+            <p:ph idx="1" type="body"/>
+          </p:nvPr>
+        </p:nvSpPr>
+        <p:spPr>
+          <a:xfrm>
+            <a:off x="0" y="0"/>
+            <a:ext cx="9144000" cy="3790200"/>
+          </a:xfrm>
+          <a:prstGeom prst="rect">
+            <a:avLst/>
+          </a:prstGeom>
+        </p:spPr>
+        <p:txBody>
+          <a:bodyPr anchorCtr="0" anchor="t" bIns="91425" lIns="91425" spcFirstLastPara="1" rIns="91425" wrap="square" tIns="91425">
+            <a:normAutofit lnSpcReduction="20000"/>
+          </a:bodyPr>
+          <a:lstStyle/>
+          <a:p>
+            <a:pPr indent="0" lvl="0" marL="0" rtl="0" algn="l">
+              <a:spcBef>
+                <a:spcPts val="0"/>
+              </a:spcBef>
+              <a:spcAft>
+                <a:spcPts val="0"/>
+              </a:spcAft>
+              <a:buNone/>
+            </a:pPr>
+            <a:r>
+              <a:rPr lang="ja" sz="1200" u="sng"/>
+              <a:t>Using Large Language Models for Commit Message Generation: A Preliminary Study</a:t>
+            </a:r>
+            <a:r>
+              <a:rPr lang="ja" sz="1200" u="sng"/>
+              <a:t> 2024</a:t>
+            </a:r>
+            <a:r>
+              <a:rPr lang="ja" sz="1269" u="sng"/>
+              <a:t>  </a:t>
+            </a:r>
+            <a:br>
+              <a:rPr lang="ja" sz="1100"/>
+            </a:br>
+            <a:r>
+              <a:rPr lang="ja" sz="1100" u="sng"/>
+              <a:t>概要</a:t>
+            </a:r>
+            <a:br>
+              <a:rPr lang="ja" sz="722"/>
+            </a:br>
+            <a:r>
+              <a:rPr lang="ja" sz="722"/>
+              <a:t>Gitバージョンコントロールシステムにおけるコミットメッセージの自動生成に大規模言語モデル（LLMs）を利用することを提案</a:t>
+            </a:r>
+            <a:br>
+              <a:rPr lang="ja" sz="722"/>
+            </a:br>
+            <a:r>
+              <a:rPr lang="ja" sz="722"/>
+              <a:t>BLEUとRouge-Lメトリクスに基づいて、これらが既存の方法をいくつかの指標で上回ることを示している。さらに、人間の評価ではLLMが既存の方法よりも優れていることが示されている。(まあ著者が評価したのであれだけど)</a:t>
+            </a:r>
+            <a:br>
+              <a:rPr lang="ja" sz="722"/>
+            </a:br>
+            <a:r>
+              <a:rPr lang="ja" sz="722"/>
+              <a:t>この研究は、コミットメッセージの自動生成におけるLLMの有望な可能性を明らかにするとともに、自動生成されたコミットメッセージの品質評価における一般的に使用されるメトリクスの限界として開発者によって書かれたメッセージの品質に大きく依存するため、高いスコアが必ずしも有用なコミットメッセージを意味するわけではなくLLMがソフトウェア開発の実用的なシナリオにおいてコミットメッセージを自動生成するための有望なツールであることを示している。これにより、開発者はコミットメッセージの作成にかかる時間と労力を削減し、ソフトウェア開発の効率を向上させる可能性について記載</a:t>
+            </a:r>
+            <a:endParaRPr sz="722"/>
+          </a:p>
+          <a:p>
+            <a:pPr indent="0" lvl="0" marL="0" rtl="0" algn="l">
+              <a:spcBef>
+                <a:spcPts val="1200"/>
+              </a:spcBef>
+              <a:spcAft>
+                <a:spcPts val="0"/>
+              </a:spcAft>
+              <a:buNone/>
+            </a:pPr>
+            <a:r>
+              <a:rPr lang="ja" sz="1100" u="sng"/>
+              <a:t>新規性</a:t>
+            </a:r>
+            <a:br>
+              <a:rPr lang="ja" sz="1100"/>
+            </a:br>
+            <a:r>
+              <a:rPr lang="ja" sz="800"/>
+              <a:t>LLMを使用してGitバージョンコントロールシステムのコミットメッセージを自動生成する手法を提案している点にあります。</a:t>
+            </a:r>
+            <a:br>
+              <a:rPr lang="ja" sz="800"/>
+            </a:br>
+            <a:r>
+              <a:rPr lang="ja" sz="800"/>
+              <a:t>Llama 2とChatGPTという2種類のLLMを評価し、これらが既存の方法をいくつかの指標で上回ることを示しています。</a:t>
+            </a:r>
+            <a:br>
+              <a:rPr lang="ja" sz="800"/>
+            </a:br>
+            <a:r>
+              <a:rPr lang="ja" sz="800"/>
+              <a:t>また、自動生成されたコミットメッセージの品質を評価するために一般的に使用されるメトリクスの限界を探求し、LLMを使用することでソフトウェア開発の効率を向上させる可能性を示しています。</a:t>
+            </a:r>
+            <a:endParaRPr sz="800"/>
+          </a:p>
+          <a:p>
+            <a:pPr indent="0" lvl="0" marL="0" rtl="0" algn="l">
+              <a:spcBef>
+                <a:spcPts val="1200"/>
+              </a:spcBef>
+              <a:spcAft>
+                <a:spcPts val="0"/>
+              </a:spcAft>
+              <a:buNone/>
+            </a:pPr>
+            <a:r>
+              <a:rPr lang="ja" sz="1100" u="sng"/>
+              <a:t>手法</a:t>
+            </a:r>
+            <a:br>
+              <a:rPr lang="ja" sz="800"/>
+            </a:br>
+            <a:r>
+              <a:rPr lang="ja" sz="800"/>
+              <a:t>オープンソースとクローズドソースのLLM、すなわちLlama 2とChatGPTの性能を評価するために、一連の実験を設計し、実施した。評価は2フェーズで行われた。フェーズIでは、BLEUとRouge-Lといったメトリクスを使用し、フェーズIIでは人間による評価が行われた。</a:t>
+            </a:r>
+            <a:br>
+              <a:rPr lang="ja" sz="800"/>
+            </a:br>
+            <a:r>
+              <a:rPr lang="ja" sz="800"/>
+              <a:t>B-Mosesは、BLEUメトリックの一種で、スムージング機能を使用しないBLEUメトリックのバリアントです。これは、翻訳の品質を評価するために、n-gram精度の幾何平均を使用します。</a:t>
+            </a:r>
+            <a:br>
+              <a:rPr lang="ja" sz="800"/>
+            </a:br>
+            <a:r>
+              <a:rPr lang="ja" sz="800"/>
+              <a:t>B-NormはB-Mosesから派生したBLEUバリアントで、すべての文字を小文字に変換し、n-gram精度スコアを平滑化する方法を採用しています。</a:t>
+            </a:r>
+            <a:br>
+              <a:rPr lang="ja" sz="800"/>
+            </a:br>
+            <a:r>
+              <a:rPr lang="ja" sz="800"/>
+              <a:t>B-NLTKは、NLTKツールキットからのBLEUバリアントメトリックで、B-Normとは異なるスムージング機能を採用しています。</a:t>
+            </a:r>
+            <a:br>
+              <a:rPr lang="ja" sz="800"/>
+            </a:br>
+            <a:r>
+              <a:rPr lang="ja" sz="800"/>
+              <a:t>Rouge-Lは、自然言語処理におけるメトリックで、特にテキスト要約の評価に使用されます。生成された要約と参照要約との間の最長共通部分列（LCS）を測定し、それに基づいてスコアを算出します。これは要約の精度だけでなく、一般にテキスト生成タスクのパフォーマンス評価に広く使用されています。</a:t>
+            </a:r>
+            <a:endParaRPr sz="800"/>
+          </a:p>
+          <a:p>
+            <a:pPr indent="0" lvl="0" marL="0" rtl="0" algn="l">
+              <a:spcBef>
+                <a:spcPts val="1200"/>
+              </a:spcBef>
+              <a:spcAft>
+                <a:spcPts val="1200"/>
+              </a:spcAft>
+              <a:buNone/>
+            </a:pPr>
+            <a:r>
+              <a:rPr lang="ja" sz="1122" u="sng"/>
+              <a:t>結果</a:t>
+            </a:r>
+            <a:br>
+              <a:rPr lang="ja" sz="1122"/>
+            </a:br>
+            <a:r>
+              <a:rPr lang="ja" sz="822"/>
+              <a:t>LLMは、特定の指標では既存の方法を上回り、他の指標では遅れを取っていることが示された。</a:t>
+            </a:r>
+            <a:br>
+              <a:rPr lang="ja" sz="822"/>
+            </a:br>
+            <a:r>
+              <a:rPr lang="ja" sz="822"/>
+              <a:t>人間による評価では、LLMが全ての既存方法よりも明確な利点を示し、特に366のサンプルのうち78%で、</a:t>
+            </a:r>
+            <a:br>
+              <a:rPr lang="ja" sz="822"/>
+            </a:br>
+            <a:r>
+              <a:rPr lang="ja" sz="822"/>
+              <a:t>LLMによって生成されたコミットメッセージが最も優れていると評価された。</a:t>
+            </a:r>
+            <a:endParaRPr sz="822"/>
+          </a:p>
+        </p:txBody>
+      </p:sp>
+      <p:pic>
+        <p:nvPicPr>
+          <p:cNvPr id="173" name="Google Shape;173;p33"/>
+          <p:cNvPicPr preferRelativeResize="0"/>
+          <p:nvPr/>
+        </p:nvPicPr>
+        <p:blipFill>
+          <a:blip r:embed="rId3">
+            <a:alphaModFix/>
+          </a:blip>
+          <a:stretch>
+            <a:fillRect/>
+          </a:stretch>
+        </p:blipFill>
+        <p:spPr>
+          <a:xfrm>
+            <a:off x="93997" y="3696275"/>
+            <a:ext cx="5138525" cy="1239075"/>
+          </a:xfrm>
+          <a:prstGeom prst="rect">
+            <a:avLst/>
+          </a:prstGeom>
+          <a:noFill/>
+          <a:ln>
+            <a:noFill/>
+          </a:ln>
+        </p:spPr>
+      </p:pic>
+      <p:pic>
+        <p:nvPicPr>
+          <p:cNvPr id="174" name="Google Shape;174;p33"/>
+          <p:cNvPicPr preferRelativeResize="0"/>
+          <p:nvPr/>
+        </p:nvPicPr>
+        <p:blipFill>
+          <a:blip r:embed="rId4">
+            <a:alphaModFix/>
+          </a:blip>
+          <a:stretch>
+            <a:fillRect/>
+          </a:stretch>
+        </p:blipFill>
+        <p:spPr>
+          <a:xfrm>
+            <a:off x="5844849" y="3173024"/>
+            <a:ext cx="3139825" cy="1681725"/>
+          </a:xfrm>
+          <a:prstGeom prst="rect">
+            <a:avLst/>
+          </a:prstGeom>
+          <a:noFill/>
+          <a:ln>
+            <a:noFill/>
+          </a:ln>
+        </p:spPr>
+      </p:pic>
+    </p:spTree>
+  </p:cSld>
+  <p:clrMapOvr>
+    <a:masterClrMapping/>
+  </p:clrMapOvr>
+</p:sld>
+</file>
+
+<file path=ppt/slides/slide22.xml><?xml version="1.0" encoding="utf-8"?>
+<p:sld xmlns:a="http://schemas.openxmlformats.org/drawingml/2006/main" xmlns:r="http://schemas.openxmlformats.org/officeDocument/2006/relationships" xmlns:mc="http://schemas.openxmlformats.org/markup-compatibility/2006" xmlns:mv="urn:schemas-microsoft-com:mac:vml" xmlns:p="http://schemas.openxmlformats.org/presentationml/2006/main" xmlns:c="http://schemas.openxmlformats.org/drawingml/2006/chart" xmlns:dgm="http://schemas.openxmlformats.org/drawingml/2006/diagram" xmlns:o="urn:schemas-microsoft-com:office:office" xmlns:v="urn:schemas-microsoft-com:vml" xmlns:pvml="urn:schemas-microsoft-com:office:powerpoint" xmlns:com="http://schemas.openxmlformats.org/drawingml/2006/compatibility" xmlns:p14="http://schemas.microsoft.com/office/powerpoint/2010/main" xmlns:p15="http://schemas.microsoft.com/office/powerpoint/2012/main" xmlns:ahyp="http://schemas.microsoft.com/office/drawing/2018/hyperlinkcolor">
+  <p:cSld>
+    <p:spTree>
+      <p:nvGrpSpPr>
+        <p:cNvPr id="178" name="Shape 178"/>
+        <p:cNvGrpSpPr/>
+        <p:nvPr/>
+      </p:nvGrpSpPr>
+      <p:grpSpPr>
+        <a:xfrm>
+          <a:off x="0" y="0"/>
+          <a:ext cx="0" cy="0"/>
+          <a:chOff x="0" y="0"/>
+          <a:chExt cx="0" cy="0"/>
+        </a:xfrm>
+      </p:grpSpPr>
+      <p:sp>
+        <p:nvSpPr>
+          <p:cNvPr id="179" name="Google Shape;179;p34"/>
+          <p:cNvSpPr txBox="1"/>
+          <p:nvPr>
+            <p:ph idx="1" type="body"/>
+          </p:nvPr>
+        </p:nvSpPr>
+        <p:spPr>
+          <a:xfrm>
+            <a:off x="0" y="0"/>
+            <a:ext cx="9144000" cy="5049600"/>
+          </a:xfrm>
+          <a:prstGeom prst="rect">
+            <a:avLst/>
+          </a:prstGeom>
+        </p:spPr>
+        <p:txBody>
+          <a:bodyPr anchorCtr="0" anchor="t" bIns="91425" lIns="91425" spcFirstLastPara="1" rIns="91425" wrap="square" tIns="91425">
+            <a:normAutofit fontScale="85000" lnSpcReduction="20000"/>
+          </a:bodyPr>
+          <a:lstStyle/>
+          <a:p>
+            <a:pPr indent="0" lvl="0" marL="0" rtl="0" algn="l">
+              <a:spcBef>
+                <a:spcPts val="0"/>
+              </a:spcBef>
+              <a:spcAft>
+                <a:spcPts val="0"/>
+              </a:spcAft>
+              <a:buNone/>
+            </a:pPr>
+            <a:r>
+              <a:rPr lang="ja" sz="1200" u="sng"/>
+              <a:t>Seven Failure Points When Engineering a Retrieval Augmented Generation System</a:t>
+            </a:r>
+            <a:r>
+              <a:rPr lang="ja" sz="1200" u="sng"/>
+              <a:t> 2024</a:t>
+            </a:r>
+            <a:r>
+              <a:rPr lang="ja" sz="1269" u="sng"/>
+              <a:t>  </a:t>
+            </a:r>
+            <a:br>
+              <a:rPr lang="ja" sz="1100"/>
+            </a:br>
+            <a:r>
+              <a:rPr lang="ja" sz="1100" u="sng"/>
+              <a:t>概要</a:t>
+            </a:r>
+            <a:br>
+              <a:rPr lang="ja" sz="722"/>
+            </a:br>
+            <a:r>
+              <a:rPr lang="ja" sz="722"/>
+              <a:t>- RAGシステムは情報検索システムに固有の制約とLLMへの依存から制限を受ける。</a:t>
+            </a:r>
+            <a:br>
+              <a:rPr lang="ja" sz="722"/>
+            </a:br>
+            <a:r>
+              <a:rPr lang="ja" sz="722"/>
+              <a:t>- RAGシステムの検証は運用中にのみ実行可能であり、その堅牢性は設計段階ではなく進化する。</a:t>
+            </a:r>
+            <a:br>
+              <a:rPr lang="ja" sz="722"/>
+            </a:br>
+            <a:r>
+              <a:rPr lang="ja" sz="722"/>
+              <a:t>- RAGシステムの設計における7つの失敗要因が示され、それらを考慮する必要がある。</a:t>
+            </a:r>
+            <a:endParaRPr sz="722"/>
+          </a:p>
+          <a:p>
+            <a:pPr indent="0" lvl="0" marL="0" rtl="0" algn="l">
+              <a:spcBef>
+                <a:spcPts val="1200"/>
+              </a:spcBef>
+              <a:spcAft>
+                <a:spcPts val="0"/>
+              </a:spcAft>
+              <a:buNone/>
+            </a:pPr>
+            <a:r>
+              <a:rPr lang="ja" sz="1100" u="sng"/>
+              <a:t>新規性</a:t>
+            </a:r>
+            <a:br>
+              <a:rPr lang="ja" sz="1100"/>
+            </a:br>
+            <a:r>
+              <a:rPr lang="ja" sz="800"/>
+              <a:t>研究、教育、バイオメディカルの異なる3つの領域からの事例研究を通じて、RAGシステムの失敗点についての経験を共有し、RAGシステムを設計する際に考慮すべき7つの失敗点を提示</a:t>
+            </a:r>
+            <a:endParaRPr sz="800"/>
+          </a:p>
+          <a:p>
+            <a:pPr indent="0" lvl="0" marL="0" rtl="0" algn="l">
+              <a:spcBef>
+                <a:spcPts val="1200"/>
+              </a:spcBef>
+              <a:spcAft>
+                <a:spcPts val="0"/>
+              </a:spcAft>
+              <a:buNone/>
+            </a:pPr>
+            <a:r>
+              <a:rPr lang="ja" sz="1100" u="sng"/>
+              <a:t>手法</a:t>
+            </a:r>
+            <a:br>
+              <a:rPr lang="ja" sz="800"/>
+            </a:br>
+            <a:r>
+              <a:rPr lang="ja" sz="800"/>
+              <a:t>3つの異なる事例研究（Cognitive Reviewer, AI Tutor, Biomedical Question and Answer）を実施し、RAGシステムの構築と運用の過程で直面した課題と教訓を分析しています。各事例研究は、異なるドメインと文書タイプを対象にしており、RAGシステムの実装に関連する具体的な詳細と挑戦を提示しています。</a:t>
+            </a:r>
+            <a:endParaRPr sz="800"/>
+          </a:p>
+          <a:p>
+            <a:pPr indent="0" lvl="0" marL="0" rtl="0" algn="l">
+              <a:spcBef>
+                <a:spcPts val="1200"/>
+              </a:spcBef>
+              <a:spcAft>
+                <a:spcPts val="0"/>
+              </a:spcAft>
+              <a:buNone/>
+            </a:pPr>
+            <a:r>
+              <a:rPr lang="ja" sz="800"/>
+              <a:t>RAGシステムを設計する際に考慮すべき7つの失敗点（FP）を特定しました。</a:t>
+            </a:r>
+            <a:br>
+              <a:rPr lang="ja" sz="800"/>
+            </a:br>
+            <a:r>
+              <a:rPr lang="ja" sz="800"/>
+              <a:t>- 不足しているコンテンツ（FP1）: RAGシステムが参照する文書セットに、重要な情報が欠けている場合があります。</a:t>
+            </a:r>
+            <a:br>
+              <a:rPr lang="ja" sz="800"/>
+            </a:br>
+            <a:r>
+              <a:rPr lang="ja" sz="800"/>
+              <a:t>これにより、システムは必要な情報を見つけられず、不完全または誤った回答を生成する可能性があります。</a:t>
+            </a:r>
+            <a:br>
+              <a:rPr lang="ja" sz="800"/>
+            </a:br>
+            <a:r>
+              <a:rPr lang="ja" sz="800"/>
+              <a:t>- トップランクの文書を見逃す（FP2）: 情報検索システムが最も関連性の高い文書を適切にランク付けできない場合、RAGシステムは最適な情報源を見逃す可能性があります。</a:t>
+            </a:r>
+            <a:br>
+              <a:rPr lang="ja" sz="800"/>
+            </a:br>
+            <a:r>
+              <a:rPr lang="ja" sz="800"/>
+              <a:t>これは、適切な情報に基づいた回答の生成を妨げる可能性があります。</a:t>
+            </a:r>
+            <a:br>
+              <a:rPr lang="ja" sz="800"/>
+            </a:br>
+            <a:r>
+              <a:rPr lang="ja" sz="800"/>
+              <a:t>コンテキスト外（FP3）: システムが文書をコンテキストから外れた形で解釈することがあります。</a:t>
+            </a:r>
+            <a:br>
+              <a:rPr lang="ja" sz="800"/>
+            </a:br>
+            <a:r>
+              <a:rPr lang="ja" sz="800"/>
+              <a:t>これにより、関連性が低いまたは誤解を招く情報に基づいて回答が生成される可能性があります。</a:t>
+            </a:r>
+            <a:br>
+              <a:rPr lang="ja" sz="800"/>
+            </a:br>
+            <a:r>
+              <a:rPr lang="ja" sz="800"/>
+              <a:t>- 正しく抽出されない（FP4）: RAGシステムが正確な情報を文書から抽出できない場合があります。</a:t>
+            </a:r>
+            <a:br>
+              <a:rPr lang="ja" sz="800"/>
+            </a:br>
+            <a:r>
+              <a:rPr lang="ja" sz="800"/>
+              <a:t>これは、文書の複雑さや表現の多様性が原因で発生する可能性があります。</a:t>
+            </a:r>
+            <a:br>
+              <a:rPr lang="ja" sz="800"/>
+            </a:br>
+            <a:r>
+              <a:rPr lang="ja" sz="800"/>
+              <a:t>間違ったフォーマット（FP5）: システムが文書のフォーマットを適切に解釈できず、回答の生成に影響を与えることがあります。</a:t>
+            </a:r>
+            <a:br>
+              <a:rPr lang="ja" sz="800"/>
+            </a:br>
+            <a:r>
+              <a:rPr lang="ja" sz="800"/>
+              <a:t>例えば、表やリストが正しく解釈されないことにより、重要な情報が失われる可能性があります。</a:t>
+            </a:r>
+            <a:br>
+              <a:rPr lang="ja" sz="800"/>
+            </a:br>
+            <a:r>
+              <a:rPr lang="ja" sz="800"/>
+              <a:t>- 不正確な特定性（FP6）: 回答が必要とする特定性のレベルに達していない場合があります。これは、文書からの情報の一般性やあいまいさが原因で発生する可能性があります。</a:t>
+            </a:r>
+            <a:br>
+              <a:rPr lang="ja" sz="800"/>
+            </a:br>
+            <a:r>
+              <a:rPr lang="ja" sz="800"/>
+              <a:t>- 不完全（FP7）: システムが提供する情報が不完全で、ユーザーの質問に完全に応えられない場合があります。これは、文書セットの限界や情報検索の不完全さによるものです。</a:t>
+            </a:r>
+            <a:endParaRPr sz="800"/>
+          </a:p>
+          <a:p>
+            <a:pPr indent="0" lvl="0" marL="0" rtl="0" algn="l">
+              <a:spcBef>
+                <a:spcPts val="1200"/>
+              </a:spcBef>
+              <a:spcAft>
+                <a:spcPts val="0"/>
+              </a:spcAft>
+              <a:buNone/>
+            </a:pPr>
+            <a:r>
+              <a:rPr lang="ja" sz="800"/>
+              <a:t>これらの失敗点は、RAGシステムの設計と運用において重要な考慮事項であり、これらを理解し対処することで、システムのパフォーマンスを向上させることができます。</a:t>
+            </a:r>
+            <a:endParaRPr sz="800"/>
+          </a:p>
+          <a:p>
+            <a:pPr indent="0" lvl="0" marL="0" rtl="0" algn="l">
+              <a:spcBef>
+                <a:spcPts val="1200"/>
+              </a:spcBef>
+              <a:spcAft>
+                <a:spcPts val="0"/>
+              </a:spcAft>
+              <a:buNone/>
+            </a:pPr>
+            <a:r>
+              <a:rPr lang="ja" sz="1122" u="sng"/>
+              <a:t>結果</a:t>
+            </a:r>
+            <a:br>
+              <a:rPr lang="ja" sz="1122"/>
+            </a:br>
+            <a:r>
+              <a:rPr lang="ja" sz="822"/>
+              <a:t>RAGシステムの構築と運用における主な教訓として、文書のチャンキングとエンベディング、RAG対ファインチューニング、RAGシステムのテストとモニタリングに関する考慮事項を提供しています。RAGシステムの構築における特定の課題や限界を認識しています。これには、文書のチャンキング戦略、エンベディングの選択、システムのスケーラビリティ、および実装の複雑さが含まれます。また、RAGシステムの堅牢性は設計時には完全には実現されず、運用中に進化することが強調されています。RAGシステムは、学術文献のレビュー、教育コンテンツへの質問応答、バイオメディカルデータの解析など、多様な応用が可能です。この技術は、情報検索とLLMを組み合わせることで、コンテキストに関連する正確で最新の情報を合成する能力を持っています。</a:t>
+            </a:r>
+            <a:endParaRPr sz="822"/>
+          </a:p>
+          <a:p>
+            <a:pPr indent="0" lvl="0" marL="0" rtl="0" algn="l">
+              <a:spcBef>
+                <a:spcPts val="1200"/>
+              </a:spcBef>
+              <a:spcAft>
+                <a:spcPts val="1200"/>
+              </a:spcAft>
+              <a:buNone/>
+            </a:pPr>
+            <a:r>
+              <a:rPr lang="ja" sz="822"/>
+              <a:t>RAGシステムのテストとモニタリングに関して、以下の点が論文で強調されています。</a:t>
+            </a:r>
+            <a:br>
+              <a:rPr lang="ja" sz="822"/>
+            </a:br>
+            <a:r>
+              <a:rPr lang="ja" sz="822"/>
+              <a:t>1. ソフトウェアエンジニアリングにおける最良の実践は、RAGシステムに関してはまだ発展途上です。ソフトウェアテストとテストケース生成は、改善が必要な領域の一つです。</a:t>
+            </a:r>
+            <a:br>
+              <a:rPr lang="ja" sz="822"/>
+            </a:br>
+            <a:r>
+              <a:rPr lang="ja" sz="822"/>
+              <a:t>2. RAGシステムは、アプリケーション固有の質問と回答を必要としますが、これらはしばしば、非構造化文書をインデックス化する際に利用できません。LLM（Large Language Model）を使用して複数の文書から質問を生成するという作業が検討されています。</a:t>
+            </a:r>
+            <a:br>
+              <a:rPr lang="ja" sz="822"/>
+            </a:br>
+            <a:r>
+              <a:rPr lang="ja" sz="822"/>
+              <a:t>3. RAGシステムのテストとモニタリングに関連する最適な戦略については、現在も研究が進行中です。これには、チャンキング、エンベディングの戦略、コンテキストの融合などが含まれます。</a:t>
+            </a:r>
+            <a:br>
+              <a:rPr lang="ja" sz="822"/>
+            </a:br>
+            <a:r>
+              <a:rPr lang="ja" sz="822"/>
+              <a:t>4. さらに、RAGシステムとファインチューニングのパラダイムを、精度、レイテンシー、運用コスト、堅牢性などの要因を含めて系統的に比較する必要があります。</a:t>
+            </a:r>
+            <a:endParaRPr sz="822"/>
           </a:p>
         </p:txBody>
       </p:sp>

--- a/2024_LLM論文要約.pptx
+++ b/2024_LLM論文要約.pptx
@@ -30,16 +30,24 @@
     <p:sldId id="275" r:id="rId25"/>
     <p:sldId id="276" r:id="rId26"/>
     <p:sldId id="277" r:id="rId27"/>
+    <p:sldId id="278" r:id="rId28"/>
+    <p:sldId id="279" r:id="rId29"/>
+    <p:sldId id="280" r:id="rId30"/>
+    <p:sldId id="281" r:id="rId31"/>
+    <p:sldId id="282" r:id="rId32"/>
+    <p:sldId id="283" r:id="rId33"/>
+    <p:sldId id="284" r:id="rId34"/>
+    <p:sldId id="285" r:id="rId35"/>
   </p:sldIdLst>
   <p:sldSz cy="5143500" cx="9144000"/>
   <p:notesSz cx="6858000" cy="9144000"/>
   <p:embeddedFontLst>
     <p:embeddedFont>
       <p:font typeface="Proxima Nova"/>
-      <p:regular r:id="rId28"/>
-      <p:bold r:id="rId29"/>
-      <p:italic r:id="rId30"/>
-      <p:boldItalic r:id="rId31"/>
+      <p:regular r:id="rId36"/>
+      <p:bold r:id="rId37"/>
+      <p:italic r:id="rId38"/>
+      <p:boldItalic r:id="rId39"/>
     </p:embeddedFont>
   </p:embeddedFontLst>
   <p:defaultTextStyle>
@@ -2215,6 +2223,706 @@
 </p:notes>
 </file>
 
+<file path=ppt/notesSlides/notesSlide23.xml><?xml version="1.0" encoding="utf-8"?>
+<p:notes xmlns:a="http://schemas.openxmlformats.org/drawingml/2006/main" xmlns:r="http://schemas.openxmlformats.org/officeDocument/2006/relationships" xmlns:mc="http://schemas.openxmlformats.org/markup-compatibility/2006" xmlns:mv="urn:schemas-microsoft-com:mac:vml" xmlns:p="http://schemas.openxmlformats.org/presentationml/2006/main" xmlns:c="http://schemas.openxmlformats.org/drawingml/2006/chart" xmlns:dgm="http://schemas.openxmlformats.org/drawingml/2006/diagram" xmlns:o="urn:schemas-microsoft-com:office:office" xmlns:v="urn:schemas-microsoft-com:vml" xmlns:pvml="urn:schemas-microsoft-com:office:powerpoint" xmlns:com="http://schemas.openxmlformats.org/drawingml/2006/compatibility" xmlns:p14="http://schemas.microsoft.com/office/powerpoint/2010/main" xmlns:p15="http://schemas.microsoft.com/office/powerpoint/2012/main" xmlns:ahyp="http://schemas.microsoft.com/office/drawing/2018/hyperlinkcolor" showMasterPhAnim="0" showMasterSp="0">
+  <p:cSld>
+    <p:spTree>
+      <p:nvGrpSpPr>
+        <p:cNvPr id="180" name="Shape 180"/>
+        <p:cNvGrpSpPr/>
+        <p:nvPr/>
+      </p:nvGrpSpPr>
+      <p:grpSpPr>
+        <a:xfrm>
+          <a:off x="0" y="0"/>
+          <a:ext cx="0" cy="0"/>
+          <a:chOff x="0" y="0"/>
+          <a:chExt cx="0" cy="0"/>
+        </a:xfrm>
+      </p:grpSpPr>
+      <p:sp>
+        <p:nvSpPr>
+          <p:cNvPr id="181" name="Google Shape;181;g2afb9d3b67e_0_0:notes"/>
+          <p:cNvSpPr/>
+          <p:nvPr>
+            <p:ph idx="2" type="sldImg"/>
+          </p:nvPr>
+        </p:nvSpPr>
+        <p:spPr>
+          <a:xfrm>
+            <a:off x="381300" y="685800"/>
+            <a:ext cx="6096000" cy="3429000"/>
+          </a:xfrm>
+          <a:custGeom>
+            <a:rect b="b" l="l" r="r" t="t"/>
+            <a:pathLst>
+              <a:path extrusionOk="0" h="120000" w="120000">
+                <a:moveTo>
+                  <a:pt x="0" y="0"/>
+                </a:moveTo>
+                <a:lnTo>
+                  <a:pt x="120000" y="0"/>
+                </a:lnTo>
+                <a:lnTo>
+                  <a:pt x="120000" y="120000"/>
+                </a:lnTo>
+                <a:lnTo>
+                  <a:pt x="0" y="120000"/>
+                </a:lnTo>
+                <a:close/>
+              </a:path>
+            </a:pathLst>
+          </a:custGeom>
+        </p:spPr>
+      </p:sp>
+      <p:sp>
+        <p:nvSpPr>
+          <p:cNvPr id="182" name="Google Shape;182;g2afb9d3b67e_0_0:notes"/>
+          <p:cNvSpPr txBox="1"/>
+          <p:nvPr>
+            <p:ph idx="1" type="body"/>
+          </p:nvPr>
+        </p:nvSpPr>
+        <p:spPr>
+          <a:xfrm>
+            <a:off x="685800" y="4343400"/>
+            <a:ext cx="5486400" cy="4114800"/>
+          </a:xfrm>
+          <a:prstGeom prst="rect">
+            <a:avLst/>
+          </a:prstGeom>
+        </p:spPr>
+        <p:txBody>
+          <a:bodyPr anchorCtr="0" anchor="t" bIns="91425" lIns="91425" spcFirstLastPara="1" rIns="91425" wrap="square" tIns="91425">
+            <a:noAutofit/>
+          </a:bodyPr>
+          <a:lstStyle/>
+          <a:p>
+            <a:pPr indent="0" lvl="0" marL="0" rtl="0" algn="l">
+              <a:spcBef>
+                <a:spcPts val="0"/>
+              </a:spcBef>
+              <a:spcAft>
+                <a:spcPts val="0"/>
+              </a:spcAft>
+              <a:buNone/>
+            </a:pPr>
+            <a:r>
+              <a:rPr lang="ja"/>
+              <a:t>[What is In-context Learning, and how does it work: The Beginner’s Guide](https://www.lakera.ai/insights/what-is-in-context-learning)</a:t>
+            </a:r>
+            <a:endParaRPr/>
+          </a:p>
+        </p:txBody>
+      </p:sp>
+    </p:spTree>
+  </p:cSld>
+  <p:clrMapOvr>
+    <a:masterClrMapping/>
+  </p:clrMapOvr>
+</p:notes>
+</file>
+
+<file path=ppt/notesSlides/notesSlide24.xml><?xml version="1.0" encoding="utf-8"?>
+<p:notes xmlns:a="http://schemas.openxmlformats.org/drawingml/2006/main" xmlns:r="http://schemas.openxmlformats.org/officeDocument/2006/relationships" xmlns:mc="http://schemas.openxmlformats.org/markup-compatibility/2006" xmlns:mv="urn:schemas-microsoft-com:mac:vml" xmlns:p="http://schemas.openxmlformats.org/presentationml/2006/main" xmlns:c="http://schemas.openxmlformats.org/drawingml/2006/chart" xmlns:dgm="http://schemas.openxmlformats.org/drawingml/2006/diagram" xmlns:o="urn:schemas-microsoft-com:office:office" xmlns:v="urn:schemas-microsoft-com:vml" xmlns:pvml="urn:schemas-microsoft-com:office:powerpoint" xmlns:com="http://schemas.openxmlformats.org/drawingml/2006/compatibility" xmlns:p14="http://schemas.microsoft.com/office/powerpoint/2010/main" xmlns:p15="http://schemas.microsoft.com/office/powerpoint/2012/main" xmlns:ahyp="http://schemas.microsoft.com/office/drawing/2018/hyperlinkcolor" showMasterPhAnim="0" showMasterSp="0">
+  <p:cSld>
+    <p:spTree>
+      <p:nvGrpSpPr>
+        <p:cNvPr id="187" name="Shape 187"/>
+        <p:cNvGrpSpPr/>
+        <p:nvPr/>
+      </p:nvGrpSpPr>
+      <p:grpSpPr>
+        <a:xfrm>
+          <a:off x="0" y="0"/>
+          <a:ext cx="0" cy="0"/>
+          <a:chOff x="0" y="0"/>
+          <a:chExt cx="0" cy="0"/>
+        </a:xfrm>
+      </p:grpSpPr>
+      <p:sp>
+        <p:nvSpPr>
+          <p:cNvPr id="188" name="Google Shape;188;g2afb9d3b67e_1_15:notes"/>
+          <p:cNvSpPr/>
+          <p:nvPr>
+            <p:ph idx="2" type="sldImg"/>
+          </p:nvPr>
+        </p:nvSpPr>
+        <p:spPr>
+          <a:xfrm>
+            <a:off x="381300" y="685800"/>
+            <a:ext cx="6096000" cy="3429000"/>
+          </a:xfrm>
+          <a:custGeom>
+            <a:rect b="b" l="l" r="r" t="t"/>
+            <a:pathLst>
+              <a:path extrusionOk="0" h="120000" w="120000">
+                <a:moveTo>
+                  <a:pt x="0" y="0"/>
+                </a:moveTo>
+                <a:lnTo>
+                  <a:pt x="120000" y="0"/>
+                </a:lnTo>
+                <a:lnTo>
+                  <a:pt x="120000" y="120000"/>
+                </a:lnTo>
+                <a:lnTo>
+                  <a:pt x="0" y="120000"/>
+                </a:lnTo>
+                <a:close/>
+              </a:path>
+            </a:pathLst>
+          </a:custGeom>
+        </p:spPr>
+      </p:sp>
+      <p:sp>
+        <p:nvSpPr>
+          <p:cNvPr id="189" name="Google Shape;189;g2afb9d3b67e_1_15:notes"/>
+          <p:cNvSpPr txBox="1"/>
+          <p:nvPr>
+            <p:ph idx="1" type="body"/>
+          </p:nvPr>
+        </p:nvSpPr>
+        <p:spPr>
+          <a:xfrm>
+            <a:off x="685800" y="4343400"/>
+            <a:ext cx="5486400" cy="4114800"/>
+          </a:xfrm>
+          <a:prstGeom prst="rect">
+            <a:avLst/>
+          </a:prstGeom>
+        </p:spPr>
+        <p:txBody>
+          <a:bodyPr anchorCtr="0" anchor="t" bIns="91425" lIns="91425" spcFirstLastPara="1" rIns="91425" wrap="square" tIns="91425">
+            <a:noAutofit/>
+          </a:bodyPr>
+          <a:lstStyle/>
+          <a:p>
+            <a:pPr indent="0" lvl="0" marL="0" rtl="0" algn="l">
+              <a:spcBef>
+                <a:spcPts val="0"/>
+              </a:spcBef>
+              <a:spcAft>
+                <a:spcPts val="0"/>
+              </a:spcAft>
+              <a:buNone/>
+            </a:pPr>
+            <a:r>
+              <a:rPr lang="ja"/>
+              <a:t>[What is In-context Learning, and how does it work: The Beginner’s Guide](https://www.lakera.ai/insights/what-is-in-context-learning)</a:t>
+            </a:r>
+            <a:endParaRPr/>
+          </a:p>
+        </p:txBody>
+      </p:sp>
+    </p:spTree>
+  </p:cSld>
+  <p:clrMapOvr>
+    <a:masterClrMapping/>
+  </p:clrMapOvr>
+</p:notes>
+</file>
+
+<file path=ppt/notesSlides/notesSlide25.xml><?xml version="1.0" encoding="utf-8"?>
+<p:notes xmlns:a="http://schemas.openxmlformats.org/drawingml/2006/main" xmlns:r="http://schemas.openxmlformats.org/officeDocument/2006/relationships" xmlns:mc="http://schemas.openxmlformats.org/markup-compatibility/2006" xmlns:mv="urn:schemas-microsoft-com:mac:vml" xmlns:p="http://schemas.openxmlformats.org/presentationml/2006/main" xmlns:c="http://schemas.openxmlformats.org/drawingml/2006/chart" xmlns:dgm="http://schemas.openxmlformats.org/drawingml/2006/diagram" xmlns:o="urn:schemas-microsoft-com:office:office" xmlns:v="urn:schemas-microsoft-com:vml" xmlns:pvml="urn:schemas-microsoft-com:office:powerpoint" xmlns:com="http://schemas.openxmlformats.org/drawingml/2006/compatibility" xmlns:p14="http://schemas.microsoft.com/office/powerpoint/2010/main" xmlns:p15="http://schemas.microsoft.com/office/powerpoint/2012/main" xmlns:ahyp="http://schemas.microsoft.com/office/drawing/2018/hyperlinkcolor" showMasterPhAnim="0" showMasterSp="0">
+  <p:cSld>
+    <p:spTree>
+      <p:nvGrpSpPr>
+        <p:cNvPr id="193" name="Shape 193"/>
+        <p:cNvGrpSpPr/>
+        <p:nvPr/>
+      </p:nvGrpSpPr>
+      <p:grpSpPr>
+        <a:xfrm>
+          <a:off x="0" y="0"/>
+          <a:ext cx="0" cy="0"/>
+          <a:chOff x="0" y="0"/>
+          <a:chExt cx="0" cy="0"/>
+        </a:xfrm>
+      </p:grpSpPr>
+      <p:sp>
+        <p:nvSpPr>
+          <p:cNvPr id="194" name="Google Shape;194;g2b0277bfcd3_0_0:notes"/>
+          <p:cNvSpPr/>
+          <p:nvPr>
+            <p:ph idx="2" type="sldImg"/>
+          </p:nvPr>
+        </p:nvSpPr>
+        <p:spPr>
+          <a:xfrm>
+            <a:off x="381300" y="685800"/>
+            <a:ext cx="6096000" cy="3429000"/>
+          </a:xfrm>
+          <a:custGeom>
+            <a:rect b="b" l="l" r="r" t="t"/>
+            <a:pathLst>
+              <a:path extrusionOk="0" h="120000" w="120000">
+                <a:moveTo>
+                  <a:pt x="0" y="0"/>
+                </a:moveTo>
+                <a:lnTo>
+                  <a:pt x="120000" y="0"/>
+                </a:lnTo>
+                <a:lnTo>
+                  <a:pt x="120000" y="120000"/>
+                </a:lnTo>
+                <a:lnTo>
+                  <a:pt x="0" y="120000"/>
+                </a:lnTo>
+                <a:close/>
+              </a:path>
+            </a:pathLst>
+          </a:custGeom>
+        </p:spPr>
+      </p:sp>
+      <p:sp>
+        <p:nvSpPr>
+          <p:cNvPr id="195" name="Google Shape;195;g2b0277bfcd3_0_0:notes"/>
+          <p:cNvSpPr txBox="1"/>
+          <p:nvPr>
+            <p:ph idx="1" type="body"/>
+          </p:nvPr>
+        </p:nvSpPr>
+        <p:spPr>
+          <a:xfrm>
+            <a:off x="685800" y="4343400"/>
+            <a:ext cx="5486400" cy="4114800"/>
+          </a:xfrm>
+          <a:prstGeom prst="rect">
+            <a:avLst/>
+          </a:prstGeom>
+        </p:spPr>
+        <p:txBody>
+          <a:bodyPr anchorCtr="0" anchor="t" bIns="91425" lIns="91425" spcFirstLastPara="1" rIns="91425" wrap="square" tIns="91425">
+            <a:noAutofit/>
+          </a:bodyPr>
+          <a:lstStyle/>
+          <a:p>
+            <a:pPr indent="0" lvl="0" marL="0" rtl="0" algn="l">
+              <a:spcBef>
+                <a:spcPts val="0"/>
+              </a:spcBef>
+              <a:spcAft>
+                <a:spcPts val="0"/>
+              </a:spcAft>
+              <a:buNone/>
+            </a:pPr>
+            <a:r>
+              <a:rPr lang="ja"/>
+              <a:t>[What is In-context Learning, and how does it work: The Beginner’s Guide](https://www.lakera.ai/insights/what-is-in-context-learning)</a:t>
+            </a:r>
+            <a:endParaRPr/>
+          </a:p>
+        </p:txBody>
+      </p:sp>
+    </p:spTree>
+  </p:cSld>
+  <p:clrMapOvr>
+    <a:masterClrMapping/>
+  </p:clrMapOvr>
+</p:notes>
+</file>
+
+<file path=ppt/notesSlides/notesSlide26.xml><?xml version="1.0" encoding="utf-8"?>
+<p:notes xmlns:a="http://schemas.openxmlformats.org/drawingml/2006/main" xmlns:r="http://schemas.openxmlformats.org/officeDocument/2006/relationships" xmlns:mc="http://schemas.openxmlformats.org/markup-compatibility/2006" xmlns:mv="urn:schemas-microsoft-com:mac:vml" xmlns:p="http://schemas.openxmlformats.org/presentationml/2006/main" xmlns:c="http://schemas.openxmlformats.org/drawingml/2006/chart" xmlns:dgm="http://schemas.openxmlformats.org/drawingml/2006/diagram" xmlns:o="urn:schemas-microsoft-com:office:office" xmlns:v="urn:schemas-microsoft-com:vml" xmlns:pvml="urn:schemas-microsoft-com:office:powerpoint" xmlns:com="http://schemas.openxmlformats.org/drawingml/2006/compatibility" xmlns:p14="http://schemas.microsoft.com/office/powerpoint/2010/main" xmlns:p15="http://schemas.microsoft.com/office/powerpoint/2012/main" xmlns:ahyp="http://schemas.microsoft.com/office/drawing/2018/hyperlinkcolor" showMasterPhAnim="0" showMasterSp="0">
+  <p:cSld>
+    <p:spTree>
+      <p:nvGrpSpPr>
+        <p:cNvPr id="198" name="Shape 198"/>
+        <p:cNvGrpSpPr/>
+        <p:nvPr/>
+      </p:nvGrpSpPr>
+      <p:grpSpPr>
+        <a:xfrm>
+          <a:off x="0" y="0"/>
+          <a:ext cx="0" cy="0"/>
+          <a:chOff x="0" y="0"/>
+          <a:chExt cx="0" cy="0"/>
+        </a:xfrm>
+      </p:grpSpPr>
+      <p:sp>
+        <p:nvSpPr>
+          <p:cNvPr id="199" name="Google Shape;199;g2b077c630af_0_0:notes"/>
+          <p:cNvSpPr/>
+          <p:nvPr>
+            <p:ph idx="2" type="sldImg"/>
+          </p:nvPr>
+        </p:nvSpPr>
+        <p:spPr>
+          <a:xfrm>
+            <a:off x="381300" y="685800"/>
+            <a:ext cx="6096000" cy="3429000"/>
+          </a:xfrm>
+          <a:custGeom>
+            <a:rect b="b" l="l" r="r" t="t"/>
+            <a:pathLst>
+              <a:path extrusionOk="0" h="120000" w="120000">
+                <a:moveTo>
+                  <a:pt x="0" y="0"/>
+                </a:moveTo>
+                <a:lnTo>
+                  <a:pt x="120000" y="0"/>
+                </a:lnTo>
+                <a:lnTo>
+                  <a:pt x="120000" y="120000"/>
+                </a:lnTo>
+                <a:lnTo>
+                  <a:pt x="0" y="120000"/>
+                </a:lnTo>
+                <a:close/>
+              </a:path>
+            </a:pathLst>
+          </a:custGeom>
+        </p:spPr>
+      </p:sp>
+      <p:sp>
+        <p:nvSpPr>
+          <p:cNvPr id="200" name="Google Shape;200;g2b077c630af_0_0:notes"/>
+          <p:cNvSpPr txBox="1"/>
+          <p:nvPr>
+            <p:ph idx="1" type="body"/>
+          </p:nvPr>
+        </p:nvSpPr>
+        <p:spPr>
+          <a:xfrm>
+            <a:off x="685800" y="4343400"/>
+            <a:ext cx="5486400" cy="4114800"/>
+          </a:xfrm>
+          <a:prstGeom prst="rect">
+            <a:avLst/>
+          </a:prstGeom>
+        </p:spPr>
+        <p:txBody>
+          <a:bodyPr anchorCtr="0" anchor="t" bIns="91425" lIns="91425" spcFirstLastPara="1" rIns="91425" wrap="square" tIns="91425">
+            <a:noAutofit/>
+          </a:bodyPr>
+          <a:lstStyle/>
+          <a:p>
+            <a:pPr indent="0" lvl="0" marL="0" rtl="0" algn="l">
+              <a:spcBef>
+                <a:spcPts val="0"/>
+              </a:spcBef>
+              <a:spcAft>
+                <a:spcPts val="0"/>
+              </a:spcAft>
+              <a:buNone/>
+            </a:pPr>
+            <a:r>
+              <a:rPr lang="ja"/>
+              <a:t>[What is In-context Learning, and how does it work: The Beginner’s Guide](https://www.lakera.ai/insights/what-is-in-context-learning)</a:t>
+            </a:r>
+            <a:endParaRPr/>
+          </a:p>
+        </p:txBody>
+      </p:sp>
+    </p:spTree>
+  </p:cSld>
+  <p:clrMapOvr>
+    <a:masterClrMapping/>
+  </p:clrMapOvr>
+</p:notes>
+</file>
+
+<file path=ppt/notesSlides/notesSlide27.xml><?xml version="1.0" encoding="utf-8"?>
+<p:notes xmlns:a="http://schemas.openxmlformats.org/drawingml/2006/main" xmlns:r="http://schemas.openxmlformats.org/officeDocument/2006/relationships" xmlns:mc="http://schemas.openxmlformats.org/markup-compatibility/2006" xmlns:mv="urn:schemas-microsoft-com:mac:vml" xmlns:p="http://schemas.openxmlformats.org/presentationml/2006/main" xmlns:c="http://schemas.openxmlformats.org/drawingml/2006/chart" xmlns:dgm="http://schemas.openxmlformats.org/drawingml/2006/diagram" xmlns:o="urn:schemas-microsoft-com:office:office" xmlns:v="urn:schemas-microsoft-com:vml" xmlns:pvml="urn:schemas-microsoft-com:office:powerpoint" xmlns:com="http://schemas.openxmlformats.org/drawingml/2006/compatibility" xmlns:p14="http://schemas.microsoft.com/office/powerpoint/2010/main" xmlns:p15="http://schemas.microsoft.com/office/powerpoint/2012/main" xmlns:ahyp="http://schemas.microsoft.com/office/drawing/2018/hyperlinkcolor" showMasterPhAnim="0" showMasterSp="0">
+  <p:cSld>
+    <p:spTree>
+      <p:nvGrpSpPr>
+        <p:cNvPr id="206" name="Shape 206"/>
+        <p:cNvGrpSpPr/>
+        <p:nvPr/>
+      </p:nvGrpSpPr>
+      <p:grpSpPr>
+        <a:xfrm>
+          <a:off x="0" y="0"/>
+          <a:ext cx="0" cy="0"/>
+          <a:chOff x="0" y="0"/>
+          <a:chExt cx="0" cy="0"/>
+        </a:xfrm>
+      </p:grpSpPr>
+      <p:sp>
+        <p:nvSpPr>
+          <p:cNvPr id="207" name="Google Shape;207;g2b077c630af_0_16:notes"/>
+          <p:cNvSpPr/>
+          <p:nvPr>
+            <p:ph idx="2" type="sldImg"/>
+          </p:nvPr>
+        </p:nvSpPr>
+        <p:spPr>
+          <a:xfrm>
+            <a:off x="381300" y="685800"/>
+            <a:ext cx="6096000" cy="3429000"/>
+          </a:xfrm>
+          <a:custGeom>
+            <a:rect b="b" l="l" r="r" t="t"/>
+            <a:pathLst>
+              <a:path extrusionOk="0" h="120000" w="120000">
+                <a:moveTo>
+                  <a:pt x="0" y="0"/>
+                </a:moveTo>
+                <a:lnTo>
+                  <a:pt x="120000" y="0"/>
+                </a:lnTo>
+                <a:lnTo>
+                  <a:pt x="120000" y="120000"/>
+                </a:lnTo>
+                <a:lnTo>
+                  <a:pt x="0" y="120000"/>
+                </a:lnTo>
+                <a:close/>
+              </a:path>
+            </a:pathLst>
+          </a:custGeom>
+        </p:spPr>
+      </p:sp>
+      <p:sp>
+        <p:nvSpPr>
+          <p:cNvPr id="208" name="Google Shape;208;g2b077c630af_0_16:notes"/>
+          <p:cNvSpPr txBox="1"/>
+          <p:nvPr>
+            <p:ph idx="1" type="body"/>
+          </p:nvPr>
+        </p:nvSpPr>
+        <p:spPr>
+          <a:xfrm>
+            <a:off x="685800" y="4343400"/>
+            <a:ext cx="5486400" cy="4114800"/>
+          </a:xfrm>
+          <a:prstGeom prst="rect">
+            <a:avLst/>
+          </a:prstGeom>
+        </p:spPr>
+        <p:txBody>
+          <a:bodyPr anchorCtr="0" anchor="t" bIns="91425" lIns="91425" spcFirstLastPara="1" rIns="91425" wrap="square" tIns="91425">
+            <a:noAutofit/>
+          </a:bodyPr>
+          <a:lstStyle/>
+          <a:p>
+            <a:pPr indent="0" lvl="0" marL="0" rtl="0" algn="l">
+              <a:spcBef>
+                <a:spcPts val="0"/>
+              </a:spcBef>
+              <a:spcAft>
+                <a:spcPts val="0"/>
+              </a:spcAft>
+              <a:buNone/>
+            </a:pPr>
+            <a:r>
+              <a:rPr lang="ja"/>
+              <a:t>[What is In-context Learning, and how does it work: The Beginner’s Guide](https://www.lakera.ai/insights/what-is-in-context-learning)</a:t>
+            </a:r>
+            <a:endParaRPr/>
+          </a:p>
+        </p:txBody>
+      </p:sp>
+    </p:spTree>
+  </p:cSld>
+  <p:clrMapOvr>
+    <a:masterClrMapping/>
+  </p:clrMapOvr>
+</p:notes>
+</file>
+
+<file path=ppt/notesSlides/notesSlide28.xml><?xml version="1.0" encoding="utf-8"?>
+<p:notes xmlns:a="http://schemas.openxmlformats.org/drawingml/2006/main" xmlns:r="http://schemas.openxmlformats.org/officeDocument/2006/relationships" xmlns:mc="http://schemas.openxmlformats.org/markup-compatibility/2006" xmlns:mv="urn:schemas-microsoft-com:mac:vml" xmlns:p="http://schemas.openxmlformats.org/presentationml/2006/main" xmlns:c="http://schemas.openxmlformats.org/drawingml/2006/chart" xmlns:dgm="http://schemas.openxmlformats.org/drawingml/2006/diagram" xmlns:o="urn:schemas-microsoft-com:office:office" xmlns:v="urn:schemas-microsoft-com:vml" xmlns:pvml="urn:schemas-microsoft-com:office:powerpoint" xmlns:com="http://schemas.openxmlformats.org/drawingml/2006/compatibility" xmlns:p14="http://schemas.microsoft.com/office/powerpoint/2010/main" xmlns:p15="http://schemas.microsoft.com/office/powerpoint/2012/main" xmlns:ahyp="http://schemas.microsoft.com/office/drawing/2018/hyperlinkcolor" showMasterPhAnim="0" showMasterSp="0">
+  <p:cSld>
+    <p:spTree>
+      <p:nvGrpSpPr>
+        <p:cNvPr id="212" name="Shape 212"/>
+        <p:cNvGrpSpPr/>
+        <p:nvPr/>
+      </p:nvGrpSpPr>
+      <p:grpSpPr>
+        <a:xfrm>
+          <a:off x="0" y="0"/>
+          <a:ext cx="0" cy="0"/>
+          <a:chOff x="0" y="0"/>
+          <a:chExt cx="0" cy="0"/>
+        </a:xfrm>
+      </p:grpSpPr>
+      <p:sp>
+        <p:nvSpPr>
+          <p:cNvPr id="213" name="Google Shape;213;g2b077c630af_0_32:notes"/>
+          <p:cNvSpPr/>
+          <p:nvPr>
+            <p:ph idx="2" type="sldImg"/>
+          </p:nvPr>
+        </p:nvSpPr>
+        <p:spPr>
+          <a:xfrm>
+            <a:off x="381300" y="685800"/>
+            <a:ext cx="6096000" cy="3429000"/>
+          </a:xfrm>
+          <a:custGeom>
+            <a:rect b="b" l="l" r="r" t="t"/>
+            <a:pathLst>
+              <a:path extrusionOk="0" h="120000" w="120000">
+                <a:moveTo>
+                  <a:pt x="0" y="0"/>
+                </a:moveTo>
+                <a:lnTo>
+                  <a:pt x="120000" y="0"/>
+                </a:lnTo>
+                <a:lnTo>
+                  <a:pt x="120000" y="120000"/>
+                </a:lnTo>
+                <a:lnTo>
+                  <a:pt x="0" y="120000"/>
+                </a:lnTo>
+                <a:close/>
+              </a:path>
+            </a:pathLst>
+          </a:custGeom>
+        </p:spPr>
+      </p:sp>
+      <p:sp>
+        <p:nvSpPr>
+          <p:cNvPr id="214" name="Google Shape;214;g2b077c630af_0_32:notes"/>
+          <p:cNvSpPr txBox="1"/>
+          <p:nvPr>
+            <p:ph idx="1" type="body"/>
+          </p:nvPr>
+        </p:nvSpPr>
+        <p:spPr>
+          <a:xfrm>
+            <a:off x="685800" y="4343400"/>
+            <a:ext cx="5486400" cy="4114800"/>
+          </a:xfrm>
+          <a:prstGeom prst="rect">
+            <a:avLst/>
+          </a:prstGeom>
+        </p:spPr>
+        <p:txBody>
+          <a:bodyPr anchorCtr="0" anchor="t" bIns="91425" lIns="91425" spcFirstLastPara="1" rIns="91425" wrap="square" tIns="91425">
+            <a:noAutofit/>
+          </a:bodyPr>
+          <a:lstStyle/>
+          <a:p>
+            <a:pPr indent="0" lvl="0" marL="0" rtl="0" algn="l">
+              <a:spcBef>
+                <a:spcPts val="0"/>
+              </a:spcBef>
+              <a:spcAft>
+                <a:spcPts val="0"/>
+              </a:spcAft>
+              <a:buNone/>
+            </a:pPr>
+            <a:r>
+              <a:rPr lang="ja"/>
+              <a:t>[What is In-context Learning, and how does it work: The Beginner’s Guide](https://www.lakera.ai/insights/what-is-in-context-learning)</a:t>
+            </a:r>
+            <a:endParaRPr/>
+          </a:p>
+        </p:txBody>
+      </p:sp>
+    </p:spTree>
+  </p:cSld>
+  <p:clrMapOvr>
+    <a:masterClrMapping/>
+  </p:clrMapOvr>
+</p:notes>
+</file>
+
+<file path=ppt/notesSlides/notesSlide29.xml><?xml version="1.0" encoding="utf-8"?>
+<p:notes xmlns:a="http://schemas.openxmlformats.org/drawingml/2006/main" xmlns:r="http://schemas.openxmlformats.org/officeDocument/2006/relationships" xmlns:mc="http://schemas.openxmlformats.org/markup-compatibility/2006" xmlns:mv="urn:schemas-microsoft-com:mac:vml" xmlns:p="http://schemas.openxmlformats.org/presentationml/2006/main" xmlns:c="http://schemas.openxmlformats.org/drawingml/2006/chart" xmlns:dgm="http://schemas.openxmlformats.org/drawingml/2006/diagram" xmlns:o="urn:schemas-microsoft-com:office:office" xmlns:v="urn:schemas-microsoft-com:vml" xmlns:pvml="urn:schemas-microsoft-com:office:powerpoint" xmlns:com="http://schemas.openxmlformats.org/drawingml/2006/compatibility" xmlns:p14="http://schemas.microsoft.com/office/powerpoint/2010/main" xmlns:p15="http://schemas.microsoft.com/office/powerpoint/2012/main" xmlns:ahyp="http://schemas.microsoft.com/office/drawing/2018/hyperlinkcolor" showMasterPhAnim="0" showMasterSp="0">
+  <p:cSld>
+    <p:spTree>
+      <p:nvGrpSpPr>
+        <p:cNvPr id="217" name="Shape 217"/>
+        <p:cNvGrpSpPr/>
+        <p:nvPr/>
+      </p:nvGrpSpPr>
+      <p:grpSpPr>
+        <a:xfrm>
+          <a:off x="0" y="0"/>
+          <a:ext cx="0" cy="0"/>
+          <a:chOff x="0" y="0"/>
+          <a:chExt cx="0" cy="0"/>
+        </a:xfrm>
+      </p:grpSpPr>
+      <p:sp>
+        <p:nvSpPr>
+          <p:cNvPr id="218" name="Google Shape;218;g2b0ec4e99cc_0_0:notes"/>
+          <p:cNvSpPr/>
+          <p:nvPr>
+            <p:ph idx="2" type="sldImg"/>
+          </p:nvPr>
+        </p:nvSpPr>
+        <p:spPr>
+          <a:xfrm>
+            <a:off x="381300" y="685800"/>
+            <a:ext cx="6096000" cy="3429000"/>
+          </a:xfrm>
+          <a:custGeom>
+            <a:rect b="b" l="l" r="r" t="t"/>
+            <a:pathLst>
+              <a:path extrusionOk="0" h="120000" w="120000">
+                <a:moveTo>
+                  <a:pt x="0" y="0"/>
+                </a:moveTo>
+                <a:lnTo>
+                  <a:pt x="120000" y="0"/>
+                </a:lnTo>
+                <a:lnTo>
+                  <a:pt x="120000" y="120000"/>
+                </a:lnTo>
+                <a:lnTo>
+                  <a:pt x="0" y="120000"/>
+                </a:lnTo>
+                <a:close/>
+              </a:path>
+            </a:pathLst>
+          </a:custGeom>
+        </p:spPr>
+      </p:sp>
+      <p:sp>
+        <p:nvSpPr>
+          <p:cNvPr id="219" name="Google Shape;219;g2b0ec4e99cc_0_0:notes"/>
+          <p:cNvSpPr txBox="1"/>
+          <p:nvPr>
+            <p:ph idx="1" type="body"/>
+          </p:nvPr>
+        </p:nvSpPr>
+        <p:spPr>
+          <a:xfrm>
+            <a:off x="685800" y="4343400"/>
+            <a:ext cx="5486400" cy="4114800"/>
+          </a:xfrm>
+          <a:prstGeom prst="rect">
+            <a:avLst/>
+          </a:prstGeom>
+        </p:spPr>
+        <p:txBody>
+          <a:bodyPr anchorCtr="0" anchor="t" bIns="91425" lIns="91425" spcFirstLastPara="1" rIns="91425" wrap="square" tIns="91425">
+            <a:noAutofit/>
+          </a:bodyPr>
+          <a:lstStyle/>
+          <a:p>
+            <a:pPr indent="0" lvl="0" marL="0" rtl="0" algn="l">
+              <a:spcBef>
+                <a:spcPts val="0"/>
+              </a:spcBef>
+              <a:spcAft>
+                <a:spcPts val="0"/>
+              </a:spcAft>
+              <a:buNone/>
+            </a:pPr>
+            <a:r>
+              <a:rPr lang="ja"/>
+              <a:t>[What is In-context Learning, and how does it work: The Beginner’s Guide](https://www.lakera.ai/insights/what-is-in-context-learning)</a:t>
+            </a:r>
+            <a:endParaRPr/>
+          </a:p>
+        </p:txBody>
+      </p:sp>
+    </p:spTree>
+  </p:cSld>
+  <p:clrMapOvr>
+    <a:masterClrMapping/>
+  </p:clrMapOvr>
+</p:notes>
+</file>
+
 <file path=ppt/notesSlides/notesSlide3.xml><?xml version="1.0" encoding="utf-8"?>
 <p:notes xmlns:a="http://schemas.openxmlformats.org/drawingml/2006/main" xmlns:r="http://schemas.openxmlformats.org/officeDocument/2006/relationships" xmlns:mc="http://schemas.openxmlformats.org/markup-compatibility/2006" xmlns:mv="urn:schemas-microsoft-com:mac:vml" xmlns:p="http://schemas.openxmlformats.org/presentationml/2006/main" xmlns:c="http://schemas.openxmlformats.org/drawingml/2006/chart" xmlns:dgm="http://schemas.openxmlformats.org/drawingml/2006/diagram" xmlns:o="urn:schemas-microsoft-com:office:office" xmlns:v="urn:schemas-microsoft-com:vml" xmlns:pvml="urn:schemas-microsoft-com:office:powerpoint" xmlns:com="http://schemas.openxmlformats.org/drawingml/2006/compatibility" xmlns:p14="http://schemas.microsoft.com/office/powerpoint/2010/main" xmlns:p15="http://schemas.microsoft.com/office/powerpoint/2012/main" xmlns:ahyp="http://schemas.microsoft.com/office/drawing/2018/hyperlinkcolor" showMasterPhAnim="0" showMasterSp="0">
   <p:cSld>
@@ -2270,6 +2978,106 @@
       <p:sp>
         <p:nvSpPr>
           <p:cNvPr id="69" name="Google Shape;69;g2ab5dca9170_0_13:notes"/>
+          <p:cNvSpPr txBox="1"/>
+          <p:nvPr>
+            <p:ph idx="1" type="body"/>
+          </p:nvPr>
+        </p:nvSpPr>
+        <p:spPr>
+          <a:xfrm>
+            <a:off x="685800" y="4343400"/>
+            <a:ext cx="5486400" cy="4114800"/>
+          </a:xfrm>
+          <a:prstGeom prst="rect">
+            <a:avLst/>
+          </a:prstGeom>
+        </p:spPr>
+        <p:txBody>
+          <a:bodyPr anchorCtr="0" anchor="t" bIns="91425" lIns="91425" spcFirstLastPara="1" rIns="91425" wrap="square" tIns="91425">
+            <a:noAutofit/>
+          </a:bodyPr>
+          <a:lstStyle/>
+          <a:p>
+            <a:pPr indent="0" lvl="0" marL="0" rtl="0" algn="l">
+              <a:spcBef>
+                <a:spcPts val="0"/>
+              </a:spcBef>
+              <a:spcAft>
+                <a:spcPts val="0"/>
+              </a:spcAft>
+              <a:buNone/>
+            </a:pPr>
+            <a:r>
+              <a:rPr lang="ja"/>
+              <a:t>[What is In-context Learning, and how does it work: The Beginner’s Guide](https://www.lakera.ai/insights/what-is-in-context-learning)</a:t>
+            </a:r>
+            <a:endParaRPr/>
+          </a:p>
+        </p:txBody>
+      </p:sp>
+    </p:spTree>
+  </p:cSld>
+  <p:clrMapOvr>
+    <a:masterClrMapping/>
+  </p:clrMapOvr>
+</p:notes>
+</file>
+
+<file path=ppt/notesSlides/notesSlide30.xml><?xml version="1.0" encoding="utf-8"?>
+<p:notes xmlns:a="http://schemas.openxmlformats.org/drawingml/2006/main" xmlns:r="http://schemas.openxmlformats.org/officeDocument/2006/relationships" xmlns:mc="http://schemas.openxmlformats.org/markup-compatibility/2006" xmlns:mv="urn:schemas-microsoft-com:mac:vml" xmlns:p="http://schemas.openxmlformats.org/presentationml/2006/main" xmlns:c="http://schemas.openxmlformats.org/drawingml/2006/chart" xmlns:dgm="http://schemas.openxmlformats.org/drawingml/2006/diagram" xmlns:o="urn:schemas-microsoft-com:office:office" xmlns:v="urn:schemas-microsoft-com:vml" xmlns:pvml="urn:schemas-microsoft-com:office:powerpoint" xmlns:com="http://schemas.openxmlformats.org/drawingml/2006/compatibility" xmlns:p14="http://schemas.microsoft.com/office/powerpoint/2010/main" xmlns:p15="http://schemas.microsoft.com/office/powerpoint/2012/main" xmlns:ahyp="http://schemas.microsoft.com/office/drawing/2018/hyperlinkcolor" showMasterPhAnim="0" showMasterSp="0">
+  <p:cSld>
+    <p:spTree>
+      <p:nvGrpSpPr>
+        <p:cNvPr id="224" name="Shape 224"/>
+        <p:cNvGrpSpPr/>
+        <p:nvPr/>
+      </p:nvGrpSpPr>
+      <p:grpSpPr>
+        <a:xfrm>
+          <a:off x="0" y="0"/>
+          <a:ext cx="0" cy="0"/>
+          <a:chOff x="0" y="0"/>
+          <a:chExt cx="0" cy="0"/>
+        </a:xfrm>
+      </p:grpSpPr>
+      <p:sp>
+        <p:nvSpPr>
+          <p:cNvPr id="225" name="Google Shape;225;g2b0ec4e99cc_0_15:notes"/>
+          <p:cNvSpPr/>
+          <p:nvPr>
+            <p:ph idx="2" type="sldImg"/>
+          </p:nvPr>
+        </p:nvSpPr>
+        <p:spPr>
+          <a:xfrm>
+            <a:off x="381300" y="685800"/>
+            <a:ext cx="6096000" cy="3429000"/>
+          </a:xfrm>
+          <a:custGeom>
+            <a:rect b="b" l="l" r="r" t="t"/>
+            <a:pathLst>
+              <a:path extrusionOk="0" h="120000" w="120000">
+                <a:moveTo>
+                  <a:pt x="0" y="0"/>
+                </a:moveTo>
+                <a:lnTo>
+                  <a:pt x="120000" y="0"/>
+                </a:lnTo>
+                <a:lnTo>
+                  <a:pt x="120000" y="120000"/>
+                </a:lnTo>
+                <a:lnTo>
+                  <a:pt x="0" y="120000"/>
+                </a:lnTo>
+                <a:close/>
+              </a:path>
+            </a:pathLst>
+          </a:custGeom>
+        </p:spPr>
+      </p:sp>
+      <p:sp>
+        <p:nvSpPr>
+          <p:cNvPr id="226" name="Google Shape;226;g2b0ec4e99cc_0_15:notes"/>
           <p:cNvSpPr txBox="1"/>
           <p:nvPr>
             <p:ph idx="1" type="body"/>
@@ -13000,6 +13808,2649 @@
 </p:sld>
 </file>
 
+<file path=ppt/slides/slide23.xml><?xml version="1.0" encoding="utf-8"?>
+<p:sld xmlns:a="http://schemas.openxmlformats.org/drawingml/2006/main" xmlns:r="http://schemas.openxmlformats.org/officeDocument/2006/relationships" xmlns:mc="http://schemas.openxmlformats.org/markup-compatibility/2006" xmlns:mv="urn:schemas-microsoft-com:mac:vml" xmlns:p="http://schemas.openxmlformats.org/presentationml/2006/main" xmlns:c="http://schemas.openxmlformats.org/drawingml/2006/chart" xmlns:dgm="http://schemas.openxmlformats.org/drawingml/2006/diagram" xmlns:o="urn:schemas-microsoft-com:office:office" xmlns:v="urn:schemas-microsoft-com:vml" xmlns:pvml="urn:schemas-microsoft-com:office:powerpoint" xmlns:com="http://schemas.openxmlformats.org/drawingml/2006/compatibility" xmlns:p14="http://schemas.microsoft.com/office/powerpoint/2010/main" xmlns:p15="http://schemas.microsoft.com/office/powerpoint/2012/main" xmlns:ahyp="http://schemas.microsoft.com/office/drawing/2018/hyperlinkcolor">
+  <p:cSld>
+    <p:spTree>
+      <p:nvGrpSpPr>
+        <p:cNvPr id="183" name="Shape 183"/>
+        <p:cNvGrpSpPr/>
+        <p:nvPr/>
+      </p:nvGrpSpPr>
+      <p:grpSpPr>
+        <a:xfrm>
+          <a:off x="0" y="0"/>
+          <a:ext cx="0" cy="0"/>
+          <a:chOff x="0" y="0"/>
+          <a:chExt cx="0" cy="0"/>
+        </a:xfrm>
+      </p:grpSpPr>
+      <p:sp>
+        <p:nvSpPr>
+          <p:cNvPr id="184" name="Google Shape;184;p35"/>
+          <p:cNvSpPr txBox="1"/>
+          <p:nvPr>
+            <p:ph idx="1" type="body"/>
+          </p:nvPr>
+        </p:nvSpPr>
+        <p:spPr>
+          <a:xfrm>
+            <a:off x="0" y="0"/>
+            <a:ext cx="9144000" cy="5049600"/>
+          </a:xfrm>
+          <a:prstGeom prst="rect">
+            <a:avLst/>
+          </a:prstGeom>
+        </p:spPr>
+        <p:txBody>
+          <a:bodyPr anchorCtr="0" anchor="t" bIns="91425" lIns="91425" spcFirstLastPara="1" rIns="91425" wrap="square" tIns="91425">
+            <a:normAutofit fontScale="85000" lnSpcReduction="20000"/>
+          </a:bodyPr>
+          <a:lstStyle/>
+          <a:p>
+            <a:pPr indent="0" lvl="0" marL="0" rtl="0" algn="l">
+              <a:spcBef>
+                <a:spcPts val="0"/>
+              </a:spcBef>
+              <a:spcAft>
+                <a:spcPts val="0"/>
+              </a:spcAft>
+              <a:buNone/>
+            </a:pPr>
+            <a:r>
+              <a:rPr lang="ja" sz="1200" u="sng"/>
+              <a:t>DevEval: Evaluating Code Generation in Practical Software Projects</a:t>
+            </a:r>
+            <a:r>
+              <a:rPr lang="ja" sz="1200" u="sng"/>
+              <a:t> 2024</a:t>
+            </a:r>
+            <a:r>
+              <a:rPr lang="ja" sz="1269" u="sng"/>
+              <a:t>  </a:t>
+            </a:r>
+            <a:br>
+              <a:rPr lang="ja" sz="1100"/>
+            </a:br>
+            <a:r>
+              <a:rPr lang="ja" sz="1100" u="sng"/>
+              <a:t>概要</a:t>
+            </a:r>
+            <a:br>
+              <a:rPr lang="ja" sz="722"/>
+            </a:br>
+            <a:r>
+              <a:rPr lang="ja" sz="722"/>
+              <a:t>- 実コード生成能力を評価するための新しいベンチマーク「DevEval」を提案</a:t>
+            </a:r>
+            <a:br>
+              <a:rPr lang="ja" sz="722"/>
+            </a:br>
+            <a:r>
+              <a:rPr lang="ja" sz="722"/>
+              <a:t>- DevEvalは2,690サンプルを含む119の実践的プロジェクトから収集され、10の分野をカバー</a:t>
+            </a:r>
+            <a:br>
+              <a:rPr lang="ja" sz="722"/>
+            </a:br>
+            <a:r>
+              <a:rPr lang="ja" sz="722"/>
+              <a:t>- 人気のあるLLM（例：gpt-4、gpt-3.5-turbo、CodeLLaMa、StarCoder）をDevEvalで評価し、実際のコード生成能力を明らかにした</a:t>
+            </a:r>
+            <a:br>
+              <a:rPr lang="ja" sz="722"/>
+            </a:br>
+            <a:r>
+              <a:rPr lang="ja" sz="722"/>
+              <a:t>https://github.com/seketeam/DevEval</a:t>
+            </a:r>
+            <a:endParaRPr sz="722"/>
+          </a:p>
+          <a:p>
+            <a:pPr indent="0" lvl="0" marL="0" rtl="0" algn="l">
+              <a:spcBef>
+                <a:spcPts val="1200"/>
+              </a:spcBef>
+              <a:spcAft>
+                <a:spcPts val="0"/>
+              </a:spcAft>
+              <a:buNone/>
+            </a:pPr>
+            <a:r>
+              <a:rPr lang="ja" sz="1100" u="sng"/>
+              <a:t>使用プロンプト</a:t>
+            </a:r>
+            <a:br>
+              <a:rPr lang="ja" sz="1100"/>
+            </a:br>
+            <a:r>
+              <a:rPr lang="ja" sz="800"/>
+              <a:t>You are a Python expert. Please complete the input</a:t>
+            </a:r>
+            <a:br>
+              <a:rPr lang="ja" sz="800"/>
+            </a:br>
+            <a:r>
+              <a:rPr lang="ja" sz="800"/>
+              <a:t>Python code based on the given contexts. You should</a:t>
+            </a:r>
+            <a:br>
+              <a:rPr lang="ja" sz="800"/>
+            </a:br>
+            <a:r>
+              <a:rPr lang="ja" sz="800"/>
+              <a:t>write code based on these contexts whenever possible.</a:t>
+            </a:r>
+            <a:br>
+              <a:rPr lang="ja" sz="800"/>
+            </a:br>
+            <a:r>
+              <a:rPr lang="ja" sz="800"/>
+              <a:t>Contexts:</a:t>
+            </a:r>
+            <a:br>
+              <a:rPr lang="ja" sz="800"/>
+            </a:br>
+            <a:r>
+              <a:rPr lang="ja" sz="800"/>
+              <a:t>{context}</a:t>
+            </a:r>
+            <a:br>
+              <a:rPr lang="ja" sz="800"/>
+            </a:br>
+            <a:r>
+              <a:rPr lang="ja" sz="800"/>
+              <a:t>Input Code:</a:t>
+            </a:r>
+            <a:br>
+              <a:rPr lang="ja" sz="800"/>
+            </a:br>
+            <a:r>
+              <a:rPr lang="ja" sz="800"/>
+              <a:t>{signature}</a:t>
+            </a:r>
+            <a:br>
+              <a:rPr lang="ja" sz="800"/>
+            </a:br>
+            <a:r>
+              <a:rPr lang="ja" sz="800"/>
+              <a:t>""" {requirement} """</a:t>
+            </a:r>
+            <a:br>
+              <a:rPr lang="ja" sz="800"/>
+            </a:br>
+            <a:r>
+              <a:rPr lang="ja" sz="800"/>
+              <a:t>Response:</a:t>
+            </a:r>
+            <a:endParaRPr sz="800"/>
+          </a:p>
+          <a:p>
+            <a:pPr indent="0" lvl="0" marL="0" rtl="0" algn="l">
+              <a:spcBef>
+                <a:spcPts val="1200"/>
+              </a:spcBef>
+              <a:spcAft>
+                <a:spcPts val="0"/>
+              </a:spcAft>
+              <a:buNone/>
+            </a:pPr>
+            <a:r>
+              <a:rPr lang="ja" sz="1100" u="sng"/>
+              <a:t>手法</a:t>
+            </a:r>
+            <a:br>
+              <a:rPr lang="ja" sz="800"/>
+            </a:br>
+            <a:r>
+              <a:rPr lang="ja" sz="800"/>
+              <a:t>D</a:t>
+            </a:r>
+            <a:r>
+              <a:rPr lang="ja" sz="800"/>
+              <a:t>evEvalは、Large Language Models（LLMs）のコード生成能力を評価するための新しいベンチマークです。以下は、DevEvalに関する主な特徴です：</a:t>
+            </a:r>
+            <a:br>
+              <a:rPr lang="ja" sz="800"/>
+            </a:br>
+            <a:r>
+              <a:rPr lang="ja" sz="800"/>
+              <a:t>サンプルとプロジェクト: DevEvalは、119の実際のオープンソースプロジェクトから導出された2,690のサンプルを含んでいます。これらのサンプルは10の異なるドメインをカバーしています。</a:t>
+            </a:r>
+            <a:br>
+              <a:rPr lang="ja" sz="800"/>
+            </a:br>
+            <a:r>
+              <a:rPr lang="ja" sz="800"/>
+              <a:t>ベンチマークの構成: 各サンプルは以下の6つのコンポーネントで構成されています：</a:t>
+            </a:r>
+            <a:br>
+              <a:rPr lang="ja" sz="800"/>
+            </a:br>
+            <a:r>
+              <a:rPr lang="ja" sz="800"/>
+              <a:t>関数シグネチャ: 生成するコードのシグネチャ。</a:t>
+            </a:r>
+            <a:br>
+              <a:rPr lang="ja" sz="800"/>
+            </a:br>
+            <a:r>
+              <a:rPr lang="ja" sz="800"/>
+              <a:t>要求: 生成されるコードの機能を詳述する英語の説明。</a:t>
+            </a:r>
+            <a:br>
+              <a:rPr lang="ja" sz="800"/>
+            </a:br>
+            <a:r>
+              <a:rPr lang="ja" sz="800"/>
+              <a:t>プロジェクトコンテキスト: 現在のプロジェクト内の既存のプログラム（例：数百のPythonファイル）。</a:t>
+            </a:r>
+            <a:br>
+              <a:rPr lang="ja" sz="800"/>
+            </a:br>
+            <a:r>
+              <a:rPr lang="ja" sz="800"/>
+              <a:t>参照コード: 生成されるコードの、人間による実装例。</a:t>
+            </a:r>
+            <a:br>
+              <a:rPr lang="ja" sz="800"/>
+            </a:br>
+            <a:r>
+              <a:rPr lang="ja" sz="800"/>
+              <a:t>参照依存性: 参照コードで呼び出される依存関係。</a:t>
+            </a:r>
+            <a:br>
+              <a:rPr lang="ja" sz="800"/>
+            </a:br>
+            <a:r>
+              <a:rPr lang="ja" sz="800"/>
+              <a:t>テストケース: 生成されたコードの機能的正確さを確認するためのテストケース。</a:t>
+            </a:r>
+            <a:br>
+              <a:rPr lang="ja" sz="800"/>
+            </a:br>
+            <a:r>
+              <a:rPr lang="ja" sz="800"/>
+              <a:t>評価指標: DevEvalは、「Pass@k」と「Recall@k」という2つの主要な評価指標を使用しています。これらの指標は、生成されたコードの機能的正確さと、コンテキスト内で定義された依存関係をどの程度適切に呼び出すかを評価するために設計されています。</a:t>
+            </a:r>
+            <a:br>
+              <a:rPr lang="ja" sz="800"/>
+            </a:br>
+            <a:r>
+              <a:rPr lang="ja" sz="800"/>
+              <a:t>実際のプロジェクトとの整合性: DevEvalは、実際のプロジェクトでの開発者の経験に合わせて設計されており、以前のベンチマークと比較して、実際のプログラム分布、十分な依存関係、そして十分な規模のプロジェクトコンテキストを含んでいます。</a:t>
+            </a:r>
+            <a:br>
+              <a:rPr lang="ja" sz="800"/>
+            </a:br>
+            <a:r>
+              <a:rPr lang="ja" sz="800"/>
+              <a:t>DevEvalの目的は、LLMsの実際のプロジェクトでのコード生成能力をより正確に評価し、実際のソフトウェア開発プロジェクトと一致するベンチマークを提供することです。これにより、コード生成技術の発展に寄与することを目指しています​​。</a:t>
+            </a:r>
+            <a:endParaRPr sz="800"/>
+          </a:p>
+          <a:p>
+            <a:pPr indent="0" lvl="0" marL="0" rtl="0" algn="l">
+              <a:spcBef>
+                <a:spcPts val="1200"/>
+              </a:spcBef>
+              <a:spcAft>
+                <a:spcPts val="0"/>
+              </a:spcAft>
+              <a:buNone/>
+            </a:pPr>
+            <a:r>
+              <a:rPr lang="ja" sz="1122" u="sng"/>
+              <a:t>Large Language Models（LLMs）のDevEvalベンチマークにおけるパフォーマンス評価</a:t>
+            </a:r>
+            <a:r>
+              <a:rPr lang="ja" sz="1122" u="sng"/>
+              <a:t>結果</a:t>
+            </a:r>
+            <a:br>
+              <a:rPr lang="ja" sz="1122"/>
+            </a:br>
+            <a:r>
+              <a:rPr lang="ja" sz="822"/>
+              <a:t>RAGシステムの構築と運用における主な教訓として、文書のチャンキングとエンベディング、RAG対ファインチューニング、RAGシステムのテストとモニタリングに関する考慮事項を提供しています。RAGシステムの構築における特定の課題や限界を認識しています。これには、文書のチャンキング戦略、エンベディングの選択、システムのスケーラビリティ、および実装の複雑さが含まれます。また、RAGシステムの堅牢性は設計時には完全には実現されず、運用中に進化することが強調されています。RAGシステムは、学術文献のレビュー、教育コンテンツへの質問応答、バイオメディカルデータの解析など、多様な応用が可能です。この技術は、情報検索とLLMを組み合わせることで、コンテキストに関連する正確で最新の情報を合成する能力を持っています。</a:t>
+            </a:r>
+            <a:endParaRPr sz="822"/>
+          </a:p>
+          <a:p>
+            <a:pPr indent="0" lvl="0" marL="0" rtl="0" algn="l">
+              <a:spcBef>
+                <a:spcPts val="1200"/>
+              </a:spcBef>
+              <a:spcAft>
+                <a:spcPts val="1200"/>
+              </a:spcAft>
+              <a:buNone/>
+            </a:pPr>
+            <a:r>
+              <a:rPr lang="ja" sz="822"/>
+              <a:t>ベースライン設定（プロジェクトコンテキストなし）の結果: LLMsは、プロジェクトコンテキストを含まないベースライン設定において、比較的低いPass@kおよびRecall@kのスコアを記録しました。たとえば、gpt-4はHumanEvalでのPass@1スコアが67でしたが、DevEvalのこの設定では21.6にとどまりました。これらの結果は、既存のベンチマークが実際のプロジェクトでのLLMsの能力を包括的に評価できていないことを示しており、プロジェクトコンテキストが実際のプロジェクトにおいて重要な役割を果たしていることを強調しています。</a:t>
+            </a:r>
+            <a:endParaRPr sz="822"/>
+          </a:p>
+        </p:txBody>
+      </p:sp>
+      <p:sp>
+        <p:nvSpPr>
+          <p:cNvPr id="185" name="Google Shape;185;p35"/>
+          <p:cNvSpPr txBox="1"/>
+          <p:nvPr/>
+        </p:nvSpPr>
+        <p:spPr>
+          <a:xfrm>
+            <a:off x="2564700" y="906500"/>
+            <a:ext cx="2928000" cy="1126800"/>
+          </a:xfrm>
+          <a:prstGeom prst="rect">
+            <a:avLst/>
+          </a:prstGeom>
+          <a:noFill/>
+          <a:ln>
+            <a:noFill/>
+          </a:ln>
+        </p:spPr>
+        <p:txBody>
+          <a:bodyPr anchorCtr="0" anchor="t" bIns="91425" lIns="91425" spcFirstLastPara="1" rIns="91425" wrap="square" tIns="91425">
+            <a:spAutoFit/>
+          </a:bodyPr>
+          <a:lstStyle/>
+          <a:p>
+            <a:pPr indent="0" lvl="0" marL="0" rtl="0" algn="l">
+              <a:lnSpc>
+                <a:spcPct val="115000"/>
+              </a:lnSpc>
+              <a:spcBef>
+                <a:spcPts val="0"/>
+              </a:spcBef>
+              <a:spcAft>
+                <a:spcPts val="1200"/>
+              </a:spcAft>
+              <a:buNone/>
+            </a:pPr>
+            <a:r>
+              <a:rPr lang="ja" sz="600">
+                <a:solidFill>
+                  <a:schemeClr val="accent3"/>
+                </a:solidFill>
+                <a:latin typeface="Proxima Nova"/>
+                <a:ea typeface="Proxima Nova"/>
+                <a:cs typeface="Proxima Nova"/>
+                <a:sym typeface="Proxima Nova"/>
+              </a:rPr>
+              <a:t>あなたはPythonのエキスパートです。入力を完成させてください</a:t>
+            </a:r>
+            <a:br>
+              <a:rPr lang="ja" sz="600">
+                <a:solidFill>
+                  <a:schemeClr val="accent3"/>
+                </a:solidFill>
+                <a:latin typeface="Proxima Nova"/>
+                <a:ea typeface="Proxima Nova"/>
+                <a:cs typeface="Proxima Nova"/>
+                <a:sym typeface="Proxima Nova"/>
+              </a:rPr>
+            </a:br>
+            <a:r>
+              <a:rPr lang="ja" sz="600">
+                <a:solidFill>
+                  <a:schemeClr val="accent3"/>
+                </a:solidFill>
+                <a:latin typeface="Proxima Nova"/>
+                <a:ea typeface="Proxima Nova"/>
+                <a:cs typeface="Proxima Nova"/>
+                <a:sym typeface="Proxima Nova"/>
+              </a:rPr>
+              <a:t>与えられたコンテキストに基づくPythonコード。あなたは</a:t>
+            </a:r>
+            <a:br>
+              <a:rPr lang="ja" sz="600">
+                <a:solidFill>
+                  <a:schemeClr val="accent3"/>
+                </a:solidFill>
+                <a:latin typeface="Proxima Nova"/>
+                <a:ea typeface="Proxima Nova"/>
+                <a:cs typeface="Proxima Nova"/>
+                <a:sym typeface="Proxima Nova"/>
+              </a:rPr>
+            </a:br>
+            <a:r>
+              <a:rPr lang="ja" sz="600">
+                <a:solidFill>
+                  <a:schemeClr val="accent3"/>
+                </a:solidFill>
+                <a:latin typeface="Proxima Nova"/>
+                <a:ea typeface="Proxima Nova"/>
+                <a:cs typeface="Proxima Nova"/>
+                <a:sym typeface="Proxima Nova"/>
+              </a:rPr>
+              <a:t>可能な限りこれらのコンテキストに基づいてコードを書いてください。</a:t>
+            </a:r>
+            <a:br>
+              <a:rPr lang="ja" sz="600">
+                <a:solidFill>
+                  <a:schemeClr val="accent3"/>
+                </a:solidFill>
+                <a:latin typeface="Proxima Nova"/>
+                <a:ea typeface="Proxima Nova"/>
+                <a:cs typeface="Proxima Nova"/>
+                <a:sym typeface="Proxima Nova"/>
+              </a:rPr>
+            </a:br>
+            <a:r>
+              <a:rPr lang="ja" sz="600">
+                <a:solidFill>
+                  <a:schemeClr val="accent3"/>
+                </a:solidFill>
+                <a:latin typeface="Proxima Nova"/>
+                <a:ea typeface="Proxima Nova"/>
+                <a:cs typeface="Proxima Nova"/>
+                <a:sym typeface="Proxima Nova"/>
+              </a:rPr>
+              <a:t>コンテキスト</a:t>
+            </a:r>
+            <a:br>
+              <a:rPr lang="ja" sz="600">
+                <a:solidFill>
+                  <a:schemeClr val="accent3"/>
+                </a:solidFill>
+                <a:latin typeface="Proxima Nova"/>
+                <a:ea typeface="Proxima Nova"/>
+                <a:cs typeface="Proxima Nova"/>
+                <a:sym typeface="Proxima Nova"/>
+              </a:rPr>
+            </a:br>
+            <a:r>
+              <a:rPr lang="ja" sz="600">
+                <a:solidFill>
+                  <a:schemeClr val="accent3"/>
+                </a:solidFill>
+                <a:latin typeface="Proxima Nova"/>
+                <a:ea typeface="Proxima Nova"/>
+                <a:cs typeface="Proxima Nova"/>
+                <a:sym typeface="Proxima Nova"/>
+              </a:rPr>
+              <a:t>{コンテキスト｝</a:t>
+            </a:r>
+            <a:br>
+              <a:rPr lang="ja" sz="600">
+                <a:solidFill>
+                  <a:schemeClr val="accent3"/>
+                </a:solidFill>
+                <a:latin typeface="Proxima Nova"/>
+                <a:ea typeface="Proxima Nova"/>
+                <a:cs typeface="Proxima Nova"/>
+                <a:sym typeface="Proxima Nova"/>
+              </a:rPr>
+            </a:br>
+            <a:r>
+              <a:rPr lang="ja" sz="600">
+                <a:solidFill>
+                  <a:schemeClr val="accent3"/>
+                </a:solidFill>
+                <a:latin typeface="Proxima Nova"/>
+                <a:ea typeface="Proxima Nova"/>
+                <a:cs typeface="Proxima Nova"/>
+                <a:sym typeface="Proxima Nova"/>
+              </a:rPr>
+              <a:t>入力コード</a:t>
+            </a:r>
+            <a:br>
+              <a:rPr lang="ja" sz="600">
+                <a:solidFill>
+                  <a:schemeClr val="accent3"/>
+                </a:solidFill>
+                <a:latin typeface="Proxima Nova"/>
+                <a:ea typeface="Proxima Nova"/>
+                <a:cs typeface="Proxima Nova"/>
+                <a:sym typeface="Proxima Nova"/>
+              </a:rPr>
+            </a:br>
+            <a:r>
+              <a:rPr lang="ja" sz="600">
+                <a:solidFill>
+                  <a:schemeClr val="accent3"/>
+                </a:solidFill>
+                <a:latin typeface="Proxima Nova"/>
+                <a:ea typeface="Proxima Nova"/>
+                <a:cs typeface="Proxima Nova"/>
+                <a:sym typeface="Proxima Nova"/>
+              </a:rPr>
+              <a:t>{シグネチャ｝</a:t>
+            </a:r>
+            <a:br>
+              <a:rPr lang="ja" sz="600">
+                <a:solidFill>
+                  <a:schemeClr val="accent3"/>
+                </a:solidFill>
+                <a:latin typeface="Proxima Nova"/>
+                <a:ea typeface="Proxima Nova"/>
+                <a:cs typeface="Proxima Nova"/>
+                <a:sym typeface="Proxima Nova"/>
+              </a:rPr>
+            </a:br>
+            <a:r>
+              <a:rPr lang="ja" sz="600">
+                <a:solidFill>
+                  <a:schemeClr val="accent3"/>
+                </a:solidFill>
+                <a:latin typeface="Proxima Nova"/>
+                <a:ea typeface="Proxima Nova"/>
+                <a:cs typeface="Proxima Nova"/>
+                <a:sym typeface="Proxima Nova"/>
+              </a:rPr>
+              <a:t>""" {要件} "" """</a:t>
+            </a:r>
+            <a:br>
+              <a:rPr lang="ja" sz="600">
+                <a:solidFill>
+                  <a:schemeClr val="accent3"/>
+                </a:solidFill>
+                <a:latin typeface="Proxima Nova"/>
+                <a:ea typeface="Proxima Nova"/>
+                <a:cs typeface="Proxima Nova"/>
+                <a:sym typeface="Proxima Nova"/>
+              </a:rPr>
+            </a:br>
+            <a:r>
+              <a:rPr lang="ja" sz="600">
+                <a:solidFill>
+                  <a:schemeClr val="accent3"/>
+                </a:solidFill>
+                <a:latin typeface="Proxima Nova"/>
+                <a:ea typeface="Proxima Nova"/>
+                <a:cs typeface="Proxima Nova"/>
+                <a:sym typeface="Proxima Nova"/>
+              </a:rPr>
+              <a:t>応答</a:t>
+            </a:r>
+            <a:endParaRPr sz="600">
+              <a:solidFill>
+                <a:schemeClr val="accent3"/>
+              </a:solidFill>
+              <a:latin typeface="Proxima Nova"/>
+              <a:ea typeface="Proxima Nova"/>
+              <a:cs typeface="Proxima Nova"/>
+              <a:sym typeface="Proxima Nova"/>
+            </a:endParaRPr>
+          </a:p>
+        </p:txBody>
+      </p:sp>
+      <p:pic>
+        <p:nvPicPr>
+          <p:cNvPr id="186" name="Google Shape;186;p35"/>
+          <p:cNvPicPr preferRelativeResize="0"/>
+          <p:nvPr/>
+        </p:nvPicPr>
+        <p:blipFill>
+          <a:blip r:embed="rId3">
+            <a:alphaModFix/>
+          </a:blip>
+          <a:stretch>
+            <a:fillRect/>
+          </a:stretch>
+        </p:blipFill>
+        <p:spPr>
+          <a:xfrm>
+            <a:off x="5177075" y="971850"/>
+            <a:ext cx="3831974" cy="1061450"/>
+          </a:xfrm>
+          <a:prstGeom prst="rect">
+            <a:avLst/>
+          </a:prstGeom>
+          <a:noFill/>
+          <a:ln>
+            <a:noFill/>
+          </a:ln>
+        </p:spPr>
+      </p:pic>
+    </p:spTree>
+  </p:cSld>
+  <p:clrMapOvr>
+    <a:masterClrMapping/>
+  </p:clrMapOvr>
+</p:sld>
+</file>
+
+<file path=ppt/slides/slide24.xml><?xml version="1.0" encoding="utf-8"?>
+<p:sld xmlns:a="http://schemas.openxmlformats.org/drawingml/2006/main" xmlns:r="http://schemas.openxmlformats.org/officeDocument/2006/relationships" xmlns:mc="http://schemas.openxmlformats.org/markup-compatibility/2006" xmlns:mv="urn:schemas-microsoft-com:mac:vml" xmlns:p="http://schemas.openxmlformats.org/presentationml/2006/main" xmlns:c="http://schemas.openxmlformats.org/drawingml/2006/chart" xmlns:dgm="http://schemas.openxmlformats.org/drawingml/2006/diagram" xmlns:o="urn:schemas-microsoft-com:office:office" xmlns:v="urn:schemas-microsoft-com:vml" xmlns:pvml="urn:schemas-microsoft-com:office:powerpoint" xmlns:com="http://schemas.openxmlformats.org/drawingml/2006/compatibility" xmlns:p14="http://schemas.microsoft.com/office/powerpoint/2010/main" xmlns:p15="http://schemas.microsoft.com/office/powerpoint/2012/main" xmlns:ahyp="http://schemas.microsoft.com/office/drawing/2018/hyperlinkcolor">
+  <p:cSld>
+    <p:spTree>
+      <p:nvGrpSpPr>
+        <p:cNvPr id="190" name="Shape 190"/>
+        <p:cNvGrpSpPr/>
+        <p:nvPr/>
+      </p:nvGrpSpPr>
+      <p:grpSpPr>
+        <a:xfrm>
+          <a:off x="0" y="0"/>
+          <a:ext cx="0" cy="0"/>
+          <a:chOff x="0" y="0"/>
+          <a:chExt cx="0" cy="0"/>
+        </a:xfrm>
+      </p:grpSpPr>
+      <p:sp>
+        <p:nvSpPr>
+          <p:cNvPr id="191" name="Google Shape;191;p36"/>
+          <p:cNvSpPr txBox="1"/>
+          <p:nvPr>
+            <p:ph idx="1" type="body"/>
+          </p:nvPr>
+        </p:nvSpPr>
+        <p:spPr>
+          <a:xfrm>
+            <a:off x="0" y="0"/>
+            <a:ext cx="9144000" cy="5049600"/>
+          </a:xfrm>
+          <a:prstGeom prst="rect">
+            <a:avLst/>
+          </a:prstGeom>
+        </p:spPr>
+        <p:txBody>
+          <a:bodyPr anchorCtr="0" anchor="t" bIns="91425" lIns="91425" spcFirstLastPara="1" rIns="91425" wrap="square" tIns="91425">
+            <a:normAutofit/>
+          </a:bodyPr>
+          <a:lstStyle/>
+          <a:p>
+            <a:pPr indent="0" lvl="0" marL="0" rtl="0" algn="l">
+              <a:spcBef>
+                <a:spcPts val="0"/>
+              </a:spcBef>
+              <a:spcAft>
+                <a:spcPts val="0"/>
+              </a:spcAft>
+              <a:buNone/>
+            </a:pPr>
+            <a:r>
+              <a:rPr lang="ja" sz="1200" u="sng"/>
+              <a:t>Evaluating Large Language Models Trained on Code</a:t>
+            </a:r>
+            <a:r>
+              <a:rPr lang="ja" sz="1200" u="sng"/>
+              <a:t> 2023</a:t>
+            </a:r>
+            <a:br>
+              <a:rPr lang="ja" sz="1100"/>
+            </a:br>
+            <a:r>
+              <a:rPr lang="ja" sz="1100" u="sng"/>
+              <a:t>概要</a:t>
+            </a:r>
+            <a:br>
+              <a:rPr lang="ja" sz="722"/>
+            </a:br>
+            <a:r>
+              <a:rPr lang="ja" sz="722"/>
+              <a:t>- 実コード生成能力を評価するための新しいベンチマーク「</a:t>
+            </a:r>
+            <a:r>
+              <a:rPr lang="ja" sz="722"/>
+              <a:t>HumanEval</a:t>
+            </a:r>
+            <a:r>
+              <a:rPr lang="ja" sz="722"/>
+              <a:t>」を提案</a:t>
+            </a:r>
+            <a:br>
+              <a:rPr lang="ja" sz="722"/>
+            </a:br>
+            <a:r>
+              <a:rPr lang="ja" sz="722"/>
+              <a:t>- </a:t>
+            </a:r>
+            <a:r>
+              <a:rPr lang="ja" sz="722"/>
+              <a:t>164個のPythonのプログラミング問題から構成</a:t>
+            </a:r>
+            <a:br>
+              <a:rPr lang="ja" sz="722"/>
+            </a:br>
+            <a:r>
+              <a:rPr lang="ja" sz="722"/>
+              <a:t>- </a:t>
+            </a:r>
+            <a:r>
+              <a:rPr lang="ja" sz="722"/>
+              <a:t>各問題は、関数のシグネチャ、ドキュメンテーション、本体、および複数のユニットテストからなる</a:t>
+            </a:r>
+            <a:br>
+              <a:rPr lang="ja" sz="722"/>
+            </a:br>
+            <a:r>
+              <a:rPr lang="ja" sz="722"/>
+              <a:t>https://github.com/openai/human-eval</a:t>
+            </a:r>
+            <a:endParaRPr sz="722"/>
+          </a:p>
+          <a:p>
+            <a:pPr indent="0" lvl="0" marL="0" rtl="0" algn="l">
+              <a:spcBef>
+                <a:spcPts val="1200"/>
+              </a:spcBef>
+              <a:spcAft>
+                <a:spcPts val="0"/>
+              </a:spcAft>
+              <a:buNone/>
+            </a:pPr>
+            <a:r>
+              <a:rPr lang="ja" sz="1100" u="sng"/>
+              <a:t>手法</a:t>
+            </a:r>
+            <a:br>
+              <a:rPr lang="ja" sz="800"/>
+            </a:br>
+            <a:r>
+              <a:rPr lang="ja" sz="800"/>
+              <a:t>従来のテキスト類似性メトリクスの制限に対処するために、この論文では、生成されたコード サンプルの機能の正確性を評価するように設計されたpass@kメトリクスを導入</a:t>
+            </a:r>
+            <a:br>
+              <a:rPr lang="ja" sz="800"/>
+            </a:br>
+            <a:r>
+              <a:rPr lang="ja" sz="800"/>
+              <a:t>pass @kメトリクスは、問題に対して上位 k 個に生成されたコード サンプルの少なくとも 1 つが単体テストに合格する確率として定義されます。</a:t>
+            </a:r>
+            <a:br>
+              <a:rPr lang="ja" sz="800"/>
+            </a:br>
+            <a:r>
+              <a:rPr lang="ja" sz="800"/>
+              <a:t>このアプローチは、一連の単体テストに合格するかどうかに基づいてコードの正しさを判断する人間の開発者の実践からインスピレーションを得ています。</a:t>
+            </a:r>
+            <a:br>
+              <a:rPr lang="ja" sz="800"/>
+            </a:br>
+            <a:r>
+              <a:rPr lang="ja" sz="800"/>
+              <a:t>n 個生成されたサンプルのうち合計で c 個の正しいサンプルがあるとして、上位 k 個のサンプルのうち少なくとも 1 つが正しい確率を推定することです。</a:t>
+            </a:r>
+            <a:br>
+              <a:rPr lang="ja" sz="800"/>
+            </a:br>
+            <a:r>
+              <a:rPr lang="ja" sz="800"/>
+              <a:t>n から k 個のサンプルを選択する方法の総数は、「n 選択 k」という組み合わせ式で与えられ、C(n, k) と表されます。</a:t>
+            </a:r>
+            <a:br>
+              <a:rPr lang="ja" sz="800"/>
+            </a:br>
+            <a:r>
+              <a:rPr lang="ja" sz="800"/>
+              <a:t>同様に、 nc個の不正確なサンプルからk個のサンプルを選択する方法の総数はC(n−c, k)で与えられます。</a:t>
+            </a:r>
+            <a:br>
+              <a:rPr lang="ja" sz="800"/>
+            </a:br>
+            <a:r>
+              <a:rPr lang="ja" sz="800"/>
+              <a:t>したがって、選択された k 個のサンプルのうち少なくとも 1 つが正しい確率は、上記の確率の補数であり、次のようになります。</a:t>
+            </a:r>
+            <a:br>
+              <a:rPr lang="ja" sz="800"/>
+            </a:br>
+            <a:r>
+              <a:rPr lang="ja" sz="800"/>
+              <a:t>1−(C(n−c,k)​/C(n,k))</a:t>
+            </a:r>
+            <a:endParaRPr sz="800"/>
+          </a:p>
+          <a:p>
+            <a:pPr indent="0" lvl="0" marL="0" rtl="0" algn="l">
+              <a:spcBef>
+                <a:spcPts val="1200"/>
+              </a:spcBef>
+              <a:spcAft>
+                <a:spcPts val="0"/>
+              </a:spcAft>
+              <a:buNone/>
+            </a:pPr>
+            <a:r>
+              <a:rPr lang="ja" sz="800"/>
+              <a:t>```</a:t>
+            </a:r>
+            <a:br>
+              <a:rPr lang="ja" sz="800"/>
+            </a:br>
+            <a:r>
+              <a:rPr lang="ja" sz="800"/>
+              <a:t>def pass_at_k(n, c, k): </a:t>
+            </a:r>
+            <a:br>
+              <a:rPr lang="ja" sz="800"/>
+            </a:br>
+            <a:r>
+              <a:rPr lang="ja" sz="800"/>
+              <a:t>  """ </a:t>
+            </a:r>
+            <a:br>
+              <a:rPr lang="ja" sz="800"/>
+            </a:br>
+            <a:r>
+              <a:rPr lang="ja" sz="800"/>
+              <a:t>  :param n: total number of samples </a:t>
+            </a:r>
+            <a:br>
+              <a:rPr lang="ja" sz="800"/>
+            </a:br>
+            <a:r>
+              <a:rPr lang="ja" sz="800"/>
+              <a:t>  :param c: number of correct samples </a:t>
+            </a:r>
+            <a:br>
+              <a:rPr lang="ja" sz="800"/>
+            </a:br>
+            <a:r>
+              <a:rPr lang="ja" sz="800"/>
+              <a:t>  :param k: k in pass@$k$ </a:t>
+            </a:r>
+            <a:br>
+              <a:rPr lang="ja" sz="800"/>
+            </a:br>
+            <a:r>
+              <a:rPr lang="ja" sz="800"/>
+              <a:t>  """ </a:t>
+            </a:r>
+            <a:br>
+              <a:rPr lang="ja" sz="800"/>
+            </a:br>
+            <a:r>
+              <a:rPr lang="ja" sz="800"/>
+              <a:t>  if n - c &lt; k: </a:t>
+            </a:r>
+            <a:br>
+              <a:rPr lang="ja" sz="800"/>
+            </a:br>
+            <a:r>
+              <a:rPr lang="ja" sz="800"/>
+              <a:t>    return 1.0 </a:t>
+            </a:r>
+            <a:br>
+              <a:rPr lang="ja" sz="800"/>
+            </a:br>
+            <a:r>
+              <a:rPr lang="ja" sz="800"/>
+              <a:t>  return 1.0 - np.prod(1.0 - k / np.arange(n - c + 1, n + 1)</a:t>
+            </a:r>
+            <a:br>
+              <a:rPr lang="ja" sz="800"/>
+            </a:br>
+            <a:r>
+              <a:rPr lang="ja" sz="800"/>
+              <a:t>```</a:t>
+            </a:r>
+            <a:endParaRPr sz="800"/>
+          </a:p>
+          <a:p>
+            <a:pPr indent="0" lvl="0" marL="0" rtl="0" algn="l">
+              <a:spcBef>
+                <a:spcPts val="1200"/>
+              </a:spcBef>
+              <a:spcAft>
+                <a:spcPts val="1200"/>
+              </a:spcAft>
+              <a:buNone/>
+            </a:pPr>
+            <a:r>
+              <a:t/>
+            </a:r>
+            <a:endParaRPr sz="800"/>
+          </a:p>
+        </p:txBody>
+      </p:sp>
+      <p:pic>
+        <p:nvPicPr>
+          <p:cNvPr id="192" name="Google Shape;192;p36"/>
+          <p:cNvPicPr preferRelativeResize="0"/>
+          <p:nvPr/>
+        </p:nvPicPr>
+        <p:blipFill>
+          <a:blip r:embed="rId3">
+            <a:alphaModFix/>
+          </a:blip>
+          <a:stretch>
+            <a:fillRect/>
+          </a:stretch>
+        </p:blipFill>
+        <p:spPr>
+          <a:xfrm>
+            <a:off x="2960775" y="2571750"/>
+            <a:ext cx="5844591" cy="1618075"/>
+          </a:xfrm>
+          <a:prstGeom prst="rect">
+            <a:avLst/>
+          </a:prstGeom>
+          <a:noFill/>
+          <a:ln>
+            <a:noFill/>
+          </a:ln>
+        </p:spPr>
+      </p:pic>
+    </p:spTree>
+  </p:cSld>
+  <p:clrMapOvr>
+    <a:masterClrMapping/>
+  </p:clrMapOvr>
+</p:sld>
+</file>
+
+<file path=ppt/slides/slide25.xml><?xml version="1.0" encoding="utf-8"?>
+<p:sld xmlns:a="http://schemas.openxmlformats.org/drawingml/2006/main" xmlns:r="http://schemas.openxmlformats.org/officeDocument/2006/relationships" xmlns:mc="http://schemas.openxmlformats.org/markup-compatibility/2006" xmlns:mv="urn:schemas-microsoft-com:mac:vml" xmlns:p="http://schemas.openxmlformats.org/presentationml/2006/main" xmlns:c="http://schemas.openxmlformats.org/drawingml/2006/chart" xmlns:dgm="http://schemas.openxmlformats.org/drawingml/2006/diagram" xmlns:o="urn:schemas-microsoft-com:office:office" xmlns:v="urn:schemas-microsoft-com:vml" xmlns:pvml="urn:schemas-microsoft-com:office:powerpoint" xmlns:com="http://schemas.openxmlformats.org/drawingml/2006/compatibility" xmlns:p14="http://schemas.microsoft.com/office/powerpoint/2010/main" xmlns:p15="http://schemas.microsoft.com/office/powerpoint/2012/main" xmlns:ahyp="http://schemas.microsoft.com/office/drawing/2018/hyperlinkcolor">
+  <p:cSld>
+    <p:spTree>
+      <p:nvGrpSpPr>
+        <p:cNvPr id="196" name="Shape 196"/>
+        <p:cNvGrpSpPr/>
+        <p:nvPr/>
+      </p:nvGrpSpPr>
+      <p:grpSpPr>
+        <a:xfrm>
+          <a:off x="0" y="0"/>
+          <a:ext cx="0" cy="0"/>
+          <a:chOff x="0" y="0"/>
+          <a:chExt cx="0" cy="0"/>
+        </a:xfrm>
+      </p:grpSpPr>
+      <p:sp>
+        <p:nvSpPr>
+          <p:cNvPr id="197" name="Google Shape;197;p37"/>
+          <p:cNvSpPr txBox="1"/>
+          <p:nvPr>
+            <p:ph idx="1" type="body"/>
+          </p:nvPr>
+        </p:nvSpPr>
+        <p:spPr>
+          <a:xfrm>
+            <a:off x="0" y="0"/>
+            <a:ext cx="9144000" cy="5049600"/>
+          </a:xfrm>
+          <a:prstGeom prst="rect">
+            <a:avLst/>
+          </a:prstGeom>
+        </p:spPr>
+        <p:txBody>
+          <a:bodyPr anchorCtr="0" anchor="t" bIns="91425" lIns="91425" spcFirstLastPara="1" rIns="91425" wrap="square" tIns="91425">
+            <a:normAutofit/>
+          </a:bodyPr>
+          <a:lstStyle/>
+          <a:p>
+            <a:pPr indent="0" lvl="0" marL="0" rtl="0" algn="l">
+              <a:spcBef>
+                <a:spcPts val="0"/>
+              </a:spcBef>
+              <a:spcAft>
+                <a:spcPts val="0"/>
+              </a:spcAft>
+              <a:buNone/>
+            </a:pPr>
+            <a:r>
+              <a:rPr lang="ja" sz="1200" u="sng"/>
+              <a:t>Between Lines of Code: Unraveling the Distinct Patterns of Machine and Human Programmers</a:t>
+            </a:r>
+            <a:r>
+              <a:rPr lang="ja" sz="1200" u="sng"/>
+              <a:t> 2024</a:t>
+            </a:r>
+            <a:br>
+              <a:rPr lang="ja" sz="1100"/>
+            </a:br>
+            <a:r>
+              <a:rPr lang="ja" sz="1100" u="sng"/>
+              <a:t>概要</a:t>
+            </a:r>
+            <a:br>
+              <a:rPr lang="ja" sz="722"/>
+            </a:br>
+            <a:r>
+              <a:rPr lang="ja" sz="722"/>
+              <a:t>- </a:t>
+            </a:r>
+            <a:r>
+              <a:rPr lang="ja" sz="722"/>
+              <a:t>コード生成の独自のパターンを特定し、それに基づいた新しい検出方法を提案。</a:t>
+            </a:r>
+            <a:br>
+              <a:rPr lang="ja" sz="722"/>
+            </a:br>
+            <a:r>
+              <a:rPr lang="ja" sz="722"/>
+              <a:t>- 提案手法は、従来の手法よりも機械生成コードの検出において優れた性能を示す。</a:t>
+            </a:r>
+            <a:endParaRPr sz="722"/>
+          </a:p>
+          <a:p>
+            <a:pPr indent="0" lvl="0" marL="0" rtl="0" algn="l">
+              <a:spcBef>
+                <a:spcPts val="1200"/>
+              </a:spcBef>
+              <a:spcAft>
+                <a:spcPts val="0"/>
+              </a:spcAft>
+              <a:buNone/>
+            </a:pPr>
+            <a:r>
+              <a:rPr lang="ja" sz="1100" u="sng"/>
+              <a:t>手法</a:t>
+            </a:r>
+            <a:br>
+              <a:rPr lang="ja" sz="800"/>
+            </a:br>
+            <a:r>
+              <a:rPr lang="ja" sz="800"/>
+              <a:t>従来のテキスト類似性メトリクスの制限に対処するために、この論文では、生成されたコード サンプルの機能の正確性を評価するように設計されたpass@kメトリクスを導入</a:t>
+            </a:r>
+            <a:br>
+              <a:rPr lang="ja" sz="800"/>
+            </a:br>
+            <a:r>
+              <a:rPr lang="ja" sz="800"/>
+              <a:t>pass @kメトリクスは、問題に対して上位 k 個に生成されたコード サンプルの少なくとも 1 つが単体テストに合格する確率として定義されます。</a:t>
+            </a:r>
+            <a:br>
+              <a:rPr lang="ja" sz="800"/>
+            </a:br>
+            <a:r>
+              <a:rPr lang="ja" sz="800"/>
+              <a:t>このアプローチは、一連の単体テストに合格するかどうかに基づいてコードの正しさを判断する人間の開発者の実践からインスピレーションを得ています。</a:t>
+            </a:r>
+            <a:br>
+              <a:rPr lang="ja" sz="800"/>
+            </a:br>
+            <a:r>
+              <a:rPr lang="ja" sz="800"/>
+              <a:t>n 個生成されたサンプルのうち合計で c 個の正しいサンプルがあるとして、上位 k 個のサンプルのうち少なくとも 1 つが正しい確率を推定することです。</a:t>
+            </a:r>
+            <a:br>
+              <a:rPr lang="ja" sz="800"/>
+            </a:br>
+            <a:r>
+              <a:rPr lang="ja" sz="800"/>
+              <a:t>n から k 個のサンプルを選択する方法の総数は、「n 選択 k」という組み合わせ式で与えられ、C(n, k) と表されます。</a:t>
+            </a:r>
+            <a:br>
+              <a:rPr lang="ja" sz="800"/>
+            </a:br>
+            <a:r>
+              <a:rPr lang="ja" sz="800"/>
+              <a:t>同様に、 nc個の不正確なサンプルからk個のサンプルを選択する方法の総数はC(n−c, k)で与えられます。</a:t>
+            </a:r>
+            <a:br>
+              <a:rPr lang="ja" sz="800"/>
+            </a:br>
+            <a:r>
+              <a:rPr lang="ja" sz="800"/>
+              <a:t>したがって、選択された k 個のサンプルのうち少なくとも 1 つが正しい確率は、上記の確率の補数であり、次のようになります。</a:t>
+            </a:r>
+            <a:br>
+              <a:rPr lang="ja" sz="800"/>
+            </a:br>
+            <a:r>
+              <a:rPr lang="ja" sz="800"/>
+              <a:t>1−(C(n−c,k)​/C(n,k))</a:t>
+            </a:r>
+            <a:endParaRPr sz="800"/>
+          </a:p>
+          <a:p>
+            <a:pPr indent="0" lvl="0" marL="0" rtl="0" algn="l">
+              <a:spcBef>
+                <a:spcPts val="1200"/>
+              </a:spcBef>
+              <a:spcAft>
+                <a:spcPts val="0"/>
+              </a:spcAft>
+              <a:buNone/>
+            </a:pPr>
+            <a:r>
+              <a:rPr lang="ja" sz="800"/>
+              <a:t>```</a:t>
+            </a:r>
+            <a:br>
+              <a:rPr lang="ja" sz="800"/>
+            </a:br>
+            <a:r>
+              <a:rPr lang="ja" sz="800"/>
+              <a:t>def pass_at_k(n, c, k): </a:t>
+            </a:r>
+            <a:br>
+              <a:rPr lang="ja" sz="800"/>
+            </a:br>
+            <a:r>
+              <a:rPr lang="ja" sz="800"/>
+              <a:t>  """ </a:t>
+            </a:r>
+            <a:br>
+              <a:rPr lang="ja" sz="800"/>
+            </a:br>
+            <a:r>
+              <a:rPr lang="ja" sz="800"/>
+              <a:t>  :param n: total number of samples </a:t>
+            </a:r>
+            <a:br>
+              <a:rPr lang="ja" sz="800"/>
+            </a:br>
+            <a:r>
+              <a:rPr lang="ja" sz="800"/>
+              <a:t>  :param c: number of correct samples </a:t>
+            </a:r>
+            <a:br>
+              <a:rPr lang="ja" sz="800"/>
+            </a:br>
+            <a:r>
+              <a:rPr lang="ja" sz="800"/>
+              <a:t>  :param k: k in pass@$k$ </a:t>
+            </a:r>
+            <a:br>
+              <a:rPr lang="ja" sz="800"/>
+            </a:br>
+            <a:r>
+              <a:rPr lang="ja" sz="800"/>
+              <a:t>  """ </a:t>
+            </a:r>
+            <a:br>
+              <a:rPr lang="ja" sz="800"/>
+            </a:br>
+            <a:r>
+              <a:rPr lang="ja" sz="800"/>
+              <a:t>  if n - c &lt; k: </a:t>
+            </a:r>
+            <a:br>
+              <a:rPr lang="ja" sz="800"/>
+            </a:br>
+            <a:r>
+              <a:rPr lang="ja" sz="800"/>
+              <a:t>    return 1.0 </a:t>
+            </a:r>
+            <a:br>
+              <a:rPr lang="ja" sz="800"/>
+            </a:br>
+            <a:r>
+              <a:rPr lang="ja" sz="800"/>
+              <a:t>  return 1.0 - np.prod(1.0 - k / np.arange(n - c + 1, n + 1)</a:t>
+            </a:r>
+            <a:br>
+              <a:rPr lang="ja" sz="800"/>
+            </a:br>
+            <a:r>
+              <a:rPr lang="ja" sz="800"/>
+              <a:t>```</a:t>
+            </a:r>
+            <a:endParaRPr sz="800"/>
+          </a:p>
+          <a:p>
+            <a:pPr indent="0" lvl="0" marL="0" rtl="0" algn="l">
+              <a:spcBef>
+                <a:spcPts val="1200"/>
+              </a:spcBef>
+              <a:spcAft>
+                <a:spcPts val="1200"/>
+              </a:spcAft>
+              <a:buNone/>
+            </a:pPr>
+            <a:r>
+              <a:t/>
+            </a:r>
+            <a:endParaRPr sz="800"/>
+          </a:p>
+        </p:txBody>
+      </p:sp>
+    </p:spTree>
+  </p:cSld>
+  <p:clrMapOvr>
+    <a:masterClrMapping/>
+  </p:clrMapOvr>
+</p:sld>
+</file>
+
+<file path=ppt/slides/slide26.xml><?xml version="1.0" encoding="utf-8"?>
+<p:sld xmlns:a="http://schemas.openxmlformats.org/drawingml/2006/main" xmlns:r="http://schemas.openxmlformats.org/officeDocument/2006/relationships" xmlns:mc="http://schemas.openxmlformats.org/markup-compatibility/2006" xmlns:mv="urn:schemas-microsoft-com:mac:vml" xmlns:p="http://schemas.openxmlformats.org/presentationml/2006/main" xmlns:c="http://schemas.openxmlformats.org/drawingml/2006/chart" xmlns:dgm="http://schemas.openxmlformats.org/drawingml/2006/diagram" xmlns:o="urn:schemas-microsoft-com:office:office" xmlns:v="urn:schemas-microsoft-com:vml" xmlns:pvml="urn:schemas-microsoft-com:office:powerpoint" xmlns:com="http://schemas.openxmlformats.org/drawingml/2006/compatibility" xmlns:p14="http://schemas.microsoft.com/office/powerpoint/2010/main" xmlns:p15="http://schemas.microsoft.com/office/powerpoint/2012/main" xmlns:ahyp="http://schemas.microsoft.com/office/drawing/2018/hyperlinkcolor">
+  <p:cSld>
+    <p:spTree>
+      <p:nvGrpSpPr>
+        <p:cNvPr id="201" name="Shape 201"/>
+        <p:cNvGrpSpPr/>
+        <p:nvPr/>
+      </p:nvGrpSpPr>
+      <p:grpSpPr>
+        <a:xfrm>
+          <a:off x="0" y="0"/>
+          <a:ext cx="0" cy="0"/>
+          <a:chOff x="0" y="0"/>
+          <a:chExt cx="0" cy="0"/>
+        </a:xfrm>
+      </p:grpSpPr>
+      <p:sp>
+        <p:nvSpPr>
+          <p:cNvPr id="202" name="Google Shape;202;p38"/>
+          <p:cNvSpPr txBox="1"/>
+          <p:nvPr>
+            <p:ph idx="1" type="body"/>
+          </p:nvPr>
+        </p:nvSpPr>
+        <p:spPr>
+          <a:xfrm>
+            <a:off x="0" y="0"/>
+            <a:ext cx="9144000" cy="5049600"/>
+          </a:xfrm>
+          <a:prstGeom prst="rect">
+            <a:avLst/>
+          </a:prstGeom>
+        </p:spPr>
+        <p:txBody>
+          <a:bodyPr anchorCtr="0" anchor="t" bIns="91425" lIns="91425" spcFirstLastPara="1" rIns="91425" wrap="square" tIns="91425">
+            <a:normAutofit/>
+          </a:bodyPr>
+          <a:lstStyle/>
+          <a:p>
+            <a:pPr indent="0" lvl="0" marL="0" rtl="0" algn="l">
+              <a:spcBef>
+                <a:spcPts val="0"/>
+              </a:spcBef>
+              <a:spcAft>
+                <a:spcPts val="0"/>
+              </a:spcAft>
+              <a:buNone/>
+            </a:pPr>
+            <a:r>
+              <a:rPr lang="ja" sz="1200" u="sng"/>
+              <a:t>Seven Failure Points When Engineering a Retrieval Augmented Generation System 2024</a:t>
+            </a:r>
+            <a:r>
+              <a:rPr lang="ja" sz="1269" u="sng"/>
+              <a:t>  </a:t>
+            </a:r>
+            <a:br>
+              <a:rPr lang="ja" sz="1100"/>
+            </a:br>
+            <a:r>
+              <a:rPr lang="ja" sz="1100" u="sng"/>
+              <a:t>概要</a:t>
+            </a:r>
+            <a:br>
+              <a:rPr lang="ja" sz="722"/>
+            </a:br>
+            <a:r>
+              <a:rPr lang="ja" sz="722"/>
+              <a:t>- Prompt注入攻撃はLLM統合アプリにとって深刻な脅威</a:t>
+            </a:r>
+            <a:br>
+              <a:rPr lang="ja" sz="722"/>
+            </a:br>
+            <a:r>
+              <a:rPr lang="ja" sz="722"/>
+              <a:t>- 既存の防御戦略が不十分であることが明らかになっている</a:t>
+            </a:r>
+            <a:br>
+              <a:rPr lang="ja" sz="722"/>
+            </a:br>
+            <a:r>
+              <a:rPr lang="ja" sz="722"/>
+              <a:t>- 'Signed-Prompt'は様々なタイプのプロンプト注入攻撃に対して大きな抵抗を示し、AIセキュリティにおける強固な防御戦略としての可能性がありそう</a:t>
+            </a:r>
+            <a:endParaRPr sz="722"/>
+          </a:p>
+          <a:p>
+            <a:pPr indent="0" lvl="0" marL="0" rtl="0" algn="l">
+              <a:spcBef>
+                <a:spcPts val="1200"/>
+              </a:spcBef>
+              <a:spcAft>
+                <a:spcPts val="0"/>
+              </a:spcAft>
+              <a:buNone/>
+            </a:pPr>
+            <a:r>
+              <a:rPr lang="ja" sz="1100" u="sng"/>
+              <a:t>新規性</a:t>
+            </a:r>
+            <a:br>
+              <a:rPr lang="ja" sz="1100"/>
+            </a:br>
+            <a:r>
+              <a:rPr lang="ja" sz="800"/>
+              <a:t>AIアシスタントアプリケーションにおけるプロンプト注入攻撃という新たなセキュリティ脅威に焦点を当てています。これらの攻撃は、LLM統合アプリケーションのセキュリティに重大な脅威をもたらします。従来の防御戦略は不十分であり、プロンプト注入攻撃に対する効果的な対策が必要です。</a:t>
+            </a:r>
+            <a:endParaRPr sz="800"/>
+          </a:p>
+          <a:p>
+            <a:pPr indent="0" lvl="0" marL="0" rtl="0" algn="l">
+              <a:spcBef>
+                <a:spcPts val="1200"/>
+              </a:spcBef>
+              <a:spcAft>
+                <a:spcPts val="0"/>
+              </a:spcAft>
+              <a:buNone/>
+            </a:pPr>
+            <a:r>
+              <a:rPr lang="ja" sz="1100" u="sng"/>
+              <a:t>手法</a:t>
+            </a:r>
+            <a:br>
+              <a:rPr lang="ja" sz="800"/>
+            </a:br>
+            <a:r>
+              <a:rPr lang="ja" sz="800"/>
+              <a:t>プロンプト注入攻撃のパターンを分析し、Signed-Promptコンセプトを導入しました。基本的なアイデアは、信頼できるユーザーによって発行された機密指示を特定し、LLMがこれらの指示を識別できるようにすることです。これには、プロンプトエンジニアリングとLLMのファインチューニングが含まれます。</a:t>
+            </a:r>
+            <a:endParaRPr sz="800"/>
+          </a:p>
+          <a:p>
+            <a:pPr indent="0" lvl="0" marL="0" rtl="0" algn="l">
+              <a:spcBef>
+                <a:spcPts val="1200"/>
+              </a:spcBef>
+              <a:spcAft>
+                <a:spcPts val="0"/>
+              </a:spcAft>
+              <a:buNone/>
+            </a:pPr>
+            <a:r>
+              <a:rPr lang="ja" sz="800"/>
+              <a:t>Sighed-Prompt: 入力された文において `delete`  という概念を表す用語 `toeowx` に置き換えるのプロンプトエンジニアリング </a:t>
+            </a:r>
+            <a:endParaRPr sz="800"/>
+          </a:p>
+          <a:p>
+            <a:pPr indent="0" lvl="0" marL="0" rtl="0" algn="l">
+              <a:spcBef>
+                <a:spcPts val="1200"/>
+              </a:spcBef>
+              <a:spcAft>
+                <a:spcPts val="0"/>
+              </a:spcAft>
+              <a:buNone/>
+            </a:pPr>
+            <a:r>
+              <a:t/>
+            </a:r>
+            <a:endParaRPr sz="800"/>
+          </a:p>
+          <a:p>
+            <a:pPr indent="0" lvl="0" marL="0" rtl="0" algn="l">
+              <a:spcBef>
+                <a:spcPts val="1200"/>
+              </a:spcBef>
+              <a:spcAft>
+                <a:spcPts val="0"/>
+              </a:spcAft>
+              <a:buNone/>
+            </a:pPr>
+            <a:r>
+              <a:t/>
+            </a:r>
+            <a:endParaRPr sz="800"/>
+          </a:p>
+          <a:p>
+            <a:pPr indent="0" lvl="0" marL="0" rtl="0" algn="l">
+              <a:spcBef>
+                <a:spcPts val="1200"/>
+              </a:spcBef>
+              <a:spcAft>
+                <a:spcPts val="0"/>
+              </a:spcAft>
+              <a:buNone/>
+            </a:pPr>
+            <a:r>
+              <a:t/>
+            </a:r>
+            <a:endParaRPr sz="800"/>
+          </a:p>
+          <a:p>
+            <a:pPr indent="0" lvl="0" marL="0" rtl="0" algn="l">
+              <a:spcBef>
+                <a:spcPts val="1200"/>
+              </a:spcBef>
+              <a:spcAft>
+                <a:spcPts val="0"/>
+              </a:spcAft>
+              <a:buNone/>
+            </a:pPr>
+            <a:r>
+              <a:t/>
+            </a:r>
+            <a:endParaRPr sz="800"/>
+          </a:p>
+          <a:p>
+            <a:pPr indent="0" lvl="0" marL="0" rtl="0" algn="l">
+              <a:spcBef>
+                <a:spcPts val="1200"/>
+              </a:spcBef>
+              <a:spcAft>
+                <a:spcPts val="0"/>
+              </a:spcAft>
+              <a:buNone/>
+            </a:pPr>
+            <a:r>
+              <a:t/>
+            </a:r>
+            <a:endParaRPr sz="800"/>
+          </a:p>
+          <a:p>
+            <a:pPr indent="0" lvl="0" marL="0" rtl="0" algn="l">
+              <a:spcBef>
+                <a:spcPts val="1200"/>
+              </a:spcBef>
+              <a:spcAft>
+                <a:spcPts val="0"/>
+              </a:spcAft>
+              <a:buNone/>
+            </a:pPr>
+            <a:r>
+              <a:t/>
+            </a:r>
+            <a:endParaRPr sz="800"/>
+          </a:p>
+          <a:p>
+            <a:pPr indent="0" lvl="0" marL="0" rtl="0" algn="l">
+              <a:spcBef>
+                <a:spcPts val="1200"/>
+              </a:spcBef>
+              <a:spcAft>
+                <a:spcPts val="0"/>
+              </a:spcAft>
+              <a:buNone/>
+            </a:pPr>
+            <a:r>
+              <a:rPr lang="ja" sz="1122" u="sng"/>
+              <a:t>結果</a:t>
+            </a:r>
+            <a:br>
+              <a:rPr lang="ja" sz="1122"/>
+            </a:br>
+            <a:r>
+              <a:rPr lang="ja" sz="822"/>
+              <a:t>実験では、Signed-Prompt方法がプロンプト注入攻撃に対して顕著な抵抗を示しました。特に、様々なタイプのプロンプト注入攻撃に対する防御効果が確認</a:t>
+            </a:r>
+            <a:endParaRPr sz="822"/>
+          </a:p>
+          <a:p>
+            <a:pPr indent="0" lvl="0" marL="0" rtl="0" algn="l">
+              <a:spcBef>
+                <a:spcPts val="1200"/>
+              </a:spcBef>
+              <a:spcAft>
+                <a:spcPts val="1200"/>
+              </a:spcAft>
+              <a:buNone/>
+            </a:pPr>
+            <a:r>
+              <a:rPr lang="ja" sz="822"/>
+              <a:t>簡単にプロンプト削除を防ぐ方法だけどサイト記事で紹介した方が広まりそう</a:t>
+            </a:r>
+            <a:endParaRPr sz="822"/>
+          </a:p>
+        </p:txBody>
+      </p:sp>
+      <p:pic>
+        <p:nvPicPr>
+          <p:cNvPr id="203" name="Google Shape;203;p38"/>
+          <p:cNvPicPr preferRelativeResize="0"/>
+          <p:nvPr/>
+        </p:nvPicPr>
+        <p:blipFill>
+          <a:blip r:embed="rId3">
+            <a:alphaModFix/>
+          </a:blip>
+          <a:stretch>
+            <a:fillRect/>
+          </a:stretch>
+        </p:blipFill>
+        <p:spPr>
+          <a:xfrm>
+            <a:off x="57025" y="2528075"/>
+            <a:ext cx="4112826" cy="1186150"/>
+          </a:xfrm>
+          <a:prstGeom prst="rect">
+            <a:avLst/>
+          </a:prstGeom>
+          <a:noFill/>
+          <a:ln>
+            <a:noFill/>
+          </a:ln>
+        </p:spPr>
+      </p:pic>
+      <p:pic>
+        <p:nvPicPr>
+          <p:cNvPr id="204" name="Google Shape;204;p38"/>
+          <p:cNvPicPr preferRelativeResize="0"/>
+          <p:nvPr/>
+        </p:nvPicPr>
+        <p:blipFill>
+          <a:blip r:embed="rId4">
+            <a:alphaModFix/>
+          </a:blip>
+          <a:stretch>
+            <a:fillRect/>
+          </a:stretch>
+        </p:blipFill>
+        <p:spPr>
+          <a:xfrm>
+            <a:off x="4305288" y="3212975"/>
+            <a:ext cx="4600575" cy="933450"/>
+          </a:xfrm>
+          <a:prstGeom prst="rect">
+            <a:avLst/>
+          </a:prstGeom>
+          <a:noFill/>
+          <a:ln>
+            <a:noFill/>
+          </a:ln>
+        </p:spPr>
+      </p:pic>
+      <p:pic>
+        <p:nvPicPr>
+          <p:cNvPr id="205" name="Google Shape;205;p38"/>
+          <p:cNvPicPr preferRelativeResize="0"/>
+          <p:nvPr/>
+        </p:nvPicPr>
+        <p:blipFill>
+          <a:blip r:embed="rId5">
+            <a:alphaModFix/>
+          </a:blip>
+          <a:stretch>
+            <a:fillRect/>
+          </a:stretch>
+        </p:blipFill>
+        <p:spPr>
+          <a:xfrm>
+            <a:off x="4305300" y="2528063"/>
+            <a:ext cx="4838700" cy="619125"/>
+          </a:xfrm>
+          <a:prstGeom prst="rect">
+            <a:avLst/>
+          </a:prstGeom>
+          <a:noFill/>
+          <a:ln>
+            <a:noFill/>
+          </a:ln>
+        </p:spPr>
+      </p:pic>
+    </p:spTree>
+  </p:cSld>
+  <p:clrMapOvr>
+    <a:masterClrMapping/>
+  </p:clrMapOvr>
+</p:sld>
+</file>
+
+<file path=ppt/slides/slide27.xml><?xml version="1.0" encoding="utf-8"?>
+<p:sld xmlns:a="http://schemas.openxmlformats.org/drawingml/2006/main" xmlns:r="http://schemas.openxmlformats.org/officeDocument/2006/relationships" xmlns:mc="http://schemas.openxmlformats.org/markup-compatibility/2006" xmlns:mv="urn:schemas-microsoft-com:mac:vml" xmlns:p="http://schemas.openxmlformats.org/presentationml/2006/main" xmlns:c="http://schemas.openxmlformats.org/drawingml/2006/chart" xmlns:dgm="http://schemas.openxmlformats.org/drawingml/2006/diagram" xmlns:o="urn:schemas-microsoft-com:office:office" xmlns:v="urn:schemas-microsoft-com:vml" xmlns:pvml="urn:schemas-microsoft-com:office:powerpoint" xmlns:com="http://schemas.openxmlformats.org/drawingml/2006/compatibility" xmlns:p14="http://schemas.microsoft.com/office/powerpoint/2010/main" xmlns:p15="http://schemas.microsoft.com/office/powerpoint/2012/main" xmlns:ahyp="http://schemas.microsoft.com/office/drawing/2018/hyperlinkcolor">
+  <p:cSld>
+    <p:spTree>
+      <p:nvGrpSpPr>
+        <p:cNvPr id="209" name="Shape 209"/>
+        <p:cNvGrpSpPr/>
+        <p:nvPr/>
+      </p:nvGrpSpPr>
+      <p:grpSpPr>
+        <a:xfrm>
+          <a:off x="0" y="0"/>
+          <a:ext cx="0" cy="0"/>
+          <a:chOff x="0" y="0"/>
+          <a:chExt cx="0" cy="0"/>
+        </a:xfrm>
+      </p:grpSpPr>
+      <p:sp>
+        <p:nvSpPr>
+          <p:cNvPr id="210" name="Google Shape;210;p39"/>
+          <p:cNvSpPr txBox="1"/>
+          <p:nvPr>
+            <p:ph idx="1" type="body"/>
+          </p:nvPr>
+        </p:nvSpPr>
+        <p:spPr>
+          <a:xfrm>
+            <a:off x="0" y="0"/>
+            <a:ext cx="9144000" cy="5049600"/>
+          </a:xfrm>
+          <a:prstGeom prst="rect">
+            <a:avLst/>
+          </a:prstGeom>
+        </p:spPr>
+        <p:txBody>
+          <a:bodyPr anchorCtr="0" anchor="t" bIns="91425" lIns="91425" spcFirstLastPara="1" rIns="91425" wrap="square" tIns="91425">
+            <a:normAutofit fontScale="92500" lnSpcReduction="20000"/>
+          </a:bodyPr>
+          <a:lstStyle/>
+          <a:p>
+            <a:pPr indent="0" lvl="0" marL="0" rtl="0" algn="l">
+              <a:spcBef>
+                <a:spcPts val="0"/>
+              </a:spcBef>
+              <a:spcAft>
+                <a:spcPts val="0"/>
+              </a:spcAft>
+              <a:buNone/>
+            </a:pPr>
+            <a:r>
+              <a:rPr lang="ja" sz="1200" u="sng"/>
+              <a:t>CODEAGENT: Enhancing Code Generation with Tool-Integrated Agent Systems for Real-World Repo-level Coding Challenges</a:t>
+            </a:r>
+            <a:r>
+              <a:rPr lang="ja" sz="1200" u="sng"/>
+              <a:t> 2024</a:t>
+            </a:r>
+            <a:r>
+              <a:rPr lang="ja" sz="1269" u="sng"/>
+              <a:t>  </a:t>
+            </a:r>
+            <a:br>
+              <a:rPr lang="ja" sz="1100"/>
+            </a:br>
+            <a:r>
+              <a:rPr lang="ja" sz="1100" u="sng"/>
+              <a:t>概要</a:t>
+            </a:r>
+            <a:br>
+              <a:rPr lang="ja" sz="722"/>
+            </a:br>
+            <a:r>
+              <a:rPr lang="ja" sz="722"/>
+              <a:t>- LLMは、単独のコードの生成などの単純なタスクで優れた性能を発揮するが、実世界のソフトウェア開発では、複雑な依存関係と広範なドキュメントを持つリポジトリが関与することで、性能が低下することが観測</a:t>
+            </a:r>
+            <a:br>
+              <a:rPr lang="ja" sz="722"/>
+            </a:br>
+            <a:r>
+              <a:rPr lang="ja" sz="722"/>
+              <a:t>- CodeAgentは、LLMベースのエージェントフレームワークであり、外部ツールを活用して実効的なリポジトリレベルのコード生成を実現する。</a:t>
+            </a:r>
+            <a:br>
+              <a:rPr lang="ja" sz="722"/>
+            </a:br>
+            <a:r>
+              <a:rPr lang="ja" sz="722"/>
+              <a:t>CodeAgentは、情報取得、コードシンボルのナビゲーション、コードテストなどのソフトウェアアーティファクトとのインタラクションを可能にする5つのプログラミングツールを統合している。</a:t>
+            </a:r>
+            <a:br>
+              <a:rPr lang="ja" sz="722"/>
+            </a:br>
+            <a:r>
+              <a:rPr lang="ja" sz="722"/>
+              <a:t>- CodeAgentは、商用製品であるGithub Copilotを上回る精度と効率を示し、実際のリポジトリレベルのコーディング課題における優れた性能を確認している。</a:t>
+            </a:r>
+            <a:endParaRPr sz="722"/>
+          </a:p>
+          <a:p>
+            <a:pPr indent="0" lvl="0" marL="0" rtl="0" algn="l">
+              <a:spcBef>
+                <a:spcPts val="1200"/>
+              </a:spcBef>
+              <a:spcAft>
+                <a:spcPts val="0"/>
+              </a:spcAft>
+              <a:buNone/>
+            </a:pPr>
+            <a:r>
+              <a:rPr lang="ja" sz="1100" u="sng"/>
+              <a:t>新規性</a:t>
+            </a:r>
+            <a:br>
+              <a:rPr lang="ja" sz="1100"/>
+            </a:br>
+            <a:r>
+              <a:rPr lang="ja" sz="800"/>
+              <a:t>実際のソフトウェア開発における複雑なリポジトリ環境を考慮した CODEAGENTBENCH は、5つの高品質なPythonプロジェクトからなる101のサンプルで構成されており、9つの主要なLLMを評価しています。また、LLMの性能向上のために、外部ツールを利用する新しいエージェントフレームワークです。</a:t>
+            </a:r>
+            <a:br>
+              <a:rPr lang="ja" sz="800"/>
+            </a:br>
+            <a:r>
+              <a:rPr lang="ja" sz="800"/>
+              <a:t>実験結果では、CODEAGENTを使用することで、LLMの性能が18.1%から250%向上したことが示されています。</a:t>
+            </a:r>
+            <a:br>
+              <a:rPr lang="ja" sz="800"/>
+            </a:br>
+            <a:r>
+              <a:rPr lang="ja" sz="800"/>
+              <a:t>さらに、HumanEvalベンチマークにおけるCODEAGENTの適応性と有効性も確認されており、商業製品と比較しても高い精度と効率性が見られます</a:t>
+            </a:r>
+            <a:endParaRPr sz="800"/>
+          </a:p>
+          <a:p>
+            <a:pPr indent="0" lvl="0" marL="0" rtl="0" algn="l">
+              <a:spcBef>
+                <a:spcPts val="1200"/>
+              </a:spcBef>
+              <a:spcAft>
+                <a:spcPts val="0"/>
+              </a:spcAft>
+              <a:buNone/>
+            </a:pPr>
+            <a:r>
+              <a:rPr lang="ja" sz="1100" u="sng"/>
+              <a:t>手法</a:t>
+            </a:r>
+            <a:br>
+              <a:rPr lang="ja" sz="800"/>
+            </a:br>
+            <a:r>
+              <a:rPr lang="ja" sz="800"/>
+              <a:t>CODEAGENTBENCHは、ドキュメンテーション、コード依存関係、ランタイム環境、自己完結型テストスイート、</a:t>
+            </a:r>
+            <a:br>
+              <a:rPr lang="ja" sz="800"/>
+            </a:br>
+            <a:r>
+              <a:rPr lang="ja" sz="800"/>
+              <a:t>そして正解ソリューションなど、豊富な情報を提供します。</a:t>
+            </a:r>
+            <a:br>
+              <a:rPr lang="ja" sz="800"/>
+            </a:br>
+            <a:r>
+              <a:rPr lang="ja" sz="800"/>
+              <a:t>このベンチマークは、Pythonで記述された5つのリポジトリから101の関数を含み、平均3.1のコード依存関係を持っています。</a:t>
+            </a:r>
+            <a:br>
+              <a:rPr lang="ja" sz="800"/>
+            </a:br>
+            <a:r>
+              <a:rPr lang="ja" sz="800"/>
+              <a:t>また、CODEAGENTは、情報収集、コード実装、コードテストを支援するための外部ツールを提供し、</a:t>
+            </a:r>
+            <a:br>
+              <a:rPr lang="ja" sz="800"/>
+            </a:br>
+            <a:r>
+              <a:rPr lang="ja" sz="800"/>
+              <a:t>LLMがこれらのツールと適切に対話するための4つのエージェント戦略を探求しています</a:t>
+            </a:r>
+            <a:endParaRPr sz="800"/>
+          </a:p>
+          <a:p>
+            <a:pPr indent="0" lvl="0" marL="0" rtl="0" algn="l">
+              <a:spcBef>
+                <a:spcPts val="1200"/>
+              </a:spcBef>
+              <a:spcAft>
+                <a:spcPts val="0"/>
+              </a:spcAft>
+              <a:buNone/>
+            </a:pPr>
+            <a:r>
+              <a:rPr lang="ja" sz="800"/>
+              <a:t>1. ベンチマークの構成: CODEAGENTBENCHは、リポジトリ内の複雑な呼び出し関係に基づいています。</a:t>
+            </a:r>
+            <a:br>
+              <a:rPr lang="ja" sz="800"/>
+            </a:br>
+            <a:r>
+              <a:rPr lang="ja" sz="800"/>
+              <a:t>各タスクは、ドキュメンテーション、コード依存関係、ランタイム環境、自己完結型テストスイート、</a:t>
+            </a:r>
+            <a:br>
+              <a:rPr lang="ja" sz="800"/>
+            </a:br>
+            <a:r>
+              <a:rPr lang="ja" sz="800"/>
+              <a:t>標準解答などの情報を提供します。</a:t>
+            </a:r>
+            <a:br>
+              <a:rPr lang="ja" sz="800"/>
+            </a:br>
+            <a:r>
+              <a:rPr lang="ja" sz="800"/>
+              <a:t>2. ベンチマーク入力: ドキュメンテーションは、要件に基づいて生成ターゲットを記述し、追加の情報を提供します。</a:t>
+            </a:r>
+            <a:br>
+              <a:rPr lang="ja" sz="800"/>
+            </a:br>
+            <a:r>
+              <a:rPr lang="ja" sz="800"/>
+              <a:t>また、コードの文脈依存性やランタイム環境も重要な要素です。</a:t>
+            </a:r>
+            <a:br>
+              <a:rPr lang="ja" sz="800"/>
+            </a:br>
+            <a:r>
+              <a:rPr lang="ja" sz="800"/>
+              <a:t>3. ベンチマークの基準真実出力: リポジトリ内の解答を初期ソリューションとして使用し、参加者がこれらを手動で精緻化します。</a:t>
+            </a:r>
+            <a:br>
+              <a:rPr lang="ja" sz="800"/>
+            </a:br>
+            <a:r>
+              <a:rPr lang="ja" sz="800"/>
+              <a:t>解答は、リポジトリ情報に基づいて表面エラーをチェックし、ソリューションを実行して実行バグを識別・修正し、</a:t>
+            </a:r>
+            <a:br>
+              <a:rPr lang="ja" sz="800"/>
+            </a:br>
+            <a:r>
+              <a:rPr lang="ja" sz="800"/>
+              <a:t>テストスイートを実行して機能的正確性を保証します。</a:t>
+            </a:r>
+            <a:br>
+              <a:rPr lang="ja" sz="800"/>
+            </a:br>
+            <a:r>
+              <a:rPr lang="ja" sz="800"/>
+              <a:t>4. ベンチマーク評価: 生成されたプログラムの正確性を評価するために、CODEAGENTBENCHは各タスクに対して</a:t>
+            </a:r>
+            <a:br>
+              <a:rPr lang="ja" sz="800"/>
+            </a:br>
+            <a:r>
+              <a:rPr lang="ja" sz="800"/>
+              <a:t>自己完結型のテストスイートを提供します。</a:t>
+            </a:r>
+            <a:br>
+              <a:rPr lang="ja" sz="800"/>
+            </a:br>
+            <a:r>
+              <a:rPr lang="ja" sz="800"/>
+              <a:t>新しいタスクに対しては、対応する単体テストコードを実行して、生成されたプログラムを検証します。</a:t>
+            </a:r>
+            <a:br>
+              <a:rPr lang="ja" sz="800"/>
+            </a:br>
+            <a:r>
+              <a:rPr lang="ja" sz="800"/>
+              <a:t>プログラムがテストスイートのすべての基準真実と一致する場合のみ、正しく扱われます​​。</a:t>
+            </a:r>
+            <a:br>
+              <a:rPr lang="ja" sz="800"/>
+            </a:br>
+            <a:r>
+              <a:rPr lang="ja" sz="800"/>
+              <a:t>5. ベンチマーク構築プロセス: CODEAGENTBENCHは、様々なトピックから選ばれた5つの高スターGitHubリポジトリからなり、</a:t>
+            </a:r>
+            <a:br>
+              <a:rPr lang="ja" sz="800"/>
+            </a:br>
+            <a:r>
+              <a:rPr lang="ja" sz="800"/>
+              <a:t>Pythonで記述された101の関数を含んでいます。</a:t>
+            </a:r>
+            <a:br>
+              <a:rPr lang="ja" sz="800"/>
+            </a:br>
+            <a:r>
+              <a:rPr lang="ja" sz="800"/>
+              <a:t>このベンチマークの構築には約600人時がかかり、各参加者は2-5年のPythonプログラミング経験を持っています​​。</a:t>
+            </a:r>
+            <a:endParaRPr sz="800"/>
+          </a:p>
+          <a:p>
+            <a:pPr indent="0" lvl="0" marL="0" rtl="0" algn="l">
+              <a:spcBef>
+                <a:spcPts val="1200"/>
+              </a:spcBef>
+              <a:spcAft>
+                <a:spcPts val="0"/>
+              </a:spcAft>
+              <a:buNone/>
+            </a:pPr>
+            <a:r>
+              <a:rPr lang="ja" sz="800"/>
+              <a:t>このように、CODEAGENTBENCHは、実際のソフトウェア開発環境を模倣した複雑なコード生成タスクを実行します</a:t>
+            </a:r>
+            <a:endParaRPr sz="800"/>
+          </a:p>
+          <a:p>
+            <a:pPr indent="0" lvl="0" marL="0" rtl="0" algn="l">
+              <a:spcBef>
+                <a:spcPts val="1200"/>
+              </a:spcBef>
+              <a:spcAft>
+                <a:spcPts val="1200"/>
+              </a:spcAft>
+              <a:buNone/>
+            </a:pPr>
+            <a:r>
+              <a:rPr lang="ja" sz="1122" u="sng"/>
+              <a:t>結果</a:t>
+            </a:r>
+            <a:br>
+              <a:rPr lang="ja" sz="1122"/>
+            </a:br>
+            <a:r>
+              <a:rPr lang="ja" sz="822"/>
+              <a:t>実験では、CODEAGENTを9つの主要なLLMに適用し、CODEAGENTBENCHにおいて顕著な性能向上を確認しました。特にGPT-4モデルでは、ベースライン（NoAgent）に対して72.7%の相対的な向上（最大15.8%の増加）を観測しました。また、HumanEvalベンチマークにおけるCODEAGENTの有効性も検証され、様々なコード生成タスクにおいてLLMの能力を強化することが確認されました</a:t>
+            </a:r>
+            <a:endParaRPr sz="822"/>
+          </a:p>
+        </p:txBody>
+      </p:sp>
+      <p:pic>
+        <p:nvPicPr>
+          <p:cNvPr id="211" name="Google Shape;211;p39"/>
+          <p:cNvPicPr preferRelativeResize="0"/>
+          <p:nvPr/>
+        </p:nvPicPr>
+        <p:blipFill>
+          <a:blip r:embed="rId3">
+            <a:alphaModFix/>
+          </a:blip>
+          <a:stretch>
+            <a:fillRect/>
+          </a:stretch>
+        </p:blipFill>
+        <p:spPr>
+          <a:xfrm>
+            <a:off x="5874250" y="1659400"/>
+            <a:ext cx="2933700" cy="2952750"/>
+          </a:xfrm>
+          <a:prstGeom prst="rect">
+            <a:avLst/>
+          </a:prstGeom>
+          <a:noFill/>
+          <a:ln>
+            <a:noFill/>
+          </a:ln>
+        </p:spPr>
+      </p:pic>
+    </p:spTree>
+  </p:cSld>
+  <p:clrMapOvr>
+    <a:masterClrMapping/>
+  </p:clrMapOvr>
+</p:sld>
+</file>
+
+<file path=ppt/slides/slide28.xml><?xml version="1.0" encoding="utf-8"?>
+<p:sld xmlns:a="http://schemas.openxmlformats.org/drawingml/2006/main" xmlns:r="http://schemas.openxmlformats.org/officeDocument/2006/relationships" xmlns:mc="http://schemas.openxmlformats.org/markup-compatibility/2006" xmlns:mv="urn:schemas-microsoft-com:mac:vml" xmlns:p="http://schemas.openxmlformats.org/presentationml/2006/main" xmlns:c="http://schemas.openxmlformats.org/drawingml/2006/chart" xmlns:dgm="http://schemas.openxmlformats.org/drawingml/2006/diagram" xmlns:o="urn:schemas-microsoft-com:office:office" xmlns:v="urn:schemas-microsoft-com:vml" xmlns:pvml="urn:schemas-microsoft-com:office:powerpoint" xmlns:com="http://schemas.openxmlformats.org/drawingml/2006/compatibility" xmlns:p14="http://schemas.microsoft.com/office/powerpoint/2010/main" xmlns:p15="http://schemas.microsoft.com/office/powerpoint/2012/main" xmlns:ahyp="http://schemas.microsoft.com/office/drawing/2018/hyperlinkcolor">
+  <p:cSld>
+    <p:spTree>
+      <p:nvGrpSpPr>
+        <p:cNvPr id="215" name="Shape 215"/>
+        <p:cNvGrpSpPr/>
+        <p:nvPr/>
+      </p:nvGrpSpPr>
+      <p:grpSpPr>
+        <a:xfrm>
+          <a:off x="0" y="0"/>
+          <a:ext cx="0" cy="0"/>
+          <a:chOff x="0" y="0"/>
+          <a:chExt cx="0" cy="0"/>
+        </a:xfrm>
+      </p:grpSpPr>
+      <p:sp>
+        <p:nvSpPr>
+          <p:cNvPr id="216" name="Google Shape;216;p40"/>
+          <p:cNvSpPr txBox="1"/>
+          <p:nvPr>
+            <p:ph idx="1" type="body"/>
+          </p:nvPr>
+        </p:nvSpPr>
+        <p:spPr>
+          <a:xfrm>
+            <a:off x="0" y="0"/>
+            <a:ext cx="9144000" cy="5049600"/>
+          </a:xfrm>
+          <a:prstGeom prst="rect">
+            <a:avLst/>
+          </a:prstGeom>
+        </p:spPr>
+        <p:txBody>
+          <a:bodyPr anchorCtr="0" anchor="t" bIns="91425" lIns="91425" spcFirstLastPara="1" rIns="91425" wrap="square" tIns="91425">
+            <a:normAutofit fontScale="85000" lnSpcReduction="20000"/>
+          </a:bodyPr>
+          <a:lstStyle/>
+          <a:p>
+            <a:pPr indent="0" lvl="0" marL="0" rtl="0" algn="l">
+              <a:spcBef>
+                <a:spcPts val="0"/>
+              </a:spcBef>
+              <a:spcAft>
+                <a:spcPts val="0"/>
+              </a:spcAft>
+              <a:buNone/>
+            </a:pPr>
+            <a:r>
+              <a:rPr lang="ja" sz="1200" u="sng"/>
+              <a:t>Walert: Putting Conversational Search Knowledge into Action by Building and Evaluating a Large Language Model-Powered Chatbot</a:t>
+            </a:r>
+            <a:r>
+              <a:rPr lang="ja" sz="1200" u="sng"/>
+              <a:t> 2024</a:t>
+            </a:r>
+            <a:r>
+              <a:rPr lang="ja" sz="1269" u="sng"/>
+              <a:t>  </a:t>
+            </a:r>
+            <a:br>
+              <a:rPr lang="ja" sz="1100"/>
+            </a:br>
+            <a:r>
+              <a:rPr lang="ja" sz="1100" u="sng"/>
+              <a:t>概要</a:t>
+            </a:r>
+            <a:br>
+              <a:rPr lang="ja" sz="722"/>
+            </a:br>
+            <a:r>
+              <a:rPr lang="ja" sz="722"/>
+              <a:t>- 大規模言語モデル(LLM)を利用したWalertは、RMIT大学のコンピュータサイエンス学位およびプログラムに関するよくある質問に答えるカスタマイズされた会話型エージェントである。</a:t>
+            </a:r>
+            <a:br>
+              <a:rPr lang="ja" sz="722"/>
+            </a:br>
+            <a:r>
+              <a:rPr lang="ja" sz="722"/>
+              <a:t>- このデモは、会話型情報検索研究者が最善の手法を使用する利点をステークホルダーに効果的に伝える方法を示すことを目的としており、</a:t>
+            </a:r>
+            <a:br>
+              <a:rPr lang="ja" sz="722"/>
+            </a:br>
+            <a:r>
+              <a:rPr lang="ja" sz="722"/>
+              <a:t>業界の実務家がこの知識にアクセスできないことがしばしばあるため、実務家がよく見落とすことがあるこれらの手法を紹介している。</a:t>
+            </a:r>
+            <a:br>
+              <a:rPr lang="ja" sz="722"/>
+            </a:br>
+            <a:r>
+              <a:rPr lang="ja" sz="722"/>
+              <a:t>- このデモのデータとコード、https://github.com/rmit-ir/walert</a:t>
+            </a:r>
+            <a:endParaRPr sz="722"/>
+          </a:p>
+          <a:p>
+            <a:pPr indent="0" lvl="0" marL="0" rtl="0" algn="l">
+              <a:spcBef>
+                <a:spcPts val="1200"/>
+              </a:spcBef>
+              <a:spcAft>
+                <a:spcPts val="0"/>
+              </a:spcAft>
+              <a:buNone/>
+            </a:pPr>
+            <a:r>
+              <a:rPr lang="ja" sz="1100" u="sng"/>
+              <a:t>概要</a:t>
+            </a:r>
+            <a:br>
+              <a:rPr lang="ja" sz="1100"/>
+            </a:br>
+            <a:r>
+              <a:rPr lang="ja" sz="800"/>
+              <a:t>会話エージェント「Walert」を紹介します。Walertは、RMIT大学のコンピュータサイエンスの学位やプログラムに関する頻繁に尋ねられる質問に回答することができます。</a:t>
+            </a:r>
+            <a:br>
+              <a:rPr lang="ja" sz="800"/>
+            </a:br>
+            <a:r>
+              <a:rPr lang="ja" sz="800"/>
+              <a:t>LLMを利用した会話型エージェントは、特に閉じたドメインの質問に対する時間とリソースの節約ができますが、機密データの漏洩のリスクや、構造化された文書への限定的なアクセスが、製品品質に影響を与えることがあります。</a:t>
+            </a:r>
+            <a:endParaRPr sz="800"/>
+          </a:p>
+          <a:p>
+            <a:pPr indent="0" lvl="0" marL="0" rtl="0" algn="l">
+              <a:spcBef>
+                <a:spcPts val="1200"/>
+              </a:spcBef>
+              <a:spcAft>
+                <a:spcPts val="0"/>
+              </a:spcAft>
+              <a:buNone/>
+            </a:pPr>
+            <a:r>
+              <a:rPr lang="ja" sz="1100" u="sng"/>
+              <a:t>手法</a:t>
+            </a:r>
+            <a:br>
+              <a:rPr lang="ja" sz="800"/>
+            </a:br>
+            <a:r>
+              <a:rPr lang="ja" sz="800"/>
+              <a:t>プロトタイプの実装に2つの異なるアプローチを使用しました：インテントベース（IB）とリトリーバル拡張生成（RAG）。IBアプローチは、予め定義されたインテントに基づく構造化された予測可能な対話に適しています。一方、RAGアプローチは、知識ベース（KB）から情報を取得し、よりオープンドメインでダイナミックな会話に適しています。RAGアプローチは、回答を含む可能性のあるパッセージを取得する初期段階と、上位のパッセージから要約を生成する第2段階から構成されています</a:t>
+            </a:r>
+            <a:br>
+              <a:rPr lang="ja" sz="800"/>
+            </a:br>
+            <a:r>
+              <a:rPr lang="ja" sz="800"/>
+              <a:t>インテントベース（IB）アプローチ:</a:t>
+            </a:r>
+            <a:br>
+              <a:rPr lang="ja" sz="800"/>
+            </a:br>
+            <a:r>
+              <a:rPr lang="ja" sz="800"/>
+              <a:t>1. データ収集: RMIT大学のコンピューティングテクノロジーズ学部から提供された、よくある質問（FAQ）を収集し、これを知識ベース（KB）として使用します。このFAQには、コンピュータサイエンスのコースとプログラムに関する一般的な質問が含まれています​​。</a:t>
+            </a:r>
+            <a:br>
+              <a:rPr lang="ja" sz="800"/>
+            </a:br>
+            <a:r>
+              <a:rPr lang="ja" sz="800"/>
+              <a:t>2. インテントのマッピング: FAQ内の各質問を会話モデル内のインテント（システムによって認識可能なアクションの一つ）にマッピングします。このアプローチは、回答の正確さを最適化することを目指していますが、FAQに存在する質問（既知の回答がある質問）にのみ対応します​​。</a:t>
+            </a:r>
+            <a:br>
+              <a:rPr lang="ja" sz="800"/>
+            </a:br>
+            <a:r>
+              <a:rPr lang="ja" sz="800"/>
+              <a:t>3. 訓練データの拡張: 訓練データの拡張のために、LLM（Falcon-7B）を使用して、FAQ内の質問（インテント）のために意味的に同等のバリエーションを自動的に作成します。このプロセスには、Amazon SageMaker Studioを使用しています​​。</a:t>
+            </a:r>
+            <a:br>
+              <a:rPr lang="ja" sz="800"/>
+            </a:br>
+            <a:r>
+              <a:rPr lang="ja" sz="800"/>
+              <a:t>4. コンバージョンモデルのトレーニング: 生成された質問バリエーションを使用して、Amazon Alexa Skillsを利用した会話モデルをトレーニングします。これにより、各インテントのための複数のインスタンスを訓練することが可能になります​​。</a:t>
+            </a:r>
+            <a:br>
+              <a:rPr lang="ja" sz="800"/>
+            </a:br>
+            <a:r>
+              <a:rPr lang="ja" sz="800"/>
+              <a:t>5. インテント認識モデルの構築: 有効なインテント認識モデルを構築するために、訓練されたインスタンスを使用します。このアプローチは高い精度（高い正確さ）を目指していますが、限定された数の質問（低いリコール）にのみ対応します​​。</a:t>
+            </a:r>
+            <a:endParaRPr sz="800"/>
+          </a:p>
+          <a:p>
+            <a:pPr indent="0" lvl="0" marL="0" rtl="0" algn="l">
+              <a:spcBef>
+                <a:spcPts val="1200"/>
+              </a:spcBef>
+              <a:spcAft>
+                <a:spcPts val="0"/>
+              </a:spcAft>
+              <a:buNone/>
+            </a:pPr>
+            <a:r>
+              <a:rPr lang="ja" sz="800"/>
+              <a:t>リトリーバル拡張生成（Retrieval-Augmented Generation, RAG）アプローチ:</a:t>
+            </a:r>
+            <a:br>
+              <a:rPr lang="ja" sz="800"/>
+            </a:br>
+            <a:r>
+              <a:rPr lang="ja" sz="800"/>
+              <a:t>1. 質問の収集: RMIT大学のコンピューティングテクノロジーズ学部のFAQから、質問とパッセージを収集します。このFAQにはコンピュータサイエンスのコースとプログラムに関する一般的な質問が含まれています​​。</a:t>
+            </a:r>
+            <a:br>
+              <a:rPr lang="ja" sz="800"/>
+            </a:br>
+            <a:r>
+              <a:rPr lang="ja" sz="800"/>
+              <a:t>2. 検索モデルの設定: 検索モデルとして、Okapi BM25やDense Passage Retrieval（DPR）の実装を使用し、質問に関連する可能性のあるパッセージを検索します。この検索モデルは、質問に関連する情報が含まれている可能性のある文書を検索するために使用されます​​。</a:t>
+            </a:r>
+            <a:br>
+              <a:rPr lang="ja" sz="800"/>
+            </a:br>
+            <a:r>
+              <a:rPr lang="ja" sz="800"/>
+              <a:t>3. 検索結果の使用: 検索モデルによって検索された上位のパッセージを利用して、その内容から要約を生成します。この要約は、ユーザーの質問に対する回答として機能します​​。</a:t>
+            </a:r>
+            <a:br>
+              <a:rPr lang="ja" sz="800"/>
+            </a:br>
+            <a:r>
+              <a:rPr lang="ja" sz="800"/>
+              <a:t>4. LLMの利用: 同じLLM（Falcon-7B）を使用して、質問に関連する文書に基づいて回答を生成します。このプロセスには、「質問に関連する文書に基づいて、仮想アシスタント用の音声合成に適した回答を生成する」というプロンプトが使用されます​​。</a:t>
+            </a:r>
+            <a:br>
+              <a:rPr lang="ja" sz="800"/>
+            </a:br>
+            <a:r>
+              <a:rPr lang="ja" sz="800"/>
+              <a:t>5. トップ切り捨ての実験: 上位の切り捨て数（Top-N）について実験し、1、3、5のトップ取得パッセージを使用して要約を生成します。これにより、より広範なコンテキストからより良い回答を生成することが可能になります​​。</a:t>
+            </a:r>
+            <a:br>
+              <a:rPr lang="ja" sz="800"/>
+            </a:br>
+            <a:r>
+              <a:rPr lang="ja" sz="800"/>
+              <a:t>6. 量的評価: 作成されたテストコレクションを使用して、効果評価の慣行を適用し、提案されたアプローチをコンポーネントとエンドツーエンドの両方のレベルで比較します​​。</a:t>
+            </a:r>
+            <a:br>
+              <a:rPr lang="ja" sz="800"/>
+            </a:br>
+            <a:endParaRPr sz="800"/>
+          </a:p>
+          <a:p>
+            <a:pPr indent="0" lvl="0" marL="0" rtl="0" algn="l">
+              <a:spcBef>
+                <a:spcPts val="1200"/>
+              </a:spcBef>
+              <a:spcAft>
+                <a:spcPts val="1200"/>
+              </a:spcAft>
+              <a:buNone/>
+            </a:pPr>
+            <a:r>
+              <a:rPr lang="ja" sz="1122" u="sng"/>
+              <a:t>結果</a:t>
+            </a:r>
+            <a:br>
+              <a:rPr lang="ja" sz="1122"/>
+            </a:br>
+            <a:r>
+              <a:rPr lang="ja" sz="822"/>
+              <a:t>今後の研究: Walertは、RMIT大学のコンピューティングテクノロジー学部が提供する学習プログラムに関するFAQに回答する会話型エージェントです。IBアプローチはAmazon Echoデバイスに展開され、大学のオープンデイでデモンストレーションされました。このデモは、LLMベースの会話型システムの使用とそのリスクおよび制限について、将来の学生に学ぶ機会を提供しました。現在のデモは限られた知識ベースに依存しており、今後の研究では、より広範なドキュメントセットを用いた方法論の再現、評価手法のさらなる研究、RAGアプローチのオンライン実験の展開を目指しています</a:t>
+            </a:r>
+            <a:endParaRPr sz="822"/>
+          </a:p>
+        </p:txBody>
+      </p:sp>
+    </p:spTree>
+  </p:cSld>
+  <p:clrMapOvr>
+    <a:masterClrMapping/>
+  </p:clrMapOvr>
+</p:sld>
+</file>
+
+<file path=ppt/slides/slide29.xml><?xml version="1.0" encoding="utf-8"?>
+<p:sld xmlns:a="http://schemas.openxmlformats.org/drawingml/2006/main" xmlns:r="http://schemas.openxmlformats.org/officeDocument/2006/relationships" xmlns:mc="http://schemas.openxmlformats.org/markup-compatibility/2006" xmlns:mv="urn:schemas-microsoft-com:mac:vml" xmlns:p="http://schemas.openxmlformats.org/presentationml/2006/main" xmlns:c="http://schemas.openxmlformats.org/drawingml/2006/chart" xmlns:dgm="http://schemas.openxmlformats.org/drawingml/2006/diagram" xmlns:o="urn:schemas-microsoft-com:office:office" xmlns:v="urn:schemas-microsoft-com:vml" xmlns:pvml="urn:schemas-microsoft-com:office:powerpoint" xmlns:com="http://schemas.openxmlformats.org/drawingml/2006/compatibility" xmlns:p14="http://schemas.microsoft.com/office/powerpoint/2010/main" xmlns:p15="http://schemas.microsoft.com/office/powerpoint/2012/main" xmlns:ahyp="http://schemas.microsoft.com/office/drawing/2018/hyperlinkcolor">
+  <p:cSld>
+    <p:spTree>
+      <p:nvGrpSpPr>
+        <p:cNvPr id="220" name="Shape 220"/>
+        <p:cNvGrpSpPr/>
+        <p:nvPr/>
+      </p:nvGrpSpPr>
+      <p:grpSpPr>
+        <a:xfrm>
+          <a:off x="0" y="0"/>
+          <a:ext cx="0" cy="0"/>
+          <a:chOff x="0" y="0"/>
+          <a:chExt cx="0" cy="0"/>
+        </a:xfrm>
+      </p:grpSpPr>
+      <p:sp>
+        <p:nvSpPr>
+          <p:cNvPr id="221" name="Google Shape;221;p41"/>
+          <p:cNvSpPr txBox="1"/>
+          <p:nvPr>
+            <p:ph idx="1" type="body"/>
+          </p:nvPr>
+        </p:nvSpPr>
+        <p:spPr>
+          <a:xfrm>
+            <a:off x="0" y="0"/>
+            <a:ext cx="9144000" cy="5049600"/>
+          </a:xfrm>
+          <a:prstGeom prst="rect">
+            <a:avLst/>
+          </a:prstGeom>
+        </p:spPr>
+        <p:txBody>
+          <a:bodyPr anchorCtr="0" anchor="t" bIns="91425" lIns="91425" spcFirstLastPara="1" rIns="91425" wrap="square" tIns="91425">
+            <a:normAutofit fontScale="85000" lnSpcReduction="20000"/>
+          </a:bodyPr>
+          <a:lstStyle/>
+          <a:p>
+            <a:pPr indent="0" lvl="0" marL="0" rtl="0" algn="l">
+              <a:spcBef>
+                <a:spcPts val="0"/>
+              </a:spcBef>
+              <a:spcAft>
+                <a:spcPts val="0"/>
+              </a:spcAft>
+              <a:buNone/>
+            </a:pPr>
+            <a:r>
+              <a:rPr lang="ja" sz="1200" u="sng"/>
+              <a:t>Large Language Models are Null-Shot Learners</a:t>
+            </a:r>
+            <a:r>
+              <a:rPr lang="ja" sz="1200" u="sng"/>
+              <a:t> 2024</a:t>
+            </a:r>
+            <a:r>
+              <a:rPr lang="ja" sz="1269" u="sng"/>
+              <a:t>  </a:t>
+            </a:r>
+            <a:br>
+              <a:rPr lang="ja" sz="1100"/>
+            </a:br>
+            <a:r>
+              <a:rPr lang="ja" sz="1100" u="sng"/>
+              <a:t>概要</a:t>
+            </a:r>
+            <a:br>
+              <a:rPr lang="ja" sz="722"/>
+            </a:br>
+            <a:r>
+              <a:rPr lang="ja" sz="722"/>
+              <a:t>- 大規模言語モデルはnull-shotプロンプティングを利用して、提供された文脈内に存在しない「Examples」セクションの情報を使用してタスクを実行する。</a:t>
+            </a:r>
+            <a:br>
+              <a:rPr lang="ja" sz="722"/>
+            </a:br>
+            <a:r>
+              <a:rPr lang="ja" sz="722"/>
+              <a:t>- null-shotプロンプティングを利用することで、読解、算術推論、クローズドブック質問への回答など8つのデータセットの性能が向上することが実験で示された。</a:t>
+            </a:r>
+            <a:br>
+              <a:rPr lang="ja" sz="722"/>
+            </a:br>
+            <a:r>
+              <a:rPr lang="ja" sz="722"/>
+              <a:t>- null-shotプロンプティングを使用することで、異なる言語モデルに固有の幻覚の程度を検出することが可能であり、既存のベンチマークデータセットを使用してこれらの差異を示すことができる。</a:t>
+            </a:r>
+            <a:endParaRPr sz="722"/>
+          </a:p>
+          <a:p>
+            <a:pPr indent="0" lvl="0" marL="0" rtl="0" algn="l">
+              <a:spcBef>
+                <a:spcPts val="1200"/>
+              </a:spcBef>
+              <a:spcAft>
+                <a:spcPts val="0"/>
+              </a:spcAft>
+              <a:buNone/>
+            </a:pPr>
+            <a:r>
+              <a:rPr lang="ja" sz="1100" u="sng"/>
+              <a:t>新規性</a:t>
+            </a:r>
+            <a:br>
+              <a:rPr lang="ja" sz="1100"/>
+            </a:br>
+            <a:r>
+              <a:rPr lang="ja" sz="800"/>
+              <a:t>ヌルショット（∅-shot）プロンプトを提案します。ヌルショットプロンプトは、大規模言語モデル（LLM）に文脈に存在しない</a:t>
+            </a:r>
+            <a:br>
+              <a:rPr lang="ja" sz="800"/>
+            </a:br>
+            <a:r>
+              <a:rPr lang="ja" sz="800"/>
+              <a:t>「例」セクションから情報を利用するよう指示することで、LLMの幻覚を利用します。LLMの日常的および重要な用途において</a:t>
+            </a:r>
+            <a:br>
+              <a:rPr lang="ja" sz="800"/>
+            </a:br>
+            <a:r>
+              <a:rPr lang="ja" sz="800"/>
+              <a:t>幻覚を減少させることが重要である一方で、現在の状況ではこれらのLLMがまだ幻覚を起こすことがあるため、</a:t>
+            </a:r>
+            <a:br>
+              <a:rPr lang="ja" sz="800"/>
+            </a:br>
+            <a:r>
+              <a:rPr lang="ja" sz="800"/>
+              <a:t>標準的なゼロショットプロンプトに比べてタスクのパフォーマンスを向上させることが可能であることを提案します。</a:t>
+            </a:r>
+            <a:br>
+              <a:rPr lang="ja" sz="800"/>
+            </a:br>
+            <a:r>
+              <a:rPr lang="ja" sz="800"/>
+              <a:t>6つのLLMで実施された実験では、読解、算数推論、クローズドブック質問応答など、8つのデータセットの大部分で</a:t>
+            </a:r>
+            <a:br>
+              <a:rPr lang="ja" sz="800"/>
+            </a:br>
+            <a:r>
+              <a:rPr lang="ja" sz="800"/>
+              <a:t>パフォーマンスが向上しています。</a:t>
+            </a:r>
+            <a:endParaRPr sz="800"/>
+          </a:p>
+          <a:p>
+            <a:pPr indent="0" lvl="0" marL="0" rtl="0" algn="l">
+              <a:spcBef>
+                <a:spcPts val="1200"/>
+              </a:spcBef>
+              <a:spcAft>
+                <a:spcPts val="0"/>
+              </a:spcAft>
+              <a:buNone/>
+            </a:pPr>
+            <a:r>
+              <a:rPr lang="ja" sz="1100" u="sng"/>
+              <a:t>手法</a:t>
+            </a:r>
+            <a:br>
+              <a:rPr lang="ja" sz="800"/>
+            </a:br>
+            <a:r>
+              <a:rPr lang="ja" sz="800"/>
+              <a:t> この研究では、ヌルショットプロンプトのパフォーマンスを評価するために、主な実験用の4つのモデルとスケーリング分析用</a:t>
+            </a:r>
+            <a:br>
+              <a:rPr lang="ja" sz="800"/>
+            </a:br>
+            <a:r>
+              <a:rPr lang="ja" sz="800"/>
+              <a:t>の追加2つのモデルで実験を行いました。主な実験で使用されたLLMはPaLM 2、PaLM 2 for Chat、GPT-3.5 Turbo、GPT-4 Turboです。</a:t>
+            </a:r>
+            <a:br>
+              <a:rPr lang="ja" sz="800"/>
+            </a:br>
+            <a:r>
+              <a:rPr lang="ja" sz="800"/>
+              <a:t>スケーリング分析では、Llama 2 7BとLlama 2 7B Chatが使用されました。8つのデータセットをまたいで6つのタスクで評価を実施しました。</a:t>
+            </a:r>
+            <a:endParaRPr sz="800"/>
+          </a:p>
+          <a:p>
+            <a:pPr indent="0" lvl="0" marL="0" rtl="0" algn="l">
+              <a:spcBef>
+                <a:spcPts val="1200"/>
+              </a:spcBef>
+              <a:spcAft>
+                <a:spcPts val="0"/>
+              </a:spcAft>
+              <a:buNone/>
+            </a:pPr>
+            <a:r>
+              <a:rPr lang="ja" sz="800"/>
+              <a:t>ヌルショットプロンプト（∅-shot prompting）: 文脈内に存在しない「例」セクションから情報を利用するよう指示します</a:t>
+            </a:r>
+            <a:br>
+              <a:rPr lang="ja" sz="800"/>
+            </a:br>
+            <a:br>
+              <a:rPr lang="ja" sz="800"/>
+            </a:br>
+            <a:r>
+              <a:rPr lang="ja" sz="800"/>
+              <a:t>1. プロンプトに、LLMに「例」セクションを参照するよう指示する内容を含めます。</a:t>
+            </a:r>
+            <a:br>
+              <a:rPr lang="ja" sz="800"/>
+            </a:br>
+            <a:r>
+              <a:rPr lang="ja" sz="800"/>
+              <a:t>この「例」セクションは実際には存在しないため、LLMは幻覚を起こすことになります。</a:t>
+            </a:r>
+            <a:br>
+              <a:rPr lang="ja" sz="800"/>
+            </a:br>
+            <a:r>
+              <a:rPr lang="ja" sz="800"/>
+              <a:t>2. LLMに、この架空の「例」セクションから得られる情報を基に、特定のタスクを実行するよう求めます。</a:t>
+            </a:r>
+            <a:br>
+              <a:rPr lang="ja" sz="800"/>
+            </a:br>
+            <a:r>
+              <a:rPr lang="ja" sz="800"/>
+              <a:t>3. LLMが、実際には存在しない情報を基に回答を生成することになります。</a:t>
+            </a:r>
+            <a:endParaRPr sz="800"/>
+          </a:p>
+          <a:p>
+            <a:pPr indent="0" lvl="0" marL="0" rtl="0" algn="l">
+              <a:spcBef>
+                <a:spcPts val="1200"/>
+              </a:spcBef>
+              <a:spcAft>
+                <a:spcPts val="0"/>
+              </a:spcAft>
+              <a:buNone/>
+            </a:pPr>
+            <a:r>
+              <a:rPr lang="ja" sz="1122" u="sng"/>
+              <a:t>結果</a:t>
+            </a:r>
+            <a:br>
+              <a:rPr lang="ja" sz="1122"/>
+            </a:br>
+            <a:r>
+              <a:rPr lang="ja" sz="822"/>
+              <a:t>全体として、ヌルショットとゼロショットプロンプトを比較した際に各データセットとモデルの組み合わせで</a:t>
+            </a:r>
+            <a:br>
+              <a:rPr lang="ja" sz="822"/>
+            </a:br>
+            <a:r>
+              <a:rPr lang="ja" sz="822"/>
+              <a:t>パフォーマンスの全体的な向上が観察されました。特に、算数推論タスクにおいて、GPT-3.5 Turboが最も顕著な</a:t>
+            </a:r>
+            <a:br>
+              <a:rPr lang="ja" sz="822"/>
+            </a:br>
+            <a:r>
+              <a:rPr lang="ja" sz="822"/>
+              <a:t>パフォーマンス向上を示しました。一方、GPT-4 Turboでは特にStrategyQAとWinoGrandeといった常識推論タスクで、パフォーマンスが低下しています</a:t>
+            </a:r>
+            <a:endParaRPr sz="822"/>
+          </a:p>
+          <a:p>
+            <a:pPr indent="0" lvl="0" marL="0" rtl="0" algn="l">
+              <a:spcBef>
+                <a:spcPts val="1200"/>
+              </a:spcBef>
+              <a:spcAft>
+                <a:spcPts val="0"/>
+              </a:spcAft>
+              <a:buNone/>
+            </a:pPr>
+            <a:r>
+              <a:rPr lang="ja" sz="822"/>
+              <a:t>ここまでくるとなんでもありだなって感じ</a:t>
+            </a:r>
+            <a:endParaRPr sz="822"/>
+          </a:p>
+          <a:p>
+            <a:pPr indent="0" lvl="0" marL="0" rtl="0" algn="l">
+              <a:spcBef>
+                <a:spcPts val="1200"/>
+              </a:spcBef>
+              <a:spcAft>
+                <a:spcPts val="0"/>
+              </a:spcAft>
+              <a:buNone/>
+            </a:pPr>
+            <a:r>
+              <a:t/>
+            </a:r>
+            <a:endParaRPr sz="822"/>
+          </a:p>
+          <a:p>
+            <a:pPr indent="0" lvl="0" marL="0" rtl="0" algn="l">
+              <a:spcBef>
+                <a:spcPts val="1200"/>
+              </a:spcBef>
+              <a:spcAft>
+                <a:spcPts val="0"/>
+              </a:spcAft>
+              <a:buNone/>
+            </a:pPr>
+            <a:r>
+              <a:t/>
+            </a:r>
+            <a:endParaRPr sz="822"/>
+          </a:p>
+          <a:p>
+            <a:pPr indent="0" lvl="0" marL="0" rtl="0" algn="l">
+              <a:spcBef>
+                <a:spcPts val="1200"/>
+              </a:spcBef>
+              <a:spcAft>
+                <a:spcPts val="0"/>
+              </a:spcAft>
+              <a:buNone/>
+            </a:pPr>
+            <a:r>
+              <a:t/>
+            </a:r>
+            <a:endParaRPr sz="822"/>
+          </a:p>
+          <a:p>
+            <a:pPr indent="0" lvl="0" marL="0" rtl="0" algn="l">
+              <a:spcBef>
+                <a:spcPts val="1200"/>
+              </a:spcBef>
+              <a:spcAft>
+                <a:spcPts val="1200"/>
+              </a:spcAft>
+              <a:buNone/>
+            </a:pPr>
+            <a:r>
+              <a:t/>
+            </a:r>
+            <a:endParaRPr sz="822"/>
+          </a:p>
+        </p:txBody>
+      </p:sp>
+      <p:pic>
+        <p:nvPicPr>
+          <p:cNvPr id="222" name="Google Shape;222;p41"/>
+          <p:cNvPicPr preferRelativeResize="0"/>
+          <p:nvPr/>
+        </p:nvPicPr>
+        <p:blipFill>
+          <a:blip r:embed="rId3">
+            <a:alphaModFix/>
+          </a:blip>
+          <a:stretch>
+            <a:fillRect/>
+          </a:stretch>
+        </p:blipFill>
+        <p:spPr>
+          <a:xfrm>
+            <a:off x="2454525" y="3619250"/>
+            <a:ext cx="6649499" cy="1397675"/>
+          </a:xfrm>
+          <a:prstGeom prst="rect">
+            <a:avLst/>
+          </a:prstGeom>
+          <a:noFill/>
+          <a:ln>
+            <a:noFill/>
+          </a:ln>
+        </p:spPr>
+      </p:pic>
+      <p:pic>
+        <p:nvPicPr>
+          <p:cNvPr id="223" name="Google Shape;223;p41"/>
+          <p:cNvPicPr preferRelativeResize="0"/>
+          <p:nvPr/>
+        </p:nvPicPr>
+        <p:blipFill>
+          <a:blip r:embed="rId4">
+            <a:alphaModFix/>
+          </a:blip>
+          <a:stretch>
+            <a:fillRect/>
+          </a:stretch>
+        </p:blipFill>
+        <p:spPr>
+          <a:xfrm>
+            <a:off x="5828401" y="694600"/>
+            <a:ext cx="3136450" cy="2635825"/>
+          </a:xfrm>
+          <a:prstGeom prst="rect">
+            <a:avLst/>
+          </a:prstGeom>
+          <a:noFill/>
+          <a:ln>
+            <a:noFill/>
+          </a:ln>
+        </p:spPr>
+      </p:pic>
+    </p:spTree>
+  </p:cSld>
+  <p:clrMapOvr>
+    <a:masterClrMapping/>
+  </p:clrMapOvr>
+</p:sld>
+</file>
+
 <file path=ppt/slides/slide3.xml><?xml version="1.0" encoding="utf-8"?>
 <p:sld xmlns:a="http://schemas.openxmlformats.org/drawingml/2006/main" xmlns:r="http://schemas.openxmlformats.org/officeDocument/2006/relationships" xmlns:mc="http://schemas.openxmlformats.org/markup-compatibility/2006" xmlns:mv="urn:schemas-microsoft-com:mac:vml" xmlns:p="http://schemas.openxmlformats.org/presentationml/2006/main" xmlns:c="http://schemas.openxmlformats.org/drawingml/2006/chart" xmlns:dgm="http://schemas.openxmlformats.org/drawingml/2006/diagram" xmlns:o="urn:schemas-microsoft-com:office:office" xmlns:v="urn:schemas-microsoft-com:vml" xmlns:pvml="urn:schemas-microsoft-com:office:powerpoint" xmlns:com="http://schemas.openxmlformats.org/drawingml/2006/compatibility" xmlns:p14="http://schemas.microsoft.com/office/powerpoint/2010/main" xmlns:p15="http://schemas.microsoft.com/office/powerpoint/2012/main" xmlns:ahyp="http://schemas.microsoft.com/office/drawing/2018/hyperlinkcolor">
   <p:cSld>
@@ -13302,6 +16753,433 @@
           </a:p>
         </p:txBody>
       </p:sp>
+    </p:spTree>
+  </p:cSld>
+  <p:clrMapOvr>
+    <a:masterClrMapping/>
+  </p:clrMapOvr>
+</p:sld>
+</file>
+
+<file path=ppt/slides/slide30.xml><?xml version="1.0" encoding="utf-8"?>
+<p:sld xmlns:a="http://schemas.openxmlformats.org/drawingml/2006/main" xmlns:r="http://schemas.openxmlformats.org/officeDocument/2006/relationships" xmlns:mc="http://schemas.openxmlformats.org/markup-compatibility/2006" xmlns:mv="urn:schemas-microsoft-com:mac:vml" xmlns:p="http://schemas.openxmlformats.org/presentationml/2006/main" xmlns:c="http://schemas.openxmlformats.org/drawingml/2006/chart" xmlns:dgm="http://schemas.openxmlformats.org/drawingml/2006/diagram" xmlns:o="urn:schemas-microsoft-com:office:office" xmlns:v="urn:schemas-microsoft-com:vml" xmlns:pvml="urn:schemas-microsoft-com:office:powerpoint" xmlns:com="http://schemas.openxmlformats.org/drawingml/2006/compatibility" xmlns:p14="http://schemas.microsoft.com/office/powerpoint/2010/main" xmlns:p15="http://schemas.microsoft.com/office/powerpoint/2012/main" xmlns:ahyp="http://schemas.microsoft.com/office/drawing/2018/hyperlinkcolor">
+  <p:cSld>
+    <p:spTree>
+      <p:nvGrpSpPr>
+        <p:cNvPr id="227" name="Shape 227"/>
+        <p:cNvGrpSpPr/>
+        <p:nvPr/>
+      </p:nvGrpSpPr>
+      <p:grpSpPr>
+        <a:xfrm>
+          <a:off x="0" y="0"/>
+          <a:ext cx="0" cy="0"/>
+          <a:chOff x="0" y="0"/>
+          <a:chExt cx="0" cy="0"/>
+        </a:xfrm>
+      </p:grpSpPr>
+      <p:sp>
+        <p:nvSpPr>
+          <p:cNvPr id="228" name="Google Shape;228;p42"/>
+          <p:cNvSpPr txBox="1"/>
+          <p:nvPr>
+            <p:ph idx="1" type="body"/>
+          </p:nvPr>
+        </p:nvSpPr>
+        <p:spPr>
+          <a:xfrm>
+            <a:off x="0" y="0"/>
+            <a:ext cx="9144000" cy="5049600"/>
+          </a:xfrm>
+          <a:prstGeom prst="rect">
+            <a:avLst/>
+          </a:prstGeom>
+        </p:spPr>
+        <p:txBody>
+          <a:bodyPr anchorCtr="0" anchor="t" bIns="91425" lIns="91425" spcFirstLastPara="1" rIns="91425" wrap="square" tIns="91425">
+            <a:normAutofit fontScale="70000" lnSpcReduction="20000"/>
+          </a:bodyPr>
+          <a:lstStyle/>
+          <a:p>
+            <a:pPr indent="0" lvl="0" marL="0" rtl="0" algn="l">
+              <a:spcBef>
+                <a:spcPts val="0"/>
+              </a:spcBef>
+              <a:spcAft>
+                <a:spcPts val="0"/>
+              </a:spcAft>
+              <a:buNone/>
+            </a:pPr>
+            <a:r>
+              <a:rPr lang="ja" sz="1200" u="sng"/>
+              <a:t>PRewrite: Prompt Rewriting with Reinforcement Learning</a:t>
+            </a:r>
+            <a:r>
+              <a:rPr lang="ja" sz="1200" u="sng"/>
+              <a:t> 2024</a:t>
+            </a:r>
+            <a:r>
+              <a:rPr lang="ja" sz="1269" u="sng"/>
+              <a:t>  </a:t>
+            </a:r>
+            <a:br>
+              <a:rPr lang="ja" sz="1100"/>
+            </a:br>
+            <a:r>
+              <a:rPr lang="ja" sz="1100" u="sng"/>
+              <a:t>概要</a:t>
+            </a:r>
+            <a:br>
+              <a:rPr lang="ja" sz="722"/>
+            </a:br>
+            <a:r>
+              <a:rPr lang="ja" sz="722"/>
+              <a:t>- LLMアプリケーションの開発において、プロンプトエンジニアリングは重要であり、手動で行われることが多い。</a:t>
+            </a:r>
+            <a:br>
+              <a:rPr lang="ja" sz="722"/>
+            </a:br>
+            <a:r>
+              <a:rPr lang="ja" sz="722"/>
+              <a:t>- PRewriteは、Reinforcement Learningフレームワークに基づいており、手動で作成されたプロンプトを出発点としてリライト手順をよりガイドされた効率的にする。</a:t>
+            </a:r>
+            <a:br>
+              <a:rPr lang="ja" sz="722"/>
+            </a:br>
+            <a:r>
+              <a:rPr lang="ja" sz="722"/>
+              <a:t>- この新しい手法で生成されたプロンプトは、従来の手法で生成されたものや、専門家によって作成されたプロンプトよりも優れていることが実験で示されている。</a:t>
+            </a:r>
+            <a:endParaRPr sz="722"/>
+          </a:p>
+          <a:p>
+            <a:pPr indent="0" lvl="0" marL="0" rtl="0" algn="l">
+              <a:spcBef>
+                <a:spcPts val="1200"/>
+              </a:spcBef>
+              <a:spcAft>
+                <a:spcPts val="0"/>
+              </a:spcAft>
+              <a:buNone/>
+            </a:pPr>
+            <a:r>
+              <a:rPr lang="ja" sz="1100" u="sng"/>
+              <a:t>新規性</a:t>
+            </a:r>
+            <a:br>
+              <a:rPr lang="ja" sz="1100"/>
+            </a:br>
+            <a:r>
+              <a:rPr lang="ja" sz="800"/>
+              <a:t>通常、プロンプトは手作業で「試行錯誤」方式で作成されますが、この手法は時間がかかり、生成されたプロンプトが最適でないことが多いです。この問題に対処するため、PRewriteという自動化ツールを提案し、強化学習(RL)フレームワークを使用して書き換え改善します</a:t>
+            </a:r>
+            <a:endParaRPr sz="800"/>
+          </a:p>
+          <a:p>
+            <a:pPr indent="0" lvl="0" marL="0" rtl="0" algn="l">
+              <a:spcBef>
+                <a:spcPts val="1200"/>
+              </a:spcBef>
+              <a:spcAft>
+                <a:spcPts val="0"/>
+              </a:spcAft>
+              <a:buNone/>
+            </a:pPr>
+            <a:r>
+              <a:rPr lang="ja" sz="1100" u="sng"/>
+              <a:t>手法</a:t>
+            </a:r>
+            <a:br>
+              <a:rPr lang="ja" sz="800"/>
+            </a:br>
+            <a:r>
+              <a:rPr lang="ja" sz="800"/>
+              <a:t> </a:t>
+            </a:r>
+            <a:r>
+              <a:rPr lang="ja" sz="800"/>
+              <a:t>PRewriteは、初期の手作業で作成されたプロンプトを強化学習(RL)フレームワークを使用して書き換えることで改善する自動プロンプト書き換えツールです。このシステムには「プロンプトリライターモデル」と「タスクモデル」が含まれており、タスクモデルは固定されています。リライターモデルは、手作業で作成された初期のプロンプトを書き換え、生成された出力に対する報酬を計算してRLで微調整されます。この作業では、入力に依存しないプロンプトの書き換えに焦点を当てています。主な特徴は、強化学習フレームワークを使用したプロンプト書き換えのためのエンドツーエンド最適化アプローチ、以前の作業と比較してより大きくて強力なLLMの使用、および人間が読みやすいプロンプトの生成が挙げられます</a:t>
+            </a:r>
+            <a:endParaRPr sz="800"/>
+          </a:p>
+          <a:p>
+            <a:pPr indent="0" lvl="0" marL="0" rtl="0" algn="l">
+              <a:spcBef>
+                <a:spcPts val="1200"/>
+              </a:spcBef>
+              <a:spcAft>
+                <a:spcPts val="0"/>
+              </a:spcAft>
+              <a:buNone/>
+            </a:pPr>
+            <a:r>
+              <a:rPr lang="ja" sz="800"/>
+              <a:t>PRewriteの手順は以下の通りです。</a:t>
+            </a:r>
+            <a:br>
+              <a:rPr lang="ja" sz="800"/>
+            </a:br>
+            <a:r>
+              <a:rPr lang="ja" sz="800"/>
+              <a:t>1. 初期プロンプトの設定: PRewriteでは、まず手作業で作成された初期のプロンプト(p0)を設定します。</a:t>
+            </a:r>
+            <a:br>
+              <a:rPr lang="ja" sz="800"/>
+            </a:br>
+            <a:r>
+              <a:rPr lang="ja" sz="800"/>
+              <a:t>2. プロンプトリライターモデルの使用: メタプロンプトを使用して「プロンプトリライターモデル」にp0を書き換えさせ、プロンプトのバリアント（{pvi}）のセットを生成します。</a:t>
+            </a:r>
+            <a:br>
+              <a:rPr lang="ja" sz="800"/>
+            </a:br>
+            <a:r>
+              <a:rPr lang="ja" sz="800"/>
+              <a:t>3. タスクモデルの使用: 書き換えられたプロンプトを固定された「タスクモデル」に使用して出力を生成します。</a:t>
+            </a:r>
+            <a:br>
+              <a:rPr lang="ja" sz="800"/>
+            </a:br>
+            <a:r>
+              <a:rPr lang="ja" sz="800"/>
+              <a:t>4. 強化学習による微調整: 生成された出力に基づいて報酬を計算し、強化学習（RL）を使用してリライターモデルを微調整します。このプロセスは収束するまで繰り返されます。</a:t>
+            </a:r>
+            <a:br>
+              <a:rPr lang="ja" sz="800"/>
+            </a:br>
+            <a:r>
+              <a:rPr lang="ja" sz="800"/>
+              <a:t>5. 最適化されたプロンプトの生成: 微調整されたリライターモデルを使用して、最適化されたプロンプトを生成し、さまざまな下流タスクでの使用に備えます​​。</a:t>
+            </a:r>
+            <a:endParaRPr sz="800"/>
+          </a:p>
+          <a:p>
+            <a:pPr indent="0" lvl="0" marL="0" rtl="0" algn="l">
+              <a:spcBef>
+                <a:spcPts val="1200"/>
+              </a:spcBef>
+              <a:spcAft>
+                <a:spcPts val="0"/>
+              </a:spcAft>
+              <a:buNone/>
+            </a:pPr>
+            <a:r>
+              <a:rPr lang="ja" sz="800"/>
+              <a:t>プロンプトリライターモデル:</a:t>
+            </a:r>
+            <a:br>
+              <a:rPr lang="ja" sz="800"/>
+            </a:br>
+            <a:r>
+              <a:rPr lang="ja" sz="800"/>
+              <a:t>このモデルは、初期プロンプトを書き換える役割を担います。リライターモデルは強化学習（RL）を用いて訓練され、与えられた初期プロンプトを改善する新しいプロンプトバリアントを生成します。このモデルは、元のプロンプトから派生した複数のバリアントを生成し、それらを評価して最適なプロンプトを選出します。</a:t>
+            </a:r>
+            <a:br>
+              <a:rPr lang="ja" sz="800"/>
+            </a:br>
+            <a:r>
+              <a:rPr lang="ja" sz="800"/>
+              <a:t>タスクモデル:</a:t>
+            </a:r>
+            <a:br>
+              <a:rPr lang="ja" sz="800"/>
+            </a:br>
+            <a:r>
+              <a:rPr lang="ja" sz="800"/>
+              <a:t>タスクモデルは、書き換えられたプロンプトを使用して特定のタスクを実行するモデルです。このモデルは固定されており、訓練されません。リライターモデルによって生成されたプロンプトは、このタスクモデルに入力され、タスクの実行結果が生成されます。この出力は、リライターモデルの訓練における報酬計算に使用されます。</a:t>
+            </a:r>
+            <a:endParaRPr sz="800"/>
+          </a:p>
+          <a:p>
+            <a:pPr indent="0" lvl="0" marL="0" rtl="0" algn="l">
+              <a:spcBef>
+                <a:spcPts val="1200"/>
+              </a:spcBef>
+              <a:spcAft>
+                <a:spcPts val="0"/>
+              </a:spcAft>
+              <a:buNone/>
+            </a:pPr>
+            <a:r>
+              <a:rPr lang="ja" sz="800"/>
+              <a:t>実装するならこんんな感じかなで考えてみた手順例:</a:t>
+            </a:r>
+            <a:br>
+              <a:rPr lang="ja" sz="800"/>
+            </a:br>
+            <a:r>
+              <a:rPr lang="ja" sz="800"/>
+              <a:t>1. 初期プロンプトの設定: 例えば、自然言語処理タスクのための簡潔な質問文「天気はどうですか？」が初期プロンプトとして設定される。</a:t>
+            </a:r>
+            <a:br>
+              <a:rPr lang="ja" sz="800"/>
+            </a:br>
+            <a:r>
+              <a:rPr lang="ja" sz="800"/>
+              <a:t>2. プロンプトリライターモデルの使用: このモデルが初期プロンプトを受け取り、「今日の天気はどうですか？」や「現在の天気状況は？」のような</a:t>
+            </a:r>
+            <a:br>
+              <a:rPr lang="ja" sz="800"/>
+            </a:br>
+            <a:r>
+              <a:rPr lang="ja" sz="800"/>
+              <a:t>複数の改善されたプロンプトバリアントを生成する。</a:t>
+            </a:r>
+            <a:br>
+              <a:rPr lang="ja" sz="800"/>
+            </a:br>
+            <a:r>
+              <a:rPr lang="ja" sz="800"/>
+              <a:t>3. タスクモデルの使用: 生成された各プロンプトバリアントをタスクモデルに入力し、天気に関する回答を生成する。</a:t>
+            </a:r>
+            <a:br>
+              <a:rPr lang="ja" sz="800"/>
+            </a:br>
+            <a:r>
+              <a:rPr lang="ja" sz="800"/>
+              <a:t>4. 最適なプロンプトの選出: タスクモデルの出力を評価し、最も効果的な回答を生成したプロンプトを最適なプロンプトとして選出する。</a:t>
+            </a:r>
+            <a:endParaRPr sz="800"/>
+          </a:p>
+          <a:p>
+            <a:pPr indent="0" lvl="0" marL="0" rtl="0" algn="l">
+              <a:spcBef>
+                <a:spcPts val="1200"/>
+              </a:spcBef>
+              <a:spcAft>
+                <a:spcPts val="0"/>
+              </a:spcAft>
+              <a:buNone/>
+            </a:pPr>
+            <a:r>
+              <a:rPr lang="ja" sz="1122" u="sng"/>
+              <a:t>結果</a:t>
+            </a:r>
+            <a:br>
+              <a:rPr lang="ja" sz="1122"/>
+            </a:br>
+            <a:r>
+              <a:rPr lang="ja" sz="822"/>
+              <a:t>この研究では、Natural Questions (NQ)、SST-2、AG’s Newsのデータセットを使用して提案されたアプローチを評価</a:t>
+            </a:r>
+            <a:br>
+              <a:rPr lang="ja" sz="822"/>
+            </a:br>
+            <a:r>
+              <a:rPr lang="ja" sz="822"/>
+              <a:t>例えばAG's Newsデータセットに対する書き換えられたプロンプトのケーススタディにおいて、以下のような評価基準が使用されています。</a:t>
+            </a:r>
+            <a:br>
+              <a:rPr lang="ja" sz="822"/>
+            </a:br>
+            <a:r>
+              <a:rPr lang="ja" sz="822"/>
+              <a:t>1. 初期プロンプト: ニュース記事を以下のカテゴリーのいずれかに分類するというタスクが与えられます。</a:t>
+            </a:r>
+            <a:br>
+              <a:rPr lang="ja" sz="822"/>
+            </a:br>
+            <a:r>
+              <a:rPr lang="ja" sz="822"/>
+              <a:t>カテゴリーは「1. World（世界）」、「2. Sports（スポーツ）」、「3. Business（ビジネス）」、「4. Sci/Tech（科学/技術）」です。この初期プロンプトに基づくタスクの正確性（Accuracy）は76.9%でした。</a:t>
+            </a:r>
+            <a:br>
+              <a:rPr lang="ja" sz="822"/>
+            </a:br>
+            <a:r>
+              <a:rPr lang="ja" sz="822"/>
+              <a:t>2. 書き換えられたプロンプト（Reward: EM）: 書き換えられたプロンプトでは、ニュース記事を同じ4つのカテゴリーに分類するというタスクが与えられますが、以下のような特定の要件が追加されています：</a:t>
+            </a:r>
+            <a:br>
+              <a:rPr lang="ja" sz="822"/>
+            </a:br>
+            <a:r>
+              <a:rPr lang="ja" sz="822"/>
+              <a:t>    - 記事は事実に基づく客観的なものであること。記事は現在のもので、1ヶ月以内のものであること。記事は一般公衆に関連するものであること。記事は重要なニュースであること。記事は読みやすく理解しやすいものであること。記事は正確で事実の誤りがないこと。記事は偏りがないこと。</a:t>
+            </a:r>
+            <a:br>
+              <a:rPr lang="ja" sz="822"/>
+            </a:br>
+            <a:r>
+              <a:rPr lang="ja" sz="822"/>
+              <a:t>    記事は完全で、トピックを理解するのに必要な情報をすべて含んでいること。記事は簡潔で、必要以上に長くないこと。記事はよく構成されており、読者が記事の流れを容易に追えること。記事は視覚的に魅力的で、明確かつ簡潔な言語を使用し、専門用語や技術用語を避けること。記事は文法的な誤りや誤植がないこと。</a:t>
+            </a:r>
+            <a:br>
+              <a:rPr lang="ja" sz="822"/>
+            </a:br>
+            <a:r>
+              <a:rPr lang="ja" sz="822"/>
+              <a:t>3. この書き換えられたプロンプトに基づくタスクの正確性は84.5%でした。</a:t>
+            </a:r>
+            <a:br>
+              <a:rPr lang="ja" sz="822"/>
+            </a:br>
+            <a:r>
+              <a:rPr lang="ja" sz="822"/>
+              <a:t>別の書き換えられたプロンプト（Reward: Perplexity + F1）: このプロンプトでは、ニュース記事を4つのカテゴリーのいずれかに分類するタスクが与えられます。</a:t>
+            </a:r>
+            <a:br>
+              <a:rPr lang="ja" sz="822"/>
+            </a:br>
+            <a:r>
+              <a:rPr lang="ja" sz="822"/>
+              <a:t>そこでは、各カテゴリーに分類される記事の具体的な例が提示されています。このプロンプトに基づくタスクの正確性は84.1%でした​​。</a:t>
+            </a:r>
+            <a:endParaRPr sz="822"/>
+          </a:p>
+          <a:p>
+            <a:pPr indent="0" lvl="0" marL="0" rtl="0" algn="l">
+              <a:spcBef>
+                <a:spcPts val="1200"/>
+              </a:spcBef>
+              <a:spcAft>
+                <a:spcPts val="1200"/>
+              </a:spcAft>
+              <a:buNone/>
+            </a:pPr>
+            <a:r>
+              <a:rPr lang="ja" sz="822"/>
+              <a:t>これらの評価基準は、書き換えられたプロンプトがタスクの正確性にどのように影響するかを示すために使用されています。</a:t>
+            </a:r>
+            <a:br>
+              <a:rPr lang="ja" sz="822"/>
+            </a:br>
+            <a:r>
+              <a:rPr lang="ja" sz="822"/>
+              <a:t>具体的な評価やプロンプトが無く話が薄味、この情報だけで実装すると別物が出来上がるレベル</a:t>
+            </a:r>
+            <a:endParaRPr sz="822"/>
+          </a:p>
+        </p:txBody>
+      </p:sp>
+      <p:pic>
+        <p:nvPicPr>
+          <p:cNvPr id="229" name="Google Shape;229;p42"/>
+          <p:cNvPicPr preferRelativeResize="0"/>
+          <p:nvPr/>
+        </p:nvPicPr>
+        <p:blipFill>
+          <a:blip r:embed="rId3">
+            <a:alphaModFix/>
+          </a:blip>
+          <a:stretch>
+            <a:fillRect/>
+          </a:stretch>
+        </p:blipFill>
+        <p:spPr>
+          <a:xfrm>
+            <a:off x="5297975" y="2699325"/>
+            <a:ext cx="3664775" cy="1018825"/>
+          </a:xfrm>
+          <a:prstGeom prst="rect">
+            <a:avLst/>
+          </a:prstGeom>
+          <a:noFill/>
+          <a:ln>
+            <a:noFill/>
+          </a:ln>
+        </p:spPr>
+      </p:pic>
     </p:spTree>
   </p:cSld>
   <p:clrMapOvr>
